--- a/6.프로그램명세서(기능설명위주)_v1.0.pptx
+++ b/6.프로그램명세서(기능설명위주)_v1.0.pptx
@@ -22,22 +22,27 @@
   <p:notesSz cx="6858000" cy="9144000"/>
   <p:embeddedFontLst>
     <p:embeddedFont>
-      <p:font typeface="Noto Sans Symbols" panose="020B0600000101010101" charset="-127"/>
+      <p:font typeface="Calibri" panose="020F0502020204030204" pitchFamily="34" charset="0"/>
       <p:regular r:id="rId12"/>
+      <p:bold r:id="rId13"/>
+      <p:italic r:id="rId14"/>
+      <p:boldItalic r:id="rId15"/>
     </p:embeddedFont>
     <p:embeddedFont>
-      <p:font typeface="Quattrocento Sans" panose="020B0604020202020204" charset="0"/>
-      <p:regular r:id="rId13"/>
-      <p:bold r:id="rId14"/>
-      <p:italic r:id="rId15"/>
-      <p:boldItalic r:id="rId16"/>
+      <p:font typeface="Noto Sans Symbols" panose="020B0502040504020204" pitchFamily="50" charset="-127"/>
+      <p:regular r:id="rId16"/>
     </p:embeddedFont>
     <p:embeddedFont>
-      <p:font typeface="Calibri" panose="020F0502020204030204" pitchFamily="34" charset="0"/>
+      <p:font typeface="Quattrocento Sans" panose="020B0600000101010101" charset="0"/>
       <p:regular r:id="rId17"/>
       <p:bold r:id="rId18"/>
       <p:italic r:id="rId19"/>
       <p:boldItalic r:id="rId20"/>
+    </p:embeddedFont>
+    <p:embeddedFont>
+      <p:font typeface="맑은 고딕" panose="020B0503020000020004" pitchFamily="50" charset="-127"/>
+      <p:regular r:id="rId21"/>
+      <p:bold r:id="rId22"/>
     </p:embeddedFont>
     <p:embeddedFont>
       <p:font typeface="맑은 고딕" panose="020B0503020000020004" pitchFamily="50" charset="-127"/>
@@ -276,7 +281,18 @@
   </p:defaultTextStyle>
   <p:extLst>
     <p:ext uri="{EFAFB233-063F-42B5-8137-9DF3F51BA10A}">
-      <p15:sldGuideLst xmlns="" xmlns:p15="http://schemas.microsoft.com/office/powerpoint/2012/main"/>
+      <p15:sldGuideLst xmlns:p15="http://schemas.microsoft.com/office/powerpoint/2012/main">
+        <p15:guide id="1" orient="horz" pos="2160">
+          <p15:clr>
+            <a:srgbClr val="A4A3A4"/>
+          </p15:clr>
+        </p15:guide>
+        <p15:guide id="2" pos="3120">
+          <p15:clr>
+            <a:srgbClr val="A4A3A4"/>
+          </p15:clr>
+        </p15:guide>
+      </p15:sldGuideLst>
     </p:ext>
   </p:extLst>
 </p:presentation>
@@ -7263,42 +7279,42 @@
                 <a:gridCol w="1315075">
                   <a:extLst>
                     <a:ext uri="{9D8B030D-6E8A-4147-A177-3AD203B41FA5}">
-                      <a16:colId xmlns="" xmlns:a16="http://schemas.microsoft.com/office/drawing/2014/main" val="20000"/>
+                      <a16:colId xmlns:a16="http://schemas.microsoft.com/office/drawing/2014/main" val="20000"/>
                     </a:ext>
                   </a:extLst>
                 </a:gridCol>
                 <a:gridCol w="1728400">
                   <a:extLst>
                     <a:ext uri="{9D8B030D-6E8A-4147-A177-3AD203B41FA5}">
-                      <a16:colId xmlns="" xmlns:a16="http://schemas.microsoft.com/office/drawing/2014/main" val="20001"/>
+                      <a16:colId xmlns:a16="http://schemas.microsoft.com/office/drawing/2014/main" val="20001"/>
                     </a:ext>
                   </a:extLst>
                 </a:gridCol>
                 <a:gridCol w="1224275">
                   <a:extLst>
                     <a:ext uri="{9D8B030D-6E8A-4147-A177-3AD203B41FA5}">
-                      <a16:colId xmlns="" xmlns:a16="http://schemas.microsoft.com/office/drawing/2014/main" val="20002"/>
+                      <a16:colId xmlns:a16="http://schemas.microsoft.com/office/drawing/2014/main" val="20002"/>
                     </a:ext>
                   </a:extLst>
                 </a:gridCol>
                 <a:gridCol w="1512350">
                   <a:extLst>
                     <a:ext uri="{9D8B030D-6E8A-4147-A177-3AD203B41FA5}">
-                      <a16:colId xmlns="" xmlns:a16="http://schemas.microsoft.com/office/drawing/2014/main" val="20003"/>
+                      <a16:colId xmlns:a16="http://schemas.microsoft.com/office/drawing/2014/main" val="20003"/>
                     </a:ext>
                   </a:extLst>
                 </a:gridCol>
                 <a:gridCol w="1368325">
                   <a:extLst>
                     <a:ext uri="{9D8B030D-6E8A-4147-A177-3AD203B41FA5}">
-                      <a16:colId xmlns="" xmlns:a16="http://schemas.microsoft.com/office/drawing/2014/main" val="20004"/>
+                      <a16:colId xmlns:a16="http://schemas.microsoft.com/office/drawing/2014/main" val="20004"/>
                     </a:ext>
                   </a:extLst>
                 </a:gridCol>
                 <a:gridCol w="1589175">
                   <a:extLst>
                     <a:ext uri="{9D8B030D-6E8A-4147-A177-3AD203B41FA5}">
-                      <a16:colId xmlns="" xmlns:a16="http://schemas.microsoft.com/office/drawing/2014/main" val="20005"/>
+                      <a16:colId xmlns:a16="http://schemas.microsoft.com/office/drawing/2014/main" val="20005"/>
                     </a:ext>
                   </a:extLst>
                 </a:gridCol>
@@ -7501,7 +7517,7 @@
                 </a:tc>
                 <a:extLst>
                   <a:ext uri="{0D108BD9-81ED-4DB2-BD59-A6C34878D82A}">
-                    <a16:rowId xmlns="" xmlns:a16="http://schemas.microsoft.com/office/drawing/2014/main" val="10000"/>
+                    <a16:rowId xmlns:a16="http://schemas.microsoft.com/office/drawing/2014/main" val="10000"/>
                   </a:ext>
                 </a:extLst>
               </a:tr>
@@ -7907,7 +7923,7 @@
                 </a:tc>
                 <a:extLst>
                   <a:ext uri="{0D108BD9-81ED-4DB2-BD59-A6C34878D82A}">
-                    <a16:rowId xmlns="" xmlns:a16="http://schemas.microsoft.com/office/drawing/2014/main" val="10001"/>
+                    <a16:rowId xmlns:a16="http://schemas.microsoft.com/office/drawing/2014/main" val="10001"/>
                   </a:ext>
                 </a:extLst>
               </a:tr>
@@ -8455,7 +8471,7 @@
                 </a:tc>
                 <a:extLst>
                   <a:ext uri="{0D108BD9-81ED-4DB2-BD59-A6C34878D82A}">
-                    <a16:rowId xmlns="" xmlns:a16="http://schemas.microsoft.com/office/drawing/2014/main" val="10002"/>
+                    <a16:rowId xmlns:a16="http://schemas.microsoft.com/office/drawing/2014/main" val="10002"/>
                   </a:ext>
                 </a:extLst>
               </a:tr>
@@ -8927,7 +8943,7 @@
                 </a:tc>
                 <a:extLst>
                   <a:ext uri="{0D108BD9-81ED-4DB2-BD59-A6C34878D82A}">
-                    <a16:rowId xmlns="" xmlns:a16="http://schemas.microsoft.com/office/drawing/2014/main" val="10003"/>
+                    <a16:rowId xmlns:a16="http://schemas.microsoft.com/office/drawing/2014/main" val="10003"/>
                   </a:ext>
                 </a:extLst>
               </a:tr>
@@ -9143,21 +9159,21 @@
                 <a:gridCol w="744765">
                   <a:extLst>
                     <a:ext uri="{9D8B030D-6E8A-4147-A177-3AD203B41FA5}">
-                      <a16:colId xmlns="" xmlns:a16="http://schemas.microsoft.com/office/drawing/2014/main" val="20000"/>
+                      <a16:colId xmlns:a16="http://schemas.microsoft.com/office/drawing/2014/main" val="20000"/>
                     </a:ext>
                   </a:extLst>
                 </a:gridCol>
                 <a:gridCol w="7629856">
                   <a:extLst>
                     <a:ext uri="{9D8B030D-6E8A-4147-A177-3AD203B41FA5}">
-                      <a16:colId xmlns="" xmlns:a16="http://schemas.microsoft.com/office/drawing/2014/main" val="20001"/>
+                      <a16:colId xmlns:a16="http://schemas.microsoft.com/office/drawing/2014/main" val="20001"/>
                     </a:ext>
                   </a:extLst>
                 </a:gridCol>
                 <a:gridCol w="744765">
                   <a:extLst>
                     <a:ext uri="{9D8B030D-6E8A-4147-A177-3AD203B41FA5}">
-                      <a16:colId xmlns="" xmlns:a16="http://schemas.microsoft.com/office/drawing/2014/main" val="20002"/>
+                      <a16:colId xmlns:a16="http://schemas.microsoft.com/office/drawing/2014/main" val="20002"/>
                     </a:ext>
                   </a:extLst>
                 </a:gridCol>
@@ -9411,7 +9427,7 @@
                 </a:tc>
                 <a:extLst>
                   <a:ext uri="{0D108BD9-81ED-4DB2-BD59-A6C34878D82A}">
-                    <a16:rowId xmlns="" xmlns:a16="http://schemas.microsoft.com/office/drawing/2014/main" val="10000"/>
+                    <a16:rowId xmlns:a16="http://schemas.microsoft.com/office/drawing/2014/main" val="10000"/>
                   </a:ext>
                 </a:extLst>
               </a:tr>
@@ -9643,7 +9659,7 @@
                 </a:tc>
                 <a:extLst>
                   <a:ext uri="{0D108BD9-81ED-4DB2-BD59-A6C34878D82A}">
-                    <a16:rowId xmlns="" xmlns:a16="http://schemas.microsoft.com/office/drawing/2014/main" val="10001"/>
+                    <a16:rowId xmlns:a16="http://schemas.microsoft.com/office/drawing/2014/main" val="10001"/>
                   </a:ext>
                 </a:extLst>
               </a:tr>
@@ -9875,7 +9891,7 @@
                 </a:tc>
                 <a:extLst>
                   <a:ext uri="{0D108BD9-81ED-4DB2-BD59-A6C34878D82A}">
-                    <a16:rowId xmlns="" xmlns:a16="http://schemas.microsoft.com/office/drawing/2014/main" val="10002"/>
+                    <a16:rowId xmlns:a16="http://schemas.microsoft.com/office/drawing/2014/main" val="10002"/>
                   </a:ext>
                 </a:extLst>
               </a:tr>
@@ -10107,7 +10123,7 @@
                 </a:tc>
                 <a:extLst>
                   <a:ext uri="{0D108BD9-81ED-4DB2-BD59-A6C34878D82A}">
-                    <a16:rowId xmlns="" xmlns:a16="http://schemas.microsoft.com/office/drawing/2014/main" val="10003"/>
+                    <a16:rowId xmlns:a16="http://schemas.microsoft.com/office/drawing/2014/main" val="10003"/>
                   </a:ext>
                 </a:extLst>
               </a:tr>
@@ -10345,7 +10361,7 @@
                 </a:tc>
                 <a:extLst>
                   <a:ext uri="{0D108BD9-81ED-4DB2-BD59-A6C34878D82A}">
-                    <a16:rowId xmlns="" xmlns:a16="http://schemas.microsoft.com/office/drawing/2014/main" val="10004"/>
+                    <a16:rowId xmlns:a16="http://schemas.microsoft.com/office/drawing/2014/main" val="10004"/>
                   </a:ext>
                 </a:extLst>
               </a:tr>
@@ -10553,7 +10569,7 @@
                 </a:tc>
                 <a:extLst>
                   <a:ext uri="{0D108BD9-81ED-4DB2-BD59-A6C34878D82A}">
-                    <a16:rowId xmlns="" xmlns:a16="http://schemas.microsoft.com/office/drawing/2014/main" val="10005"/>
+                    <a16:rowId xmlns:a16="http://schemas.microsoft.com/office/drawing/2014/main" val="10005"/>
                   </a:ext>
                 </a:extLst>
               </a:tr>
@@ -10761,7 +10777,7 @@
                 </a:tc>
                 <a:extLst>
                   <a:ext uri="{0D108BD9-81ED-4DB2-BD59-A6C34878D82A}">
-                    <a16:rowId xmlns="" xmlns:a16="http://schemas.microsoft.com/office/drawing/2014/main" val="10006"/>
+                    <a16:rowId xmlns:a16="http://schemas.microsoft.com/office/drawing/2014/main" val="10006"/>
                   </a:ext>
                 </a:extLst>
               </a:tr>
@@ -10969,7 +10985,7 @@
                 </a:tc>
                 <a:extLst>
                   <a:ext uri="{0D108BD9-81ED-4DB2-BD59-A6C34878D82A}">
-                    <a16:rowId xmlns="" xmlns:a16="http://schemas.microsoft.com/office/drawing/2014/main" val="10007"/>
+                    <a16:rowId xmlns:a16="http://schemas.microsoft.com/office/drawing/2014/main" val="10007"/>
                   </a:ext>
                 </a:extLst>
               </a:tr>
@@ -11177,7 +11193,7 @@
                 </a:tc>
                 <a:extLst>
                   <a:ext uri="{0D108BD9-81ED-4DB2-BD59-A6C34878D82A}">
-                    <a16:rowId xmlns="" xmlns:a16="http://schemas.microsoft.com/office/drawing/2014/main" val="10008"/>
+                    <a16:rowId xmlns:a16="http://schemas.microsoft.com/office/drawing/2014/main" val="10008"/>
                   </a:ext>
                 </a:extLst>
               </a:tr>
@@ -11385,7 +11401,7 @@
                 </a:tc>
                 <a:extLst>
                   <a:ext uri="{0D108BD9-81ED-4DB2-BD59-A6C34878D82A}">
-                    <a16:rowId xmlns="" xmlns:a16="http://schemas.microsoft.com/office/drawing/2014/main" val="10009"/>
+                    <a16:rowId xmlns:a16="http://schemas.microsoft.com/office/drawing/2014/main" val="10009"/>
                   </a:ext>
                 </a:extLst>
               </a:tr>
@@ -11593,7 +11609,7 @@
                 </a:tc>
                 <a:extLst>
                   <a:ext uri="{0D108BD9-81ED-4DB2-BD59-A6C34878D82A}">
-                    <a16:rowId xmlns="" xmlns:a16="http://schemas.microsoft.com/office/drawing/2014/main" val="10010"/>
+                    <a16:rowId xmlns:a16="http://schemas.microsoft.com/office/drawing/2014/main" val="10010"/>
                   </a:ext>
                 </a:extLst>
               </a:tr>
@@ -11801,7 +11817,7 @@
                 </a:tc>
                 <a:extLst>
                   <a:ext uri="{0D108BD9-81ED-4DB2-BD59-A6C34878D82A}">
-                    <a16:rowId xmlns="" xmlns:a16="http://schemas.microsoft.com/office/drawing/2014/main" val="10011"/>
+                    <a16:rowId xmlns:a16="http://schemas.microsoft.com/office/drawing/2014/main" val="10011"/>
                   </a:ext>
                 </a:extLst>
               </a:tr>
@@ -12009,7 +12025,7 @@
                 </a:tc>
                 <a:extLst>
                   <a:ext uri="{0D108BD9-81ED-4DB2-BD59-A6C34878D82A}">
-                    <a16:rowId xmlns="" xmlns:a16="http://schemas.microsoft.com/office/drawing/2014/main" val="10012"/>
+                    <a16:rowId xmlns:a16="http://schemas.microsoft.com/office/drawing/2014/main" val="10012"/>
                   </a:ext>
                 </a:extLst>
               </a:tr>
@@ -12217,7 +12233,7 @@
                 </a:tc>
                 <a:extLst>
                   <a:ext uri="{0D108BD9-81ED-4DB2-BD59-A6C34878D82A}">
-                    <a16:rowId xmlns="" xmlns:a16="http://schemas.microsoft.com/office/drawing/2014/main" val="10013"/>
+                    <a16:rowId xmlns:a16="http://schemas.microsoft.com/office/drawing/2014/main" val="10013"/>
                   </a:ext>
                 </a:extLst>
               </a:tr>
@@ -12425,7 +12441,7 @@
                 </a:tc>
                 <a:extLst>
                   <a:ext uri="{0D108BD9-81ED-4DB2-BD59-A6C34878D82A}">
-                    <a16:rowId xmlns="" xmlns:a16="http://schemas.microsoft.com/office/drawing/2014/main" val="10014"/>
+                    <a16:rowId xmlns:a16="http://schemas.microsoft.com/office/drawing/2014/main" val="10014"/>
                   </a:ext>
                 </a:extLst>
               </a:tr>
@@ -12720,21 +12736,9 @@
                 <a:cs typeface="Malgun Gothic"/>
                 <a:sym typeface="Malgun Gothic"/>
               </a:rPr>
-              <a:t>시스템 실행 시 메인 </a:t>
+              <a:t>시스템 실행 시 메인 화면</a:t>
             </a:r>
-            <a:r>
-              <a:rPr lang="ko-KR" altLang="en-US" sz="900" dirty="0" smtClean="0">
-                <a:solidFill>
-                  <a:schemeClr val="dk1"/>
-                </a:solidFill>
-                <a:latin typeface="Malgun Gothic"/>
-                <a:ea typeface="Malgun Gothic"/>
-                <a:cs typeface="Malgun Gothic"/>
-                <a:sym typeface="Malgun Gothic"/>
-              </a:rPr>
-              <a:t>화면</a:t>
-            </a:r>
-            <a:endParaRPr lang="en-US" altLang="ko-KR" sz="900" dirty="0" smtClean="0">
+            <a:endParaRPr lang="en-US" altLang="ko-KR" sz="900" dirty="0">
               <a:solidFill>
                 <a:schemeClr val="dk1"/>
               </a:solidFill>
@@ -12791,7 +12795,7 @@
               <a:buNone/>
             </a:pPr>
             <a:r>
-              <a:rPr lang="ko-KR" altLang="en-US" sz="900" dirty="0" smtClean="0">
+              <a:rPr lang="ko-KR" altLang="en-US" sz="900" dirty="0">
                 <a:solidFill>
                   <a:schemeClr val="dk1"/>
                 </a:solidFill>
@@ -12803,7 +12807,7 @@
               <a:t>시스템의 메인 화면으로 시스템을 실행 하였을 때 가장 먼저 실행되는 화면이다</a:t>
             </a:r>
             <a:r>
-              <a:rPr lang="en-US" altLang="ko-KR" sz="900" dirty="0" smtClean="0">
+              <a:rPr lang="en-US" altLang="ko-KR" sz="900" dirty="0">
                 <a:solidFill>
                   <a:schemeClr val="dk1"/>
                 </a:solidFill>
@@ -12834,7 +12838,7 @@
               <a:buNone/>
             </a:pPr>
             <a:r>
-              <a:rPr lang="ko-KR" altLang="en-US" sz="900" dirty="0" smtClean="0">
+              <a:rPr lang="ko-KR" altLang="en-US" sz="900" dirty="0">
                 <a:solidFill>
                   <a:schemeClr val="dk1"/>
                 </a:solidFill>
@@ -12846,7 +12850,7 @@
               <a:t>학번과 비밀번호의 입력을 통해 </a:t>
             </a:r>
             <a:r>
-              <a:rPr lang="ko-KR" altLang="en-US" sz="900" dirty="0" err="1" smtClean="0">
+              <a:rPr lang="ko-KR" altLang="en-US" sz="900" dirty="0" err="1">
                 <a:solidFill>
                   <a:schemeClr val="dk1"/>
                 </a:solidFill>
@@ -12858,7 +12862,7 @@
               <a:t>로그인이</a:t>
             </a:r>
             <a:r>
-              <a:rPr lang="ko-KR" altLang="en-US" sz="900" dirty="0" smtClean="0">
+              <a:rPr lang="ko-KR" altLang="en-US" sz="900" dirty="0">
                 <a:solidFill>
                   <a:schemeClr val="dk1"/>
                 </a:solidFill>
@@ -12870,7 +12874,7 @@
               <a:t> 가능하며 신규 사용자의 경우 회원가입이 가능하다</a:t>
             </a:r>
             <a:r>
-              <a:rPr lang="en-US" altLang="ko-KR" sz="900" dirty="0" smtClean="0">
+              <a:rPr lang="en-US" altLang="ko-KR" sz="900" dirty="0">
                 <a:solidFill>
                   <a:schemeClr val="dk1"/>
                 </a:solidFill>
@@ -12882,7 +12886,7 @@
               <a:t>.</a:t>
             </a:r>
             <a:r>
-              <a:rPr lang="ko-KR" altLang="en-US" sz="900" dirty="0" smtClean="0">
+              <a:rPr lang="ko-KR" altLang="en-US" sz="900" dirty="0">
                 <a:solidFill>
                   <a:schemeClr val="dk1"/>
                 </a:solidFill>
@@ -12893,7 +12897,7 @@
               </a:rPr>
               <a:t> </a:t>
             </a:r>
-            <a:endParaRPr lang="en-US" altLang="ko-KR" sz="900" dirty="0" smtClean="0">
+            <a:endParaRPr lang="en-US" altLang="ko-KR" sz="900" dirty="0">
               <a:solidFill>
                 <a:schemeClr val="dk1"/>
               </a:solidFill>
@@ -12950,7 +12954,7 @@
               <a:buNone/>
             </a:pPr>
             <a:r>
-              <a:rPr lang="ko-KR" altLang="en-US" sz="900" b="0" i="0" u="none" strike="noStrike" cap="none" dirty="0" smtClean="0">
+              <a:rPr lang="ko-KR" altLang="en-US" sz="900" b="0" i="0" u="none" strike="noStrike" cap="none" dirty="0">
                 <a:solidFill>
                   <a:schemeClr val="dk1"/>
                 </a:solidFill>
@@ -12962,7 +12966,7 @@
               <a:t>잘못된 아이디와 비밀번호를 </a:t>
             </a:r>
             <a:r>
-              <a:rPr lang="ko-KR" altLang="en-US" sz="900" b="0" i="0" u="none" strike="noStrike" cap="none" dirty="0" err="1" smtClean="0">
+              <a:rPr lang="ko-KR" altLang="en-US" sz="900" b="0" i="0" u="none" strike="noStrike" cap="none" dirty="0" err="1">
                 <a:solidFill>
                   <a:schemeClr val="dk1"/>
                 </a:solidFill>
@@ -12974,7 +12978,7 @@
               <a:t>입력시</a:t>
             </a:r>
             <a:r>
-              <a:rPr lang="ko-KR" altLang="en-US" sz="900" b="0" i="0" u="none" strike="noStrike" cap="none" dirty="0" smtClean="0">
+              <a:rPr lang="ko-KR" altLang="en-US" sz="900" b="0" i="0" u="none" strike="noStrike" cap="none" dirty="0">
                 <a:solidFill>
                   <a:schemeClr val="dk1"/>
                 </a:solidFill>
@@ -12986,7 +12990,7 @@
               <a:t> </a:t>
             </a:r>
             <a:r>
-              <a:rPr lang="ko-KR" altLang="en-US" sz="900" b="0" i="0" u="none" strike="noStrike" cap="none" dirty="0" err="1" smtClean="0">
+              <a:rPr lang="ko-KR" altLang="en-US" sz="900" b="0" i="0" u="none" strike="noStrike" cap="none" dirty="0" err="1">
                 <a:solidFill>
                   <a:schemeClr val="dk1"/>
                 </a:solidFill>
@@ -12998,7 +13002,7 @@
               <a:t>팝업창을</a:t>
             </a:r>
             <a:r>
-              <a:rPr lang="ko-KR" altLang="en-US" sz="900" b="0" i="0" u="none" strike="noStrike" cap="none" dirty="0" smtClean="0">
+              <a:rPr lang="ko-KR" altLang="en-US" sz="900" b="0" i="0" u="none" strike="noStrike" cap="none" dirty="0">
                 <a:solidFill>
                   <a:schemeClr val="dk1"/>
                 </a:solidFill>
@@ -13010,7 +13014,7 @@
               <a:t> 통해 재입력을 요청한다</a:t>
             </a:r>
             <a:r>
-              <a:rPr lang="en-US" altLang="ko-KR" sz="900" b="0" i="0" u="none" strike="noStrike" cap="none" dirty="0" smtClean="0">
+              <a:rPr lang="en-US" altLang="ko-KR" sz="900" b="0" i="0" u="none" strike="noStrike" cap="none" dirty="0">
                 <a:solidFill>
                   <a:schemeClr val="dk1"/>
                 </a:solidFill>
@@ -13049,7 +13053,7 @@
               <a:buFont typeface="Malgun Gothic"/>
               <a:buNone/>
             </a:pPr>
-            <a:endParaRPr lang="en-US" sz="900" dirty="0" smtClean="0">
+            <a:endParaRPr lang="en-US" sz="900" dirty="0">
               <a:solidFill>
                 <a:schemeClr val="dk1"/>
               </a:solidFill>
@@ -13105,7 +13109,7 @@
               <a:buFont typeface="Malgun Gothic"/>
               <a:buNone/>
             </a:pPr>
-            <a:endParaRPr lang="en-US" sz="900" dirty="0" smtClean="0">
+            <a:endParaRPr lang="en-US" sz="900" dirty="0">
               <a:solidFill>
                 <a:schemeClr val="dk1"/>
               </a:solidFill>
@@ -13161,7 +13165,7 @@
               <a:buFont typeface="Malgun Gothic"/>
               <a:buNone/>
             </a:pPr>
-            <a:endParaRPr lang="en-US" sz="900" dirty="0" smtClean="0">
+            <a:endParaRPr lang="en-US" sz="900" dirty="0">
               <a:solidFill>
                 <a:schemeClr val="dk1"/>
               </a:solidFill>
@@ -13217,7 +13221,7 @@
               <a:buFont typeface="Malgun Gothic"/>
               <a:buNone/>
             </a:pPr>
-            <a:endParaRPr lang="en-US" sz="900" dirty="0" smtClean="0">
+            <a:endParaRPr lang="en-US" sz="900" dirty="0">
               <a:solidFill>
                 <a:schemeClr val="dk1"/>
               </a:solidFill>
@@ -13273,7 +13277,7 @@
               <a:buFont typeface="Malgun Gothic"/>
               <a:buNone/>
             </a:pPr>
-            <a:endParaRPr lang="en-US" sz="900" dirty="0" smtClean="0">
+            <a:endParaRPr lang="en-US" sz="900" dirty="0">
               <a:solidFill>
                 <a:schemeClr val="dk1"/>
               </a:solidFill>
@@ -13329,7 +13333,7 @@
               <a:buFont typeface="Malgun Gothic"/>
               <a:buNone/>
             </a:pPr>
-            <a:endParaRPr lang="en-US" sz="900" dirty="0" smtClean="0">
+            <a:endParaRPr lang="en-US" sz="900" dirty="0">
               <a:solidFill>
                 <a:schemeClr val="dk1"/>
               </a:solidFill>
@@ -13358,7 +13362,7 @@
               <a:buNone/>
             </a:pPr>
             <a:r>
-              <a:rPr lang="en-US" sz="900" dirty="0" smtClean="0">
+              <a:rPr lang="en-US" sz="900" dirty="0">
                 <a:solidFill>
                   <a:schemeClr val="dk1"/>
                 </a:solidFill>
@@ -13494,7 +13498,7 @@
           <p:cNvPr id="2" name="Google Shape;111;p13">
             <a:extLst>
               <a:ext uri="{FF2B5EF4-FFF2-40B4-BE49-F238E27FC236}">
-                <a16:creationId xmlns="" xmlns:a16="http://schemas.microsoft.com/office/drawing/2014/main" id="{8DB8B214-B2C0-4F60-8ABB-05BD425FF6FD}"/>
+                <a16:creationId xmlns:a16="http://schemas.microsoft.com/office/drawing/2014/main" id="{8DB8B214-B2C0-4F60-8ABB-05BD425FF6FD}"/>
               </a:ext>
             </a:extLst>
           </p:cNvPr>
@@ -13566,7 +13570,7 @@
           <p:cNvPr id="3" name="Google Shape;111;p13">
             <a:extLst>
               <a:ext uri="{FF2B5EF4-FFF2-40B4-BE49-F238E27FC236}">
-                <a16:creationId xmlns="" xmlns:a16="http://schemas.microsoft.com/office/drawing/2014/main" id="{527B2B31-5479-4CAE-AB89-C5ECF52AABE4}"/>
+                <a16:creationId xmlns:a16="http://schemas.microsoft.com/office/drawing/2014/main" id="{527B2B31-5479-4CAE-AB89-C5ECF52AABE4}"/>
               </a:ext>
             </a:extLst>
           </p:cNvPr>
@@ -13621,7 +13625,7 @@
           <p:cNvPr id="4" name="그림 4">
             <a:extLst>
               <a:ext uri="{FF2B5EF4-FFF2-40B4-BE49-F238E27FC236}">
-                <a16:creationId xmlns="" xmlns:a16="http://schemas.microsoft.com/office/drawing/2014/main" id="{36B1BCA9-0C6E-4832-A501-C7F53864F532}"/>
+                <a16:creationId xmlns:a16="http://schemas.microsoft.com/office/drawing/2014/main" id="{36B1BCA9-0C6E-4832-A501-C7F53864F532}"/>
               </a:ext>
             </a:extLst>
           </p:cNvPr>
@@ -13651,7 +13655,7 @@
           <p:cNvPr id="11" name="Google Shape;199;p16">
             <a:extLst>
               <a:ext uri="{FF2B5EF4-FFF2-40B4-BE49-F238E27FC236}">
-                <a16:creationId xmlns="" xmlns:a16="http://schemas.microsoft.com/office/drawing/2014/main" id="{D17BCE7D-BCB5-4303-A7EB-B82699ED36B5}"/>
+                <a16:creationId xmlns:a16="http://schemas.microsoft.com/office/drawing/2014/main" id="{D17BCE7D-BCB5-4303-A7EB-B82699ED36B5}"/>
               </a:ext>
             </a:extLst>
           </p:cNvPr>
@@ -13704,7 +13708,7 @@
           <p:cNvPr id="12" name="Google Shape;200;p16">
             <a:extLst>
               <a:ext uri="{FF2B5EF4-FFF2-40B4-BE49-F238E27FC236}">
-                <a16:creationId xmlns="" xmlns:a16="http://schemas.microsoft.com/office/drawing/2014/main" id="{22CB6A53-4FDE-40F5-A9FB-B62B2D2ECE3E}"/>
+                <a16:creationId xmlns:a16="http://schemas.microsoft.com/office/drawing/2014/main" id="{22CB6A53-4FDE-40F5-A9FB-B62B2D2ECE3E}"/>
               </a:ext>
             </a:extLst>
           </p:cNvPr>
@@ -13764,7 +13768,7 @@
           <p:cNvPr id="13" name="Google Shape;199;p16">
             <a:extLst>
               <a:ext uri="{FF2B5EF4-FFF2-40B4-BE49-F238E27FC236}">
-                <a16:creationId xmlns="" xmlns:a16="http://schemas.microsoft.com/office/drawing/2014/main" id="{2849AAD5-3226-49D6-9227-100CDF9C4330}"/>
+                <a16:creationId xmlns:a16="http://schemas.microsoft.com/office/drawing/2014/main" id="{2849AAD5-3226-49D6-9227-100CDF9C4330}"/>
               </a:ext>
             </a:extLst>
           </p:cNvPr>
@@ -13819,7 +13823,7 @@
           <p:cNvPr id="14" name="Google Shape;200;p16">
             <a:extLst>
               <a:ext uri="{FF2B5EF4-FFF2-40B4-BE49-F238E27FC236}">
-                <a16:creationId xmlns="" xmlns:a16="http://schemas.microsoft.com/office/drawing/2014/main" id="{BDDE5A0A-ADA9-4EA9-8E68-E1CC10DBA880}"/>
+                <a16:creationId xmlns:a16="http://schemas.microsoft.com/office/drawing/2014/main" id="{BDDE5A0A-ADA9-4EA9-8E68-E1CC10DBA880}"/>
               </a:ext>
             </a:extLst>
           </p:cNvPr>
@@ -13897,12 +13901,8 @@
           <a:lstStyle/>
           <a:p>
             <a:r>
-              <a:rPr lang="ko-KR" altLang="en-US" sz="2400" b="1" dirty="0" smtClean="0"/>
-              <a:t>로그</a:t>
-            </a:r>
-            <a:r>
               <a:rPr lang="ko-KR" altLang="en-US" sz="2400" b="1" dirty="0"/>
-              <a:t>인</a:t>
+              <a:t>로그인</a:t>
             </a:r>
           </a:p>
         </p:txBody>
@@ -14203,21 +14203,9 @@
                 <a:cs typeface="Malgun Gothic"/>
                 <a:sym typeface="Malgun Gothic"/>
               </a:rPr>
-              <a:t>회원가입 </a:t>
+              <a:t>회원가입 화면</a:t>
             </a:r>
-            <a:r>
-              <a:rPr lang="ko-KR" altLang="en-US" sz="900" b="0" i="0" u="none" strike="noStrike" cap="none" dirty="0" smtClean="0">
-                <a:solidFill>
-                  <a:schemeClr val="dk1"/>
-                </a:solidFill>
-                <a:latin typeface="Malgun Gothic"/>
-                <a:ea typeface="Malgun Gothic"/>
-                <a:cs typeface="Malgun Gothic"/>
-                <a:sym typeface="Malgun Gothic"/>
-              </a:rPr>
-              <a:t>화면</a:t>
-            </a:r>
-            <a:endParaRPr lang="en-US" altLang="ko-KR" sz="900" b="0" i="0" u="none" strike="noStrike" cap="none" dirty="0" smtClean="0">
+            <a:endParaRPr lang="en-US" altLang="ko-KR" sz="900" b="0" i="0" u="none" strike="noStrike" cap="none" dirty="0">
               <a:solidFill>
                 <a:schemeClr val="dk1"/>
               </a:solidFill>
@@ -14274,7 +14262,7 @@
               <a:buNone/>
             </a:pPr>
             <a:r>
-              <a:rPr lang="ko-KR" altLang="en-US" sz="900" b="0" i="0" u="none" strike="noStrike" cap="none" dirty="0" smtClean="0">
+              <a:rPr lang="ko-KR" altLang="en-US" sz="900" b="0" i="0" u="none" strike="noStrike" cap="none" dirty="0">
                 <a:solidFill>
                   <a:schemeClr val="dk1"/>
                 </a:solidFill>
@@ -14286,7 +14274,7 @@
               <a:t>신규사용자의 경우 회원가입 화면을 통해 회원가입이 가능하다</a:t>
             </a:r>
             <a:r>
-              <a:rPr lang="en-US" altLang="ko-KR" sz="900" b="0" i="0" u="none" strike="noStrike" cap="none" dirty="0" smtClean="0">
+              <a:rPr lang="en-US" altLang="ko-KR" sz="900" b="0" i="0" u="none" strike="noStrike" cap="none" dirty="0">
                 <a:solidFill>
                   <a:schemeClr val="dk1"/>
                 </a:solidFill>
@@ -14317,7 +14305,7 @@
               <a:buNone/>
             </a:pPr>
             <a:r>
-              <a:rPr lang="en-US" altLang="ko-KR" sz="900" b="0" i="0" u="none" strike="noStrike" cap="none" dirty="0" smtClean="0">
+              <a:rPr lang="en-US" altLang="ko-KR" sz="900" b="0" i="0" u="none" strike="noStrike" cap="none" dirty="0">
                 <a:solidFill>
                   <a:schemeClr val="dk1"/>
                 </a:solidFill>
@@ -14329,7 +14317,7 @@
               <a:t> </a:t>
             </a:r>
             <a:r>
-              <a:rPr lang="ko-KR" altLang="en-US" sz="900" b="0" i="0" u="none" strike="noStrike" cap="none" dirty="0" smtClean="0">
+              <a:rPr lang="ko-KR" altLang="en-US" sz="900" b="0" i="0" u="none" strike="noStrike" cap="none" dirty="0">
                 <a:solidFill>
                   <a:schemeClr val="dk1"/>
                 </a:solidFill>
@@ -14341,7 +14329,7 @@
               <a:t>각각의 항목을 입력하며</a:t>
             </a:r>
             <a:r>
-              <a:rPr lang="en-US" altLang="ko-KR" sz="900" dirty="0" smtClean="0">
+              <a:rPr lang="en-US" altLang="ko-KR" sz="900" dirty="0">
                 <a:solidFill>
                   <a:schemeClr val="dk1"/>
                 </a:solidFill>
@@ -14353,7 +14341,7 @@
               <a:t>, </a:t>
             </a:r>
             <a:r>
-              <a:rPr lang="ko-KR" altLang="en-US" sz="900" dirty="0" smtClean="0">
+              <a:rPr lang="ko-KR" altLang="en-US" sz="900" dirty="0">
                 <a:solidFill>
                   <a:schemeClr val="dk1"/>
                 </a:solidFill>
@@ -14365,7 +14353,7 @@
               <a:t>학번과 이름</a:t>
             </a:r>
             <a:r>
-              <a:rPr lang="en-US" altLang="ko-KR" sz="900" dirty="0" smtClean="0">
+              <a:rPr lang="en-US" altLang="ko-KR" sz="900" dirty="0">
                 <a:solidFill>
                   <a:schemeClr val="dk1"/>
                 </a:solidFill>
@@ -14377,7 +14365,7 @@
               <a:t>, </a:t>
             </a:r>
             <a:r>
-              <a:rPr lang="ko-KR" altLang="en-US" sz="900" dirty="0" smtClean="0">
+              <a:rPr lang="ko-KR" altLang="en-US" sz="900" dirty="0">
                 <a:solidFill>
                   <a:schemeClr val="dk1"/>
                 </a:solidFill>
@@ -14388,7 +14376,7 @@
               </a:rPr>
               <a:t>비밀번호는 필수입력 조건</a:t>
             </a:r>
-            <a:endParaRPr lang="en-US" altLang="ko-KR" sz="900" dirty="0" smtClean="0">
+            <a:endParaRPr lang="en-US" altLang="ko-KR" sz="900" dirty="0">
               <a:solidFill>
                 <a:schemeClr val="dk1"/>
               </a:solidFill>
@@ -14440,7 +14428,7 @@
               <a:buSzPts val="900"/>
             </a:pPr>
             <a:r>
-              <a:rPr lang="ko-KR" altLang="en-US" sz="900" dirty="0" smtClean="0">
+              <a:rPr lang="ko-KR" altLang="en-US" sz="900" dirty="0">
                 <a:solidFill>
                   <a:schemeClr val="dk1"/>
                 </a:solidFill>
@@ -14452,19 +14440,19 @@
               <a:t>보안을 위해 입력되는 비밀번호와 실제 저장되는 비밀번호는 </a:t>
             </a:r>
             <a:r>
-              <a:rPr lang="en-US" altLang="ko-KR" sz="900" dirty="0" err="1" smtClean="0"/>
+              <a:rPr lang="en-US" altLang="ko-KR" sz="900" dirty="0" err="1"/>
               <a:t>Bcrypt</a:t>
             </a:r>
             <a:r>
-              <a:rPr lang="en-US" altLang="ko-KR" sz="900" dirty="0" smtClean="0"/>
+              <a:rPr lang="en-US" altLang="ko-KR" sz="900" dirty="0"/>
               <a:t>(*)</a:t>
             </a:r>
             <a:r>
-              <a:rPr lang="ko-KR" altLang="en-US" sz="900" dirty="0" smtClean="0"/>
+              <a:rPr lang="ko-KR" altLang="en-US" sz="900" dirty="0"/>
               <a:t>통해 실제 정보를 변조시켜 저장한다</a:t>
             </a:r>
             <a:r>
-              <a:rPr lang="en-US" altLang="ko-KR" sz="900" dirty="0" smtClean="0"/>
+              <a:rPr lang="en-US" altLang="ko-KR" sz="900" dirty="0"/>
               <a:t>.</a:t>
             </a:r>
           </a:p>
@@ -14507,26 +14495,26 @@
               <a:buChar char="•"/>
             </a:pPr>
             <a:r>
-              <a:rPr lang="en-US" altLang="ko-KR" sz="900" dirty="0" smtClean="0"/>
+              <a:rPr lang="en-US" altLang="ko-KR" sz="900" dirty="0"/>
               <a:t>: </a:t>
             </a:r>
             <a:r>
-              <a:rPr lang="en-US" altLang="ko-KR" sz="900" dirty="0" err="1" smtClean="0"/>
+              <a:rPr lang="en-US" altLang="ko-KR" sz="900" dirty="0" err="1"/>
               <a:t>Bcrypt</a:t>
             </a:r>
             <a:r>
-              <a:rPr lang="en-US" altLang="ko-KR" sz="900" dirty="0" smtClean="0"/>
+              <a:rPr lang="en-US" altLang="ko-KR" sz="900" dirty="0"/>
               <a:t> -&gt; </a:t>
             </a:r>
             <a:r>
-              <a:rPr lang="ko-KR" altLang="en-US" sz="900" dirty="0" err="1" smtClean="0"/>
+              <a:rPr lang="ko-KR" altLang="en-US" sz="900" dirty="0" err="1"/>
               <a:t>단방향</a:t>
             </a:r>
             <a:r>
-              <a:rPr lang="ko-KR" altLang="en-US" sz="900" dirty="0" smtClean="0"/>
+              <a:rPr lang="ko-KR" altLang="en-US" sz="900" dirty="0"/>
               <a:t> 암호화를 위해 만들어진 해시함수</a:t>
             </a:r>
-            <a:endParaRPr lang="en-US" altLang="ko-KR" sz="900" dirty="0" smtClean="0"/>
+            <a:endParaRPr lang="en-US" altLang="ko-KR" sz="900" dirty="0"/>
           </a:p>
           <a:p>
             <a:pPr marL="228600" lvl="0" indent="-171450">
@@ -14568,7 +14556,7 @@
               <a:buFont typeface="Arial" charset="0"/>
               <a:buChar char="•"/>
             </a:pPr>
-            <a:endParaRPr lang="en-US" sz="900" dirty="0" smtClean="0">
+            <a:endParaRPr lang="en-US" sz="900" dirty="0">
               <a:solidFill>
                 <a:schemeClr val="dk1"/>
               </a:solidFill>
@@ -14618,7 +14606,7 @@
               <a:buFont typeface="Arial" charset="0"/>
               <a:buChar char="•"/>
             </a:pPr>
-            <a:endParaRPr lang="en-US" sz="900" dirty="0" smtClean="0">
+            <a:endParaRPr lang="en-US" sz="900" dirty="0">
               <a:solidFill>
                 <a:schemeClr val="dk1"/>
               </a:solidFill>
@@ -14668,7 +14656,7 @@
               <a:buFont typeface="Arial" charset="0"/>
               <a:buChar char="•"/>
             </a:pPr>
-            <a:endParaRPr lang="en-US" sz="900" dirty="0" smtClean="0">
+            <a:endParaRPr lang="en-US" sz="900" dirty="0">
               <a:solidFill>
                 <a:schemeClr val="dk1"/>
               </a:solidFill>
@@ -14718,7 +14706,7 @@
               <a:buFont typeface="Arial" charset="0"/>
               <a:buChar char="•"/>
             </a:pPr>
-            <a:endParaRPr lang="en-US" sz="900" dirty="0" smtClean="0">
+            <a:endParaRPr lang="en-US" sz="900" dirty="0">
               <a:solidFill>
                 <a:schemeClr val="dk1"/>
               </a:solidFill>
@@ -14794,7 +14782,7 @@
               <a:buFont typeface="Arial" charset="0"/>
               <a:buChar char="•"/>
             </a:pPr>
-            <a:endParaRPr lang="en-US" sz="900" dirty="0" smtClean="0">
+            <a:endParaRPr lang="en-US" sz="900" dirty="0">
               <a:solidFill>
                 <a:schemeClr val="dk1"/>
               </a:solidFill>
@@ -14863,7 +14851,7 @@
           <p:cNvPr id="2" name="Google Shape;111;p13">
             <a:extLst>
               <a:ext uri="{FF2B5EF4-FFF2-40B4-BE49-F238E27FC236}">
-                <a16:creationId xmlns="" xmlns:a16="http://schemas.microsoft.com/office/drawing/2014/main" id="{8DB8B214-B2C0-4F60-8ABB-05BD425FF6FD}"/>
+                <a16:creationId xmlns:a16="http://schemas.microsoft.com/office/drawing/2014/main" id="{8DB8B214-B2C0-4F60-8ABB-05BD425FF6FD}"/>
               </a:ext>
             </a:extLst>
           </p:cNvPr>
@@ -14926,7 +14914,7 @@
           <p:cNvPr id="4" name="그림 4">
             <a:extLst>
               <a:ext uri="{FF2B5EF4-FFF2-40B4-BE49-F238E27FC236}">
-                <a16:creationId xmlns="" xmlns:a16="http://schemas.microsoft.com/office/drawing/2014/main" id="{36B1BCA9-0C6E-4832-A501-C7F53864F532}"/>
+                <a16:creationId xmlns:a16="http://schemas.microsoft.com/office/drawing/2014/main" id="{36B1BCA9-0C6E-4832-A501-C7F53864F532}"/>
               </a:ext>
             </a:extLst>
           </p:cNvPr>
@@ -14956,7 +14944,7 @@
           <p:cNvPr id="5" name="Google Shape;199;p16">
             <a:extLst>
               <a:ext uri="{FF2B5EF4-FFF2-40B4-BE49-F238E27FC236}">
-                <a16:creationId xmlns="" xmlns:a16="http://schemas.microsoft.com/office/drawing/2014/main" id="{9A075475-D4CA-4339-954A-82015C03B710}"/>
+                <a16:creationId xmlns:a16="http://schemas.microsoft.com/office/drawing/2014/main" id="{9A075475-D4CA-4339-954A-82015C03B710}"/>
               </a:ext>
             </a:extLst>
           </p:cNvPr>
@@ -15009,7 +14997,7 @@
           <p:cNvPr id="6" name="Google Shape;200;p16">
             <a:extLst>
               <a:ext uri="{FF2B5EF4-FFF2-40B4-BE49-F238E27FC236}">
-                <a16:creationId xmlns="" xmlns:a16="http://schemas.microsoft.com/office/drawing/2014/main" id="{2EE5FF0B-E0A3-4A4C-82A5-3A5E82341C3F}"/>
+                <a16:creationId xmlns:a16="http://schemas.microsoft.com/office/drawing/2014/main" id="{2EE5FF0B-E0A3-4A4C-82A5-3A5E82341C3F}"/>
               </a:ext>
             </a:extLst>
           </p:cNvPr>
@@ -15069,7 +15057,7 @@
           <p:cNvPr id="15" name="Google Shape;199;p16">
             <a:extLst>
               <a:ext uri="{FF2B5EF4-FFF2-40B4-BE49-F238E27FC236}">
-                <a16:creationId xmlns="" xmlns:a16="http://schemas.microsoft.com/office/drawing/2014/main" id="{C91B3B3C-F097-4426-A9A7-77BD218C412E}"/>
+                <a16:creationId xmlns:a16="http://schemas.microsoft.com/office/drawing/2014/main" id="{C91B3B3C-F097-4426-A9A7-77BD218C412E}"/>
               </a:ext>
             </a:extLst>
           </p:cNvPr>
@@ -15124,7 +15112,7 @@
           <p:cNvPr id="16" name="Google Shape;200;p16">
             <a:extLst>
               <a:ext uri="{FF2B5EF4-FFF2-40B4-BE49-F238E27FC236}">
-                <a16:creationId xmlns="" xmlns:a16="http://schemas.microsoft.com/office/drawing/2014/main" id="{65D5855F-E71F-4065-8066-6E56B57E1ACA}"/>
+                <a16:creationId xmlns:a16="http://schemas.microsoft.com/office/drawing/2014/main" id="{65D5855F-E71F-4065-8066-6E56B57E1ACA}"/>
               </a:ext>
             </a:extLst>
           </p:cNvPr>
@@ -15184,7 +15172,7 @@
           <p:cNvPr id="17" name="Google Shape;199;p16">
             <a:extLst>
               <a:ext uri="{FF2B5EF4-FFF2-40B4-BE49-F238E27FC236}">
-                <a16:creationId xmlns="" xmlns:a16="http://schemas.microsoft.com/office/drawing/2014/main" id="{41360B6E-EE97-4C97-995B-6B6C26C232DE}"/>
+                <a16:creationId xmlns:a16="http://schemas.microsoft.com/office/drawing/2014/main" id="{41360B6E-EE97-4C97-995B-6B6C26C232DE}"/>
               </a:ext>
             </a:extLst>
           </p:cNvPr>
@@ -15237,7 +15225,7 @@
           <p:cNvPr id="18" name="Google Shape;200;p16">
             <a:extLst>
               <a:ext uri="{FF2B5EF4-FFF2-40B4-BE49-F238E27FC236}">
-                <a16:creationId xmlns="" xmlns:a16="http://schemas.microsoft.com/office/drawing/2014/main" id="{A05E228A-6D41-4AC7-91DB-0B47C6C45BFC}"/>
+                <a16:creationId xmlns:a16="http://schemas.microsoft.com/office/drawing/2014/main" id="{A05E228A-6D41-4AC7-91DB-0B47C6C45BFC}"/>
               </a:ext>
             </a:extLst>
           </p:cNvPr>
@@ -15297,7 +15285,7 @@
           <p:cNvPr id="19" name="Google Shape;199;p16">
             <a:extLst>
               <a:ext uri="{FF2B5EF4-FFF2-40B4-BE49-F238E27FC236}">
-                <a16:creationId xmlns="" xmlns:a16="http://schemas.microsoft.com/office/drawing/2014/main" id="{A8FBA655-0B1D-4AFB-8AAC-359705081269}"/>
+                <a16:creationId xmlns:a16="http://schemas.microsoft.com/office/drawing/2014/main" id="{A8FBA655-0B1D-4AFB-8AAC-359705081269}"/>
               </a:ext>
             </a:extLst>
           </p:cNvPr>
@@ -15350,7 +15338,7 @@
           <p:cNvPr id="20" name="Google Shape;200;p16">
             <a:extLst>
               <a:ext uri="{FF2B5EF4-FFF2-40B4-BE49-F238E27FC236}">
-                <a16:creationId xmlns="" xmlns:a16="http://schemas.microsoft.com/office/drawing/2014/main" id="{6E372918-6249-44A0-8954-B48BF3DFF04B}"/>
+                <a16:creationId xmlns:a16="http://schemas.microsoft.com/office/drawing/2014/main" id="{6E372918-6249-44A0-8954-B48BF3DFF04B}"/>
               </a:ext>
             </a:extLst>
           </p:cNvPr>
@@ -15410,7 +15398,7 @@
           <p:cNvPr id="31" name="Google Shape;111;p13">
             <a:extLst>
               <a:ext uri="{FF2B5EF4-FFF2-40B4-BE49-F238E27FC236}">
-                <a16:creationId xmlns="" xmlns:a16="http://schemas.microsoft.com/office/drawing/2014/main" id="{A64CC343-D4B4-410A-88A3-E1F901C43CBB}"/>
+                <a16:creationId xmlns:a16="http://schemas.microsoft.com/office/drawing/2014/main" id="{A64CC343-D4B4-410A-88A3-E1F901C43CBB}"/>
               </a:ext>
             </a:extLst>
           </p:cNvPr>
@@ -15473,7 +15461,7 @@
           <p:cNvPr id="32" name="Google Shape;199;p16">
             <a:extLst>
               <a:ext uri="{FF2B5EF4-FFF2-40B4-BE49-F238E27FC236}">
-                <a16:creationId xmlns="" xmlns:a16="http://schemas.microsoft.com/office/drawing/2014/main" id="{4895A410-3223-4AFE-94A6-1B8E944BE36E}"/>
+                <a16:creationId xmlns:a16="http://schemas.microsoft.com/office/drawing/2014/main" id="{4895A410-3223-4AFE-94A6-1B8E944BE36E}"/>
               </a:ext>
             </a:extLst>
           </p:cNvPr>
@@ -15526,7 +15514,7 @@
           <p:cNvPr id="33" name="Google Shape;200;p16">
             <a:extLst>
               <a:ext uri="{FF2B5EF4-FFF2-40B4-BE49-F238E27FC236}">
-                <a16:creationId xmlns="" xmlns:a16="http://schemas.microsoft.com/office/drawing/2014/main" id="{C520B065-93E1-4E5A-AF4D-720DE19C050C}"/>
+                <a16:creationId xmlns:a16="http://schemas.microsoft.com/office/drawing/2014/main" id="{C520B065-93E1-4E5A-AF4D-720DE19C050C}"/>
               </a:ext>
             </a:extLst>
           </p:cNvPr>
@@ -15586,7 +15574,7 @@
           <p:cNvPr id="34" name="Google Shape;199;p16">
             <a:extLst>
               <a:ext uri="{FF2B5EF4-FFF2-40B4-BE49-F238E27FC236}">
-                <a16:creationId xmlns="" xmlns:a16="http://schemas.microsoft.com/office/drawing/2014/main" id="{12143EAA-253D-4BBE-97EC-4CF450145060}"/>
+                <a16:creationId xmlns:a16="http://schemas.microsoft.com/office/drawing/2014/main" id="{12143EAA-253D-4BBE-97EC-4CF450145060}"/>
               </a:ext>
             </a:extLst>
           </p:cNvPr>
@@ -15630,7 +15618,7 @@
           <p:cNvPr id="35" name="Google Shape;200;p16">
             <a:extLst>
               <a:ext uri="{FF2B5EF4-FFF2-40B4-BE49-F238E27FC236}">
-                <a16:creationId xmlns="" xmlns:a16="http://schemas.microsoft.com/office/drawing/2014/main" id="{947AFBA7-3BF1-40A3-AEFC-5E609099B544}"/>
+                <a16:creationId xmlns:a16="http://schemas.microsoft.com/office/drawing/2014/main" id="{947AFBA7-3BF1-40A3-AEFC-5E609099B544}"/>
               </a:ext>
             </a:extLst>
           </p:cNvPr>
@@ -15690,7 +15678,7 @@
           <p:cNvPr id="26" name="Google Shape;535;p24">
             <a:extLst>
               <a:ext uri="{FF2B5EF4-FFF2-40B4-BE49-F238E27FC236}">
-                <a16:creationId xmlns="" xmlns:a16="http://schemas.microsoft.com/office/drawing/2014/main" id="{99CA0DCD-96B2-4680-87F4-BCE7E1CC6C3A}"/>
+                <a16:creationId xmlns:a16="http://schemas.microsoft.com/office/drawing/2014/main" id="{99CA0DCD-96B2-4680-87F4-BCE7E1CC6C3A}"/>
               </a:ext>
             </a:extLst>
           </p:cNvPr>
@@ -16042,7 +16030,7 @@
               <a:buNone/>
             </a:pPr>
             <a:r>
-              <a:rPr lang="ko-KR" altLang="en-US" sz="900" dirty="0" smtClean="0">
+              <a:rPr lang="ko-KR" altLang="en-US" sz="900" dirty="0">
                 <a:solidFill>
                   <a:schemeClr val="dk1"/>
                 </a:solidFill>
@@ -16051,13 +16039,6 @@
               </a:rPr>
               <a:t>메뉴선택</a:t>
             </a:r>
-            <a:endParaRPr lang="ko-KR" altLang="en-US" sz="900" dirty="0">
-              <a:solidFill>
-                <a:schemeClr val="dk1"/>
-              </a:solidFill>
-              <a:latin typeface="Malgun Gothic"/>
-              <a:ea typeface="Malgun Gothic"/>
-            </a:endParaRPr>
           </a:p>
         </p:txBody>
       </p:sp>
@@ -16096,7 +16077,7 @@
               <a:buSzPts val="900"/>
             </a:pPr>
             <a:r>
-              <a:rPr lang="ko-KR" altLang="en-US" sz="900" dirty="0" smtClean="0">
+              <a:rPr lang="ko-KR" altLang="en-US" sz="900" dirty="0">
                 <a:solidFill>
                   <a:schemeClr val="dk1"/>
                 </a:solidFill>
@@ -16106,7 +16087,7 @@
               <a:t>메뉴선택 </a:t>
             </a:r>
             <a:r>
-              <a:rPr lang="ko-KR" altLang="en-US" sz="900" dirty="0" smtClean="0">
+              <a:rPr lang="ko-KR" altLang="en-US" sz="900" dirty="0">
                 <a:solidFill>
                   <a:schemeClr val="dk1"/>
                 </a:solidFill>
@@ -16247,7 +16228,7 @@
           <p:cNvPr id="2" name="Google Shape;111;p13">
             <a:extLst>
               <a:ext uri="{FF2B5EF4-FFF2-40B4-BE49-F238E27FC236}">
-                <a16:creationId xmlns="" xmlns:a16="http://schemas.microsoft.com/office/drawing/2014/main" id="{8DB8B214-B2C0-4F60-8ABB-05BD425FF6FD}"/>
+                <a16:creationId xmlns:a16="http://schemas.microsoft.com/office/drawing/2014/main" id="{8DB8B214-B2C0-4F60-8ABB-05BD425FF6FD}"/>
               </a:ext>
             </a:extLst>
           </p:cNvPr>
@@ -16319,7 +16300,7 @@
           <p:cNvPr id="3" name="Google Shape;111;p13">
             <a:extLst>
               <a:ext uri="{FF2B5EF4-FFF2-40B4-BE49-F238E27FC236}">
-                <a16:creationId xmlns="" xmlns:a16="http://schemas.microsoft.com/office/drawing/2014/main" id="{527B2B31-5479-4CAE-AB89-C5ECF52AABE4}"/>
+                <a16:creationId xmlns:a16="http://schemas.microsoft.com/office/drawing/2014/main" id="{527B2B31-5479-4CAE-AB89-C5ECF52AABE4}"/>
               </a:ext>
             </a:extLst>
           </p:cNvPr>
@@ -16382,7 +16363,7 @@
           <p:cNvPr id="4" name="그림 4">
             <a:extLst>
               <a:ext uri="{FF2B5EF4-FFF2-40B4-BE49-F238E27FC236}">
-                <a16:creationId xmlns="" xmlns:a16="http://schemas.microsoft.com/office/drawing/2014/main" id="{36B1BCA9-0C6E-4832-A501-C7F53864F532}"/>
+                <a16:creationId xmlns:a16="http://schemas.microsoft.com/office/drawing/2014/main" id="{36B1BCA9-0C6E-4832-A501-C7F53864F532}"/>
               </a:ext>
             </a:extLst>
           </p:cNvPr>
@@ -16412,7 +16393,7 @@
           <p:cNvPr id="15" name="Google Shape;111;p13">
             <a:extLst>
               <a:ext uri="{FF2B5EF4-FFF2-40B4-BE49-F238E27FC236}">
-                <a16:creationId xmlns="" xmlns:a16="http://schemas.microsoft.com/office/drawing/2014/main" id="{BE00AD8F-7606-418B-BFFA-8F29D7DF354D}"/>
+                <a16:creationId xmlns:a16="http://schemas.microsoft.com/office/drawing/2014/main" id="{BE00AD8F-7606-418B-BFFA-8F29D7DF354D}"/>
               </a:ext>
             </a:extLst>
           </p:cNvPr>
@@ -16484,7 +16465,7 @@
           <p:cNvPr id="16" name="Google Shape;114;p13">
             <a:extLst>
               <a:ext uri="{FF2B5EF4-FFF2-40B4-BE49-F238E27FC236}">
-                <a16:creationId xmlns="" xmlns:a16="http://schemas.microsoft.com/office/drawing/2014/main" id="{2F8FE5C4-8B74-44E9-BCE8-E48E43B66B32}"/>
+                <a16:creationId xmlns:a16="http://schemas.microsoft.com/office/drawing/2014/main" id="{2F8FE5C4-8B74-44E9-BCE8-E48E43B66B32}"/>
               </a:ext>
             </a:extLst>
           </p:cNvPr>
@@ -16563,7 +16544,7 @@
           <p:cNvPr id="17" name="Google Shape;114;p13">
             <a:extLst>
               <a:ext uri="{FF2B5EF4-FFF2-40B4-BE49-F238E27FC236}">
-                <a16:creationId xmlns="" xmlns:a16="http://schemas.microsoft.com/office/drawing/2014/main" id="{F7D56FF0-423C-4C0B-A6E4-FBB0B3B6598B}"/>
+                <a16:creationId xmlns:a16="http://schemas.microsoft.com/office/drawing/2014/main" id="{F7D56FF0-423C-4C0B-A6E4-FBB0B3B6598B}"/>
               </a:ext>
             </a:extLst>
           </p:cNvPr>
@@ -16614,7 +16595,7 @@
               <a:buNone/>
             </a:pPr>
             <a:r>
-              <a:rPr lang="en-US" altLang="ko-KR" sz="1000" b="1" i="0" u="none" strike="noStrike" cap="none" dirty="0" smtClean="0">
+              <a:rPr lang="en-US" altLang="ko-KR" sz="1000" b="1" i="0" u="none" strike="noStrike" cap="none" dirty="0">
                 <a:solidFill>
                   <a:schemeClr val="lt1"/>
                 </a:solidFill>
@@ -16633,7 +16614,7 @@
           <p:cNvPr id="18" name="Google Shape;114;p13">
             <a:extLst>
               <a:ext uri="{FF2B5EF4-FFF2-40B4-BE49-F238E27FC236}">
-                <a16:creationId xmlns="" xmlns:a16="http://schemas.microsoft.com/office/drawing/2014/main" id="{8CE0EA5F-0D6A-4042-974E-E7FF1EFD722E}"/>
+                <a16:creationId xmlns:a16="http://schemas.microsoft.com/office/drawing/2014/main" id="{8CE0EA5F-0D6A-4042-974E-E7FF1EFD722E}"/>
               </a:ext>
             </a:extLst>
           </p:cNvPr>
@@ -16684,7 +16665,7 @@
               <a:buNone/>
             </a:pPr>
             <a:r>
-              <a:rPr lang="en-US" altLang="ko-KR" sz="1000" b="1" dirty="0" smtClean="0">
+              <a:rPr lang="en-US" altLang="ko-KR" sz="1000" b="1" dirty="0">
                 <a:solidFill>
                   <a:schemeClr val="lt1"/>
                 </a:solidFill>
@@ -16712,7 +16693,7 @@
           <p:cNvPr id="20" name="Google Shape;77;p12">
             <a:extLst>
               <a:ext uri="{FF2B5EF4-FFF2-40B4-BE49-F238E27FC236}">
-                <a16:creationId xmlns="" xmlns:a16="http://schemas.microsoft.com/office/drawing/2014/main" id="{D4D5CCA4-9004-4922-ADD5-EF2526198216}"/>
+                <a16:creationId xmlns:a16="http://schemas.microsoft.com/office/drawing/2014/main" id="{D4D5CCA4-9004-4922-ADD5-EF2526198216}"/>
               </a:ext>
             </a:extLst>
           </p:cNvPr>
@@ -16874,7 +16855,7 @@
               <a:buAutoNum type="arabicParenR"/>
             </a:pPr>
             <a:r>
-              <a:rPr lang="ko-KR" altLang="en-US" sz="900" dirty="0" smtClean="0">
+              <a:rPr lang="ko-KR" altLang="en-US" sz="900" dirty="0">
                 <a:solidFill>
                   <a:schemeClr val="dk1"/>
                 </a:solidFill>
@@ -16886,7 +16867,7 @@
               <a:t>버튼 클릭 이벤트를 통해 </a:t>
             </a:r>
             <a:r>
-              <a:rPr lang="ko-KR" altLang="en-US" sz="900" dirty="0" err="1" smtClean="0">
+              <a:rPr lang="ko-KR" altLang="en-US" sz="900" dirty="0" err="1">
                 <a:solidFill>
                   <a:schemeClr val="dk1"/>
                 </a:solidFill>
@@ -16898,7 +16879,7 @@
               <a:t>로그인된</a:t>
             </a:r>
             <a:r>
-              <a:rPr lang="ko-KR" altLang="en-US" sz="900" dirty="0" smtClean="0">
+              <a:rPr lang="ko-KR" altLang="en-US" sz="900" dirty="0">
                 <a:solidFill>
                   <a:schemeClr val="dk1"/>
                 </a:solidFill>
@@ -16922,7 +16903,7 @@
               <a:t> </a:t>
             </a:r>
             <a:r>
-              <a:rPr lang="ko-KR" altLang="en-US" sz="900" dirty="0" smtClean="0">
+              <a:rPr lang="ko-KR" altLang="en-US" sz="900" dirty="0">
                 <a:solidFill>
                   <a:schemeClr val="dk1"/>
                 </a:solidFill>
@@ -16934,179 +16915,7 @@
               <a:t> 출석확인 화면으로 이동 한다</a:t>
             </a:r>
             <a:r>
-              <a:rPr lang="en-US" altLang="ko-KR" sz="900" dirty="0" smtClean="0">
-                <a:solidFill>
-                  <a:schemeClr val="dk1"/>
-                </a:solidFill>
-                <a:latin typeface="Malgun Gothic"/>
-                <a:ea typeface="Malgun Gothic"/>
-                <a:cs typeface="Malgun Gothic"/>
-                <a:sym typeface="Malgun Gothic"/>
-              </a:rPr>
-              <a:t>.</a:t>
-            </a:r>
-            <a:endParaRPr lang="en-US" altLang="ko-KR" sz="900" dirty="0">
-              <a:solidFill>
-                <a:schemeClr val="dk1"/>
-              </a:solidFill>
-              <a:latin typeface="Malgun Gothic"/>
-              <a:ea typeface="Malgun Gothic"/>
-              <a:cs typeface="Malgun Gothic"/>
-              <a:sym typeface="Malgun Gothic"/>
-            </a:endParaRPr>
-          </a:p>
-          <a:p>
-            <a:pPr marL="177800" marR="0" lvl="0" indent="-177800" algn="l" rtl="0">
-              <a:lnSpc>
-                <a:spcPct val="90000"/>
-              </a:lnSpc>
-              <a:spcBef>
-                <a:spcPts val="813"/>
-              </a:spcBef>
-              <a:spcAft>
-                <a:spcPts val="0"/>
-              </a:spcAft>
-              <a:buClr>
-                <a:schemeClr val="dk1"/>
-              </a:buClr>
-              <a:buSzPts val="900"/>
-              <a:buFont typeface="Malgun Gothic"/>
-              <a:buAutoNum type="arabicParenR"/>
-            </a:pPr>
-            <a:r>
-              <a:rPr lang="ko-KR" altLang="en-US" sz="900" dirty="0" err="1" smtClean="0">
-                <a:solidFill>
-                  <a:schemeClr val="dk1"/>
-                </a:solidFill>
-                <a:latin typeface="Malgun Gothic"/>
-                <a:ea typeface="Malgun Gothic"/>
-                <a:cs typeface="Malgun Gothic"/>
-                <a:sym typeface="Malgun Gothic"/>
-              </a:rPr>
-              <a:t>로그인된</a:t>
-            </a:r>
-            <a:r>
-              <a:rPr lang="ko-KR" altLang="en-US" sz="900" dirty="0" smtClean="0">
-                <a:solidFill>
-                  <a:schemeClr val="dk1"/>
-                </a:solidFill>
-                <a:latin typeface="Malgun Gothic"/>
-                <a:ea typeface="Malgun Gothic"/>
-                <a:cs typeface="Malgun Gothic"/>
-                <a:sym typeface="Malgun Gothic"/>
-              </a:rPr>
-              <a:t> 계정의 수강중인 과목의 목록이 자동으로 </a:t>
-            </a:r>
-            <a:r>
-              <a:rPr lang="ko-KR" altLang="en-US" sz="900" dirty="0" err="1" smtClean="0">
-                <a:solidFill>
-                  <a:schemeClr val="dk1"/>
-                </a:solidFill>
-                <a:latin typeface="Malgun Gothic"/>
-                <a:ea typeface="Malgun Gothic"/>
-                <a:cs typeface="Malgun Gothic"/>
-                <a:sym typeface="Malgun Gothic"/>
-              </a:rPr>
-              <a:t>셋팅되며</a:t>
-            </a:r>
-            <a:r>
-              <a:rPr lang="en-US" altLang="ko-KR" sz="900" dirty="0" smtClean="0">
-                <a:solidFill>
-                  <a:schemeClr val="dk1"/>
-                </a:solidFill>
-                <a:latin typeface="Malgun Gothic"/>
-                <a:ea typeface="Malgun Gothic"/>
-                <a:cs typeface="Malgun Gothic"/>
-                <a:sym typeface="Malgun Gothic"/>
-              </a:rPr>
-              <a:t>, </a:t>
-            </a:r>
-            <a:r>
-              <a:rPr lang="ko-KR" altLang="en-US" sz="900" dirty="0" smtClean="0">
-                <a:solidFill>
-                  <a:schemeClr val="dk1"/>
-                </a:solidFill>
-                <a:latin typeface="Malgun Gothic"/>
-                <a:ea typeface="Malgun Gothic"/>
-                <a:cs typeface="Malgun Gothic"/>
-                <a:sym typeface="Malgun Gothic"/>
-              </a:rPr>
-              <a:t>모든 과목을 </a:t>
-            </a:r>
-            <a:r>
-              <a:rPr lang="ko-KR" altLang="en-US" sz="900" dirty="0" err="1" smtClean="0">
-                <a:solidFill>
-                  <a:schemeClr val="dk1"/>
-                </a:solidFill>
-                <a:latin typeface="Malgun Gothic"/>
-                <a:ea typeface="Malgun Gothic"/>
-                <a:cs typeface="Malgun Gothic"/>
-                <a:sym typeface="Malgun Gothic"/>
-              </a:rPr>
-              <a:t>조회하기위해선</a:t>
-            </a:r>
-            <a:r>
-              <a:rPr lang="ko-KR" altLang="en-US" sz="900" dirty="0" smtClean="0">
-                <a:solidFill>
-                  <a:schemeClr val="dk1"/>
-                </a:solidFill>
-                <a:latin typeface="Malgun Gothic"/>
-                <a:ea typeface="Malgun Gothic"/>
-                <a:cs typeface="Malgun Gothic"/>
-                <a:sym typeface="Malgun Gothic"/>
-              </a:rPr>
-              <a:t> </a:t>
-            </a:r>
-            <a:r>
-              <a:rPr lang="en-US" altLang="ko-KR" sz="900" dirty="0" smtClean="0">
-                <a:solidFill>
-                  <a:schemeClr val="dk1"/>
-                </a:solidFill>
-                <a:latin typeface="Malgun Gothic"/>
-                <a:ea typeface="Malgun Gothic"/>
-                <a:cs typeface="Malgun Gothic"/>
-                <a:sym typeface="Malgun Gothic"/>
-              </a:rPr>
-              <a:t>‘</a:t>
-            </a:r>
-            <a:r>
-              <a:rPr lang="ko-KR" altLang="en-US" sz="900" dirty="0" smtClean="0">
-                <a:solidFill>
-                  <a:schemeClr val="dk1"/>
-                </a:solidFill>
-                <a:latin typeface="Malgun Gothic"/>
-                <a:ea typeface="Malgun Gothic"/>
-                <a:cs typeface="Malgun Gothic"/>
-                <a:sym typeface="Malgun Gothic"/>
-              </a:rPr>
-              <a:t>전체</a:t>
-            </a:r>
-            <a:r>
-              <a:rPr lang="en-US" altLang="ko-KR" sz="900" dirty="0" smtClean="0">
-                <a:solidFill>
-                  <a:schemeClr val="dk1"/>
-                </a:solidFill>
-                <a:latin typeface="Malgun Gothic"/>
-                <a:ea typeface="Malgun Gothic"/>
-                <a:cs typeface="Malgun Gothic"/>
-                <a:sym typeface="Malgun Gothic"/>
-              </a:rPr>
-              <a:t>’</a:t>
-            </a:r>
-            <a:r>
-              <a:rPr lang="ko-KR" altLang="en-US" sz="900" dirty="0" smtClean="0">
-                <a:solidFill>
-                  <a:schemeClr val="dk1"/>
-                </a:solidFill>
-                <a:latin typeface="Malgun Gothic"/>
-                <a:ea typeface="Malgun Gothic"/>
-                <a:cs typeface="Malgun Gothic"/>
-                <a:sym typeface="Malgun Gothic"/>
-              </a:rPr>
-              <a:t>를 선택 한다</a:t>
-            </a:r>
-            <a:r>
-              <a:rPr lang="en-US" altLang="ko-KR" sz="900" dirty="0" smtClean="0">
+              <a:rPr lang="en-US" altLang="ko-KR" sz="900" dirty="0">
                 <a:solidFill>
                   <a:schemeClr val="dk1"/>
                 </a:solidFill>
@@ -17137,7 +16946,7 @@
               <a:buAutoNum type="arabicParenR"/>
             </a:pPr>
             <a:r>
-              <a:rPr lang="ko-KR" altLang="en-US" sz="900" dirty="0" err="1" smtClean="0">
+              <a:rPr lang="ko-KR" altLang="en-US" sz="900" dirty="0" err="1">
                 <a:solidFill>
                   <a:schemeClr val="dk1"/>
                 </a:solidFill>
@@ -17146,10 +16955,10 @@
                 <a:cs typeface="Malgun Gothic"/>
                 <a:sym typeface="Malgun Gothic"/>
               </a:rPr>
-              <a:t>콤보박스에서</a:t>
+              <a:t>로그인된</a:t>
             </a:r>
             <a:r>
-              <a:rPr lang="ko-KR" altLang="en-US" sz="900" dirty="0" smtClean="0">
+              <a:rPr lang="ko-KR" altLang="en-US" sz="900" dirty="0">
                 <a:solidFill>
                   <a:schemeClr val="dk1"/>
                 </a:solidFill>
@@ -17158,10 +16967,10 @@
                 <a:cs typeface="Malgun Gothic"/>
                 <a:sym typeface="Malgun Gothic"/>
               </a:rPr>
-              <a:t> 선택된 과목에 대한 출석현황을 조회할 수 있다</a:t>
+              <a:t> 계정의 수강중인 과목의 목록이 자동으로 </a:t>
             </a:r>
             <a:r>
-              <a:rPr lang="en-US" altLang="ko-KR" sz="900" dirty="0" smtClean="0">
+              <a:rPr lang="ko-KR" altLang="en-US" sz="900" dirty="0" err="1">
                 <a:solidFill>
                   <a:schemeClr val="dk1"/>
                 </a:solidFill>
@@ -17170,10 +16979,10 @@
                 <a:cs typeface="Malgun Gothic"/>
                 <a:sym typeface="Malgun Gothic"/>
               </a:rPr>
-              <a:t>. 2)</a:t>
+              <a:t>셋팅되며</a:t>
             </a:r>
             <a:r>
-              <a:rPr lang="ko-KR" altLang="en-US" sz="900" dirty="0" smtClean="0">
+              <a:rPr lang="en-US" altLang="ko-KR" sz="900" dirty="0">
                 <a:solidFill>
                   <a:schemeClr val="dk1"/>
                 </a:solidFill>
@@ -17182,10 +16991,34 @@
                 <a:cs typeface="Malgun Gothic"/>
                 <a:sym typeface="Malgun Gothic"/>
               </a:rPr>
-              <a:t>의</a:t>
+              <a:t>, </a:t>
             </a:r>
             <a:r>
-              <a:rPr lang="en-US" altLang="ko-KR" sz="900" dirty="0" smtClean="0">
+              <a:rPr lang="ko-KR" altLang="en-US" sz="900" dirty="0">
+                <a:solidFill>
+                  <a:schemeClr val="dk1"/>
+                </a:solidFill>
+                <a:latin typeface="Malgun Gothic"/>
+                <a:ea typeface="Malgun Gothic"/>
+                <a:cs typeface="Malgun Gothic"/>
+                <a:sym typeface="Malgun Gothic"/>
+              </a:rPr>
+              <a:t>모든 과목을 </a:t>
+            </a:r>
+            <a:r>
+              <a:rPr lang="ko-KR" altLang="en-US" sz="900" dirty="0" err="1">
+                <a:solidFill>
+                  <a:schemeClr val="dk1"/>
+                </a:solidFill>
+                <a:latin typeface="Malgun Gothic"/>
+                <a:ea typeface="Malgun Gothic"/>
+                <a:cs typeface="Malgun Gothic"/>
+                <a:sym typeface="Malgun Gothic"/>
+              </a:rPr>
+              <a:t>조회하기위해선</a:t>
+            </a:r>
+            <a:r>
+              <a:rPr lang="ko-KR" altLang="en-US" sz="900" dirty="0">
                 <a:solidFill>
                   <a:schemeClr val="dk1"/>
                 </a:solidFill>
@@ -17197,7 +17030,7 @@
               <a:t> </a:t>
             </a:r>
             <a:r>
-              <a:rPr lang="ko-KR" altLang="en-US" sz="900" dirty="0" smtClean="0">
+              <a:rPr lang="en-US" altLang="ko-KR" sz="900" dirty="0">
                 <a:solidFill>
                   <a:schemeClr val="dk1"/>
                 </a:solidFill>
@@ -17206,10 +17039,46 @@
                 <a:cs typeface="Malgun Gothic"/>
                 <a:sym typeface="Malgun Gothic"/>
               </a:rPr>
-              <a:t>전체를 선택할 시 수강중인 모든 과목의 출석현황을 확인할 수 있다</a:t>
+              <a:t>‘</a:t>
             </a:r>
             <a:r>
-              <a:rPr lang="en-US" altLang="ko-KR" sz="900" dirty="0" smtClean="0">
+              <a:rPr lang="ko-KR" altLang="en-US" sz="900" dirty="0">
+                <a:solidFill>
+                  <a:schemeClr val="dk1"/>
+                </a:solidFill>
+                <a:latin typeface="Malgun Gothic"/>
+                <a:ea typeface="Malgun Gothic"/>
+                <a:cs typeface="Malgun Gothic"/>
+                <a:sym typeface="Malgun Gothic"/>
+              </a:rPr>
+              <a:t>전체</a:t>
+            </a:r>
+            <a:r>
+              <a:rPr lang="en-US" altLang="ko-KR" sz="900" dirty="0">
+                <a:solidFill>
+                  <a:schemeClr val="dk1"/>
+                </a:solidFill>
+                <a:latin typeface="Malgun Gothic"/>
+                <a:ea typeface="Malgun Gothic"/>
+                <a:cs typeface="Malgun Gothic"/>
+                <a:sym typeface="Malgun Gothic"/>
+              </a:rPr>
+              <a:t>’</a:t>
+            </a:r>
+            <a:r>
+              <a:rPr lang="ko-KR" altLang="en-US" sz="900" dirty="0">
+                <a:solidFill>
+                  <a:schemeClr val="dk1"/>
+                </a:solidFill>
+                <a:latin typeface="Malgun Gothic"/>
+                <a:ea typeface="Malgun Gothic"/>
+                <a:cs typeface="Malgun Gothic"/>
+                <a:sym typeface="Malgun Gothic"/>
+              </a:rPr>
+              <a:t>를 선택 한다</a:t>
+            </a:r>
+            <a:r>
+              <a:rPr lang="en-US" altLang="ko-KR" sz="900" dirty="0">
                 <a:solidFill>
                   <a:schemeClr val="dk1"/>
                 </a:solidFill>
@@ -17240,7 +17109,7 @@
               <a:buAutoNum type="arabicParenR"/>
             </a:pPr>
             <a:r>
-              <a:rPr lang="ko-KR" altLang="en-US" sz="900" dirty="0" smtClean="0">
+              <a:rPr lang="ko-KR" altLang="en-US" sz="900" dirty="0" err="1">
                 <a:solidFill>
                   <a:schemeClr val="dk1"/>
                 </a:solidFill>
@@ -17249,10 +17118,10 @@
                 <a:cs typeface="Malgun Gothic"/>
                 <a:sym typeface="Malgun Gothic"/>
               </a:rPr>
-              <a:t>로그아웃 </a:t>
+              <a:t>콤보박스에서</a:t>
             </a:r>
             <a:r>
-              <a:rPr lang="ko-KR" altLang="en-US" sz="900" dirty="0" smtClean="0">
+              <a:rPr lang="ko-KR" altLang="en-US" sz="900" dirty="0">
                 <a:solidFill>
                   <a:schemeClr val="dk1"/>
                 </a:solidFill>
@@ -17261,10 +17130,10 @@
                 <a:cs typeface="Malgun Gothic"/>
                 <a:sym typeface="Malgun Gothic"/>
               </a:rPr>
-              <a:t>후 로그인 페이지 </a:t>
+              <a:t> 선택된 과목에 대한 출석현황을 조회할 수 있다</a:t>
             </a:r>
             <a:r>
-              <a:rPr lang="ko-KR" altLang="en-US" sz="900" dirty="0" smtClean="0">
+              <a:rPr lang="en-US" altLang="ko-KR" sz="900" dirty="0">
                 <a:solidFill>
                   <a:schemeClr val="dk1"/>
                 </a:solidFill>
@@ -17273,10 +17142,89 @@
                 <a:cs typeface="Malgun Gothic"/>
                 <a:sym typeface="Malgun Gothic"/>
               </a:rPr>
-              <a:t>이동한다</a:t>
+              <a:t>. 2)</a:t>
             </a:r>
             <a:r>
-              <a:rPr lang="en-US" altLang="ko-KR" sz="900" dirty="0" smtClean="0">
+              <a:rPr lang="ko-KR" altLang="en-US" sz="900" dirty="0">
+                <a:solidFill>
+                  <a:schemeClr val="dk1"/>
+                </a:solidFill>
+                <a:latin typeface="Malgun Gothic"/>
+                <a:ea typeface="Malgun Gothic"/>
+                <a:cs typeface="Malgun Gothic"/>
+                <a:sym typeface="Malgun Gothic"/>
+              </a:rPr>
+              <a:t>의</a:t>
+            </a:r>
+            <a:r>
+              <a:rPr lang="en-US" altLang="ko-KR" sz="900" dirty="0">
+                <a:solidFill>
+                  <a:schemeClr val="dk1"/>
+                </a:solidFill>
+                <a:latin typeface="Malgun Gothic"/>
+                <a:ea typeface="Malgun Gothic"/>
+                <a:cs typeface="Malgun Gothic"/>
+                <a:sym typeface="Malgun Gothic"/>
+              </a:rPr>
+              <a:t> </a:t>
+            </a:r>
+            <a:r>
+              <a:rPr lang="ko-KR" altLang="en-US" sz="900" dirty="0">
+                <a:solidFill>
+                  <a:schemeClr val="dk1"/>
+                </a:solidFill>
+                <a:latin typeface="Malgun Gothic"/>
+                <a:ea typeface="Malgun Gothic"/>
+                <a:cs typeface="Malgun Gothic"/>
+                <a:sym typeface="Malgun Gothic"/>
+              </a:rPr>
+              <a:t>전체를 선택할 시 수강중인 모든 과목의 출석현황을 확인할 수 있다</a:t>
+            </a:r>
+            <a:r>
+              <a:rPr lang="en-US" altLang="ko-KR" sz="900" dirty="0">
+                <a:solidFill>
+                  <a:schemeClr val="dk1"/>
+                </a:solidFill>
+                <a:latin typeface="Malgun Gothic"/>
+                <a:ea typeface="Malgun Gothic"/>
+                <a:cs typeface="Malgun Gothic"/>
+                <a:sym typeface="Malgun Gothic"/>
+              </a:rPr>
+              <a:t>.</a:t>
+            </a:r>
+          </a:p>
+          <a:p>
+            <a:pPr marL="177800" marR="0" lvl="0" indent="-177800" algn="l" rtl="0">
+              <a:lnSpc>
+                <a:spcPct val="90000"/>
+              </a:lnSpc>
+              <a:spcBef>
+                <a:spcPts val="813"/>
+              </a:spcBef>
+              <a:spcAft>
+                <a:spcPts val="0"/>
+              </a:spcAft>
+              <a:buClr>
+                <a:schemeClr val="dk1"/>
+              </a:buClr>
+              <a:buSzPts val="900"/>
+              <a:buFont typeface="Malgun Gothic"/>
+              <a:buAutoNum type="arabicParenR"/>
+            </a:pPr>
+            <a:r>
+              <a:rPr lang="ko-KR" altLang="en-US" sz="900" dirty="0">
+                <a:solidFill>
+                  <a:schemeClr val="dk1"/>
+                </a:solidFill>
+                <a:latin typeface="Malgun Gothic"/>
+                <a:ea typeface="Malgun Gothic"/>
+                <a:cs typeface="Malgun Gothic"/>
+                <a:sym typeface="Malgun Gothic"/>
+              </a:rPr>
+              <a:t>로그아웃 후 로그인 페이지 이동한다</a:t>
+            </a:r>
+            <a:r>
+              <a:rPr lang="en-US" altLang="ko-KR" sz="900" dirty="0">
                 <a:solidFill>
                   <a:schemeClr val="dk1"/>
                 </a:solidFill>
@@ -17334,7 +17282,7 @@
               <a:buFont typeface="Malgun Gothic"/>
               <a:buAutoNum type="arabicParenR"/>
             </a:pPr>
-            <a:endParaRPr lang="en-US" altLang="ko-KR" sz="900" dirty="0" smtClean="0">
+            <a:endParaRPr lang="en-US" altLang="ko-KR" sz="900" dirty="0">
               <a:solidFill>
                 <a:schemeClr val="dk1"/>
               </a:solidFill>
@@ -17390,7 +17338,7 @@
               <a:buFont typeface="Malgun Gothic"/>
               <a:buAutoNum type="arabicParenR"/>
             </a:pPr>
-            <a:endParaRPr lang="en-US" altLang="ko-KR" sz="900" dirty="0" smtClean="0">
+            <a:endParaRPr lang="en-US" altLang="ko-KR" sz="900" dirty="0">
               <a:solidFill>
                 <a:schemeClr val="dk1"/>
               </a:solidFill>
@@ -17446,7 +17394,7 @@
               <a:buFont typeface="Malgun Gothic"/>
               <a:buAutoNum type="arabicParenR"/>
             </a:pPr>
-            <a:endParaRPr lang="en-US" altLang="ko-KR" sz="900" dirty="0" smtClean="0">
+            <a:endParaRPr lang="en-US" altLang="ko-KR" sz="900" dirty="0">
               <a:solidFill>
                 <a:schemeClr val="dk1"/>
               </a:solidFill>
@@ -17482,7 +17430,7 @@
               <a:t>Table : </a:t>
             </a:r>
             <a:r>
-              <a:rPr lang="en-US" altLang="ko-KR" sz="900" dirty="0" err="1" smtClean="0">
+              <a:rPr lang="en-US" altLang="ko-KR" sz="900" dirty="0" err="1">
                 <a:solidFill>
                   <a:schemeClr val="dk1"/>
                 </a:solidFill>
@@ -17494,7 +17442,7 @@
               <a:t>TakingSubject</a:t>
             </a:r>
             <a:r>
-              <a:rPr lang="en-US" altLang="ko-KR" sz="900" dirty="0" smtClean="0">
+              <a:rPr lang="en-US" altLang="ko-KR" sz="900" dirty="0">
                 <a:solidFill>
                   <a:schemeClr val="dk1"/>
                 </a:solidFill>
@@ -17505,15 +17453,6 @@
               </a:rPr>
               <a:t> </a:t>
             </a:r>
-            <a:endParaRPr lang="en-US" altLang="ko-KR" sz="900" dirty="0">
-              <a:solidFill>
-                <a:schemeClr val="dk1"/>
-              </a:solidFill>
-              <a:latin typeface="Malgun Gothic"/>
-              <a:ea typeface="Malgun Gothic"/>
-              <a:cs typeface="Malgun Gothic"/>
-              <a:sym typeface="Malgun Gothic"/>
-            </a:endParaRPr>
           </a:p>
           <a:p>
             <a:pPr marR="0" lvl="0" algn="l" rtl="0">
@@ -17567,22 +17506,21 @@
           <a:p>
             <a:pPr algn="ctr"/>
             <a:r>
-              <a:rPr lang="ko-KR" altLang="en-US" dirty="0" smtClean="0"/>
+              <a:rPr lang="ko-KR" altLang="en-US" dirty="0"/>
               <a:t>출석체크 시스템</a:t>
             </a:r>
-            <a:endParaRPr lang="en-US" altLang="ko-KR" dirty="0" smtClean="0"/>
+            <a:endParaRPr lang="en-US" altLang="ko-KR" dirty="0"/>
           </a:p>
           <a:p>
             <a:pPr algn="ctr"/>
             <a:r>
-              <a:rPr lang="en-US" altLang="ko-KR" dirty="0" smtClean="0"/>
+              <a:rPr lang="en-US" altLang="ko-KR" dirty="0"/>
               <a:t>OOO</a:t>
             </a:r>
             <a:r>
-              <a:rPr lang="ko-KR" altLang="en-US" dirty="0" smtClean="0"/>
+              <a:rPr lang="ko-KR" altLang="en-US" dirty="0"/>
               <a:t>님 안녕하세요</a:t>
             </a:r>
-            <a:endParaRPr lang="ko-KR" altLang="en-US" dirty="0"/>
           </a:p>
         </p:txBody>
       </p:sp>
@@ -17660,7 +17598,7 @@
             <p:cNvPr id="19" name="Google Shape;114;p13">
               <a:extLst>
                 <a:ext uri="{FF2B5EF4-FFF2-40B4-BE49-F238E27FC236}">
-                  <a16:creationId xmlns="" xmlns:a16="http://schemas.microsoft.com/office/drawing/2014/main" id="{F7D56FF0-423C-4C0B-A6E4-FBB0B3B6598B}"/>
+                  <a16:creationId xmlns:a16="http://schemas.microsoft.com/office/drawing/2014/main" id="{F7D56FF0-423C-4C0B-A6E4-FBB0B3B6598B}"/>
                 </a:ext>
               </a:extLst>
             </p:cNvPr>
@@ -18053,7 +17991,7 @@
               <a:buNone/>
             </a:pPr>
             <a:r>
-              <a:rPr lang="ko-KR" sz="900" b="0" i="0" u="none" strike="noStrike" cap="none" dirty="0" smtClean="0">
+              <a:rPr lang="ko-KR" sz="900" b="0" i="0" u="none" strike="noStrike" cap="none" dirty="0">
                 <a:solidFill>
                   <a:schemeClr val="dk1"/>
                 </a:solidFill>
@@ -18062,19 +18000,7 @@
                 <a:cs typeface="Malgun Gothic"/>
                 <a:sym typeface="Malgun Gothic"/>
               </a:rPr>
-              <a:t>※ </a:t>
-            </a:r>
-            <a:r>
-              <a:rPr lang="ko-KR" sz="900" b="0" i="0" u="none" strike="noStrike" cap="none" dirty="0">
-                <a:solidFill>
-                  <a:schemeClr val="dk1"/>
-                </a:solidFill>
-                <a:latin typeface="Malgun Gothic"/>
-                <a:ea typeface="Malgun Gothic"/>
-                <a:cs typeface="Malgun Gothic"/>
-                <a:sym typeface="Malgun Gothic"/>
-              </a:rPr>
-              <a:t>컨텐츠 요구사항</a:t>
+              <a:t>※ 컨텐츠 요구사항</a:t>
             </a:r>
             <a:endParaRPr sz="900" b="0" i="0" u="none" strike="noStrike" cap="none" dirty="0">
               <a:solidFill>
@@ -18105,7 +18031,7 @@
               <a:buAutoNum type="arabicParenR"/>
             </a:pPr>
             <a:r>
-              <a:rPr lang="en-US" altLang="ko-KR" sz="900" dirty="0" smtClean="0">
+              <a:rPr lang="en-US" altLang="ko-KR" sz="900" dirty="0">
                 <a:solidFill>
                   <a:schemeClr val="dk1"/>
                 </a:solidFill>
@@ -18117,7 +18043,7 @@
               <a:t>Grid</a:t>
             </a:r>
             <a:r>
-              <a:rPr lang="ko-KR" altLang="en-US" sz="900" dirty="0" smtClean="0">
+              <a:rPr lang="ko-KR" altLang="en-US" sz="900" dirty="0">
                 <a:solidFill>
                   <a:schemeClr val="dk1"/>
                 </a:solidFill>
@@ -18129,7 +18055,7 @@
               <a:t>의 출석여부 </a:t>
             </a:r>
             <a:r>
-              <a:rPr lang="en-US" altLang="ko-KR" sz="900" dirty="0" smtClean="0">
+              <a:rPr lang="en-US" altLang="ko-KR" sz="900" dirty="0">
                 <a:solidFill>
                   <a:schemeClr val="dk1"/>
                 </a:solidFill>
@@ -18141,7 +18067,7 @@
               <a:t>Column</a:t>
             </a:r>
             <a:r>
-              <a:rPr lang="ko-KR" altLang="en-US" sz="900" dirty="0" smtClean="0">
+              <a:rPr lang="ko-KR" altLang="en-US" sz="900" dirty="0">
                 <a:solidFill>
                   <a:schemeClr val="dk1"/>
                 </a:solidFill>
@@ -18153,7 +18079,7 @@
               <a:t>의 출석체크 버튼을 클릭 시 </a:t>
             </a:r>
             <a:r>
-              <a:rPr lang="en-US" altLang="ko-KR" sz="900" dirty="0" smtClean="0">
+              <a:rPr lang="en-US" altLang="ko-KR" sz="900" dirty="0">
                 <a:solidFill>
                   <a:schemeClr val="dk1"/>
                 </a:solidFill>
@@ -18165,7 +18091,7 @@
               <a:t>Modal </a:t>
             </a:r>
             <a:r>
-              <a:rPr lang="ko-KR" altLang="en-US" sz="900" dirty="0" smtClean="0">
+              <a:rPr lang="ko-KR" altLang="en-US" sz="900" dirty="0">
                 <a:solidFill>
                   <a:schemeClr val="dk1"/>
                 </a:solidFill>
@@ -18177,7 +18103,7 @@
               <a:t>창으로 </a:t>
             </a:r>
             <a:r>
-              <a:rPr lang="ko-KR" altLang="en-US" sz="900" dirty="0" err="1" smtClean="0">
+              <a:rPr lang="ko-KR" altLang="en-US" sz="900" dirty="0" err="1">
                 <a:solidFill>
                   <a:schemeClr val="dk1"/>
                 </a:solidFill>
@@ -18189,7 +18115,7 @@
               <a:t>팝업창이</a:t>
             </a:r>
             <a:r>
-              <a:rPr lang="ko-KR" altLang="en-US" sz="900" dirty="0" smtClean="0">
+              <a:rPr lang="ko-KR" altLang="en-US" sz="900" dirty="0">
                 <a:solidFill>
                   <a:schemeClr val="dk1"/>
                 </a:solidFill>
@@ -18201,7 +18127,7 @@
               <a:t> 생성되며</a:t>
             </a:r>
             <a:r>
-              <a:rPr lang="en-US" altLang="ko-KR" sz="900" dirty="0" smtClean="0">
+              <a:rPr lang="en-US" altLang="ko-KR" sz="900" dirty="0">
                 <a:solidFill>
                   <a:schemeClr val="dk1"/>
                 </a:solidFill>
@@ -18213,7 +18139,7 @@
               <a:t>, </a:t>
             </a:r>
             <a:r>
-              <a:rPr lang="ko-KR" altLang="en-US" sz="900" dirty="0" smtClean="0">
+              <a:rPr lang="ko-KR" altLang="en-US" sz="900" dirty="0">
                 <a:solidFill>
                   <a:schemeClr val="dk1"/>
                 </a:solidFill>
@@ -18237,7 +18163,7 @@
               <a:t> </a:t>
             </a:r>
             <a:r>
-              <a:rPr lang="ko-KR" altLang="en-US" sz="900" dirty="0" smtClean="0">
+              <a:rPr lang="ko-KR" altLang="en-US" sz="900" dirty="0">
                 <a:solidFill>
                   <a:schemeClr val="dk1"/>
                 </a:solidFill>
@@ -18249,7 +18175,7 @@
               <a:t> </a:t>
             </a:r>
             <a:r>
-              <a:rPr lang="ko-KR" altLang="en-US" sz="900" dirty="0" err="1" smtClean="0">
+              <a:rPr lang="ko-KR" altLang="en-US" sz="900" dirty="0" err="1">
                 <a:solidFill>
                   <a:schemeClr val="dk1"/>
                 </a:solidFill>
@@ -18261,7 +18187,7 @@
               <a:t>팝업창에는</a:t>
             </a:r>
             <a:r>
-              <a:rPr lang="ko-KR" altLang="en-US" sz="900" dirty="0" smtClean="0">
+              <a:rPr lang="ko-KR" altLang="en-US" sz="900" dirty="0">
                 <a:solidFill>
                   <a:schemeClr val="dk1"/>
                 </a:solidFill>
@@ -18273,7 +18199,7 @@
               <a:t> </a:t>
             </a:r>
             <a:r>
-              <a:rPr lang="en-US" altLang="ko-KR" sz="900" dirty="0" smtClean="0">
+              <a:rPr lang="en-US" altLang="ko-KR" sz="900" dirty="0">
                 <a:solidFill>
                   <a:schemeClr val="dk1"/>
                 </a:solidFill>
@@ -18285,7 +18211,7 @@
               <a:t>QR</a:t>
             </a:r>
             <a:r>
-              <a:rPr lang="ko-KR" altLang="en-US" sz="900" dirty="0" smtClean="0">
+              <a:rPr lang="ko-KR" altLang="en-US" sz="900" dirty="0">
                 <a:solidFill>
                   <a:schemeClr val="dk1"/>
                 </a:solidFill>
@@ -18297,7 +18223,7 @@
               <a:t>코드가 생성</a:t>
             </a:r>
             <a:r>
-              <a:rPr lang="en-US" altLang="ko-KR" sz="900" dirty="0" smtClean="0">
+              <a:rPr lang="en-US" altLang="ko-KR" sz="900" dirty="0">
                 <a:solidFill>
                   <a:schemeClr val="dk1"/>
                 </a:solidFill>
@@ -18309,7 +18235,7 @@
               <a:t>, QR</a:t>
             </a:r>
             <a:r>
-              <a:rPr lang="ko-KR" altLang="en-US" sz="900" dirty="0" smtClean="0">
+              <a:rPr lang="ko-KR" altLang="en-US" sz="900" dirty="0">
                 <a:solidFill>
                   <a:schemeClr val="dk1"/>
                 </a:solidFill>
@@ -18321,7 +18247,7 @@
               <a:t>코드는 </a:t>
             </a:r>
             <a:r>
-              <a:rPr lang="ko-KR" altLang="en-US" sz="900" dirty="0" err="1" smtClean="0">
+              <a:rPr lang="ko-KR" altLang="en-US" sz="900" dirty="0" err="1">
                 <a:solidFill>
                   <a:schemeClr val="dk1"/>
                 </a:solidFill>
@@ -18333,7 +18259,7 @@
               <a:t>로그인된</a:t>
             </a:r>
             <a:r>
-              <a:rPr lang="ko-KR" altLang="en-US" sz="900" dirty="0" smtClean="0">
+              <a:rPr lang="ko-KR" altLang="en-US" sz="900" dirty="0">
                 <a:solidFill>
                   <a:schemeClr val="dk1"/>
                 </a:solidFill>
@@ -18345,7 +18271,7 @@
               <a:t> 계정의 정보와 과목명 그리고 </a:t>
             </a:r>
             <a:r>
-              <a:rPr lang="ko-KR" altLang="en-US" sz="900" dirty="0" err="1" smtClean="0">
+              <a:rPr lang="ko-KR" altLang="en-US" sz="900" dirty="0" err="1">
                 <a:solidFill>
                   <a:schemeClr val="dk1"/>
                 </a:solidFill>
@@ -18357,7 +18283,7 @@
               <a:t>랜덤한</a:t>
             </a:r>
             <a:r>
-              <a:rPr lang="ko-KR" altLang="en-US" sz="900" dirty="0" smtClean="0">
+              <a:rPr lang="ko-KR" altLang="en-US" sz="900" dirty="0">
                 <a:solidFill>
                   <a:schemeClr val="dk1"/>
                 </a:solidFill>
@@ -18369,7 +18295,7 @@
               <a:t> 문자를 조합하여 생성</a:t>
             </a:r>
             <a:r>
-              <a:rPr lang="en-US" altLang="ko-KR" sz="900" dirty="0" smtClean="0">
+              <a:rPr lang="en-US" altLang="ko-KR" sz="900" dirty="0">
                 <a:solidFill>
                   <a:schemeClr val="dk1"/>
                 </a:solidFill>
@@ -18397,7 +18323,7 @@
               <a:buAutoNum type="arabicParenR"/>
             </a:pPr>
             <a:r>
-              <a:rPr lang="ko-KR" altLang="en-US" sz="900" dirty="0" smtClean="0">
+              <a:rPr lang="ko-KR" altLang="en-US" sz="900" dirty="0">
                 <a:solidFill>
                   <a:schemeClr val="dk1"/>
                 </a:solidFill>
@@ -18409,7 +18335,7 @@
               <a:t>출석 버튼을 통해 해당 과목의 출석상태를 </a:t>
             </a:r>
             <a:r>
-              <a:rPr lang="en-US" altLang="ko-KR" sz="900" dirty="0" smtClean="0">
+              <a:rPr lang="en-US" altLang="ko-KR" sz="900" dirty="0">
                 <a:solidFill>
                   <a:schemeClr val="dk1"/>
                 </a:solidFill>
@@ -18421,7 +18347,7 @@
               <a:t>Update </a:t>
             </a:r>
             <a:r>
-              <a:rPr lang="ko-KR" altLang="en-US" sz="900" dirty="0" smtClean="0">
+              <a:rPr lang="ko-KR" altLang="en-US" sz="900" dirty="0">
                 <a:solidFill>
                   <a:schemeClr val="dk1"/>
                 </a:solidFill>
@@ -18433,7 +18359,7 @@
               <a:t>하며</a:t>
             </a:r>
             <a:r>
-              <a:rPr lang="en-US" altLang="ko-KR" sz="900" dirty="0" smtClean="0">
+              <a:rPr lang="en-US" altLang="ko-KR" sz="900" dirty="0">
                 <a:solidFill>
                   <a:schemeClr val="dk1"/>
                 </a:solidFill>
@@ -18445,7 +18371,7 @@
               <a:t>, </a:t>
             </a:r>
             <a:r>
-              <a:rPr lang="en-US" altLang="ko-KR" sz="900" dirty="0" err="1" smtClean="0">
+              <a:rPr lang="en-US" altLang="ko-KR" sz="900" dirty="0" err="1">
                 <a:solidFill>
                   <a:schemeClr val="dk1"/>
                 </a:solidFill>
@@ -18457,7 +18383,7 @@
               <a:t>TakingSubject</a:t>
             </a:r>
             <a:r>
-              <a:rPr lang="en-US" altLang="ko-KR" sz="900" dirty="0" smtClean="0">
+              <a:rPr lang="en-US" altLang="ko-KR" sz="900" dirty="0">
                 <a:solidFill>
                   <a:schemeClr val="dk1"/>
                 </a:solidFill>
@@ -18469,7 +18395,7 @@
               <a:t> </a:t>
             </a:r>
             <a:r>
-              <a:rPr lang="ko-KR" altLang="en-US" sz="900" dirty="0" smtClean="0">
+              <a:rPr lang="ko-KR" altLang="en-US" sz="900" dirty="0">
                 <a:solidFill>
                   <a:schemeClr val="dk1"/>
                 </a:solidFill>
@@ -18481,7 +18407,7 @@
               <a:t>테이블의 데이터는 현재 상태만 알려주며</a:t>
             </a:r>
             <a:r>
-              <a:rPr lang="en-US" altLang="ko-KR" sz="900" dirty="0" smtClean="0">
+              <a:rPr lang="en-US" altLang="ko-KR" sz="900" dirty="0">
                 <a:solidFill>
                   <a:schemeClr val="dk1"/>
                 </a:solidFill>
@@ -18493,7 +18419,7 @@
               <a:t>, Check </a:t>
             </a:r>
             <a:r>
-              <a:rPr lang="ko-KR" altLang="en-US" sz="900" dirty="0" smtClean="0">
+              <a:rPr lang="ko-KR" altLang="en-US" sz="900" dirty="0">
                 <a:solidFill>
                   <a:schemeClr val="dk1"/>
                 </a:solidFill>
@@ -18505,7 +18431,7 @@
               <a:t>테이블에서는 현재 시간을  같이</a:t>
             </a:r>
             <a:r>
-              <a:rPr lang="en-US" altLang="ko-KR" sz="900" dirty="0" smtClean="0">
+              <a:rPr lang="en-US" altLang="ko-KR" sz="900" dirty="0">
                 <a:solidFill>
                   <a:schemeClr val="dk1"/>
                 </a:solidFill>
@@ -18517,7 +18443,7 @@
               <a:t> </a:t>
             </a:r>
             <a:r>
-              <a:rPr lang="ko-KR" altLang="en-US" sz="900" dirty="0" smtClean="0">
+              <a:rPr lang="ko-KR" altLang="en-US" sz="900" dirty="0">
                 <a:solidFill>
                   <a:schemeClr val="dk1"/>
                 </a:solidFill>
@@ -18529,104 +18455,7 @@
               <a:t>관리한다</a:t>
             </a:r>
             <a:r>
-              <a:rPr lang="en-US" altLang="ko-KR" sz="900" dirty="0" smtClean="0">
-                <a:solidFill>
-                  <a:schemeClr val="dk1"/>
-                </a:solidFill>
-                <a:latin typeface="Malgun Gothic"/>
-                <a:ea typeface="Malgun Gothic"/>
-                <a:cs typeface="Malgun Gothic"/>
-                <a:sym typeface="Malgun Gothic"/>
-              </a:rPr>
-              <a:t>.</a:t>
-            </a:r>
-            <a:endParaRPr lang="en-US" altLang="ko-KR" sz="900" dirty="0">
-              <a:solidFill>
-                <a:schemeClr val="dk1"/>
-              </a:solidFill>
-              <a:latin typeface="Malgun Gothic"/>
-              <a:ea typeface="Malgun Gothic"/>
-              <a:cs typeface="Malgun Gothic"/>
-              <a:sym typeface="Malgun Gothic"/>
-            </a:endParaRPr>
-          </a:p>
-          <a:p>
-            <a:pPr marL="177800" lvl="0" indent="-177800">
-              <a:lnSpc>
-                <a:spcPct val="90000"/>
-              </a:lnSpc>
-              <a:spcBef>
-                <a:spcPts val="813"/>
-              </a:spcBef>
-              <a:buClr>
-                <a:schemeClr val="dk1"/>
-              </a:buClr>
-              <a:buSzPts val="900"/>
-              <a:buFont typeface="Malgun Gothic"/>
-              <a:buAutoNum type="arabicParenR"/>
-            </a:pPr>
-            <a:r>
-              <a:rPr lang="ko-KR" altLang="en-US" sz="900" dirty="0" smtClean="0">
-                <a:solidFill>
-                  <a:schemeClr val="dk1"/>
-                </a:solidFill>
-                <a:latin typeface="Malgun Gothic"/>
-                <a:ea typeface="Malgun Gothic"/>
-                <a:cs typeface="Malgun Gothic"/>
-                <a:sym typeface="Malgun Gothic"/>
-              </a:rPr>
-              <a:t>랜덤 코드를 이용하여 </a:t>
-            </a:r>
-            <a:r>
-              <a:rPr lang="en-US" altLang="ko-KR" sz="900" dirty="0" smtClean="0">
-                <a:solidFill>
-                  <a:schemeClr val="dk1"/>
-                </a:solidFill>
-                <a:latin typeface="Malgun Gothic"/>
-                <a:ea typeface="Malgun Gothic"/>
-                <a:cs typeface="Malgun Gothic"/>
-                <a:sym typeface="Malgun Gothic"/>
-              </a:rPr>
-              <a:t>QR</a:t>
-            </a:r>
-            <a:r>
-              <a:rPr lang="ko-KR" altLang="en-US" sz="900" dirty="0" smtClean="0">
-                <a:solidFill>
-                  <a:schemeClr val="dk1"/>
-                </a:solidFill>
-                <a:latin typeface="Malgun Gothic"/>
-                <a:ea typeface="Malgun Gothic"/>
-                <a:cs typeface="Malgun Gothic"/>
-                <a:sym typeface="Malgun Gothic"/>
-              </a:rPr>
-              <a:t>코드를 </a:t>
-            </a:r>
-            <a:r>
-              <a:rPr lang="en-US" altLang="ko-KR" sz="900" dirty="0" smtClean="0">
-                <a:solidFill>
-                  <a:schemeClr val="dk1"/>
-                </a:solidFill>
-                <a:latin typeface="Malgun Gothic"/>
-                <a:ea typeface="Malgun Gothic"/>
-                <a:cs typeface="Malgun Gothic"/>
-                <a:sym typeface="Malgun Gothic"/>
-              </a:rPr>
-              <a:t>Reload </a:t>
-            </a:r>
-            <a:r>
-              <a:rPr lang="ko-KR" altLang="en-US" sz="900" dirty="0" smtClean="0">
-                <a:solidFill>
-                  <a:schemeClr val="dk1"/>
-                </a:solidFill>
-                <a:latin typeface="Malgun Gothic"/>
-                <a:ea typeface="Malgun Gothic"/>
-                <a:cs typeface="Malgun Gothic"/>
-                <a:sym typeface="Malgun Gothic"/>
-              </a:rPr>
-              <a:t>한다</a:t>
-            </a:r>
-            <a:r>
-              <a:rPr lang="en-US" altLang="ko-KR" sz="900" dirty="0" smtClean="0">
+              <a:rPr lang="en-US" altLang="ko-KR" sz="900" dirty="0">
                 <a:solidFill>
                   <a:schemeClr val="dk1"/>
                 </a:solidFill>
@@ -18654,7 +18483,7 @@
               <a:buAutoNum type="arabicParenR"/>
             </a:pPr>
             <a:r>
-              <a:rPr lang="ko-KR" altLang="en-US" sz="900" dirty="0" smtClean="0">
+              <a:rPr lang="ko-KR" altLang="en-US" sz="900" dirty="0">
                 <a:solidFill>
                   <a:schemeClr val="dk1"/>
                 </a:solidFill>
@@ -18663,10 +18492,10 @@
                 <a:cs typeface="Malgun Gothic"/>
                 <a:sym typeface="Malgun Gothic"/>
               </a:rPr>
-              <a:t>현재 </a:t>
+              <a:t>랜덤 코드를 이용하여 </a:t>
             </a:r>
             <a:r>
-              <a:rPr lang="ko-KR" altLang="en-US" sz="900" dirty="0" err="1" smtClean="0">
+              <a:rPr lang="en-US" altLang="ko-KR" sz="900" dirty="0">
                 <a:solidFill>
                   <a:schemeClr val="dk1"/>
                 </a:solidFill>
@@ -18675,10 +18504,10 @@
                 <a:cs typeface="Malgun Gothic"/>
                 <a:sym typeface="Malgun Gothic"/>
               </a:rPr>
-              <a:t>팝업창을</a:t>
+              <a:t>QR</a:t>
             </a:r>
             <a:r>
-              <a:rPr lang="ko-KR" altLang="en-US" sz="900" dirty="0" smtClean="0">
+              <a:rPr lang="ko-KR" altLang="en-US" sz="900" dirty="0">
                 <a:solidFill>
                   <a:schemeClr val="dk1"/>
                 </a:solidFill>
@@ -18687,10 +18516,34 @@
                 <a:cs typeface="Malgun Gothic"/>
                 <a:sym typeface="Malgun Gothic"/>
               </a:rPr>
-              <a:t> 종료한다</a:t>
+              <a:t>코드를 </a:t>
             </a:r>
             <a:r>
-              <a:rPr lang="en-US" altLang="ko-KR" sz="900" dirty="0" smtClean="0">
+              <a:rPr lang="en-US" altLang="ko-KR" sz="900" dirty="0">
+                <a:solidFill>
+                  <a:schemeClr val="dk1"/>
+                </a:solidFill>
+                <a:latin typeface="Malgun Gothic"/>
+                <a:ea typeface="Malgun Gothic"/>
+                <a:cs typeface="Malgun Gothic"/>
+                <a:sym typeface="Malgun Gothic"/>
+              </a:rPr>
+              <a:t>Reload </a:t>
+            </a:r>
+            <a:r>
+              <a:rPr lang="ko-KR" altLang="en-US" sz="900" dirty="0">
+                <a:solidFill>
+                  <a:schemeClr val="dk1"/>
+                </a:solidFill>
+                <a:latin typeface="Malgun Gothic"/>
+                <a:ea typeface="Malgun Gothic"/>
+                <a:cs typeface="Malgun Gothic"/>
+                <a:sym typeface="Malgun Gothic"/>
+              </a:rPr>
+              <a:t>한다</a:t>
+            </a:r>
+            <a:r>
+              <a:rPr lang="en-US" altLang="ko-KR" sz="900" dirty="0">
                 <a:solidFill>
                   <a:schemeClr val="dk1"/>
                 </a:solidFill>
@@ -18718,7 +18571,71 @@
               <a:buAutoNum type="arabicParenR"/>
             </a:pPr>
             <a:r>
-              <a:rPr lang="en-US" altLang="ko-KR" sz="900" dirty="0" smtClean="0">
+              <a:rPr lang="ko-KR" altLang="en-US" sz="900" dirty="0">
+                <a:solidFill>
+                  <a:schemeClr val="dk1"/>
+                </a:solidFill>
+                <a:latin typeface="Malgun Gothic"/>
+                <a:ea typeface="Malgun Gothic"/>
+                <a:cs typeface="Malgun Gothic"/>
+                <a:sym typeface="Malgun Gothic"/>
+              </a:rPr>
+              <a:t>현재 </a:t>
+            </a:r>
+            <a:r>
+              <a:rPr lang="ko-KR" altLang="en-US" sz="900" dirty="0" err="1">
+                <a:solidFill>
+                  <a:schemeClr val="dk1"/>
+                </a:solidFill>
+                <a:latin typeface="Malgun Gothic"/>
+                <a:ea typeface="Malgun Gothic"/>
+                <a:cs typeface="Malgun Gothic"/>
+                <a:sym typeface="Malgun Gothic"/>
+              </a:rPr>
+              <a:t>팝업창을</a:t>
+            </a:r>
+            <a:r>
+              <a:rPr lang="ko-KR" altLang="en-US" sz="900" dirty="0">
+                <a:solidFill>
+                  <a:schemeClr val="dk1"/>
+                </a:solidFill>
+                <a:latin typeface="Malgun Gothic"/>
+                <a:ea typeface="Malgun Gothic"/>
+                <a:cs typeface="Malgun Gothic"/>
+                <a:sym typeface="Malgun Gothic"/>
+              </a:rPr>
+              <a:t> 종료한다</a:t>
+            </a:r>
+            <a:r>
+              <a:rPr lang="en-US" altLang="ko-KR" sz="900" dirty="0">
+                <a:solidFill>
+                  <a:schemeClr val="dk1"/>
+                </a:solidFill>
+                <a:latin typeface="Malgun Gothic"/>
+                <a:ea typeface="Malgun Gothic"/>
+                <a:cs typeface="Malgun Gothic"/>
+                <a:sym typeface="Malgun Gothic"/>
+              </a:rPr>
+              <a:t>.</a:t>
+            </a:r>
+          </a:p>
+          <a:p>
+            <a:pPr marL="177800" lvl="0" indent="-177800">
+              <a:lnSpc>
+                <a:spcPct val="90000"/>
+              </a:lnSpc>
+              <a:spcBef>
+                <a:spcPts val="813"/>
+              </a:spcBef>
+              <a:buClr>
+                <a:schemeClr val="dk1"/>
+              </a:buClr>
+              <a:buSzPts val="900"/>
+              <a:buFont typeface="Malgun Gothic"/>
+              <a:buAutoNum type="arabicParenR"/>
+            </a:pPr>
+            <a:r>
+              <a:rPr lang="en-US" altLang="ko-KR" sz="900" dirty="0">
                 <a:solidFill>
                   <a:schemeClr val="dk1"/>
                 </a:solidFill>
@@ -18730,7 +18647,7 @@
               <a:t>QR</a:t>
             </a:r>
             <a:r>
-              <a:rPr lang="ko-KR" altLang="en-US" sz="900" dirty="0" smtClean="0">
+              <a:rPr lang="ko-KR" altLang="en-US" sz="900" dirty="0">
                 <a:solidFill>
                   <a:schemeClr val="dk1"/>
                 </a:solidFill>
@@ -18742,7 +18659,7 @@
               <a:t>코드는 </a:t>
             </a:r>
             <a:r>
-              <a:rPr lang="en-US" altLang="ko-KR" sz="900" dirty="0" smtClean="0">
+              <a:rPr lang="en-US" altLang="ko-KR" sz="900" dirty="0">
                 <a:solidFill>
                   <a:schemeClr val="dk1"/>
                 </a:solidFill>
@@ -18754,7 +18671,7 @@
               <a:t>1</a:t>
             </a:r>
             <a:r>
-              <a:rPr lang="ko-KR" altLang="en-US" sz="900" dirty="0" smtClean="0">
+              <a:rPr lang="ko-KR" altLang="en-US" sz="900" dirty="0">
                 <a:solidFill>
                   <a:schemeClr val="dk1"/>
                 </a:solidFill>
@@ -18766,7 +18683,7 @@
               <a:t>분마다 </a:t>
             </a:r>
             <a:r>
-              <a:rPr lang="en-US" altLang="ko-KR" sz="900" dirty="0" err="1" smtClean="0">
+              <a:rPr lang="en-US" altLang="ko-KR" sz="900" dirty="0" err="1">
                 <a:solidFill>
                   <a:schemeClr val="dk1"/>
                 </a:solidFill>
@@ -18778,7 +18695,7 @@
               <a:t>Relaod</a:t>
             </a:r>
             <a:r>
-              <a:rPr lang="en-US" altLang="ko-KR" sz="900" dirty="0" smtClean="0">
+              <a:rPr lang="en-US" altLang="ko-KR" sz="900" dirty="0">
                 <a:solidFill>
                   <a:schemeClr val="dk1"/>
                 </a:solidFill>
@@ -18790,7 +18707,7 @@
               <a:t> </a:t>
             </a:r>
             <a:r>
-              <a:rPr lang="ko-KR" altLang="en-US" sz="900" dirty="0" smtClean="0">
+              <a:rPr lang="ko-KR" altLang="en-US" sz="900" dirty="0">
                 <a:solidFill>
                   <a:schemeClr val="dk1"/>
                 </a:solidFill>
@@ -18802,7 +18719,7 @@
               <a:t>되며</a:t>
             </a:r>
             <a:r>
-              <a:rPr lang="en-US" altLang="ko-KR" sz="900" dirty="0" smtClean="0">
+              <a:rPr lang="en-US" altLang="ko-KR" sz="900" dirty="0">
                 <a:solidFill>
                   <a:schemeClr val="dk1"/>
                 </a:solidFill>
@@ -18814,7 +18731,7 @@
               <a:t>, </a:t>
             </a:r>
             <a:r>
-              <a:rPr lang="ko-KR" altLang="en-US" sz="900" dirty="0" smtClean="0">
+              <a:rPr lang="ko-KR" altLang="en-US" sz="900" dirty="0">
                 <a:solidFill>
                   <a:schemeClr val="dk1"/>
                 </a:solidFill>
@@ -18826,7 +18743,7 @@
               <a:t>총 </a:t>
             </a:r>
             <a:r>
-              <a:rPr lang="en-US" altLang="ko-KR" sz="900" dirty="0" smtClean="0">
+              <a:rPr lang="en-US" altLang="ko-KR" sz="900" dirty="0">
                 <a:solidFill>
                   <a:schemeClr val="dk1"/>
                 </a:solidFill>
@@ -18838,7 +18755,7 @@
               <a:t>3</a:t>
             </a:r>
             <a:r>
-              <a:rPr lang="ko-KR" altLang="en-US" sz="900" dirty="0" err="1" smtClean="0">
+              <a:rPr lang="ko-KR" altLang="en-US" sz="900" dirty="0" err="1">
                 <a:solidFill>
                   <a:schemeClr val="dk1"/>
                 </a:solidFill>
@@ -18850,7 +18767,7 @@
               <a:t>분동안</a:t>
             </a:r>
             <a:r>
-              <a:rPr lang="ko-KR" altLang="en-US" sz="900" dirty="0" smtClean="0">
+              <a:rPr lang="ko-KR" altLang="en-US" sz="900" dirty="0">
                 <a:solidFill>
                   <a:schemeClr val="dk1"/>
                 </a:solidFill>
@@ -18862,7 +18779,7 @@
               <a:t> </a:t>
             </a:r>
             <a:r>
-              <a:rPr lang="en-US" altLang="ko-KR" sz="900" dirty="0" smtClean="0">
+              <a:rPr lang="en-US" altLang="ko-KR" sz="900" dirty="0">
                 <a:solidFill>
                   <a:schemeClr val="dk1"/>
                 </a:solidFill>
@@ -18874,7 +18791,7 @@
               <a:t>3</a:t>
             </a:r>
             <a:r>
-              <a:rPr lang="ko-KR" altLang="en-US" sz="900" dirty="0" smtClean="0">
+              <a:rPr lang="ko-KR" altLang="en-US" sz="900" dirty="0">
                 <a:solidFill>
                   <a:schemeClr val="dk1"/>
                 </a:solidFill>
@@ -18886,7 +18803,7 @@
               <a:t>번 </a:t>
             </a:r>
             <a:r>
-              <a:rPr lang="en-US" altLang="ko-KR" sz="900" dirty="0" err="1" smtClean="0">
+              <a:rPr lang="en-US" altLang="ko-KR" sz="900" dirty="0" err="1">
                 <a:solidFill>
                   <a:schemeClr val="dk1"/>
                 </a:solidFill>
@@ -18898,7 +18815,7 @@
               <a:t>Reloaad</a:t>
             </a:r>
             <a:r>
-              <a:rPr lang="en-US" altLang="ko-KR" sz="900" dirty="0" smtClean="0">
+              <a:rPr lang="en-US" altLang="ko-KR" sz="900" dirty="0">
                 <a:solidFill>
                   <a:schemeClr val="dk1"/>
                 </a:solidFill>
@@ -18910,7 +18827,7 @@
               <a:t> </a:t>
             </a:r>
             <a:r>
-              <a:rPr lang="ko-KR" altLang="en-US" sz="900" dirty="0" smtClean="0">
+              <a:rPr lang="ko-KR" altLang="en-US" sz="900" dirty="0">
                 <a:solidFill>
                   <a:schemeClr val="dk1"/>
                 </a:solidFill>
@@ -18922,7 +18839,7 @@
               <a:t>된다</a:t>
             </a:r>
             <a:r>
-              <a:rPr lang="en-US" altLang="ko-KR" sz="900" dirty="0" smtClean="0">
+              <a:rPr lang="en-US" altLang="ko-KR" sz="900" dirty="0">
                 <a:solidFill>
                   <a:schemeClr val="dk1"/>
                 </a:solidFill>
@@ -18934,7 +18851,7 @@
               <a:t>.  </a:t>
             </a:r>
             <a:r>
-              <a:rPr lang="ko-KR" altLang="en-US" sz="900" dirty="0" smtClean="0">
+              <a:rPr lang="ko-KR" altLang="en-US" sz="900" dirty="0">
                 <a:solidFill>
                   <a:schemeClr val="dk1"/>
                 </a:solidFill>
@@ -18946,7 +18863,7 @@
               <a:t>그때 </a:t>
             </a:r>
             <a:r>
-              <a:rPr lang="en-US" altLang="ko-KR" sz="900" dirty="0" err="1" smtClean="0">
+              <a:rPr lang="en-US" altLang="ko-KR" sz="900" dirty="0" err="1">
                 <a:solidFill>
                   <a:schemeClr val="dk1"/>
                 </a:solidFill>
@@ -18958,7 +18875,7 @@
               <a:t>Realod</a:t>
             </a:r>
             <a:r>
-              <a:rPr lang="ko-KR" altLang="en-US" sz="900" dirty="0" smtClean="0">
+              <a:rPr lang="ko-KR" altLang="en-US" sz="900" dirty="0">
                 <a:solidFill>
                   <a:schemeClr val="dk1"/>
                 </a:solidFill>
@@ -18970,7 +18887,7 @@
               <a:t>까지 </a:t>
             </a:r>
             <a:r>
-              <a:rPr lang="ko-KR" altLang="en-US" sz="900" dirty="0" err="1" smtClean="0">
+              <a:rPr lang="ko-KR" altLang="en-US" sz="900" dirty="0" err="1">
                 <a:solidFill>
                   <a:schemeClr val="dk1"/>
                 </a:solidFill>
@@ -18982,7 +18899,7 @@
               <a:t>남은시간이</a:t>
             </a:r>
             <a:r>
-              <a:rPr lang="ko-KR" altLang="en-US" sz="900" dirty="0" smtClean="0">
+              <a:rPr lang="ko-KR" altLang="en-US" sz="900" dirty="0">
                 <a:solidFill>
                   <a:schemeClr val="dk1"/>
                 </a:solidFill>
@@ -18994,7 +18911,7 @@
               <a:t> 표시된다</a:t>
             </a:r>
             <a:r>
-              <a:rPr lang="en-US" altLang="ko-KR" sz="900" dirty="0" smtClean="0">
+              <a:rPr lang="en-US" altLang="ko-KR" sz="900" dirty="0">
                 <a:solidFill>
                   <a:schemeClr val="dk1"/>
                 </a:solidFill>
@@ -19006,7 +18923,7 @@
               <a:t>.(</a:t>
             </a:r>
             <a:r>
-              <a:rPr lang="ko-KR" altLang="en-US" sz="900" dirty="0" err="1" smtClean="0">
+              <a:rPr lang="ko-KR" altLang="en-US" sz="900" dirty="0" err="1">
                 <a:solidFill>
                   <a:schemeClr val="dk1"/>
                 </a:solidFill>
@@ -19018,7 +18935,7 @@
               <a:t>미구연</a:t>
             </a:r>
             <a:r>
-              <a:rPr lang="en-US" altLang="ko-KR" sz="900" dirty="0" smtClean="0">
+              <a:rPr lang="en-US" altLang="ko-KR" sz="900" dirty="0">
                 <a:solidFill>
                   <a:schemeClr val="dk1"/>
                 </a:solidFill>
@@ -19046,7 +18963,7 @@
               <a:buAutoNum type="arabicParenR"/>
             </a:pPr>
             <a:r>
-              <a:rPr lang="ko-KR" altLang="en-US" sz="900" dirty="0" smtClean="0">
+              <a:rPr lang="ko-KR" altLang="en-US" sz="900" dirty="0">
                 <a:solidFill>
                   <a:schemeClr val="dk1"/>
                 </a:solidFill>
@@ -19058,7 +18975,7 @@
               <a:t>현재 출석체크 상태를 확인할 수 있다</a:t>
             </a:r>
             <a:r>
-              <a:rPr lang="en-US" altLang="ko-KR" sz="900" dirty="0" smtClean="0">
+              <a:rPr lang="en-US" altLang="ko-KR" sz="900" dirty="0">
                 <a:solidFill>
                   <a:schemeClr val="dk1"/>
                 </a:solidFill>
@@ -19086,7 +19003,7 @@
               <a:buAutoNum type="arabicParenR"/>
             </a:pPr>
             <a:r>
-              <a:rPr lang="ko-KR" altLang="en-US" sz="900" dirty="0" smtClean="0">
+              <a:rPr lang="ko-KR" altLang="en-US" sz="900" dirty="0">
                 <a:solidFill>
                   <a:schemeClr val="dk1"/>
                 </a:solidFill>
@@ -19098,7 +19015,7 @@
               <a:t>메뉴선택 화면으로 이동한다</a:t>
             </a:r>
             <a:r>
-              <a:rPr lang="en-US" altLang="ko-KR" sz="900" dirty="0" smtClean="0">
+              <a:rPr lang="en-US" altLang="ko-KR" sz="900" dirty="0">
                 <a:solidFill>
                   <a:schemeClr val="dk1"/>
                 </a:solidFill>
@@ -19126,7 +19043,7 @@
               <a:buAutoNum type="arabicParenR"/>
             </a:pPr>
             <a:r>
-              <a:rPr lang="ko-KR" altLang="en-US" sz="900" dirty="0" smtClean="0">
+              <a:rPr lang="ko-KR" altLang="en-US" sz="900" dirty="0">
                 <a:solidFill>
                   <a:schemeClr val="dk1"/>
                 </a:solidFill>
@@ -19138,7 +19055,7 @@
               <a:t>로그아웃을 한 뒤 로그인 화면으로 이동한다</a:t>
             </a:r>
             <a:r>
-              <a:rPr lang="en-US" altLang="ko-KR" sz="900" dirty="0" smtClean="0">
+              <a:rPr lang="en-US" altLang="ko-KR" sz="900" dirty="0">
                 <a:solidFill>
                   <a:schemeClr val="dk1"/>
                 </a:solidFill>
@@ -19165,7 +19082,7 @@
               <a:buFont typeface="Malgun Gothic"/>
               <a:buAutoNum type="arabicParenR"/>
             </a:pPr>
-            <a:endParaRPr lang="en-US" altLang="ko-KR" sz="900" dirty="0" smtClean="0">
+            <a:endParaRPr lang="en-US" altLang="ko-KR" sz="900" dirty="0">
               <a:solidFill>
                 <a:schemeClr val="dk1"/>
               </a:solidFill>
@@ -19189,7 +19106,7 @@
               <a:buSzPts val="900"/>
             </a:pPr>
             <a:r>
-              <a:rPr lang="en-US" altLang="ko-KR" sz="900" dirty="0" smtClean="0">
+              <a:rPr lang="en-US" altLang="ko-KR" sz="900" dirty="0">
                 <a:solidFill>
                   <a:schemeClr val="dk1"/>
                 </a:solidFill>
@@ -19201,7 +19118,7 @@
               <a:t>Table : </a:t>
             </a:r>
             <a:r>
-              <a:rPr lang="en-US" altLang="ko-KR" sz="900" dirty="0" err="1" smtClean="0">
+              <a:rPr lang="en-US" altLang="ko-KR" sz="900" dirty="0" err="1">
                 <a:solidFill>
                   <a:schemeClr val="dk1"/>
                 </a:solidFill>
@@ -19213,7 +19130,7 @@
               <a:t>TakingSubject</a:t>
             </a:r>
             <a:r>
-              <a:rPr lang="en-US" altLang="ko-KR" sz="900" dirty="0" smtClean="0">
+              <a:rPr lang="en-US" altLang="ko-KR" sz="900" dirty="0">
                 <a:solidFill>
                   <a:schemeClr val="dk1"/>
                 </a:solidFill>
@@ -19239,7 +19156,7 @@
               <a:buSzPts val="900"/>
             </a:pPr>
             <a:r>
-              <a:rPr lang="en-US" altLang="ko-KR" sz="900" dirty="0" smtClean="0">
+              <a:rPr lang="en-US" altLang="ko-KR" sz="900" dirty="0">
                 <a:solidFill>
                   <a:schemeClr val="dk1"/>
                 </a:solidFill>
@@ -19250,15 +19167,6 @@
               </a:rPr>
               <a:t>        Check</a:t>
             </a:r>
-            <a:endParaRPr lang="en-US" altLang="ko-KR" sz="900" dirty="0">
-              <a:solidFill>
-                <a:schemeClr val="dk1"/>
-              </a:solidFill>
-              <a:latin typeface="Malgun Gothic"/>
-              <a:ea typeface="Malgun Gothic"/>
-              <a:cs typeface="Malgun Gothic"/>
-              <a:sym typeface="Malgun Gothic"/>
-            </a:endParaRPr>
           </a:p>
           <a:p>
             <a:pPr marL="177800" indent="-120650">
@@ -19342,7 +19250,7 @@
           <p:cNvPr id="4" name="그림 4">
             <a:extLst>
               <a:ext uri="{FF2B5EF4-FFF2-40B4-BE49-F238E27FC236}">
-                <a16:creationId xmlns="" xmlns:a16="http://schemas.microsoft.com/office/drawing/2014/main" id="{36B1BCA9-0C6E-4832-A501-C7F53864F532}"/>
+                <a16:creationId xmlns:a16="http://schemas.microsoft.com/office/drawing/2014/main" id="{36B1BCA9-0C6E-4832-A501-C7F53864F532}"/>
               </a:ext>
             </a:extLst>
           </p:cNvPr>
@@ -19372,7 +19280,7 @@
           <p:cNvPr id="27" name="Google Shape;199;p16">
             <a:extLst>
               <a:ext uri="{FF2B5EF4-FFF2-40B4-BE49-F238E27FC236}">
-                <a16:creationId xmlns="" xmlns:a16="http://schemas.microsoft.com/office/drawing/2014/main" id="{37961933-F613-454D-AC81-401659B6391D}"/>
+                <a16:creationId xmlns:a16="http://schemas.microsoft.com/office/drawing/2014/main" id="{37961933-F613-454D-AC81-401659B6391D}"/>
               </a:ext>
             </a:extLst>
           </p:cNvPr>
@@ -19435,7 +19343,7 @@
           <p:cNvPr id="9" name="표 8">
             <a:extLst>
               <a:ext uri="{FF2B5EF4-FFF2-40B4-BE49-F238E27FC236}">
-                <a16:creationId xmlns="" xmlns:a16="http://schemas.microsoft.com/office/drawing/2014/main" id="{F905234B-DDDC-4727-B24B-8F04B36568B3}"/>
+                <a16:creationId xmlns:a16="http://schemas.microsoft.com/office/drawing/2014/main" id="{F905234B-DDDC-4727-B24B-8F04B36568B3}"/>
               </a:ext>
             </a:extLst>
           </p:cNvPr>
@@ -19461,33 +19369,45 @@
                 <a:tableStyleId>{284E427A-3D55-4303-BF80-6455036E1DE7}</a:tableStyleId>
               </a:tblPr>
               <a:tblGrid>
-                <a:gridCol w="1477932"/>
                 <a:gridCol w="1477932">
                   <a:extLst>
                     <a:ext uri="{9D8B030D-6E8A-4147-A177-3AD203B41FA5}">
-                      <a16:colId xmlns="" xmlns:a16="http://schemas.microsoft.com/office/drawing/2014/main" val="1917094988"/>
+                      <a16:colId xmlns:a16="http://schemas.microsoft.com/office/drawing/2014/main" val="20000"/>
                     </a:ext>
                   </a:extLst>
                 </a:gridCol>
                 <a:gridCol w="1477932">
                   <a:extLst>
                     <a:ext uri="{9D8B030D-6E8A-4147-A177-3AD203B41FA5}">
-                      <a16:colId xmlns="" xmlns:a16="http://schemas.microsoft.com/office/drawing/2014/main" val="2101375769"/>
+                      <a16:colId xmlns:a16="http://schemas.microsoft.com/office/drawing/2014/main" val="1917094988"/>
                     </a:ext>
                   </a:extLst>
                 </a:gridCol>
-                <a:gridCol w="952313"/>
+                <a:gridCol w="1477932">
+                  <a:extLst>
+                    <a:ext uri="{9D8B030D-6E8A-4147-A177-3AD203B41FA5}">
+                      <a16:colId xmlns:a16="http://schemas.microsoft.com/office/drawing/2014/main" val="2101375769"/>
+                    </a:ext>
+                  </a:extLst>
+                </a:gridCol>
+                <a:gridCol w="952313">
+                  <a:extLst>
+                    <a:ext uri="{9D8B030D-6E8A-4147-A177-3AD203B41FA5}">
+                      <a16:colId xmlns:a16="http://schemas.microsoft.com/office/drawing/2014/main" val="20003"/>
+                    </a:ext>
+                  </a:extLst>
+                </a:gridCol>
                 <a:gridCol w="815340">
                   <a:extLst>
                     <a:ext uri="{9D8B030D-6E8A-4147-A177-3AD203B41FA5}">
-                      <a16:colId xmlns="" xmlns:a16="http://schemas.microsoft.com/office/drawing/2014/main" val="1455795655"/>
+                      <a16:colId xmlns:a16="http://schemas.microsoft.com/office/drawing/2014/main" val="1455795655"/>
                     </a:ext>
                   </a:extLst>
                 </a:gridCol>
                 <a:gridCol w="803279">
                   <a:extLst>
                     <a:ext uri="{9D8B030D-6E8A-4147-A177-3AD203B41FA5}">
-                      <a16:colId xmlns="" xmlns:a16="http://schemas.microsoft.com/office/drawing/2014/main" val="1049078234"/>
+                      <a16:colId xmlns:a16="http://schemas.microsoft.com/office/drawing/2014/main" val="1049078234"/>
                     </a:ext>
                   </a:extLst>
                 </a:gridCol>
@@ -19500,16 +19420,12 @@
                     <a:p>
                       <a:pPr algn="ctr" latinLnBrk="1"/>
                       <a:r>
-                        <a:rPr lang="ko-KR" altLang="en-US" sz="900" b="0" dirty="0" smtClean="0">
+                        <a:rPr lang="ko-KR" altLang="en-US" sz="900" b="0" dirty="0">
                           <a:latin typeface="+mn-ea"/>
                           <a:ea typeface="+mn-ea"/>
                         </a:rPr>
                         <a:t>과목코드</a:t>
                       </a:r>
-                      <a:endParaRPr lang="ko-KR" altLang="en-US" sz="900" b="0" dirty="0">
-                        <a:latin typeface="+mn-ea"/>
-                        <a:ea typeface="+mn-ea"/>
-                      </a:endParaRPr>
                     </a:p>
                   </a:txBody>
                   <a:tcPr anchor="ctr"/>
@@ -19555,16 +19471,12 @@
                     <a:p>
                       <a:pPr algn="ctr" latinLnBrk="1"/>
                       <a:r>
-                        <a:rPr lang="ko-KR" altLang="en-US" sz="900" b="0" dirty="0" smtClean="0">
+                        <a:rPr lang="ko-KR" altLang="en-US" sz="900" b="0" dirty="0">
                           <a:latin typeface="+mn-ea"/>
                           <a:ea typeface="+mn-ea"/>
                         </a:rPr>
                         <a:t>요일</a:t>
                       </a:r>
-                      <a:endParaRPr lang="ko-KR" altLang="en-US" sz="900" b="0" dirty="0">
-                        <a:latin typeface="+mn-ea"/>
-                        <a:ea typeface="+mn-ea"/>
-                      </a:endParaRPr>
                     </a:p>
                   </a:txBody>
                   <a:tcPr anchor="ctr"/>
@@ -19605,7 +19517,7 @@
                 </a:tc>
                 <a:extLst>
                   <a:ext uri="{0D108BD9-81ED-4DB2-BD59-A6C34878D82A}">
-                    <a16:rowId xmlns="" xmlns:a16="http://schemas.microsoft.com/office/drawing/2014/main" val="1516003395"/>
+                    <a16:rowId xmlns:a16="http://schemas.microsoft.com/office/drawing/2014/main" val="1516003395"/>
                   </a:ext>
                 </a:extLst>
               </a:tr>
@@ -19617,7 +19529,7 @@
                     <a:p>
                       <a:pPr algn="ctr" latinLnBrk="1"/>
                       <a:r>
-                        <a:rPr lang="en-US" altLang="ko-KR" sz="900" b="0" dirty="0" smtClean="0">
+                        <a:rPr lang="en-US" altLang="ko-KR" sz="900" b="0" dirty="0">
                           <a:latin typeface="+mn-ea"/>
                           <a:ea typeface="+mn-ea"/>
                         </a:rPr>
@@ -19676,13 +19588,13 @@
                     <a:p>
                       <a:pPr algn="ctr" latinLnBrk="1"/>
                       <a:r>
-                        <a:rPr lang="ko-KR" altLang="en-US" sz="900" b="0" dirty="0" smtClean="0">
+                        <a:rPr lang="ko-KR" altLang="en-US" sz="900" b="0" dirty="0">
                           <a:latin typeface="+mn-ea"/>
                           <a:ea typeface="+mn-ea"/>
                         </a:rPr>
                         <a:t>월요일</a:t>
                       </a:r>
-                      <a:endParaRPr lang="en-US" altLang="ko-KR" sz="900" b="0" dirty="0" smtClean="0">
+                      <a:endParaRPr lang="en-US" altLang="ko-KR" sz="900" b="0" dirty="0">
                         <a:latin typeface="+mn-ea"/>
                         <a:ea typeface="+mn-ea"/>
                       </a:endParaRPr>
@@ -19711,7 +19623,7 @@
                     <a:p>
                       <a:pPr algn="ctr" latinLnBrk="1"/>
                       <a:r>
-                        <a:rPr lang="ko-KR" altLang="en-US" sz="900" b="0" dirty="0" smtClean="0">
+                        <a:rPr lang="ko-KR" altLang="en-US" sz="900" b="0" dirty="0">
                           <a:latin typeface="+mn-ea"/>
                           <a:ea typeface="+mn-ea"/>
                         </a:rPr>
@@ -19727,7 +19639,7 @@
                 </a:tc>
                 <a:extLst>
                   <a:ext uri="{0D108BD9-81ED-4DB2-BD59-A6C34878D82A}">
-                    <a16:rowId xmlns="" xmlns:a16="http://schemas.microsoft.com/office/drawing/2014/main" val="2079454974"/>
+                    <a16:rowId xmlns:a16="http://schemas.microsoft.com/office/drawing/2014/main" val="2079454974"/>
                   </a:ext>
                 </a:extLst>
               </a:tr>
@@ -19739,7 +19651,7 @@
                     <a:p>
                       <a:pPr algn="ctr" latinLnBrk="1"/>
                       <a:r>
-                        <a:rPr lang="en-US" altLang="ko-KR" sz="900" b="0" dirty="0" smtClean="0">
+                        <a:rPr lang="en-US" altLang="ko-KR" sz="900" b="0" dirty="0">
                           <a:latin typeface="+mn-ea"/>
                           <a:ea typeface="+mn-ea"/>
                         </a:rPr>
@@ -19823,16 +19735,12 @@
                     <a:p>
                       <a:pPr algn="ctr" latinLnBrk="1"/>
                       <a:r>
-                        <a:rPr lang="ko-KR" altLang="en-US" sz="900" b="0" dirty="0" smtClean="0">
+                        <a:rPr lang="ko-KR" altLang="en-US" sz="900" b="0" dirty="0">
                           <a:latin typeface="+mn-ea"/>
                           <a:ea typeface="+mn-ea"/>
                         </a:rPr>
                         <a:t>화요일</a:t>
                       </a:r>
-                      <a:endParaRPr lang="ko-KR" altLang="en-US" sz="900" b="0" dirty="0">
-                        <a:latin typeface="+mn-ea"/>
-                        <a:ea typeface="+mn-ea"/>
-                      </a:endParaRPr>
                     </a:p>
                   </a:txBody>
                   <a:tcPr anchor="ctr"/>
@@ -19928,7 +19836,7 @@
                 </a:tc>
                 <a:extLst>
                   <a:ext uri="{0D108BD9-81ED-4DB2-BD59-A6C34878D82A}">
-                    <a16:rowId xmlns="" xmlns:a16="http://schemas.microsoft.com/office/drawing/2014/main" val="407609434"/>
+                    <a16:rowId xmlns:a16="http://schemas.microsoft.com/office/drawing/2014/main" val="407609434"/>
                   </a:ext>
                 </a:extLst>
               </a:tr>
@@ -19940,7 +19848,7 @@
                     <a:p>
                       <a:pPr algn="ctr" latinLnBrk="1"/>
                       <a:r>
-                        <a:rPr lang="en-US" altLang="ko-KR" sz="900" b="0" dirty="0" smtClean="0">
+                        <a:rPr lang="en-US" altLang="ko-KR" sz="900" b="0" dirty="0">
                           <a:latin typeface="+mn-ea"/>
                           <a:ea typeface="+mn-ea"/>
                         </a:rPr>
@@ -20024,16 +19932,12 @@
                     <a:p>
                       <a:pPr algn="ctr" latinLnBrk="1"/>
                       <a:r>
-                        <a:rPr lang="ko-KR" altLang="en-US" sz="900" b="0" dirty="0" smtClean="0">
+                        <a:rPr lang="ko-KR" altLang="en-US" sz="900" b="0" dirty="0">
                           <a:latin typeface="+mn-ea"/>
                           <a:ea typeface="+mn-ea"/>
                         </a:rPr>
                         <a:t>수요일</a:t>
                       </a:r>
-                      <a:endParaRPr lang="ko-KR" altLang="en-US" sz="900" b="0" dirty="0">
-                        <a:latin typeface="+mn-ea"/>
-                        <a:ea typeface="+mn-ea"/>
-                      </a:endParaRPr>
                     </a:p>
                   </a:txBody>
                   <a:tcPr anchor="ctr"/>
@@ -20144,7 +20048,7 @@
                 </a:tc>
                 <a:extLst>
                   <a:ext uri="{0D108BD9-81ED-4DB2-BD59-A6C34878D82A}">
-                    <a16:rowId xmlns="" xmlns:a16="http://schemas.microsoft.com/office/drawing/2014/main" val="3143395347"/>
+                    <a16:rowId xmlns:a16="http://schemas.microsoft.com/office/drawing/2014/main" val="3143395347"/>
                   </a:ext>
                 </a:extLst>
               </a:tr>
@@ -20156,7 +20060,7 @@
                     <a:p>
                       <a:pPr algn="ctr" latinLnBrk="1"/>
                       <a:r>
-                        <a:rPr lang="en-US" altLang="ko-KR" sz="900" b="0" dirty="0" smtClean="0">
+                        <a:rPr lang="en-US" altLang="ko-KR" sz="900" b="0" dirty="0">
                           <a:latin typeface="+mn-ea"/>
                           <a:ea typeface="+mn-ea"/>
                         </a:rPr>
@@ -20240,16 +20144,12 @@
                     <a:p>
                       <a:pPr algn="ctr" latinLnBrk="1"/>
                       <a:r>
-                        <a:rPr lang="ko-KR" altLang="en-US" sz="900" b="0" dirty="0" smtClean="0">
+                        <a:rPr lang="ko-KR" altLang="en-US" sz="900" b="0" dirty="0">
                           <a:latin typeface="+mn-ea"/>
                           <a:ea typeface="+mn-ea"/>
                         </a:rPr>
                         <a:t>목요일</a:t>
                       </a:r>
-                      <a:endParaRPr lang="ko-KR" altLang="en-US" sz="900" b="0" dirty="0">
-                        <a:latin typeface="+mn-ea"/>
-                        <a:ea typeface="+mn-ea"/>
-                      </a:endParaRPr>
                     </a:p>
                   </a:txBody>
                   <a:tcPr anchor="ctr"/>
@@ -20360,7 +20260,7 @@
                 </a:tc>
                 <a:extLst>
                   <a:ext uri="{0D108BD9-81ED-4DB2-BD59-A6C34878D82A}">
-                    <a16:rowId xmlns="" xmlns:a16="http://schemas.microsoft.com/office/drawing/2014/main" val="3980106186"/>
+                    <a16:rowId xmlns:a16="http://schemas.microsoft.com/office/drawing/2014/main" val="3980106186"/>
                   </a:ext>
                 </a:extLst>
               </a:tr>
@@ -20373,7 +20273,7 @@
           <p:cNvPr id="18" name="직사각형 17">
             <a:extLst>
               <a:ext uri="{FF2B5EF4-FFF2-40B4-BE49-F238E27FC236}">
-                <a16:creationId xmlns="" xmlns:a16="http://schemas.microsoft.com/office/drawing/2014/main" id="{005B5219-B466-49AF-8D11-1E553B940A4A}"/>
+                <a16:creationId xmlns:a16="http://schemas.microsoft.com/office/drawing/2014/main" id="{005B5219-B466-49AF-8D11-1E553B940A4A}"/>
               </a:ext>
             </a:extLst>
           </p:cNvPr>
@@ -20423,7 +20323,7 @@
           <p:cNvPr id="62" name="그룹 61">
             <a:extLst>
               <a:ext uri="{FF2B5EF4-FFF2-40B4-BE49-F238E27FC236}">
-                <a16:creationId xmlns="" xmlns:a16="http://schemas.microsoft.com/office/drawing/2014/main" id="{1B5F2F2F-5796-4719-B041-2E1B079D3B93}"/>
+                <a16:creationId xmlns:a16="http://schemas.microsoft.com/office/drawing/2014/main" id="{1B5F2F2F-5796-4719-B041-2E1B079D3B93}"/>
               </a:ext>
             </a:extLst>
           </p:cNvPr>
@@ -20443,7 +20343,7 @@
             <p:cNvPr id="63" name="Google Shape;127;p13">
               <a:extLst>
                 <a:ext uri="{FF2B5EF4-FFF2-40B4-BE49-F238E27FC236}">
-                  <a16:creationId xmlns="" xmlns:a16="http://schemas.microsoft.com/office/drawing/2014/main" id="{1CB4299E-81FE-4577-A0F7-8172C7606108}"/>
+                  <a16:creationId xmlns:a16="http://schemas.microsoft.com/office/drawing/2014/main" id="{1CB4299E-81FE-4577-A0F7-8172C7606108}"/>
                 </a:ext>
               </a:extLst>
             </p:cNvPr>
@@ -20503,7 +20403,7 @@
             <p:cNvPr id="64" name="Google Shape;113;p13">
               <a:extLst>
                 <a:ext uri="{FF2B5EF4-FFF2-40B4-BE49-F238E27FC236}">
-                  <a16:creationId xmlns="" xmlns:a16="http://schemas.microsoft.com/office/drawing/2014/main" id="{B98AC18D-9A2C-4E43-BF44-91BB37F8E5D6}"/>
+                  <a16:creationId xmlns:a16="http://schemas.microsoft.com/office/drawing/2014/main" id="{B98AC18D-9A2C-4E43-BF44-91BB37F8E5D6}"/>
                 </a:ext>
               </a:extLst>
             </p:cNvPr>
@@ -20577,7 +20477,7 @@
             <p:cNvPr id="65" name="Google Shape;113;p13">
               <a:extLst>
                 <a:ext uri="{FF2B5EF4-FFF2-40B4-BE49-F238E27FC236}">
-                  <a16:creationId xmlns="" xmlns:a16="http://schemas.microsoft.com/office/drawing/2014/main" id="{10E435AE-20B8-4838-940E-A6DC9EDAACF9}"/>
+                  <a16:creationId xmlns:a16="http://schemas.microsoft.com/office/drawing/2014/main" id="{10E435AE-20B8-4838-940E-A6DC9EDAACF9}"/>
                 </a:ext>
               </a:extLst>
             </p:cNvPr>
@@ -20651,7 +20551,7 @@
             <p:cNvPr id="66" name="Google Shape;535;p24">
               <a:extLst>
                 <a:ext uri="{FF2B5EF4-FFF2-40B4-BE49-F238E27FC236}">
-                  <a16:creationId xmlns="" xmlns:a16="http://schemas.microsoft.com/office/drawing/2014/main" id="{9FCC15CA-78EF-49AD-9E8A-15E732D6AA48}"/>
+                  <a16:creationId xmlns:a16="http://schemas.microsoft.com/office/drawing/2014/main" id="{9FCC15CA-78EF-49AD-9E8A-15E732D6AA48}"/>
                 </a:ext>
               </a:extLst>
             </p:cNvPr>
@@ -20952,7 +20852,7 @@
             <p:cNvPr id="67" name="직사각형 66">
               <a:extLst>
                 <a:ext uri="{FF2B5EF4-FFF2-40B4-BE49-F238E27FC236}">
-                  <a16:creationId xmlns="" xmlns:a16="http://schemas.microsoft.com/office/drawing/2014/main" id="{CB0D7152-507D-4BBF-A26A-5F7B6035A048}"/>
+                  <a16:creationId xmlns:a16="http://schemas.microsoft.com/office/drawing/2014/main" id="{CB0D7152-507D-4BBF-A26A-5F7B6035A048}"/>
                 </a:ext>
               </a:extLst>
             </p:cNvPr>
@@ -21026,7 +20926,7 @@
             <p:cNvPr id="68" name="Google Shape;274;p17">
               <a:extLst>
                 <a:ext uri="{FF2B5EF4-FFF2-40B4-BE49-F238E27FC236}">
-                  <a16:creationId xmlns="" xmlns:a16="http://schemas.microsoft.com/office/drawing/2014/main" id="{DF2E3C1E-F739-41A4-BE36-42AFD929364B}"/>
+                  <a16:creationId xmlns:a16="http://schemas.microsoft.com/office/drawing/2014/main" id="{DF2E3C1E-F739-41A4-BE36-42AFD929364B}"/>
                 </a:ext>
               </a:extLst>
             </p:cNvPr>
@@ -21105,7 +21005,7 @@
             <p:cNvPr id="69" name="직사각형 68">
               <a:extLst>
                 <a:ext uri="{FF2B5EF4-FFF2-40B4-BE49-F238E27FC236}">
-                  <a16:creationId xmlns="" xmlns:a16="http://schemas.microsoft.com/office/drawing/2014/main" id="{488B6816-F4FE-4655-985B-692273F34294}"/>
+                  <a16:creationId xmlns:a16="http://schemas.microsoft.com/office/drawing/2014/main" id="{488B6816-F4FE-4655-985B-692273F34294}"/>
                 </a:ext>
               </a:extLst>
             </p:cNvPr>
@@ -21180,7 +21080,7 @@
           <p:cNvPr id="36" name="Google Shape;111;p13">
             <a:extLst>
               <a:ext uri="{FF2B5EF4-FFF2-40B4-BE49-F238E27FC236}">
-                <a16:creationId xmlns="" xmlns:a16="http://schemas.microsoft.com/office/drawing/2014/main" id="{4019644E-BF79-4879-82A7-EADE4A39CF04}"/>
+                <a16:creationId xmlns:a16="http://schemas.microsoft.com/office/drawing/2014/main" id="{4019644E-BF79-4879-82A7-EADE4A39CF04}"/>
               </a:ext>
             </a:extLst>
           </p:cNvPr>
@@ -21252,7 +21152,7 @@
           <p:cNvPr id="38" name="Google Shape;111;p13">
             <a:extLst>
               <a:ext uri="{FF2B5EF4-FFF2-40B4-BE49-F238E27FC236}">
-                <a16:creationId xmlns="" xmlns:a16="http://schemas.microsoft.com/office/drawing/2014/main" id="{411B65FD-B39A-4F42-8962-B91DBA3AF411}"/>
+                <a16:creationId xmlns:a16="http://schemas.microsoft.com/office/drawing/2014/main" id="{411B65FD-B39A-4F42-8962-B91DBA3AF411}"/>
               </a:ext>
             </a:extLst>
           </p:cNvPr>
@@ -21316,7 +21216,7 @@
           <p:cNvPr id="39" name="Google Shape;111;p13">
             <a:extLst>
               <a:ext uri="{FF2B5EF4-FFF2-40B4-BE49-F238E27FC236}">
-                <a16:creationId xmlns="" xmlns:a16="http://schemas.microsoft.com/office/drawing/2014/main" id="{DABF1690-6102-44C1-B06D-8CC992E1B3D5}"/>
+                <a16:creationId xmlns:a16="http://schemas.microsoft.com/office/drawing/2014/main" id="{DABF1690-6102-44C1-B06D-8CC992E1B3D5}"/>
               </a:ext>
             </a:extLst>
           </p:cNvPr>
@@ -21380,7 +21280,7 @@
           <p:cNvPr id="42" name="Google Shape;111;p13">
             <a:extLst>
               <a:ext uri="{FF2B5EF4-FFF2-40B4-BE49-F238E27FC236}">
-                <a16:creationId xmlns="" xmlns:a16="http://schemas.microsoft.com/office/drawing/2014/main" id="{5ED4DB5C-DDF0-4AA2-9919-5039A683A1BB}"/>
+                <a16:creationId xmlns:a16="http://schemas.microsoft.com/office/drawing/2014/main" id="{5ED4DB5C-DDF0-4AA2-9919-5039A683A1BB}"/>
               </a:ext>
             </a:extLst>
           </p:cNvPr>
@@ -21444,7 +21344,7 @@
           <p:cNvPr id="45" name="Google Shape;111;p13">
             <a:extLst>
               <a:ext uri="{FF2B5EF4-FFF2-40B4-BE49-F238E27FC236}">
-                <a16:creationId xmlns="" xmlns:a16="http://schemas.microsoft.com/office/drawing/2014/main" id="{047773F3-196A-4D7C-9F6C-DA14BC014D3D}"/>
+                <a16:creationId xmlns:a16="http://schemas.microsoft.com/office/drawing/2014/main" id="{047773F3-196A-4D7C-9F6C-DA14BC014D3D}"/>
               </a:ext>
             </a:extLst>
           </p:cNvPr>
@@ -21508,7 +21408,7 @@
           <p:cNvPr id="46" name="Google Shape;111;p13">
             <a:extLst>
               <a:ext uri="{FF2B5EF4-FFF2-40B4-BE49-F238E27FC236}">
-                <a16:creationId xmlns="" xmlns:a16="http://schemas.microsoft.com/office/drawing/2014/main" id="{343E9C1A-0042-4E06-B542-1499464C097E}"/>
+                <a16:creationId xmlns:a16="http://schemas.microsoft.com/office/drawing/2014/main" id="{343E9C1A-0042-4E06-B542-1499464C097E}"/>
               </a:ext>
             </a:extLst>
           </p:cNvPr>
@@ -21572,7 +21472,7 @@
           <p:cNvPr id="47" name="Google Shape;114;p13">
             <a:extLst>
               <a:ext uri="{FF2B5EF4-FFF2-40B4-BE49-F238E27FC236}">
-                <a16:creationId xmlns="" xmlns:a16="http://schemas.microsoft.com/office/drawing/2014/main" id="{325C4334-1260-488A-848D-DCA360CA392E}"/>
+                <a16:creationId xmlns:a16="http://schemas.microsoft.com/office/drawing/2014/main" id="{325C4334-1260-488A-848D-DCA360CA392E}"/>
               </a:ext>
             </a:extLst>
           </p:cNvPr>
@@ -21623,7 +21523,7 @@
               <a:buNone/>
             </a:pPr>
             <a:r>
-              <a:rPr lang="en-US" altLang="ko-KR" sz="1000" b="1" i="0" u="none" strike="noStrike" cap="none" dirty="0" smtClean="0">
+              <a:rPr lang="en-US" altLang="ko-KR" sz="1000" b="1" i="0" u="none" strike="noStrike" cap="none" dirty="0">
                 <a:solidFill>
                   <a:schemeClr val="lt1"/>
                 </a:solidFill>
@@ -21651,7 +21551,7 @@
           <p:cNvPr id="48" name="Google Shape;114;p13">
             <a:extLst>
               <a:ext uri="{FF2B5EF4-FFF2-40B4-BE49-F238E27FC236}">
-                <a16:creationId xmlns="" xmlns:a16="http://schemas.microsoft.com/office/drawing/2014/main" id="{81C6508A-8563-413C-9CD6-28EC55ED1E1D}"/>
+                <a16:creationId xmlns:a16="http://schemas.microsoft.com/office/drawing/2014/main" id="{81C6508A-8563-413C-9CD6-28EC55ED1E1D}"/>
               </a:ext>
             </a:extLst>
           </p:cNvPr>
@@ -21702,7 +21602,7 @@
               <a:buNone/>
             </a:pPr>
             <a:r>
-              <a:rPr lang="en-US" altLang="ko-KR" sz="1000" b="1" dirty="0" smtClean="0">
+              <a:rPr lang="en-US" altLang="ko-KR" sz="1000" b="1" dirty="0">
                 <a:solidFill>
                   <a:schemeClr val="lt1"/>
                 </a:solidFill>
@@ -21730,7 +21630,7 @@
           <p:cNvPr id="49" name="Google Shape;113;p13">
             <a:extLst>
               <a:ext uri="{FF2B5EF4-FFF2-40B4-BE49-F238E27FC236}">
-                <a16:creationId xmlns="" xmlns:a16="http://schemas.microsoft.com/office/drawing/2014/main" id="{6F26D73A-3D51-4E81-8D74-BE73B3D14D9B}"/>
+                <a16:creationId xmlns:a16="http://schemas.microsoft.com/office/drawing/2014/main" id="{6F26D73A-3D51-4E81-8D74-BE73B3D14D9B}"/>
               </a:ext>
             </a:extLst>
           </p:cNvPr>
@@ -21804,7 +21704,7 @@
           <p:cNvPr id="50" name="Google Shape;274;p17">
             <a:extLst>
               <a:ext uri="{FF2B5EF4-FFF2-40B4-BE49-F238E27FC236}">
-                <a16:creationId xmlns="" xmlns:a16="http://schemas.microsoft.com/office/drawing/2014/main" id="{2EFAE25A-316B-4DCD-92D6-B59F4FFDA122}"/>
+                <a16:creationId xmlns:a16="http://schemas.microsoft.com/office/drawing/2014/main" id="{2EFAE25A-316B-4DCD-92D6-B59F4FFDA122}"/>
               </a:ext>
             </a:extLst>
           </p:cNvPr>
@@ -21883,7 +21783,7 @@
           <p:cNvPr id="51" name="Google Shape;274;p17">
             <a:extLst>
               <a:ext uri="{FF2B5EF4-FFF2-40B4-BE49-F238E27FC236}">
-                <a16:creationId xmlns="" xmlns:a16="http://schemas.microsoft.com/office/drawing/2014/main" id="{132F7AA5-0820-430B-843F-14A4FE9F8787}"/>
+                <a16:creationId xmlns:a16="http://schemas.microsoft.com/office/drawing/2014/main" id="{132F7AA5-0820-430B-843F-14A4FE9F8787}"/>
               </a:ext>
             </a:extLst>
           </p:cNvPr>
@@ -21934,7 +21834,7 @@
               <a:buNone/>
             </a:pPr>
             <a:r>
-              <a:rPr lang="en-US" altLang="ko-KR" sz="1000" b="1" dirty="0" smtClean="0">
+              <a:rPr lang="en-US" altLang="ko-KR" sz="1000" b="1" dirty="0">
                 <a:solidFill>
                   <a:schemeClr val="lt1"/>
                 </a:solidFill>
@@ -21962,7 +21862,7 @@
           <p:cNvPr id="32" name="Google Shape;114;p13">
             <a:extLst>
               <a:ext uri="{FF2B5EF4-FFF2-40B4-BE49-F238E27FC236}">
-                <a16:creationId xmlns="" xmlns:a16="http://schemas.microsoft.com/office/drawing/2014/main" id="{C033F66E-722A-4E2E-912C-7AA64E26242C}"/>
+                <a16:creationId xmlns:a16="http://schemas.microsoft.com/office/drawing/2014/main" id="{C033F66E-722A-4E2E-912C-7AA64E26242C}"/>
               </a:ext>
             </a:extLst>
           </p:cNvPr>
@@ -22041,7 +21941,7 @@
           <p:cNvPr id="70" name="Google Shape;131;p13">
             <a:extLst>
               <a:ext uri="{FF2B5EF4-FFF2-40B4-BE49-F238E27FC236}">
-                <a16:creationId xmlns="" xmlns:a16="http://schemas.microsoft.com/office/drawing/2014/main" id="{5FBEF929-4F0E-4255-83DB-C9434F01F3EF}"/>
+                <a16:creationId xmlns:a16="http://schemas.microsoft.com/office/drawing/2014/main" id="{5FBEF929-4F0E-4255-83DB-C9434F01F3EF}"/>
               </a:ext>
             </a:extLst>
           </p:cNvPr>
@@ -22077,7 +21977,7 @@
           <p:cNvPr id="37" name="Google Shape;114;p13">
             <a:extLst>
               <a:ext uri="{FF2B5EF4-FFF2-40B4-BE49-F238E27FC236}">
-                <a16:creationId xmlns="" xmlns:a16="http://schemas.microsoft.com/office/drawing/2014/main" id="{81C6508A-8563-413C-9CD6-28EC55ED1E1D}"/>
+                <a16:creationId xmlns:a16="http://schemas.microsoft.com/office/drawing/2014/main" id="{81C6508A-8563-413C-9CD6-28EC55ED1E1D}"/>
               </a:ext>
             </a:extLst>
           </p:cNvPr>
@@ -22128,7 +22028,7 @@
               <a:buNone/>
             </a:pPr>
             <a:r>
-              <a:rPr lang="en-US" altLang="ko-KR" sz="1000" b="1" dirty="0" smtClean="0">
+              <a:rPr lang="en-US" altLang="ko-KR" sz="1000" b="1" dirty="0">
                 <a:solidFill>
                   <a:schemeClr val="lt1"/>
                 </a:solidFill>
@@ -22156,7 +22056,7 @@
           <p:cNvPr id="33" name="Google Shape;274;p17">
             <a:extLst>
               <a:ext uri="{FF2B5EF4-FFF2-40B4-BE49-F238E27FC236}">
-                <a16:creationId xmlns="" xmlns:a16="http://schemas.microsoft.com/office/drawing/2014/main" id="{132F7AA5-0820-430B-843F-14A4FE9F8787}"/>
+                <a16:creationId xmlns:a16="http://schemas.microsoft.com/office/drawing/2014/main" id="{132F7AA5-0820-430B-843F-14A4FE9F8787}"/>
               </a:ext>
             </a:extLst>
           </p:cNvPr>
@@ -22207,7 +22107,7 @@
               <a:buNone/>
             </a:pPr>
             <a:r>
-              <a:rPr lang="en-US" altLang="ko-KR" sz="1000" b="1" dirty="0" smtClean="0">
+              <a:rPr lang="en-US" altLang="ko-KR" sz="1000" b="1" dirty="0">
                 <a:solidFill>
                   <a:schemeClr val="lt1"/>
                 </a:solidFill>
@@ -22527,31 +22427,7 @@
                 <a:cs typeface="Malgun Gothic"/>
                 <a:sym typeface="Malgun Gothic"/>
               </a:rPr>
-              <a:t>사용자가 수강하는 </a:t>
-            </a:r>
-            <a:r>
-              <a:rPr lang="ko-KR" altLang="en-US" sz="900" b="0" i="0" u="none" strike="noStrike" cap="none" dirty="0" smtClean="0">
-                <a:solidFill>
-                  <a:schemeClr val="dk1"/>
-                </a:solidFill>
-                <a:latin typeface="Malgun Gothic"/>
-                <a:ea typeface="Malgun Gothic"/>
-                <a:cs typeface="Malgun Gothic"/>
-                <a:sym typeface="Malgun Gothic"/>
-              </a:rPr>
-              <a:t>과목들의 출결 </a:t>
-            </a:r>
-            <a:r>
-              <a:rPr lang="ko-KR" altLang="en-US" sz="900" b="0" i="0" u="none" strike="noStrike" cap="none" dirty="0">
-                <a:solidFill>
-                  <a:schemeClr val="dk1"/>
-                </a:solidFill>
-                <a:latin typeface="Malgun Gothic"/>
-                <a:ea typeface="Malgun Gothic"/>
-                <a:cs typeface="Malgun Gothic"/>
-                <a:sym typeface="Malgun Gothic"/>
-              </a:rPr>
-              <a:t>상태와 재적상태를 확인 할 수 있습니다</a:t>
+              <a:t>사용자가 수강하는 과목들의 출결 상태와 재적상태를 확인 할 수 있습니다</a:t>
             </a:r>
             <a:r>
               <a:rPr lang="en-US" altLang="ko-KR" sz="900" b="0" i="0" u="none" strike="noStrike" cap="none" dirty="0">
@@ -22591,7 +22467,7 @@
               <a:buAutoNum type="arabicParenR"/>
             </a:pPr>
             <a:r>
-              <a:rPr lang="ko-KR" altLang="en-US" sz="900" dirty="0" smtClean="0">
+              <a:rPr lang="ko-KR" altLang="en-US" sz="900" dirty="0">
                 <a:solidFill>
                   <a:schemeClr val="dk1"/>
                 </a:solidFill>
@@ -22603,7 +22479,7 @@
               <a:t>출석체크 화면의 </a:t>
             </a:r>
             <a:r>
-              <a:rPr lang="ko-KR" altLang="en-US" sz="900" dirty="0" err="1" smtClean="0">
+              <a:rPr lang="ko-KR" altLang="en-US" sz="900" dirty="0" err="1">
                 <a:solidFill>
                   <a:schemeClr val="dk1"/>
                 </a:solidFill>
@@ -22615,7 +22491,7 @@
               <a:t>팝업창에서</a:t>
             </a:r>
             <a:r>
-              <a:rPr lang="ko-KR" altLang="en-US" sz="900" dirty="0" smtClean="0">
+              <a:rPr lang="ko-KR" altLang="en-US" sz="900" dirty="0">
                 <a:solidFill>
                   <a:schemeClr val="dk1"/>
                 </a:solidFill>
@@ -22627,7 +22503,7 @@
               <a:t> 출석버튼을 클릭한 시간이 함께 저장되어 확인할 수 있다</a:t>
             </a:r>
             <a:r>
-              <a:rPr lang="en-US" altLang="ko-KR" sz="900" dirty="0" smtClean="0">
+              <a:rPr lang="en-US" altLang="ko-KR" sz="900" dirty="0">
                 <a:solidFill>
                   <a:schemeClr val="dk1"/>
                 </a:solidFill>
@@ -22638,7 +22514,59 @@
               </a:rPr>
               <a:t>.</a:t>
             </a:r>
-            <a:endParaRPr lang="en-US" altLang="ko-KR" sz="900" dirty="0" smtClean="0">
+          </a:p>
+          <a:p>
+            <a:pPr marL="285750" indent="-228600">
+              <a:lnSpc>
+                <a:spcPct val="90000"/>
+              </a:lnSpc>
+              <a:spcBef>
+                <a:spcPts val="813"/>
+              </a:spcBef>
+              <a:buClr>
+                <a:schemeClr val="dk1"/>
+              </a:buClr>
+              <a:buSzPts val="900"/>
+              <a:buFont typeface="Arial"/>
+              <a:buAutoNum type="arabicParenR"/>
+            </a:pPr>
+            <a:r>
+              <a:rPr lang="ko-KR" altLang="en-US" sz="900" dirty="0">
+                <a:solidFill>
+                  <a:schemeClr val="dk1"/>
+                </a:solidFill>
+                <a:latin typeface="Malgun Gothic"/>
+                <a:ea typeface="Malgun Gothic"/>
+                <a:cs typeface="Malgun Gothic"/>
+                <a:sym typeface="Malgun Gothic"/>
+              </a:rPr>
+              <a:t>메뉴확인 화면의 </a:t>
+            </a:r>
+            <a:r>
+              <a:rPr lang="ko-KR" altLang="en-US" sz="900" dirty="0" err="1">
+                <a:solidFill>
+                  <a:schemeClr val="dk1"/>
+                </a:solidFill>
+                <a:latin typeface="Malgun Gothic"/>
+                <a:ea typeface="Malgun Gothic"/>
+                <a:cs typeface="Malgun Gothic"/>
+                <a:sym typeface="Malgun Gothic"/>
+              </a:rPr>
+              <a:t>콤보박스를</a:t>
+            </a:r>
+            <a:r>
+              <a:rPr lang="ko-KR" altLang="en-US" sz="900" dirty="0">
+                <a:solidFill>
+                  <a:schemeClr val="dk1"/>
+                </a:solidFill>
+                <a:latin typeface="Malgun Gothic"/>
+                <a:ea typeface="Malgun Gothic"/>
+                <a:cs typeface="Malgun Gothic"/>
+                <a:sym typeface="Malgun Gothic"/>
+              </a:rPr>
+              <a:t> 통해 선택한 과목의 출석상태만 확인할 수 있다</a:t>
+            </a:r>
+            <a:endParaRPr lang="en-US" altLang="ko-KR" sz="900" dirty="0">
               <a:solidFill>
                 <a:schemeClr val="dk1"/>
               </a:solidFill>
@@ -22673,83 +22601,10 @@
                 <a:cs typeface="Malgun Gothic"/>
                 <a:sym typeface="Malgun Gothic"/>
               </a:rPr>
-              <a:t>메뉴확인 화면의 </a:t>
-            </a:r>
-            <a:r>
-              <a:rPr lang="ko-KR" altLang="en-US" sz="900" dirty="0" err="1">
-                <a:solidFill>
-                  <a:schemeClr val="dk1"/>
-                </a:solidFill>
-                <a:latin typeface="Malgun Gothic"/>
-                <a:ea typeface="Malgun Gothic"/>
-                <a:cs typeface="Malgun Gothic"/>
-                <a:sym typeface="Malgun Gothic"/>
-              </a:rPr>
-              <a:t>콤보박스를</a:t>
-            </a:r>
-            <a:r>
-              <a:rPr lang="ko-KR" altLang="en-US" sz="900" dirty="0">
-                <a:solidFill>
-                  <a:schemeClr val="dk1"/>
-                </a:solidFill>
-                <a:latin typeface="Malgun Gothic"/>
-                <a:ea typeface="Malgun Gothic"/>
-                <a:cs typeface="Malgun Gothic"/>
-                <a:sym typeface="Malgun Gothic"/>
-              </a:rPr>
-              <a:t> 통해 선택한 과목의 출석상태만 확인할 수 </a:t>
-            </a:r>
-            <a:r>
-              <a:rPr lang="ko-KR" altLang="en-US" sz="900" dirty="0" smtClean="0">
-                <a:solidFill>
-                  <a:schemeClr val="dk1"/>
-                </a:solidFill>
-                <a:latin typeface="Malgun Gothic"/>
-                <a:ea typeface="Malgun Gothic"/>
-                <a:cs typeface="Malgun Gothic"/>
-                <a:sym typeface="Malgun Gothic"/>
-              </a:rPr>
-              <a:t>있다</a:t>
-            </a:r>
-            <a:endParaRPr lang="en-US" altLang="ko-KR" sz="900" dirty="0" smtClean="0">
-              <a:solidFill>
-                <a:schemeClr val="dk1"/>
-              </a:solidFill>
-              <a:latin typeface="Malgun Gothic"/>
-              <a:ea typeface="Malgun Gothic"/>
-              <a:cs typeface="Malgun Gothic"/>
-              <a:sym typeface="Malgun Gothic"/>
-            </a:endParaRPr>
-          </a:p>
-          <a:p>
-            <a:pPr marL="285750" indent="-228600">
-              <a:lnSpc>
-                <a:spcPct val="90000"/>
-              </a:lnSpc>
-              <a:spcBef>
-                <a:spcPts val="813"/>
-              </a:spcBef>
-              <a:buClr>
-                <a:schemeClr val="dk1"/>
-              </a:buClr>
-              <a:buSzPts val="900"/>
-              <a:buFont typeface="Arial"/>
-              <a:buAutoNum type="arabicParenR"/>
-            </a:pPr>
-            <a:r>
-              <a:rPr lang="ko-KR" altLang="en-US" sz="900" dirty="0" smtClean="0">
-                <a:solidFill>
-                  <a:schemeClr val="dk1"/>
-                </a:solidFill>
-                <a:latin typeface="Malgun Gothic"/>
-                <a:ea typeface="Malgun Gothic"/>
-                <a:cs typeface="Malgun Gothic"/>
-                <a:sym typeface="Malgun Gothic"/>
-              </a:rPr>
               <a:t>메뉴선택화면으로 되돌아 간다</a:t>
             </a:r>
             <a:r>
-              <a:rPr lang="en-US" altLang="ko-KR" sz="900" dirty="0" smtClean="0">
+              <a:rPr lang="en-US" altLang="ko-KR" sz="900" dirty="0">
                 <a:solidFill>
                   <a:schemeClr val="dk1"/>
                 </a:solidFill>
@@ -22786,34 +22641,10 @@
                 <a:cs typeface="Malgun Gothic"/>
                 <a:sym typeface="Malgun Gothic"/>
               </a:rPr>
-              <a:t>로그아웃을 한 뒤 </a:t>
+              <a:t>로그아웃을 한 뒤 로그인 화면으로 이동한다</a:t>
             </a:r>
             <a:r>
-              <a:rPr lang="ko-KR" altLang="en-US" sz="900" dirty="0" smtClean="0">
-                <a:solidFill>
-                  <a:schemeClr val="dk1"/>
-                </a:solidFill>
-                <a:latin typeface="Malgun Gothic"/>
-                <a:ea typeface="Malgun Gothic"/>
-                <a:cs typeface="Malgun Gothic"/>
-                <a:sym typeface="Malgun Gothic"/>
-              </a:rPr>
-              <a:t>로그인 화면으로 </a:t>
-            </a:r>
-            <a:r>
-              <a:rPr lang="ko-KR" altLang="en-US" sz="900" dirty="0">
-                <a:solidFill>
-                  <a:schemeClr val="dk1"/>
-                </a:solidFill>
-                <a:latin typeface="Malgun Gothic"/>
-                <a:ea typeface="Malgun Gothic"/>
-                <a:cs typeface="Malgun Gothic"/>
-                <a:sym typeface="Malgun Gothic"/>
-              </a:rPr>
-              <a:t>이동한다</a:t>
-            </a:r>
-            <a:r>
-              <a:rPr lang="en-US" altLang="ko-KR" sz="900" dirty="0" smtClean="0">
+              <a:rPr lang="en-US" altLang="ko-KR" sz="900" dirty="0">
                 <a:solidFill>
                   <a:schemeClr val="dk1"/>
                 </a:solidFill>
@@ -22841,31 +22672,6 @@
               <a:buAutoNum type="arabicParenR"/>
             </a:pPr>
             <a:endParaRPr lang="en-US" altLang="ko-KR" sz="900" dirty="0">
-              <a:solidFill>
-                <a:schemeClr val="dk1"/>
-              </a:solidFill>
-              <a:latin typeface="Malgun Gothic"/>
-              <a:ea typeface="Malgun Gothic"/>
-              <a:cs typeface="Malgun Gothic"/>
-              <a:sym typeface="Malgun Gothic"/>
-            </a:endParaRPr>
-          </a:p>
-          <a:p>
-            <a:pPr marL="177800" lvl="0" indent="-177800">
-              <a:lnSpc>
-                <a:spcPct val="90000"/>
-              </a:lnSpc>
-              <a:spcBef>
-                <a:spcPts val="813"/>
-              </a:spcBef>
-              <a:buClr>
-                <a:schemeClr val="dk1"/>
-              </a:buClr>
-              <a:buSzPts val="900"/>
-              <a:buFont typeface="Malgun Gothic"/>
-              <a:buAutoNum type="arabicParenR"/>
-            </a:pPr>
-            <a:endParaRPr lang="en-US" altLang="ko-KR" sz="900" dirty="0" smtClean="0">
               <a:solidFill>
                 <a:schemeClr val="dk1"/>
               </a:solidFill>
@@ -22915,7 +22721,7 @@
               <a:buFont typeface="Malgun Gothic"/>
               <a:buAutoNum type="arabicParenR"/>
             </a:pPr>
-            <a:endParaRPr lang="en-US" altLang="ko-KR" sz="900" dirty="0" smtClean="0">
+            <a:endParaRPr lang="en-US" altLang="ko-KR" sz="900" dirty="0">
               <a:solidFill>
                 <a:schemeClr val="dk1"/>
               </a:solidFill>
@@ -22965,7 +22771,32 @@
               <a:buFont typeface="Malgun Gothic"/>
               <a:buAutoNum type="arabicParenR"/>
             </a:pPr>
-            <a:endParaRPr lang="en-US" altLang="ko-KR" sz="900" dirty="0" smtClean="0">
+            <a:endParaRPr lang="en-US" altLang="ko-KR" sz="900" dirty="0">
+              <a:solidFill>
+                <a:schemeClr val="dk1"/>
+              </a:solidFill>
+              <a:latin typeface="Malgun Gothic"/>
+              <a:ea typeface="Malgun Gothic"/>
+              <a:cs typeface="Malgun Gothic"/>
+              <a:sym typeface="Malgun Gothic"/>
+            </a:endParaRPr>
+          </a:p>
+          <a:p>
+            <a:pPr marL="177800" lvl="0" indent="-177800">
+              <a:lnSpc>
+                <a:spcPct val="90000"/>
+              </a:lnSpc>
+              <a:spcBef>
+                <a:spcPts val="813"/>
+              </a:spcBef>
+              <a:buClr>
+                <a:schemeClr val="dk1"/>
+              </a:buClr>
+              <a:buSzPts val="900"/>
+              <a:buFont typeface="Malgun Gothic"/>
+              <a:buAutoNum type="arabicParenR"/>
+            </a:pPr>
+            <a:endParaRPr lang="en-US" altLang="ko-KR" sz="900" dirty="0">
               <a:solidFill>
                 <a:schemeClr val="dk1"/>
               </a:solidFill>
@@ -23185,7 +23016,7 @@
           <p:cNvPr id="4" name="그림 4">
             <a:extLst>
               <a:ext uri="{FF2B5EF4-FFF2-40B4-BE49-F238E27FC236}">
-                <a16:creationId xmlns="" xmlns:a16="http://schemas.microsoft.com/office/drawing/2014/main" id="{36B1BCA9-0C6E-4832-A501-C7F53864F532}"/>
+                <a16:creationId xmlns:a16="http://schemas.microsoft.com/office/drawing/2014/main" id="{36B1BCA9-0C6E-4832-A501-C7F53864F532}"/>
               </a:ext>
             </a:extLst>
           </p:cNvPr>
@@ -23215,7 +23046,7 @@
           <p:cNvPr id="23" name="표 22">
             <a:extLst>
               <a:ext uri="{FF2B5EF4-FFF2-40B4-BE49-F238E27FC236}">
-                <a16:creationId xmlns="" xmlns:a16="http://schemas.microsoft.com/office/drawing/2014/main" id="{B992A8A8-D9F7-45B3-BB78-62151C112E58}"/>
+                <a16:creationId xmlns:a16="http://schemas.microsoft.com/office/drawing/2014/main" id="{B992A8A8-D9F7-45B3-BB78-62151C112E58}"/>
               </a:ext>
             </a:extLst>
           </p:cNvPr>
@@ -23244,29 +23075,35 @@
                 <a:gridCol w="1326927">
                   <a:extLst>
                     <a:ext uri="{9D8B030D-6E8A-4147-A177-3AD203B41FA5}">
-                      <a16:colId xmlns="" xmlns:a16="http://schemas.microsoft.com/office/drawing/2014/main" val="1917094988"/>
+                      <a16:colId xmlns:a16="http://schemas.microsoft.com/office/drawing/2014/main" val="1917094988"/>
                     </a:ext>
                   </a:extLst>
                 </a:gridCol>
                 <a:gridCol w="1293805">
                   <a:extLst>
                     <a:ext uri="{9D8B030D-6E8A-4147-A177-3AD203B41FA5}">
-                      <a16:colId xmlns="" xmlns:a16="http://schemas.microsoft.com/office/drawing/2014/main" val="2101375769"/>
+                      <a16:colId xmlns:a16="http://schemas.microsoft.com/office/drawing/2014/main" val="2101375769"/>
                     </a:ext>
                   </a:extLst>
                 </a:gridCol>
                 <a:gridCol w="711935">
                   <a:extLst>
                     <a:ext uri="{9D8B030D-6E8A-4147-A177-3AD203B41FA5}">
-                      <a16:colId xmlns="" xmlns:a16="http://schemas.microsoft.com/office/drawing/2014/main" val="1455795655"/>
+                      <a16:colId xmlns:a16="http://schemas.microsoft.com/office/drawing/2014/main" val="1455795655"/>
                     </a:ext>
                   </a:extLst>
                 </a:gridCol>
-                <a:gridCol w="1794362"/>
+                <a:gridCol w="1794362">
+                  <a:extLst>
+                    <a:ext uri="{9D8B030D-6E8A-4147-A177-3AD203B41FA5}">
+                      <a16:colId xmlns:a16="http://schemas.microsoft.com/office/drawing/2014/main" val="20003"/>
+                    </a:ext>
+                  </a:extLst>
+                </a:gridCol>
                 <a:gridCol w="1877700">
                   <a:extLst>
                     <a:ext uri="{9D8B030D-6E8A-4147-A177-3AD203B41FA5}">
-                      <a16:colId xmlns="" xmlns:a16="http://schemas.microsoft.com/office/drawing/2014/main" val="1049078234"/>
+                      <a16:colId xmlns:a16="http://schemas.microsoft.com/office/drawing/2014/main" val="1049078234"/>
                     </a:ext>
                   </a:extLst>
                 </a:gridCol>
@@ -23279,16 +23116,12 @@
                     <a:p>
                       <a:pPr algn="ctr" latinLnBrk="1"/>
                       <a:r>
-                        <a:rPr lang="ko-KR" altLang="en-US" sz="900" b="0" dirty="0" smtClean="0">
+                        <a:rPr lang="ko-KR" altLang="en-US" sz="900" b="0" dirty="0">
                           <a:latin typeface="+mn-ea"/>
                           <a:ea typeface="+mn-ea"/>
                         </a:rPr>
                         <a:t>과목명</a:t>
                       </a:r>
-                      <a:endParaRPr lang="ko-KR" altLang="en-US" sz="900" b="0" dirty="0">
-                        <a:latin typeface="+mn-ea"/>
-                        <a:ea typeface="+mn-ea"/>
-                      </a:endParaRPr>
                     </a:p>
                   </a:txBody>
                   <a:tcPr anchor="ctr"/>
@@ -23300,16 +23133,12 @@
                     <a:p>
                       <a:pPr algn="ctr" latinLnBrk="1"/>
                       <a:r>
-                        <a:rPr lang="ko-KR" altLang="en-US" sz="900" b="0" dirty="0" smtClean="0">
+                        <a:rPr lang="ko-KR" altLang="en-US" sz="900" b="0" dirty="0">
                           <a:latin typeface="+mn-ea"/>
                           <a:ea typeface="+mn-ea"/>
                         </a:rPr>
                         <a:t>강의시간</a:t>
                       </a:r>
-                      <a:endParaRPr lang="ko-KR" altLang="en-US" sz="900" b="0" dirty="0">
-                        <a:latin typeface="+mn-ea"/>
-                        <a:ea typeface="+mn-ea"/>
-                      </a:endParaRPr>
                     </a:p>
                   </a:txBody>
                   <a:tcPr anchor="ctr"/>
@@ -23321,16 +23150,12 @@
                     <a:p>
                       <a:pPr algn="ctr" latinLnBrk="1"/>
                       <a:r>
-                        <a:rPr lang="ko-KR" altLang="en-US" sz="900" b="0" dirty="0" smtClean="0">
+                        <a:rPr lang="ko-KR" altLang="en-US" sz="900" b="0" dirty="0">
                           <a:latin typeface="+mn-ea"/>
                           <a:ea typeface="+mn-ea"/>
                         </a:rPr>
                         <a:t>요일</a:t>
                       </a:r>
-                      <a:endParaRPr lang="ko-KR" altLang="en-US" sz="900" b="0" dirty="0">
-                        <a:latin typeface="+mn-ea"/>
-                        <a:ea typeface="+mn-ea"/>
-                      </a:endParaRPr>
                     </a:p>
                   </a:txBody>
                   <a:tcPr anchor="ctr"/>
@@ -23342,16 +23167,12 @@
                     <a:p>
                       <a:pPr algn="ctr" latinLnBrk="1"/>
                       <a:r>
-                        <a:rPr lang="ko-KR" altLang="en-US" sz="900" b="0" dirty="0" smtClean="0">
+                        <a:rPr lang="ko-KR" altLang="en-US" sz="900" b="0" dirty="0">
                           <a:latin typeface="+mn-ea"/>
                           <a:ea typeface="+mn-ea"/>
                         </a:rPr>
                         <a:t>출석체크 시간</a:t>
                       </a:r>
-                      <a:endParaRPr lang="ko-KR" altLang="en-US" sz="900" b="0" dirty="0">
-                        <a:latin typeface="+mn-ea"/>
-                        <a:ea typeface="+mn-ea"/>
-                      </a:endParaRPr>
                     </a:p>
                   </a:txBody>
                   <a:tcPr anchor="ctr"/>
@@ -23375,7 +23196,7 @@
                 </a:tc>
                 <a:extLst>
                   <a:ext uri="{0D108BD9-81ED-4DB2-BD59-A6C34878D82A}">
-                    <a16:rowId xmlns="" xmlns:a16="http://schemas.microsoft.com/office/drawing/2014/main" val="1516003395"/>
+                    <a16:rowId xmlns:a16="http://schemas.microsoft.com/office/drawing/2014/main" val="1516003395"/>
                   </a:ext>
                 </a:extLst>
               </a:tr>
@@ -23425,13 +23246,13 @@
                     <a:p>
                       <a:pPr algn="ctr" latinLnBrk="1"/>
                       <a:r>
-                        <a:rPr lang="ko-KR" altLang="en-US" sz="900" b="0" dirty="0" smtClean="0">
+                        <a:rPr lang="ko-KR" altLang="en-US" sz="900" b="0" dirty="0">
                           <a:latin typeface="+mn-ea"/>
                           <a:ea typeface="+mn-ea"/>
                         </a:rPr>
                         <a:t>월요일</a:t>
                       </a:r>
-                      <a:endParaRPr lang="en-US" altLang="ko-KR" sz="900" b="0" dirty="0" smtClean="0">
+                      <a:endParaRPr lang="en-US" altLang="ko-KR" sz="900" b="0" dirty="0">
                         <a:latin typeface="+mn-ea"/>
                         <a:ea typeface="+mn-ea"/>
                       </a:endParaRPr>
@@ -23446,35 +23267,35 @@
                     <a:p>
                       <a:pPr algn="ctr" latinLnBrk="1"/>
                       <a:r>
-                        <a:rPr lang="en-US" altLang="ko-KR" sz="900" b="0" dirty="0" smtClean="0">
+                        <a:rPr lang="en-US" altLang="ko-KR" sz="900" b="0" dirty="0">
                           <a:latin typeface="+mn-ea"/>
                           <a:ea typeface="+mn-ea"/>
                         </a:rPr>
                         <a:t>00</a:t>
                       </a:r>
                       <a:r>
-                        <a:rPr lang="ko-KR" altLang="en-US" sz="900" b="0" dirty="0" smtClean="0">
+                        <a:rPr lang="ko-KR" altLang="en-US" sz="900" b="0" dirty="0">
                           <a:latin typeface="+mn-ea"/>
                           <a:ea typeface="+mn-ea"/>
                         </a:rPr>
                         <a:t>월 </a:t>
                       </a:r>
                       <a:r>
-                        <a:rPr lang="en-US" altLang="ko-KR" sz="900" b="0" dirty="0" smtClean="0">
+                        <a:rPr lang="en-US" altLang="ko-KR" sz="900" b="0" dirty="0">
                           <a:latin typeface="+mn-ea"/>
                           <a:ea typeface="+mn-ea"/>
                         </a:rPr>
                         <a:t>00</a:t>
                       </a:r>
                       <a:r>
-                        <a:rPr lang="ko-KR" altLang="en-US" sz="900" b="0" dirty="0" smtClean="0">
+                        <a:rPr lang="ko-KR" altLang="en-US" sz="900" b="0" dirty="0">
                           <a:latin typeface="+mn-ea"/>
                           <a:ea typeface="+mn-ea"/>
                         </a:rPr>
                         <a:t>일 </a:t>
                       </a:r>
                       <a:r>
-                        <a:rPr lang="en-US" altLang="ko-KR" sz="900" b="0" dirty="0" smtClean="0">
+                        <a:rPr lang="en-US" altLang="ko-KR" sz="900" b="0" dirty="0">
                           <a:latin typeface="+mn-ea"/>
                           <a:ea typeface="+mn-ea"/>
                         </a:rPr>
@@ -23491,7 +23312,7 @@
                     <a:p>
                       <a:pPr algn="ctr" latinLnBrk="1"/>
                       <a:r>
-                        <a:rPr lang="ko-KR" altLang="en-US" sz="900" b="0" dirty="0" smtClean="0">
+                        <a:rPr lang="ko-KR" altLang="en-US" sz="900" b="0" dirty="0">
                           <a:latin typeface="+mn-ea"/>
                           <a:ea typeface="+mn-ea"/>
                         </a:rPr>
@@ -23507,7 +23328,7 @@
                 </a:tc>
                 <a:extLst>
                   <a:ext uri="{0D108BD9-81ED-4DB2-BD59-A6C34878D82A}">
-                    <a16:rowId xmlns="" xmlns:a16="http://schemas.microsoft.com/office/drawing/2014/main" val="2079454974"/>
+                    <a16:rowId xmlns:a16="http://schemas.microsoft.com/office/drawing/2014/main" val="2079454974"/>
                   </a:ext>
                 </a:extLst>
               </a:tr>
@@ -23575,16 +23396,12 @@
                     <a:p>
                       <a:pPr algn="ctr" latinLnBrk="1"/>
                       <a:r>
-                        <a:rPr lang="ko-KR" altLang="en-US" sz="900" b="0" dirty="0" smtClean="0">
+                        <a:rPr lang="ko-KR" altLang="en-US" sz="900" b="0" dirty="0">
                           <a:latin typeface="+mn-ea"/>
                           <a:ea typeface="+mn-ea"/>
                         </a:rPr>
                         <a:t>화요일</a:t>
                       </a:r>
-                      <a:endParaRPr lang="ko-KR" altLang="en-US" sz="900" b="0" dirty="0">
-                        <a:latin typeface="+mn-ea"/>
-                        <a:ea typeface="+mn-ea"/>
-                      </a:endParaRPr>
                     </a:p>
                   </a:txBody>
                   <a:tcPr anchor="ctr"/>
@@ -23614,35 +23431,35 @@
                         <a:defRPr/>
                       </a:pPr>
                       <a:r>
-                        <a:rPr lang="en-US" altLang="ko-KR" sz="900" b="0" dirty="0" smtClean="0">
+                        <a:rPr lang="en-US" altLang="ko-KR" sz="900" b="0" dirty="0">
                           <a:latin typeface="+mn-ea"/>
                           <a:ea typeface="+mn-ea"/>
                         </a:rPr>
                         <a:t>00</a:t>
                       </a:r>
                       <a:r>
-                        <a:rPr lang="ko-KR" altLang="en-US" sz="900" b="0" dirty="0" smtClean="0">
+                        <a:rPr lang="ko-KR" altLang="en-US" sz="900" b="0" dirty="0">
                           <a:latin typeface="+mn-ea"/>
                           <a:ea typeface="+mn-ea"/>
                         </a:rPr>
                         <a:t>월 </a:t>
                       </a:r>
                       <a:r>
-                        <a:rPr lang="en-US" altLang="ko-KR" sz="900" b="0" dirty="0" smtClean="0">
+                        <a:rPr lang="en-US" altLang="ko-KR" sz="900" b="0" dirty="0">
                           <a:latin typeface="+mn-ea"/>
                           <a:ea typeface="+mn-ea"/>
                         </a:rPr>
                         <a:t>00</a:t>
                       </a:r>
                       <a:r>
-                        <a:rPr lang="ko-KR" altLang="en-US" sz="900" b="0" dirty="0" smtClean="0">
+                        <a:rPr lang="ko-KR" altLang="en-US" sz="900" b="0" dirty="0">
                           <a:latin typeface="+mn-ea"/>
                           <a:ea typeface="+mn-ea"/>
                         </a:rPr>
                         <a:t>일 </a:t>
                       </a:r>
                       <a:r>
-                        <a:rPr lang="en-US" altLang="ko-KR" sz="900" b="0" dirty="0" smtClean="0">
+                        <a:rPr lang="en-US" altLang="ko-KR" sz="900" b="0" dirty="0">
                           <a:latin typeface="+mn-ea"/>
                           <a:ea typeface="+mn-ea"/>
                         </a:rPr>
@@ -23684,7 +23501,7 @@
                         <a:defRPr/>
                       </a:pPr>
                       <a:r>
-                        <a:rPr kumimoji="0" lang="ko-KR" altLang="en-US" sz="900" b="0" i="0" u="none" strike="noStrike" kern="0" cap="none" spc="0" normalizeH="0" baseline="0" noProof="0" dirty="0" smtClean="0">
+                        <a:rPr kumimoji="0" lang="ko-KR" altLang="en-US" sz="900" b="0" i="0" u="none" strike="noStrike" kern="0" cap="none" spc="0" normalizeH="0" baseline="0" noProof="0" dirty="0">
                           <a:ln>
                             <a:noFill/>
                           </a:ln>
@@ -23701,28 +23518,13 @@
                         </a:rPr>
                         <a:t>결석</a:t>
                       </a:r>
-                      <a:endParaRPr kumimoji="0" lang="ko-KR" altLang="en-US" sz="900" b="0" i="0" u="none" strike="noStrike" kern="0" cap="none" spc="0" normalizeH="0" baseline="0" noProof="0" dirty="0">
-                        <a:ln>
-                          <a:noFill/>
-                        </a:ln>
-                        <a:solidFill>
-                          <a:srgbClr val="000000"/>
-                        </a:solidFill>
-                        <a:effectLst/>
-                        <a:uLnTx/>
-                        <a:uFillTx/>
-                        <a:latin typeface="맑은 고딕" panose="020B0503020000020004" pitchFamily="50" charset="-127"/>
-                        <a:ea typeface="맑은 고딕" panose="020B0503020000020004" pitchFamily="50" charset="-127"/>
-                        <a:cs typeface="+mn-cs"/>
-                        <a:sym typeface="Arial"/>
-                      </a:endParaRPr>
                     </a:p>
                   </a:txBody>
                   <a:tcPr anchor="ctr"/>
                 </a:tc>
                 <a:extLst>
                   <a:ext uri="{0D108BD9-81ED-4DB2-BD59-A6C34878D82A}">
-                    <a16:rowId xmlns="" xmlns:a16="http://schemas.microsoft.com/office/drawing/2014/main" val="407609434"/>
+                    <a16:rowId xmlns:a16="http://schemas.microsoft.com/office/drawing/2014/main" val="407609434"/>
                   </a:ext>
                 </a:extLst>
               </a:tr>
@@ -23790,16 +23592,12 @@
                     <a:p>
                       <a:pPr algn="ctr" latinLnBrk="1"/>
                       <a:r>
-                        <a:rPr lang="ko-KR" altLang="en-US" sz="900" b="0" dirty="0" smtClean="0">
+                        <a:rPr lang="ko-KR" altLang="en-US" sz="900" b="0" dirty="0">
                           <a:latin typeface="+mn-ea"/>
                           <a:ea typeface="+mn-ea"/>
                         </a:rPr>
                         <a:t>수요일</a:t>
                       </a:r>
-                      <a:endParaRPr lang="ko-KR" altLang="en-US" sz="900" b="0" dirty="0">
-                        <a:latin typeface="+mn-ea"/>
-                        <a:ea typeface="+mn-ea"/>
-                      </a:endParaRPr>
                     </a:p>
                   </a:txBody>
                   <a:tcPr anchor="ctr"/>
@@ -23811,35 +23609,35 @@
                     <a:p>
                       <a:pPr algn="ctr" latinLnBrk="1"/>
                       <a:r>
-                        <a:rPr lang="en-US" altLang="ko-KR" sz="900" b="0" dirty="0" smtClean="0">
+                        <a:rPr lang="en-US" altLang="ko-KR" sz="900" b="0" dirty="0">
                           <a:latin typeface="+mn-ea"/>
                           <a:ea typeface="+mn-ea"/>
                         </a:rPr>
                         <a:t>00</a:t>
                       </a:r>
                       <a:r>
-                        <a:rPr lang="ko-KR" altLang="en-US" sz="900" b="0" dirty="0" smtClean="0">
+                        <a:rPr lang="ko-KR" altLang="en-US" sz="900" b="0" dirty="0">
                           <a:latin typeface="+mn-ea"/>
                           <a:ea typeface="+mn-ea"/>
                         </a:rPr>
                         <a:t>월 </a:t>
                       </a:r>
                       <a:r>
-                        <a:rPr lang="en-US" altLang="ko-KR" sz="900" b="0" dirty="0" smtClean="0">
+                        <a:rPr lang="en-US" altLang="ko-KR" sz="900" b="0" dirty="0">
                           <a:latin typeface="+mn-ea"/>
                           <a:ea typeface="+mn-ea"/>
                         </a:rPr>
                         <a:t>00</a:t>
                       </a:r>
                       <a:r>
-                        <a:rPr lang="ko-KR" altLang="en-US" sz="900" b="0" dirty="0" smtClean="0">
+                        <a:rPr lang="ko-KR" altLang="en-US" sz="900" b="0" dirty="0">
                           <a:latin typeface="+mn-ea"/>
                           <a:ea typeface="+mn-ea"/>
                         </a:rPr>
                         <a:t>일 </a:t>
                       </a:r>
                       <a:r>
-                        <a:rPr lang="en-US" altLang="ko-KR" sz="900" b="0" dirty="0" smtClean="0">
+                        <a:rPr lang="en-US" altLang="ko-KR" sz="900" b="0" dirty="0">
                           <a:latin typeface="+mn-ea"/>
                           <a:ea typeface="+mn-ea"/>
                         </a:rPr>
@@ -23874,7 +23672,7 @@
                         <a:defRPr/>
                       </a:pPr>
                       <a:r>
-                        <a:rPr kumimoji="0" lang="ko-KR" altLang="en-US" sz="900" b="0" i="0" u="none" strike="noStrike" kern="0" cap="none" spc="0" normalizeH="0" baseline="0" noProof="0" dirty="0" smtClean="0">
+                        <a:rPr kumimoji="0" lang="ko-KR" altLang="en-US" sz="900" b="0" i="0" u="none" strike="noStrike" kern="0" cap="none" spc="0" normalizeH="0" baseline="0" noProof="0" dirty="0">
                           <a:ln>
                             <a:noFill/>
                           </a:ln>
@@ -23891,28 +23689,13 @@
                         </a:rPr>
                         <a:t>결석</a:t>
                       </a:r>
-                      <a:endParaRPr kumimoji="0" lang="ko-KR" altLang="en-US" sz="900" b="0" i="0" u="none" strike="noStrike" kern="0" cap="none" spc="0" normalizeH="0" baseline="0" noProof="0" dirty="0">
-                        <a:ln>
-                          <a:noFill/>
-                        </a:ln>
-                        <a:solidFill>
-                          <a:srgbClr val="000000"/>
-                        </a:solidFill>
-                        <a:effectLst/>
-                        <a:uLnTx/>
-                        <a:uFillTx/>
-                        <a:latin typeface="맑은 고딕" panose="020B0503020000020004" pitchFamily="50" charset="-127"/>
-                        <a:ea typeface="맑은 고딕" panose="020B0503020000020004" pitchFamily="50" charset="-127"/>
-                        <a:cs typeface="+mn-cs"/>
-                        <a:sym typeface="Arial"/>
-                      </a:endParaRPr>
                     </a:p>
                   </a:txBody>
                   <a:tcPr anchor="ctr"/>
                 </a:tc>
                 <a:extLst>
                   <a:ext uri="{0D108BD9-81ED-4DB2-BD59-A6C34878D82A}">
-                    <a16:rowId xmlns="" xmlns:a16="http://schemas.microsoft.com/office/drawing/2014/main" val="3143395347"/>
+                    <a16:rowId xmlns:a16="http://schemas.microsoft.com/office/drawing/2014/main" val="3143395347"/>
                   </a:ext>
                 </a:extLst>
               </a:tr>
@@ -23980,16 +23763,12 @@
                     <a:p>
                       <a:pPr algn="ctr" latinLnBrk="1"/>
                       <a:r>
-                        <a:rPr lang="ko-KR" altLang="en-US" sz="900" b="0" dirty="0" smtClean="0">
+                        <a:rPr lang="ko-KR" altLang="en-US" sz="900" b="0" dirty="0">
                           <a:latin typeface="+mn-ea"/>
                           <a:ea typeface="+mn-ea"/>
                         </a:rPr>
                         <a:t>목요일</a:t>
                       </a:r>
-                      <a:endParaRPr lang="ko-KR" altLang="en-US" sz="900" b="0" dirty="0">
-                        <a:latin typeface="+mn-ea"/>
-                        <a:ea typeface="+mn-ea"/>
-                      </a:endParaRPr>
                     </a:p>
                   </a:txBody>
                   <a:tcPr anchor="ctr"/>
@@ -24019,35 +23798,35 @@
                         <a:defRPr/>
                       </a:pPr>
                       <a:r>
-                        <a:rPr lang="en-US" altLang="ko-KR" sz="900" b="0" dirty="0" smtClean="0">
+                        <a:rPr lang="en-US" altLang="ko-KR" sz="900" b="0" dirty="0">
                           <a:latin typeface="+mn-ea"/>
                           <a:ea typeface="+mn-ea"/>
                         </a:rPr>
                         <a:t>00</a:t>
                       </a:r>
                       <a:r>
-                        <a:rPr lang="ko-KR" altLang="en-US" sz="900" b="0" dirty="0" smtClean="0">
+                        <a:rPr lang="ko-KR" altLang="en-US" sz="900" b="0" dirty="0">
                           <a:latin typeface="+mn-ea"/>
                           <a:ea typeface="+mn-ea"/>
                         </a:rPr>
                         <a:t>월 </a:t>
                       </a:r>
                       <a:r>
-                        <a:rPr lang="en-US" altLang="ko-KR" sz="900" b="0" dirty="0" smtClean="0">
+                        <a:rPr lang="en-US" altLang="ko-KR" sz="900" b="0" dirty="0">
                           <a:latin typeface="+mn-ea"/>
                           <a:ea typeface="+mn-ea"/>
                         </a:rPr>
                         <a:t>00</a:t>
                       </a:r>
                       <a:r>
-                        <a:rPr lang="ko-KR" altLang="en-US" sz="900" b="0" dirty="0" smtClean="0">
+                        <a:rPr lang="ko-KR" altLang="en-US" sz="900" b="0" dirty="0">
                           <a:latin typeface="+mn-ea"/>
                           <a:ea typeface="+mn-ea"/>
                         </a:rPr>
                         <a:t>일 </a:t>
                       </a:r>
                       <a:r>
-                        <a:rPr lang="en-US" altLang="ko-KR" sz="900" b="0" dirty="0" smtClean="0">
+                        <a:rPr lang="en-US" altLang="ko-KR" sz="900" b="0" dirty="0">
                           <a:latin typeface="+mn-ea"/>
                           <a:ea typeface="+mn-ea"/>
                         </a:rPr>
@@ -24127,7 +23906,7 @@
                 </a:tc>
                 <a:extLst>
                   <a:ext uri="{0D108BD9-81ED-4DB2-BD59-A6C34878D82A}">
-                    <a16:rowId xmlns="" xmlns:a16="http://schemas.microsoft.com/office/drawing/2014/main" val="3980106186"/>
+                    <a16:rowId xmlns:a16="http://schemas.microsoft.com/office/drawing/2014/main" val="3980106186"/>
                   </a:ext>
                 </a:extLst>
               </a:tr>
@@ -24140,7 +23919,7 @@
           <p:cNvPr id="24" name="Google Shape;199;p16">
             <a:extLst>
               <a:ext uri="{FF2B5EF4-FFF2-40B4-BE49-F238E27FC236}">
-                <a16:creationId xmlns="" xmlns:a16="http://schemas.microsoft.com/office/drawing/2014/main" id="{EE6D9A01-BDDD-40D4-AE3A-74E7947DA03D}"/>
+                <a16:creationId xmlns:a16="http://schemas.microsoft.com/office/drawing/2014/main" id="{EE6D9A01-BDDD-40D4-AE3A-74E7947DA03D}"/>
               </a:ext>
             </a:extLst>
           </p:cNvPr>
@@ -24203,7 +23982,7 @@
           <p:cNvPr id="25" name="Google Shape;111;p13">
             <a:extLst>
               <a:ext uri="{FF2B5EF4-FFF2-40B4-BE49-F238E27FC236}">
-                <a16:creationId xmlns="" xmlns:a16="http://schemas.microsoft.com/office/drawing/2014/main" id="{F59D1251-EDE6-467C-85B7-D69A471BB44A}"/>
+                <a16:creationId xmlns:a16="http://schemas.microsoft.com/office/drawing/2014/main" id="{F59D1251-EDE6-467C-85B7-D69A471BB44A}"/>
               </a:ext>
             </a:extLst>
           </p:cNvPr>
@@ -24275,7 +24054,7 @@
           <p:cNvPr id="27" name="Google Shape;111;p13">
             <a:extLst>
               <a:ext uri="{FF2B5EF4-FFF2-40B4-BE49-F238E27FC236}">
-                <a16:creationId xmlns="" xmlns:a16="http://schemas.microsoft.com/office/drawing/2014/main" id="{B53B4D85-4D2F-45AD-B72C-F1128064E2E9}"/>
+                <a16:creationId xmlns:a16="http://schemas.microsoft.com/office/drawing/2014/main" id="{B53B4D85-4D2F-45AD-B72C-F1128064E2E9}"/>
               </a:ext>
             </a:extLst>
           </p:cNvPr>
@@ -24313,7 +24092,7 @@
           <a:p>
             <a:pPr algn="ctr"/>
             <a:r>
-              <a:rPr lang="ko-KR" altLang="en-US" sz="900" smtClean="0">
+              <a:rPr lang="ko-KR" altLang="en-US" sz="900">
                 <a:solidFill>
                   <a:srgbClr val="5F5F5F"/>
                 </a:solidFill>
@@ -24339,7 +24118,7 @@
           <p:cNvPr id="38" name="Google Shape;114;p13">
             <a:extLst>
               <a:ext uri="{FF2B5EF4-FFF2-40B4-BE49-F238E27FC236}">
-                <a16:creationId xmlns="" xmlns:a16="http://schemas.microsoft.com/office/drawing/2014/main" id="{478926E4-FBCC-4E24-851C-B6798F799F32}"/>
+                <a16:creationId xmlns:a16="http://schemas.microsoft.com/office/drawing/2014/main" id="{478926E4-FBCC-4E24-851C-B6798F799F32}"/>
               </a:ext>
             </a:extLst>
           </p:cNvPr>
@@ -24418,7 +24197,7 @@
           <p:cNvPr id="39" name="Google Shape;114;p13">
             <a:extLst>
               <a:ext uri="{FF2B5EF4-FFF2-40B4-BE49-F238E27FC236}">
-                <a16:creationId xmlns="" xmlns:a16="http://schemas.microsoft.com/office/drawing/2014/main" id="{6FAD8D35-1DBF-4FCF-9635-D4F5436D45D5}"/>
+                <a16:creationId xmlns:a16="http://schemas.microsoft.com/office/drawing/2014/main" id="{6FAD8D35-1DBF-4FCF-9635-D4F5436D45D5}"/>
               </a:ext>
             </a:extLst>
           </p:cNvPr>
@@ -24497,7 +24276,7 @@
           <p:cNvPr id="40" name="Google Shape;114;p13">
             <a:extLst>
               <a:ext uri="{FF2B5EF4-FFF2-40B4-BE49-F238E27FC236}">
-                <a16:creationId xmlns="" xmlns:a16="http://schemas.microsoft.com/office/drawing/2014/main" id="{FC3EC677-D6F2-4E1F-8F8C-3EA6060B9CEB}"/>
+                <a16:creationId xmlns:a16="http://schemas.microsoft.com/office/drawing/2014/main" id="{FC3EC677-D6F2-4E1F-8F8C-3EA6060B9CEB}"/>
               </a:ext>
             </a:extLst>
           </p:cNvPr>
@@ -24576,7 +24355,7 @@
           <p:cNvPr id="15" name="Google Shape;114;p13">
             <a:extLst>
               <a:ext uri="{FF2B5EF4-FFF2-40B4-BE49-F238E27FC236}">
-                <a16:creationId xmlns="" xmlns:a16="http://schemas.microsoft.com/office/drawing/2014/main" id="{478926E4-FBCC-4E24-851C-B6798F799F32}"/>
+                <a16:creationId xmlns:a16="http://schemas.microsoft.com/office/drawing/2014/main" id="{478926E4-FBCC-4E24-851C-B6798F799F32}"/>
               </a:ext>
             </a:extLst>
           </p:cNvPr>
@@ -24627,7 +24406,7 @@
               <a:buNone/>
             </a:pPr>
             <a:r>
-              <a:rPr lang="en-US" sz="1000" b="1" dirty="0" smtClean="0">
+              <a:rPr lang="en-US" sz="1000" b="1" dirty="0">
                 <a:solidFill>
                   <a:schemeClr val="lt1"/>
                 </a:solidFill>

--- a/6.프로그램명세서(기능설명위주)_v1.0.pptx
+++ b/6.프로그램명세서(기능설명위주)_v1.0.pptx
@@ -14,9 +14,9 @@
     <p:sldId id="258" r:id="rId5"/>
     <p:sldId id="287" r:id="rId6"/>
     <p:sldId id="288" r:id="rId7"/>
-    <p:sldId id="295" r:id="rId8"/>
-    <p:sldId id="293" r:id="rId9"/>
-    <p:sldId id="294" r:id="rId10"/>
+    <p:sldId id="293" r:id="rId8"/>
+    <p:sldId id="294" r:id="rId9"/>
+    <p:sldId id="296" r:id="rId10"/>
   </p:sldIdLst>
   <p:sldSz cx="9906000" cy="6858000" type="A4"/>
   <p:notesSz cx="6858000" cy="9144000"/>
@@ -4045,7 +4045,7 @@
     </p:spTree>
     <p:extLst>
       <p:ext uri="{BB962C8B-B14F-4D97-AF65-F5344CB8AC3E}">
-        <p14:creationId xmlns:p14="http://schemas.microsoft.com/office/powerpoint/2010/main" val="3462226447"/>
+        <p14:creationId xmlns:p14="http://schemas.microsoft.com/office/powerpoint/2010/main" val="114159616"/>
       </p:ext>
     </p:extLst>
   </p:cSld>
@@ -4154,7 +4154,7 @@
     </p:spTree>
     <p:extLst>
       <p:ext uri="{BB962C8B-B14F-4D97-AF65-F5344CB8AC3E}">
-        <p14:creationId xmlns:p14="http://schemas.microsoft.com/office/powerpoint/2010/main" val="114159616"/>
+        <p14:creationId xmlns:p14="http://schemas.microsoft.com/office/powerpoint/2010/main" val="1950227712"/>
       </p:ext>
     </p:extLst>
   </p:cSld>
@@ -4263,7 +4263,7 @@
     </p:spTree>
     <p:extLst>
       <p:ext uri="{BB962C8B-B14F-4D97-AF65-F5344CB8AC3E}">
-        <p14:creationId xmlns:p14="http://schemas.microsoft.com/office/powerpoint/2010/main" val="1950227712"/>
+        <p14:creationId xmlns:p14="http://schemas.microsoft.com/office/powerpoint/2010/main" val="1381781518"/>
       </p:ext>
     </p:extLst>
   </p:cSld>
@@ -12925,15 +12925,85 @@
               <a:buFont typeface="Malgun Gothic"/>
               <a:buNone/>
             </a:pPr>
-            <a:endParaRPr lang="en-US" altLang="ko-KR" sz="900" dirty="0">
-              <a:solidFill>
+            <a:r>
+              <a:rPr lang="ko-KR" altLang="en-US" sz="900" dirty="0">
+                <a:solidFill>
+                  <a:schemeClr val="dk1"/>
+                </a:solidFill>
+                <a:latin typeface="Malgun Gothic"/>
+                <a:ea typeface="Malgun Gothic"/>
+                <a:cs typeface="Malgun Gothic"/>
+                <a:sym typeface="Malgun Gothic"/>
+              </a:rPr>
+              <a:t>관리자와 학생을 구분하여 로그인할 수 있다</a:t>
+            </a:r>
+            <a:r>
+              <a:rPr lang="en-US" altLang="ko-KR" sz="900" dirty="0">
+                <a:solidFill>
+                  <a:schemeClr val="dk1"/>
+                </a:solidFill>
+                <a:latin typeface="Malgun Gothic"/>
+                <a:ea typeface="Malgun Gothic"/>
+                <a:cs typeface="Malgun Gothic"/>
+                <a:sym typeface="Malgun Gothic"/>
+              </a:rPr>
+              <a:t>.</a:t>
+            </a:r>
+          </a:p>
+          <a:p>
+            <a:pPr marL="0" marR="0" lvl="0" indent="0" algn="l" rtl="0">
+              <a:lnSpc>
+                <a:spcPct val="90000"/>
+              </a:lnSpc>
+              <a:spcBef>
+                <a:spcPts val="813"/>
+              </a:spcBef>
+              <a:spcAft>
+                <a:spcPts val="0"/>
+              </a:spcAft>
+              <a:buClr>
                 <a:schemeClr val="dk1"/>
-              </a:solidFill>
-              <a:latin typeface="Malgun Gothic"/>
-              <a:ea typeface="Malgun Gothic"/>
-              <a:cs typeface="Malgun Gothic"/>
-              <a:sym typeface="Malgun Gothic"/>
-            </a:endParaRPr>
+              </a:buClr>
+              <a:buSzPts val="900"/>
+              <a:buFont typeface="Malgun Gothic"/>
+              <a:buNone/>
+            </a:pPr>
+            <a:r>
+              <a:rPr lang="ko-KR" altLang="en-US" sz="900" dirty="0" err="1">
+                <a:solidFill>
+                  <a:schemeClr val="dk1"/>
+                </a:solidFill>
+                <a:latin typeface="Malgun Gothic"/>
+                <a:ea typeface="Malgun Gothic"/>
+                <a:cs typeface="Malgun Gothic"/>
+                <a:sym typeface="Malgun Gothic"/>
+              </a:rPr>
+              <a:t>관리자오</a:t>
+            </a:r>
+            <a:r>
+              <a:rPr lang="ko-KR" altLang="en-US" sz="900" dirty="0">
+                <a:solidFill>
+                  <a:schemeClr val="dk1"/>
+                </a:solidFill>
+                <a:latin typeface="Malgun Gothic"/>
+                <a:ea typeface="Malgun Gothic"/>
+                <a:cs typeface="Malgun Gothic"/>
+                <a:sym typeface="Malgun Gothic"/>
+              </a:rPr>
+              <a:t> 학생을 로그인 이후 확인할 수 있는 화면이 다르다</a:t>
+            </a:r>
+            <a:r>
+              <a:rPr lang="en-US" altLang="ko-KR" sz="900" dirty="0">
+                <a:solidFill>
+                  <a:schemeClr val="dk1"/>
+                </a:solidFill>
+                <a:latin typeface="Malgun Gothic"/>
+                <a:ea typeface="Malgun Gothic"/>
+                <a:cs typeface="Malgun Gothic"/>
+                <a:sym typeface="Malgun Gothic"/>
+              </a:rPr>
+              <a:t>.</a:t>
+            </a:r>
           </a:p>
           <a:p>
             <a:pPr marL="0" marR="0" lvl="0" indent="0" algn="l" rtl="0">
@@ -13138,90 +13208,6 @@
               <a:buNone/>
             </a:pPr>
             <a:endParaRPr lang="en-US" sz="900" b="0" i="0" u="none" strike="noStrike" cap="none" dirty="0">
-              <a:solidFill>
-                <a:schemeClr val="dk1"/>
-              </a:solidFill>
-              <a:latin typeface="Malgun Gothic"/>
-              <a:ea typeface="Malgun Gothic"/>
-              <a:cs typeface="Malgun Gothic"/>
-              <a:sym typeface="Malgun Gothic"/>
-            </a:endParaRPr>
-          </a:p>
-          <a:p>
-            <a:pPr marL="0" marR="0" lvl="0" indent="0" algn="l" rtl="0">
-              <a:lnSpc>
-                <a:spcPct val="90000"/>
-              </a:lnSpc>
-              <a:spcBef>
-                <a:spcPts val="813"/>
-              </a:spcBef>
-              <a:spcAft>
-                <a:spcPts val="0"/>
-              </a:spcAft>
-              <a:buClr>
-                <a:schemeClr val="dk1"/>
-              </a:buClr>
-              <a:buSzPts val="900"/>
-              <a:buFont typeface="Malgun Gothic"/>
-              <a:buNone/>
-            </a:pPr>
-            <a:endParaRPr lang="en-US" sz="900" dirty="0">
-              <a:solidFill>
-                <a:schemeClr val="dk1"/>
-              </a:solidFill>
-              <a:latin typeface="Malgun Gothic"/>
-              <a:ea typeface="Malgun Gothic"/>
-              <a:cs typeface="Malgun Gothic"/>
-              <a:sym typeface="Malgun Gothic"/>
-            </a:endParaRPr>
-          </a:p>
-          <a:p>
-            <a:pPr marL="0" marR="0" lvl="0" indent="0" algn="l" rtl="0">
-              <a:lnSpc>
-                <a:spcPct val="90000"/>
-              </a:lnSpc>
-              <a:spcBef>
-                <a:spcPts val="813"/>
-              </a:spcBef>
-              <a:spcAft>
-                <a:spcPts val="0"/>
-              </a:spcAft>
-              <a:buClr>
-                <a:schemeClr val="dk1"/>
-              </a:buClr>
-              <a:buSzPts val="900"/>
-              <a:buFont typeface="Malgun Gothic"/>
-              <a:buNone/>
-            </a:pPr>
-            <a:endParaRPr lang="en-US" sz="900" b="0" i="0" u="none" strike="noStrike" cap="none" dirty="0">
-              <a:solidFill>
-                <a:schemeClr val="dk1"/>
-              </a:solidFill>
-              <a:latin typeface="Malgun Gothic"/>
-              <a:ea typeface="Malgun Gothic"/>
-              <a:cs typeface="Malgun Gothic"/>
-              <a:sym typeface="Malgun Gothic"/>
-            </a:endParaRPr>
-          </a:p>
-          <a:p>
-            <a:pPr marL="0" marR="0" lvl="0" indent="0" algn="l" rtl="0">
-              <a:lnSpc>
-                <a:spcPct val="90000"/>
-              </a:lnSpc>
-              <a:spcBef>
-                <a:spcPts val="813"/>
-              </a:spcBef>
-              <a:spcAft>
-                <a:spcPts val="0"/>
-              </a:spcAft>
-              <a:buClr>
-                <a:schemeClr val="dk1"/>
-              </a:buClr>
-              <a:buSzPts val="900"/>
-              <a:buFont typeface="Malgun Gothic"/>
-              <a:buNone/>
-            </a:pPr>
-            <a:endParaRPr lang="en-US" sz="900" dirty="0">
               <a:solidFill>
                 <a:schemeClr val="dk1"/>
               </a:solidFill>
@@ -13493,133 +13479,6 @@
           </a:p>
         </p:txBody>
       </p:sp>
-      <p:sp>
-        <p:nvSpPr>
-          <p:cNvPr id="2" name="Google Shape;111;p13">
-            <a:extLst>
-              <a:ext uri="{FF2B5EF4-FFF2-40B4-BE49-F238E27FC236}">
-                <a16:creationId xmlns:a16="http://schemas.microsoft.com/office/drawing/2014/main" id="{8DB8B214-B2C0-4F60-8ABB-05BD425FF6FD}"/>
-              </a:ext>
-            </a:extLst>
-          </p:cNvPr>
-          <p:cNvSpPr/>
-          <p:nvPr/>
-        </p:nvSpPr>
-        <p:spPr>
-          <a:xfrm>
-            <a:off x="4549215" y="2851964"/>
-            <a:ext cx="652582" cy="241995"/>
-          </a:xfrm>
-          <a:prstGeom prst="roundRect">
-            <a:avLst>
-              <a:gd name="adj" fmla="val 8776"/>
-            </a:avLst>
-          </a:prstGeom>
-          <a:solidFill>
-            <a:srgbClr val="F2F2F2"/>
-          </a:solidFill>
-          <a:ln w="9525" cap="flat" cmpd="sng">
-            <a:solidFill>
-              <a:srgbClr val="808080"/>
-            </a:solidFill>
-            <a:prstDash val="solid"/>
-            <a:round/>
-            <a:headEnd type="none" w="sm" len="sm"/>
-            <a:tailEnd type="none" w="sm" len="sm"/>
-          </a:ln>
-        </p:spPr>
-        <p:txBody>
-          <a:bodyPr spcFirstLastPara="1" wrap="square" lIns="91425" tIns="45700" rIns="91425" bIns="45700" anchor="ctr" anchorCtr="0">
-            <a:noAutofit/>
-          </a:bodyPr>
-          <a:lstStyle/>
-          <a:p>
-            <a:pPr marL="0" marR="0" lvl="0" indent="0" algn="l" rtl="0">
-              <a:spcBef>
-                <a:spcPts val="0"/>
-              </a:spcBef>
-              <a:spcAft>
-                <a:spcPts val="0"/>
-              </a:spcAft>
-              <a:buNone/>
-            </a:pPr>
-            <a:r>
-              <a:rPr lang="ko-KR" altLang="en-US" sz="900" dirty="0">
-                <a:solidFill>
-                  <a:srgbClr val="5F5F5F"/>
-                </a:solidFill>
-                <a:latin typeface="Quattrocento Sans"/>
-                <a:ea typeface="Quattrocento Sans"/>
-                <a:cs typeface="Quattrocento Sans"/>
-              </a:rPr>
-              <a:t>회원가입</a:t>
-            </a:r>
-            <a:endParaRPr lang="ko-KR" altLang="en-US" sz="900" b="0" i="0" u="none" strike="noStrike" cap="none" dirty="0">
-              <a:solidFill>
-                <a:srgbClr val="5F5F5F"/>
-              </a:solidFill>
-              <a:latin typeface="Quattrocento Sans"/>
-              <a:ea typeface="Quattrocento Sans"/>
-              <a:cs typeface="Quattrocento Sans"/>
-            </a:endParaRPr>
-          </a:p>
-        </p:txBody>
-      </p:sp>
-      <p:sp>
-        <p:nvSpPr>
-          <p:cNvPr id="3" name="Google Shape;111;p13">
-            <a:extLst>
-              <a:ext uri="{FF2B5EF4-FFF2-40B4-BE49-F238E27FC236}">
-                <a16:creationId xmlns:a16="http://schemas.microsoft.com/office/drawing/2014/main" id="{527B2B31-5479-4CAE-AB89-C5ECF52AABE4}"/>
-              </a:ext>
-            </a:extLst>
-          </p:cNvPr>
-          <p:cNvSpPr/>
-          <p:nvPr/>
-        </p:nvSpPr>
-        <p:spPr>
-          <a:xfrm>
-            <a:off x="3569540" y="2856312"/>
-            <a:ext cx="545006" cy="241995"/>
-          </a:xfrm>
-          <a:prstGeom prst="roundRect">
-            <a:avLst>
-              <a:gd name="adj" fmla="val 8776"/>
-            </a:avLst>
-          </a:prstGeom>
-          <a:solidFill>
-            <a:srgbClr val="F2F2F2"/>
-          </a:solidFill>
-          <a:ln w="9525" cap="flat" cmpd="sng">
-            <a:solidFill>
-              <a:srgbClr val="808080"/>
-            </a:solidFill>
-            <a:prstDash val="solid"/>
-            <a:round/>
-            <a:headEnd type="none" w="sm" len="sm"/>
-            <a:tailEnd type="none" w="sm" len="sm"/>
-          </a:ln>
-        </p:spPr>
-        <p:txBody>
-          <a:bodyPr spcFirstLastPara="1" wrap="square" lIns="91425" tIns="45700" rIns="91425" bIns="45700" anchor="ctr" anchorCtr="0">
-            <a:noAutofit/>
-          </a:bodyPr>
-          <a:lstStyle/>
-          <a:p>
-            <a:r>
-              <a:rPr lang="ko-KR" sz="900" dirty="0">
-                <a:solidFill>
-                  <a:srgbClr val="5F5F5F"/>
-                </a:solidFill>
-                <a:latin typeface="Quattrocento Sans"/>
-                <a:ea typeface="Quattrocento Sans"/>
-                <a:cs typeface="Quattrocento Sans"/>
-              </a:rPr>
-              <a:t>로그인</a:t>
-            </a:r>
-          </a:p>
-        </p:txBody>
-      </p:sp>
       <p:pic>
         <p:nvPicPr>
           <p:cNvPr id="4" name="그림 4">
@@ -13652,10 +13511,137 @@
       </p:pic>
       <p:sp>
         <p:nvSpPr>
-          <p:cNvPr id="11" name="Google Shape;199;p16">
+          <p:cNvPr id="15" name="Google Shape;111;p13">
             <a:extLst>
               <a:ext uri="{FF2B5EF4-FFF2-40B4-BE49-F238E27FC236}">
-                <a16:creationId xmlns:a16="http://schemas.microsoft.com/office/drawing/2014/main" id="{D17BCE7D-BCB5-4303-A7EB-B82699ED36B5}"/>
+                <a16:creationId xmlns:a16="http://schemas.microsoft.com/office/drawing/2014/main" id="{E1FC7549-871E-4435-A976-23ED6332D268}"/>
+              </a:ext>
+            </a:extLst>
+          </p:cNvPr>
+          <p:cNvSpPr/>
+          <p:nvPr/>
+        </p:nvSpPr>
+        <p:spPr>
+          <a:xfrm>
+            <a:off x="4403132" y="3079179"/>
+            <a:ext cx="652582" cy="241995"/>
+          </a:xfrm>
+          <a:prstGeom prst="roundRect">
+            <a:avLst>
+              <a:gd name="adj" fmla="val 8776"/>
+            </a:avLst>
+          </a:prstGeom>
+          <a:solidFill>
+            <a:srgbClr val="F2F2F2"/>
+          </a:solidFill>
+          <a:ln w="9525" cap="flat" cmpd="sng">
+            <a:solidFill>
+              <a:srgbClr val="808080"/>
+            </a:solidFill>
+            <a:prstDash val="solid"/>
+            <a:round/>
+            <a:headEnd type="none" w="sm" len="sm"/>
+            <a:tailEnd type="none" w="sm" len="sm"/>
+          </a:ln>
+        </p:spPr>
+        <p:txBody>
+          <a:bodyPr spcFirstLastPara="1" wrap="square" lIns="91425" tIns="45700" rIns="91425" bIns="45700" anchor="ctr" anchorCtr="0">
+            <a:noAutofit/>
+          </a:bodyPr>
+          <a:lstStyle/>
+          <a:p>
+            <a:pPr marL="0" marR="0" lvl="0" indent="0" algn="l" rtl="0">
+              <a:spcBef>
+                <a:spcPts val="0"/>
+              </a:spcBef>
+              <a:spcAft>
+                <a:spcPts val="0"/>
+              </a:spcAft>
+              <a:buNone/>
+            </a:pPr>
+            <a:r>
+              <a:rPr lang="ko-KR" altLang="en-US" sz="900" dirty="0">
+                <a:solidFill>
+                  <a:srgbClr val="5F5F5F"/>
+                </a:solidFill>
+                <a:latin typeface="Quattrocento Sans"/>
+                <a:ea typeface="Quattrocento Sans"/>
+                <a:cs typeface="Quattrocento Sans"/>
+              </a:rPr>
+              <a:t>회원가입</a:t>
+            </a:r>
+            <a:endParaRPr lang="ko-KR" altLang="en-US" sz="900" b="0" i="0" u="none" strike="noStrike" cap="none" dirty="0">
+              <a:solidFill>
+                <a:srgbClr val="5F5F5F"/>
+              </a:solidFill>
+              <a:latin typeface="Quattrocento Sans"/>
+              <a:ea typeface="Quattrocento Sans"/>
+              <a:cs typeface="Quattrocento Sans"/>
+            </a:endParaRPr>
+          </a:p>
+        </p:txBody>
+      </p:sp>
+      <p:sp>
+        <p:nvSpPr>
+          <p:cNvPr id="16" name="Google Shape;111;p13">
+            <a:extLst>
+              <a:ext uri="{FF2B5EF4-FFF2-40B4-BE49-F238E27FC236}">
+                <a16:creationId xmlns:a16="http://schemas.microsoft.com/office/drawing/2014/main" id="{5E11327C-F2DB-40F5-9567-BC7A14D3EB9A}"/>
+              </a:ext>
+            </a:extLst>
+          </p:cNvPr>
+          <p:cNvSpPr/>
+          <p:nvPr/>
+        </p:nvSpPr>
+        <p:spPr>
+          <a:xfrm>
+            <a:off x="3423457" y="3083527"/>
+            <a:ext cx="545006" cy="241995"/>
+          </a:xfrm>
+          <a:prstGeom prst="roundRect">
+            <a:avLst>
+              <a:gd name="adj" fmla="val 8776"/>
+            </a:avLst>
+          </a:prstGeom>
+          <a:solidFill>
+            <a:srgbClr val="F2F2F2"/>
+          </a:solidFill>
+          <a:ln w="9525" cap="flat" cmpd="sng">
+            <a:solidFill>
+              <a:srgbClr val="808080"/>
+            </a:solidFill>
+            <a:prstDash val="solid"/>
+            <a:round/>
+            <a:headEnd type="none" w="sm" len="sm"/>
+            <a:tailEnd type="none" w="sm" len="sm"/>
+          </a:ln>
+        </p:spPr>
+        <p:txBody>
+          <a:bodyPr spcFirstLastPara="1" wrap="square" lIns="91425" tIns="45700" rIns="91425" bIns="45700" anchor="ctr" anchorCtr="0">
+            <a:noAutofit/>
+          </a:bodyPr>
+          <a:lstStyle/>
+          <a:p>
+            <a:r>
+              <a:rPr lang="ko-KR" sz="900" dirty="0">
+                <a:solidFill>
+                  <a:srgbClr val="5F5F5F"/>
+                </a:solidFill>
+                <a:latin typeface="Quattrocento Sans"/>
+                <a:ea typeface="Quattrocento Sans"/>
+                <a:cs typeface="Quattrocento Sans"/>
+              </a:rPr>
+              <a:t>로그인</a:t>
+            </a:r>
+          </a:p>
+        </p:txBody>
+      </p:sp>
+      <p:sp>
+        <p:nvSpPr>
+          <p:cNvPr id="17" name="Google Shape;199;p16">
+            <a:extLst>
+              <a:ext uri="{FF2B5EF4-FFF2-40B4-BE49-F238E27FC236}">
+                <a16:creationId xmlns:a16="http://schemas.microsoft.com/office/drawing/2014/main" id="{CAF84B65-7388-4F00-AA3B-E26E704678D5}"/>
               </a:ext>
             </a:extLst>
           </p:cNvPr>
@@ -13705,10 +13691,10 @@
       </p:sp>
       <p:sp>
         <p:nvSpPr>
-          <p:cNvPr id="12" name="Google Shape;200;p16">
+          <p:cNvPr id="18" name="Google Shape;200;p16">
             <a:extLst>
               <a:ext uri="{FF2B5EF4-FFF2-40B4-BE49-F238E27FC236}">
-                <a16:creationId xmlns:a16="http://schemas.microsoft.com/office/drawing/2014/main" id="{22CB6A53-4FDE-40F5-A9FB-B62B2D2ECE3E}"/>
+                <a16:creationId xmlns:a16="http://schemas.microsoft.com/office/drawing/2014/main" id="{72910F34-D60E-4C01-882D-AE644D5BE38A}"/>
               </a:ext>
             </a:extLst>
           </p:cNvPr>
@@ -13765,10 +13751,10 @@
       </p:sp>
       <p:sp>
         <p:nvSpPr>
-          <p:cNvPr id="13" name="Google Shape;199;p16">
+          <p:cNvPr id="19" name="Google Shape;199;p16">
             <a:extLst>
               <a:ext uri="{FF2B5EF4-FFF2-40B4-BE49-F238E27FC236}">
-                <a16:creationId xmlns:a16="http://schemas.microsoft.com/office/drawing/2014/main" id="{2849AAD5-3226-49D6-9227-100CDF9C4330}"/>
+                <a16:creationId xmlns:a16="http://schemas.microsoft.com/office/drawing/2014/main" id="{08BAA3DF-0554-49E7-832D-D9981AB7F162}"/>
               </a:ext>
             </a:extLst>
           </p:cNvPr>
@@ -13820,10 +13806,10 @@
       </p:sp>
       <p:sp>
         <p:nvSpPr>
-          <p:cNvPr id="14" name="Google Shape;200;p16">
+          <p:cNvPr id="20" name="Google Shape;200;p16">
             <a:extLst>
               <a:ext uri="{FF2B5EF4-FFF2-40B4-BE49-F238E27FC236}">
-                <a16:creationId xmlns:a16="http://schemas.microsoft.com/office/drawing/2014/main" id="{BDDE5A0A-ADA9-4EA9-8E68-E1CC10DBA880}"/>
+                <a16:creationId xmlns:a16="http://schemas.microsoft.com/office/drawing/2014/main" id="{BAC4C1B1-45E7-4128-A4E8-2C63D90A6196}"/>
               </a:ext>
             </a:extLst>
           </p:cNvPr>
@@ -13880,7 +13866,13 @@
       </p:sp>
       <p:sp>
         <p:nvSpPr>
-          <p:cNvPr id="5" name="TextBox 4"/>
+          <p:cNvPr id="21" name="TextBox 20">
+            <a:extLst>
+              <a:ext uri="{FF2B5EF4-FFF2-40B4-BE49-F238E27FC236}">
+                <a16:creationId xmlns:a16="http://schemas.microsoft.com/office/drawing/2014/main" id="{B2A1FB82-FF01-42BF-A888-DC070D89BEBF}"/>
+              </a:ext>
+            </a:extLst>
+          </p:cNvPr>
           <p:cNvSpPr txBox="1"/>
           <p:nvPr/>
         </p:nvSpPr>
@@ -13907,6 +13899,297 @@
           </a:p>
         </p:txBody>
       </p:sp>
+      <p:sp>
+        <p:nvSpPr>
+          <p:cNvPr id="22" name="TextBox 21">
+            <a:extLst>
+              <a:ext uri="{FF2B5EF4-FFF2-40B4-BE49-F238E27FC236}">
+                <a16:creationId xmlns:a16="http://schemas.microsoft.com/office/drawing/2014/main" id="{D1BBB4CF-E6B2-4DFD-B8E9-FB4CAD8202A0}"/>
+              </a:ext>
+            </a:extLst>
+          </p:cNvPr>
+          <p:cNvSpPr txBox="1"/>
+          <p:nvPr/>
+        </p:nvSpPr>
+        <p:spPr>
+          <a:xfrm>
+            <a:off x="3986074" y="2785069"/>
+            <a:ext cx="184731" cy="307777"/>
+          </a:xfrm>
+          <a:prstGeom prst="rect">
+            <a:avLst/>
+          </a:prstGeom>
+          <a:noFill/>
+        </p:spPr>
+        <p:txBody>
+          <a:bodyPr wrap="none" rtlCol="0">
+            <a:spAutoFit/>
+          </a:bodyPr>
+          <a:lstStyle/>
+          <a:p>
+            <a:endParaRPr lang="ko-KR" altLang="en-US" dirty="0"/>
+          </a:p>
+        </p:txBody>
+      </p:sp>
+      <p:grpSp>
+        <p:nvGrpSpPr>
+          <p:cNvPr id="23" name="그룹 22">
+            <a:extLst>
+              <a:ext uri="{FF2B5EF4-FFF2-40B4-BE49-F238E27FC236}">
+                <a16:creationId xmlns:a16="http://schemas.microsoft.com/office/drawing/2014/main" id="{AEF4630F-A299-41EF-AB30-9D1DD4551D9E}"/>
+              </a:ext>
+            </a:extLst>
+          </p:cNvPr>
+          <p:cNvGrpSpPr/>
+          <p:nvPr/>
+        </p:nvGrpSpPr>
+        <p:grpSpPr>
+          <a:xfrm>
+            <a:off x="3695960" y="2673390"/>
+            <a:ext cx="691087" cy="230792"/>
+            <a:chOff x="3695960" y="2673390"/>
+            <a:chExt cx="691087" cy="230792"/>
+          </a:xfrm>
+        </p:grpSpPr>
+        <p:sp>
+          <p:nvSpPr>
+            <p:cNvPr id="24" name="타원 23">
+              <a:extLst>
+                <a:ext uri="{FF2B5EF4-FFF2-40B4-BE49-F238E27FC236}">
+                  <a16:creationId xmlns:a16="http://schemas.microsoft.com/office/drawing/2014/main" id="{4AD4A5CE-19CD-4A26-B14A-724428E0DA0C}"/>
+                </a:ext>
+              </a:extLst>
+            </p:cNvPr>
+            <p:cNvSpPr/>
+            <p:nvPr/>
+          </p:nvSpPr>
+          <p:spPr>
+            <a:xfrm>
+              <a:off x="3695960" y="2699615"/>
+              <a:ext cx="181572" cy="170908"/>
+            </a:xfrm>
+            <a:prstGeom prst="ellipse">
+              <a:avLst/>
+            </a:prstGeom>
+            <a:noFill/>
+            <a:ln w="12700">
+              <a:solidFill>
+                <a:schemeClr val="tx1"/>
+              </a:solidFill>
+            </a:ln>
+          </p:spPr>
+          <p:style>
+            <a:lnRef idx="2">
+              <a:schemeClr val="accent1">
+                <a:shade val="50000"/>
+              </a:schemeClr>
+            </a:lnRef>
+            <a:fillRef idx="1">
+              <a:schemeClr val="accent1"/>
+            </a:fillRef>
+            <a:effectRef idx="0">
+              <a:schemeClr val="accent1"/>
+            </a:effectRef>
+            <a:fontRef idx="minor">
+              <a:schemeClr val="lt1"/>
+            </a:fontRef>
+          </p:style>
+          <p:txBody>
+            <a:bodyPr rtlCol="0" anchor="ctr"/>
+            <a:lstStyle/>
+            <a:p>
+              <a:pPr algn="ctr"/>
+              <a:endParaRPr lang="ko-KR" altLang="en-US"/>
+            </a:p>
+          </p:txBody>
+        </p:sp>
+        <p:sp>
+          <p:nvSpPr>
+            <p:cNvPr id="25" name="Google Shape;199;p16">
+              <a:extLst>
+                <a:ext uri="{FF2B5EF4-FFF2-40B4-BE49-F238E27FC236}">
+                  <a16:creationId xmlns:a16="http://schemas.microsoft.com/office/drawing/2014/main" id="{7F8D7F3F-BB0A-406E-9BF3-85E3CAED5874}"/>
+                </a:ext>
+              </a:extLst>
+            </p:cNvPr>
+            <p:cNvSpPr txBox="1"/>
+            <p:nvPr/>
+          </p:nvSpPr>
+          <p:spPr>
+            <a:xfrm>
+              <a:off x="3842042" y="2673390"/>
+              <a:ext cx="545005" cy="230792"/>
+            </a:xfrm>
+            <a:prstGeom prst="rect">
+              <a:avLst/>
+            </a:prstGeom>
+            <a:noFill/>
+            <a:ln>
+              <a:noFill/>
+            </a:ln>
+          </p:spPr>
+          <p:txBody>
+            <a:bodyPr spcFirstLastPara="1" wrap="square" lIns="91425" tIns="45700" rIns="91425" bIns="45700" anchor="t" anchorCtr="0">
+              <a:spAutoFit/>
+            </a:bodyPr>
+            <a:lstStyle/>
+            <a:p>
+              <a:pPr marL="0" marR="0" lvl="0" indent="0" algn="l" rtl="0">
+                <a:spcBef>
+                  <a:spcPts val="0"/>
+                </a:spcBef>
+                <a:spcAft>
+                  <a:spcPts val="0"/>
+                </a:spcAft>
+                <a:buNone/>
+              </a:pPr>
+              <a:r>
+                <a:rPr lang="ko-KR" altLang="en-US" sz="900">
+                  <a:solidFill>
+                    <a:schemeClr val="dk1"/>
+                  </a:solidFill>
+                  <a:latin typeface="Malgun Gothic"/>
+                  <a:ea typeface="Malgun Gothic"/>
+                </a:rPr>
+                <a:t>관리자</a:t>
+              </a:r>
+              <a:endParaRPr lang="ko-KR" altLang="en-US" sz="900" dirty="0">
+                <a:solidFill>
+                  <a:schemeClr val="dk1"/>
+                </a:solidFill>
+                <a:latin typeface="Malgun Gothic"/>
+                <a:ea typeface="Malgun Gothic"/>
+              </a:endParaRPr>
+            </a:p>
+          </p:txBody>
+        </p:sp>
+      </p:grpSp>
+      <p:grpSp>
+        <p:nvGrpSpPr>
+          <p:cNvPr id="26" name="그룹 25">
+            <a:extLst>
+              <a:ext uri="{FF2B5EF4-FFF2-40B4-BE49-F238E27FC236}">
+                <a16:creationId xmlns:a16="http://schemas.microsoft.com/office/drawing/2014/main" id="{F2E826AB-4F5A-4B4C-AEB8-AEAD4C81E262}"/>
+              </a:ext>
+            </a:extLst>
+          </p:cNvPr>
+          <p:cNvGrpSpPr/>
+          <p:nvPr/>
+        </p:nvGrpSpPr>
+        <p:grpSpPr>
+          <a:xfrm>
+            <a:off x="4358427" y="2673390"/>
+            <a:ext cx="691087" cy="230792"/>
+            <a:chOff x="3695960" y="2673390"/>
+            <a:chExt cx="691087" cy="230792"/>
+          </a:xfrm>
+        </p:grpSpPr>
+        <p:sp>
+          <p:nvSpPr>
+            <p:cNvPr id="27" name="타원 26">
+              <a:extLst>
+                <a:ext uri="{FF2B5EF4-FFF2-40B4-BE49-F238E27FC236}">
+                  <a16:creationId xmlns:a16="http://schemas.microsoft.com/office/drawing/2014/main" id="{4B60D9F7-7CE5-4F10-81D9-CF055F6F3B6B}"/>
+                </a:ext>
+              </a:extLst>
+            </p:cNvPr>
+            <p:cNvSpPr/>
+            <p:nvPr/>
+          </p:nvSpPr>
+          <p:spPr>
+            <a:xfrm>
+              <a:off x="3695960" y="2699615"/>
+              <a:ext cx="181572" cy="170908"/>
+            </a:xfrm>
+            <a:prstGeom prst="ellipse">
+              <a:avLst/>
+            </a:prstGeom>
+            <a:noFill/>
+            <a:ln w="12700">
+              <a:solidFill>
+                <a:schemeClr val="tx1"/>
+              </a:solidFill>
+            </a:ln>
+          </p:spPr>
+          <p:style>
+            <a:lnRef idx="2">
+              <a:schemeClr val="accent1">
+                <a:shade val="50000"/>
+              </a:schemeClr>
+            </a:lnRef>
+            <a:fillRef idx="1">
+              <a:schemeClr val="accent1"/>
+            </a:fillRef>
+            <a:effectRef idx="0">
+              <a:schemeClr val="accent1"/>
+            </a:effectRef>
+            <a:fontRef idx="minor">
+              <a:schemeClr val="lt1"/>
+            </a:fontRef>
+          </p:style>
+          <p:txBody>
+            <a:bodyPr rtlCol="0" anchor="ctr"/>
+            <a:lstStyle/>
+            <a:p>
+              <a:pPr algn="ctr"/>
+              <a:endParaRPr lang="ko-KR" altLang="en-US"/>
+            </a:p>
+          </p:txBody>
+        </p:sp>
+        <p:sp>
+          <p:nvSpPr>
+            <p:cNvPr id="28" name="Google Shape;199;p16">
+              <a:extLst>
+                <a:ext uri="{FF2B5EF4-FFF2-40B4-BE49-F238E27FC236}">
+                  <a16:creationId xmlns:a16="http://schemas.microsoft.com/office/drawing/2014/main" id="{BF5B70C7-CAF6-4AD7-A4DC-F343D32E9DF7}"/>
+                </a:ext>
+              </a:extLst>
+            </p:cNvPr>
+            <p:cNvSpPr txBox="1"/>
+            <p:nvPr/>
+          </p:nvSpPr>
+          <p:spPr>
+            <a:xfrm>
+              <a:off x="3842042" y="2673390"/>
+              <a:ext cx="545005" cy="230792"/>
+            </a:xfrm>
+            <a:prstGeom prst="rect">
+              <a:avLst/>
+            </a:prstGeom>
+            <a:noFill/>
+            <a:ln>
+              <a:noFill/>
+            </a:ln>
+          </p:spPr>
+          <p:txBody>
+            <a:bodyPr spcFirstLastPara="1" wrap="square" lIns="91425" tIns="45700" rIns="91425" bIns="45700" anchor="t" anchorCtr="0">
+              <a:spAutoFit/>
+            </a:bodyPr>
+            <a:lstStyle/>
+            <a:p>
+              <a:pPr marL="0" marR="0" lvl="0" indent="0" algn="l" rtl="0">
+                <a:spcBef>
+                  <a:spcPts val="0"/>
+                </a:spcBef>
+                <a:spcAft>
+                  <a:spcPts val="0"/>
+                </a:spcAft>
+                <a:buNone/>
+              </a:pPr>
+              <a:r>
+                <a:rPr lang="ko-KR" altLang="en-US" sz="900" dirty="0">
+                  <a:solidFill>
+                    <a:schemeClr val="dk1"/>
+                  </a:solidFill>
+                  <a:latin typeface="Malgun Gothic"/>
+                  <a:ea typeface="Malgun Gothic"/>
+                </a:rPr>
+                <a:t>학생</a:t>
+              </a:r>
+            </a:p>
+          </p:txBody>
+        </p:sp>
+      </p:grpSp>
     </p:spTree>
     <p:extLst>
       <p:ext uri="{BB962C8B-B14F-4D97-AF65-F5344CB8AC3E}">
@@ -14374,7 +14657,31 @@
                 <a:cs typeface="Malgun Gothic"/>
                 <a:sym typeface="Malgun Gothic"/>
               </a:rPr>
-              <a:t>비밀번호는 필수입력 조건</a:t>
+              <a:t>비밀번호</a:t>
+            </a:r>
+            <a:r>
+              <a:rPr lang="en-US" altLang="ko-KR" sz="900" dirty="0">
+                <a:solidFill>
+                  <a:schemeClr val="dk1"/>
+                </a:solidFill>
+                <a:latin typeface="Malgun Gothic"/>
+                <a:ea typeface="Malgun Gothic"/>
+                <a:cs typeface="Malgun Gothic"/>
+                <a:sym typeface="Malgun Gothic"/>
+              </a:rPr>
+              <a:t>,</a:t>
+            </a:r>
+            <a:r>
+              <a:rPr lang="ko-KR" altLang="en-US" sz="900" dirty="0">
+                <a:solidFill>
+                  <a:schemeClr val="dk1"/>
+                </a:solidFill>
+                <a:latin typeface="Malgun Gothic"/>
+                <a:ea typeface="Malgun Gothic"/>
+                <a:cs typeface="Malgun Gothic"/>
+                <a:sym typeface="Malgun Gothic"/>
+              </a:rPr>
+              <a:t>직급선택은 필수조건</a:t>
             </a:r>
             <a:endParaRPr lang="en-US" altLang="ko-KR" sz="900" dirty="0">
               <a:solidFill>
@@ -14404,6 +14711,78 @@
               <a:buFont typeface="Malgun Gothic"/>
               <a:buNone/>
             </a:pPr>
+            <a:r>
+              <a:rPr lang="ko-KR" altLang="en-US" sz="900" b="0" i="0" u="none" strike="noStrike" cap="none" dirty="0">
+                <a:solidFill>
+                  <a:schemeClr val="dk1"/>
+                </a:solidFill>
+                <a:latin typeface="Malgun Gothic"/>
+                <a:ea typeface="Malgun Gothic"/>
+                <a:cs typeface="Malgun Gothic"/>
+                <a:sym typeface="Malgun Gothic"/>
+              </a:rPr>
+              <a:t>선택한 직급에 따라 </a:t>
+            </a:r>
+            <a:r>
+              <a:rPr lang="ko-KR" altLang="en-US" sz="900" b="0" i="0" u="none" strike="noStrike" cap="none" dirty="0" err="1">
+                <a:solidFill>
+                  <a:schemeClr val="dk1"/>
+                </a:solidFill>
+                <a:latin typeface="Malgun Gothic"/>
+                <a:ea typeface="Malgun Gothic"/>
+                <a:cs typeface="Malgun Gothic"/>
+                <a:sym typeface="Malgun Gothic"/>
+              </a:rPr>
+              <a:t>회원가입되며</a:t>
+            </a:r>
+            <a:r>
+              <a:rPr lang="ko-KR" altLang="en-US" sz="900" b="0" i="0" u="none" strike="noStrike" cap="none" dirty="0">
+                <a:solidFill>
+                  <a:schemeClr val="dk1"/>
+                </a:solidFill>
+                <a:latin typeface="Malgun Gothic"/>
+                <a:ea typeface="Malgun Gothic"/>
+                <a:cs typeface="Malgun Gothic"/>
+                <a:sym typeface="Malgun Gothic"/>
+              </a:rPr>
+              <a:t> </a:t>
+            </a:r>
+            <a:r>
+              <a:rPr lang="ko-KR" altLang="en-US" sz="900" b="0" i="0" u="none" strike="noStrike" cap="none" dirty="0" err="1">
+                <a:solidFill>
+                  <a:schemeClr val="dk1"/>
+                </a:solidFill>
+                <a:latin typeface="Malgun Gothic"/>
+                <a:ea typeface="Malgun Gothic"/>
+                <a:cs typeface="Malgun Gothic"/>
+                <a:sym typeface="Malgun Gothic"/>
+              </a:rPr>
+              <a:t>로그인시에도</a:t>
+            </a:r>
+            <a:r>
+              <a:rPr lang="ko-KR" altLang="en-US" sz="900" b="0" i="0" u="none" strike="noStrike" cap="none" dirty="0">
+                <a:solidFill>
+                  <a:schemeClr val="dk1"/>
+                </a:solidFill>
+                <a:latin typeface="Malgun Gothic"/>
+                <a:ea typeface="Malgun Gothic"/>
+                <a:cs typeface="Malgun Gothic"/>
+                <a:sym typeface="Malgun Gothic"/>
+              </a:rPr>
+              <a:t> 필수로 입력한다</a:t>
+            </a:r>
+            <a:r>
+              <a:rPr lang="en-US" altLang="ko-KR" sz="900" b="0" i="0" u="none" strike="noStrike" cap="none" dirty="0">
+                <a:solidFill>
+                  <a:schemeClr val="dk1"/>
+                </a:solidFill>
+                <a:latin typeface="Malgun Gothic"/>
+                <a:ea typeface="Malgun Gothic"/>
+                <a:cs typeface="Malgun Gothic"/>
+                <a:sym typeface="Malgun Gothic"/>
+              </a:rPr>
+              <a:t>.</a:t>
+            </a:r>
             <a:endParaRPr lang="en-US" sz="900" b="0" i="0" u="none" strike="noStrike" cap="none" dirty="0">
               <a:solidFill>
                 <a:schemeClr val="dk1"/>
@@ -14667,81 +15046,6 @@
             </a:endParaRPr>
           </a:p>
           <a:p>
-            <a:pPr marL="228600" lvl="0" indent="-171450">
-              <a:lnSpc>
-                <a:spcPct val="90000"/>
-              </a:lnSpc>
-              <a:spcBef>
-                <a:spcPts val="813"/>
-              </a:spcBef>
-              <a:buClr>
-                <a:schemeClr val="dk1"/>
-              </a:buClr>
-              <a:buSzPts val="900"/>
-              <a:buFont typeface="Arial" charset="0"/>
-              <a:buChar char="•"/>
-            </a:pPr>
-            <a:endParaRPr lang="en-US" sz="900" b="0" i="0" u="none" strike="noStrike" cap="none" dirty="0">
-              <a:solidFill>
-                <a:schemeClr val="dk1"/>
-              </a:solidFill>
-              <a:latin typeface="Malgun Gothic"/>
-              <a:ea typeface="Malgun Gothic"/>
-              <a:cs typeface="Malgun Gothic"/>
-              <a:sym typeface="Malgun Gothic"/>
-            </a:endParaRPr>
-          </a:p>
-          <a:p>
-            <a:pPr marL="228600" lvl="0" indent="-171450">
-              <a:lnSpc>
-                <a:spcPct val="90000"/>
-              </a:lnSpc>
-              <a:spcBef>
-                <a:spcPts val="813"/>
-              </a:spcBef>
-              <a:buClr>
-                <a:schemeClr val="dk1"/>
-              </a:buClr>
-              <a:buSzPts val="900"/>
-              <a:buFont typeface="Arial" charset="0"/>
-              <a:buChar char="•"/>
-            </a:pPr>
-            <a:endParaRPr lang="en-US" sz="900" dirty="0">
-              <a:solidFill>
-                <a:schemeClr val="dk1"/>
-              </a:solidFill>
-              <a:latin typeface="Malgun Gothic"/>
-              <a:ea typeface="Malgun Gothic"/>
-              <a:cs typeface="Malgun Gothic"/>
-              <a:sym typeface="Malgun Gothic"/>
-            </a:endParaRPr>
-          </a:p>
-          <a:p>
-            <a:pPr marL="228600" lvl="0" indent="-171450">
-              <a:lnSpc>
-                <a:spcPct val="90000"/>
-              </a:lnSpc>
-              <a:spcBef>
-                <a:spcPts val="813"/>
-              </a:spcBef>
-              <a:buClr>
-                <a:schemeClr val="dk1"/>
-              </a:buClr>
-              <a:buSzPts val="900"/>
-              <a:buFont typeface="Arial" charset="0"/>
-              <a:buChar char="•"/>
-            </a:pPr>
-            <a:endParaRPr lang="en-US" sz="900" b="0" i="0" u="none" strike="noStrike" cap="none" dirty="0">
-              <a:solidFill>
-                <a:schemeClr val="dk1"/>
-              </a:solidFill>
-              <a:latin typeface="Malgun Gothic"/>
-              <a:ea typeface="Malgun Gothic"/>
-              <a:cs typeface="Malgun Gothic"/>
-              <a:sym typeface="Malgun Gothic"/>
-            </a:endParaRPr>
-          </a:p>
-          <a:p>
             <a:pPr marL="57150">
               <a:lnSpc>
                 <a:spcPct val="90000"/>
@@ -14846,69 +15150,6 @@
           </a:p>
         </p:txBody>
       </p:sp>
-      <p:sp>
-        <p:nvSpPr>
-          <p:cNvPr id="2" name="Google Shape;111;p13">
-            <a:extLst>
-              <a:ext uri="{FF2B5EF4-FFF2-40B4-BE49-F238E27FC236}">
-                <a16:creationId xmlns:a16="http://schemas.microsoft.com/office/drawing/2014/main" id="{8DB8B214-B2C0-4F60-8ABB-05BD425FF6FD}"/>
-              </a:ext>
-            </a:extLst>
-          </p:cNvPr>
-          <p:cNvSpPr/>
-          <p:nvPr/>
-        </p:nvSpPr>
-        <p:spPr>
-          <a:xfrm>
-            <a:off x="3367048" y="4205227"/>
-            <a:ext cx="491217" cy="241995"/>
-          </a:xfrm>
-          <a:prstGeom prst="roundRect">
-            <a:avLst>
-              <a:gd name="adj" fmla="val 8776"/>
-            </a:avLst>
-          </a:prstGeom>
-          <a:solidFill>
-            <a:srgbClr val="F2F2F2"/>
-          </a:solidFill>
-          <a:ln w="9525" cap="flat" cmpd="sng">
-            <a:solidFill>
-              <a:srgbClr val="808080"/>
-            </a:solidFill>
-            <a:prstDash val="solid"/>
-            <a:round/>
-            <a:headEnd type="none" w="sm" len="sm"/>
-            <a:tailEnd type="none" w="sm" len="sm"/>
-          </a:ln>
-        </p:spPr>
-        <p:txBody>
-          <a:bodyPr spcFirstLastPara="1" wrap="square" lIns="91425" tIns="45700" rIns="91425" bIns="45700" anchor="ctr" anchorCtr="0">
-            <a:noAutofit/>
-          </a:bodyPr>
-          <a:lstStyle/>
-          <a:p>
-            <a:r>
-              <a:rPr lang="ko-KR" altLang="en-US" sz="900" dirty="0">
-                <a:solidFill>
-                  <a:srgbClr val="5F5F5F"/>
-                </a:solidFill>
-                <a:latin typeface="Quattrocento Sans"/>
-                <a:ea typeface="Quattrocento Sans"/>
-                <a:cs typeface="Quattrocento Sans"/>
-              </a:rPr>
-              <a:t> 확인</a:t>
-            </a:r>
-            <a:endParaRPr lang="ko-KR" altLang="en-US" sz="900" b="0" i="0" u="none" strike="noStrike" cap="none" dirty="0">
-              <a:solidFill>
-                <a:srgbClr val="5F5F5F"/>
-              </a:solidFill>
-              <a:latin typeface="Quattrocento Sans"/>
-              <a:ea typeface="Quattrocento Sans"/>
-              <a:cs typeface="Quattrocento Sans"/>
-            </a:endParaRPr>
-          </a:p>
-        </p:txBody>
-      </p:sp>
       <p:pic>
         <p:nvPicPr>
           <p:cNvPr id="4" name="그림 4">
@@ -14941,10 +15182,73 @@
       </p:pic>
       <p:sp>
         <p:nvSpPr>
-          <p:cNvPr id="5" name="Google Shape;199;p16">
+          <p:cNvPr id="71" name="Google Shape;111;p13">
             <a:extLst>
               <a:ext uri="{FF2B5EF4-FFF2-40B4-BE49-F238E27FC236}">
-                <a16:creationId xmlns:a16="http://schemas.microsoft.com/office/drawing/2014/main" id="{9A075475-D4CA-4339-954A-82015C03B710}"/>
+                <a16:creationId xmlns:a16="http://schemas.microsoft.com/office/drawing/2014/main" id="{9733FFE4-326C-4803-A906-E272DCEA1C03}"/>
+              </a:ext>
+            </a:extLst>
+          </p:cNvPr>
+          <p:cNvSpPr/>
+          <p:nvPr/>
+        </p:nvSpPr>
+        <p:spPr>
+          <a:xfrm>
+            <a:off x="3367048" y="4644252"/>
+            <a:ext cx="491217" cy="241995"/>
+          </a:xfrm>
+          <a:prstGeom prst="roundRect">
+            <a:avLst>
+              <a:gd name="adj" fmla="val 8776"/>
+            </a:avLst>
+          </a:prstGeom>
+          <a:solidFill>
+            <a:srgbClr val="F2F2F2"/>
+          </a:solidFill>
+          <a:ln w="9525" cap="flat" cmpd="sng">
+            <a:solidFill>
+              <a:srgbClr val="808080"/>
+            </a:solidFill>
+            <a:prstDash val="solid"/>
+            <a:round/>
+            <a:headEnd type="none" w="sm" len="sm"/>
+            <a:tailEnd type="none" w="sm" len="sm"/>
+          </a:ln>
+        </p:spPr>
+        <p:txBody>
+          <a:bodyPr spcFirstLastPara="1" wrap="square" lIns="91425" tIns="45700" rIns="91425" bIns="45700" anchor="ctr" anchorCtr="0">
+            <a:noAutofit/>
+          </a:bodyPr>
+          <a:lstStyle/>
+          <a:p>
+            <a:r>
+              <a:rPr lang="ko-KR" altLang="en-US" sz="900" dirty="0">
+                <a:solidFill>
+                  <a:srgbClr val="5F5F5F"/>
+                </a:solidFill>
+                <a:latin typeface="Quattrocento Sans"/>
+                <a:ea typeface="Quattrocento Sans"/>
+                <a:cs typeface="Quattrocento Sans"/>
+              </a:rPr>
+              <a:t> 확인</a:t>
+            </a:r>
+            <a:endParaRPr lang="ko-KR" altLang="en-US" sz="900" b="0" i="0" u="none" strike="noStrike" cap="none" dirty="0">
+              <a:solidFill>
+                <a:srgbClr val="5F5F5F"/>
+              </a:solidFill>
+              <a:latin typeface="Quattrocento Sans"/>
+              <a:ea typeface="Quattrocento Sans"/>
+              <a:cs typeface="Quattrocento Sans"/>
+            </a:endParaRPr>
+          </a:p>
+        </p:txBody>
+      </p:sp>
+      <p:sp>
+        <p:nvSpPr>
+          <p:cNvPr id="72" name="Google Shape;199;p16">
+            <a:extLst>
+              <a:ext uri="{FF2B5EF4-FFF2-40B4-BE49-F238E27FC236}">
+                <a16:creationId xmlns:a16="http://schemas.microsoft.com/office/drawing/2014/main" id="{BAF2133A-A2DD-4DD4-BF7D-4BBF9CD3254D}"/>
               </a:ext>
             </a:extLst>
           </p:cNvPr>
@@ -14994,10 +15298,10 @@
       </p:sp>
       <p:sp>
         <p:nvSpPr>
-          <p:cNvPr id="6" name="Google Shape;200;p16">
+          <p:cNvPr id="73" name="Google Shape;200;p16">
             <a:extLst>
               <a:ext uri="{FF2B5EF4-FFF2-40B4-BE49-F238E27FC236}">
-                <a16:creationId xmlns:a16="http://schemas.microsoft.com/office/drawing/2014/main" id="{2EE5FF0B-E0A3-4A4C-82A5-3A5E82341C3F}"/>
+                <a16:creationId xmlns:a16="http://schemas.microsoft.com/office/drawing/2014/main" id="{E918C9A2-E02E-420F-B509-B39790BED6F6}"/>
               </a:ext>
             </a:extLst>
           </p:cNvPr>
@@ -15054,10 +15358,10 @@
       </p:sp>
       <p:sp>
         <p:nvSpPr>
-          <p:cNvPr id="15" name="Google Shape;199;p16">
+          <p:cNvPr id="79" name="Google Shape;199;p16">
             <a:extLst>
               <a:ext uri="{FF2B5EF4-FFF2-40B4-BE49-F238E27FC236}">
-                <a16:creationId xmlns:a16="http://schemas.microsoft.com/office/drawing/2014/main" id="{C91B3B3C-F097-4426-A9A7-77BD218C412E}"/>
+                <a16:creationId xmlns:a16="http://schemas.microsoft.com/office/drawing/2014/main" id="{DB2BC80B-C1E7-4AD7-B558-857C7294BE75}"/>
               </a:ext>
             </a:extLst>
           </p:cNvPr>
@@ -15109,10 +15413,10 @@
       </p:sp>
       <p:sp>
         <p:nvSpPr>
-          <p:cNvPr id="16" name="Google Shape;200;p16">
+          <p:cNvPr id="80" name="Google Shape;200;p16">
             <a:extLst>
               <a:ext uri="{FF2B5EF4-FFF2-40B4-BE49-F238E27FC236}">
-                <a16:creationId xmlns:a16="http://schemas.microsoft.com/office/drawing/2014/main" id="{65D5855F-E71F-4065-8066-6E56B57E1ACA}"/>
+                <a16:creationId xmlns:a16="http://schemas.microsoft.com/office/drawing/2014/main" id="{A6954E43-B1E4-4BCE-AD94-D16244163DDC}"/>
               </a:ext>
             </a:extLst>
           </p:cNvPr>
@@ -15169,10 +15473,10 @@
       </p:sp>
       <p:sp>
         <p:nvSpPr>
-          <p:cNvPr id="17" name="Google Shape;199;p16">
+          <p:cNvPr id="81" name="Google Shape;199;p16">
             <a:extLst>
               <a:ext uri="{FF2B5EF4-FFF2-40B4-BE49-F238E27FC236}">
-                <a16:creationId xmlns:a16="http://schemas.microsoft.com/office/drawing/2014/main" id="{41360B6E-EE97-4C97-995B-6B6C26C232DE}"/>
+                <a16:creationId xmlns:a16="http://schemas.microsoft.com/office/drawing/2014/main" id="{DCA969A7-88BD-4130-9813-D11AB08FE165}"/>
               </a:ext>
             </a:extLst>
           </p:cNvPr>
@@ -15222,10 +15526,10 @@
       </p:sp>
       <p:sp>
         <p:nvSpPr>
-          <p:cNvPr id="18" name="Google Shape;200;p16">
+          <p:cNvPr id="82" name="Google Shape;200;p16">
             <a:extLst>
               <a:ext uri="{FF2B5EF4-FFF2-40B4-BE49-F238E27FC236}">
-                <a16:creationId xmlns:a16="http://schemas.microsoft.com/office/drawing/2014/main" id="{A05E228A-6D41-4AC7-91DB-0B47C6C45BFC}"/>
+                <a16:creationId xmlns:a16="http://schemas.microsoft.com/office/drawing/2014/main" id="{AEF22289-A528-4F67-B7D3-758FE203FE93}"/>
               </a:ext>
             </a:extLst>
           </p:cNvPr>
@@ -15282,10 +15586,10 @@
       </p:sp>
       <p:sp>
         <p:nvSpPr>
-          <p:cNvPr id="19" name="Google Shape;199;p16">
+          <p:cNvPr id="83" name="Google Shape;199;p16">
             <a:extLst>
               <a:ext uri="{FF2B5EF4-FFF2-40B4-BE49-F238E27FC236}">
-                <a16:creationId xmlns:a16="http://schemas.microsoft.com/office/drawing/2014/main" id="{A8FBA655-0B1D-4AFB-8AAC-359705081269}"/>
+                <a16:creationId xmlns:a16="http://schemas.microsoft.com/office/drawing/2014/main" id="{08FEF21D-9CE3-435A-B391-525557229E0A}"/>
               </a:ext>
             </a:extLst>
           </p:cNvPr>
@@ -15335,10 +15639,10 @@
       </p:sp>
       <p:sp>
         <p:nvSpPr>
-          <p:cNvPr id="20" name="Google Shape;200;p16">
+          <p:cNvPr id="84" name="Google Shape;200;p16">
             <a:extLst>
               <a:ext uri="{FF2B5EF4-FFF2-40B4-BE49-F238E27FC236}">
-                <a16:creationId xmlns:a16="http://schemas.microsoft.com/office/drawing/2014/main" id="{6E372918-6249-44A0-8954-B48BF3DFF04B}"/>
+                <a16:creationId xmlns:a16="http://schemas.microsoft.com/office/drawing/2014/main" id="{3BADAC01-57EB-42E3-97DF-11C5C4930224}"/>
               </a:ext>
             </a:extLst>
           </p:cNvPr>
@@ -15395,10 +15699,10 @@
       </p:sp>
       <p:sp>
         <p:nvSpPr>
-          <p:cNvPr id="31" name="Google Shape;111;p13">
+          <p:cNvPr id="85" name="Google Shape;111;p13">
             <a:extLst>
               <a:ext uri="{FF2B5EF4-FFF2-40B4-BE49-F238E27FC236}">
-                <a16:creationId xmlns:a16="http://schemas.microsoft.com/office/drawing/2014/main" id="{A64CC343-D4B4-410A-88A3-E1F901C43CBB}"/>
+                <a16:creationId xmlns:a16="http://schemas.microsoft.com/office/drawing/2014/main" id="{A47AE8A8-3AD8-42D7-B927-502A01E24B58}"/>
               </a:ext>
             </a:extLst>
           </p:cNvPr>
@@ -15407,7 +15711,7 @@
         </p:nvSpPr>
         <p:spPr>
           <a:xfrm>
-            <a:off x="4461783" y="4196349"/>
+            <a:off x="4461783" y="4635374"/>
             <a:ext cx="491217" cy="241995"/>
           </a:xfrm>
           <a:prstGeom prst="roundRect">
@@ -15458,10 +15762,10 @@
       </p:sp>
       <p:sp>
         <p:nvSpPr>
-          <p:cNvPr id="32" name="Google Shape;199;p16">
+          <p:cNvPr id="86" name="Google Shape;199;p16">
             <a:extLst>
               <a:ext uri="{FF2B5EF4-FFF2-40B4-BE49-F238E27FC236}">
-                <a16:creationId xmlns:a16="http://schemas.microsoft.com/office/drawing/2014/main" id="{4895A410-3223-4AFE-94A6-1B8E944BE36E}"/>
+                <a16:creationId xmlns:a16="http://schemas.microsoft.com/office/drawing/2014/main" id="{D57F5617-D5A7-47EC-A001-D61EA76F1820}"/>
               </a:ext>
             </a:extLst>
           </p:cNvPr>
@@ -15511,10 +15815,10 @@
       </p:sp>
       <p:sp>
         <p:nvSpPr>
-          <p:cNvPr id="33" name="Google Shape;200;p16">
+          <p:cNvPr id="87" name="Google Shape;200;p16">
             <a:extLst>
               <a:ext uri="{FF2B5EF4-FFF2-40B4-BE49-F238E27FC236}">
-                <a16:creationId xmlns:a16="http://schemas.microsoft.com/office/drawing/2014/main" id="{C520B065-93E1-4E5A-AF4D-720DE19C050C}"/>
+                <a16:creationId xmlns:a16="http://schemas.microsoft.com/office/drawing/2014/main" id="{6EED884D-98A0-46A4-AE5C-D928AF7D204F}"/>
               </a:ext>
             </a:extLst>
           </p:cNvPr>
@@ -15571,10 +15875,10 @@
       </p:sp>
       <p:sp>
         <p:nvSpPr>
-          <p:cNvPr id="34" name="Google Shape;199;p16">
+          <p:cNvPr id="88" name="Google Shape;199;p16">
             <a:extLst>
               <a:ext uri="{FF2B5EF4-FFF2-40B4-BE49-F238E27FC236}">
-                <a16:creationId xmlns:a16="http://schemas.microsoft.com/office/drawing/2014/main" id="{12143EAA-253D-4BBE-97EC-4CF450145060}"/>
+                <a16:creationId xmlns:a16="http://schemas.microsoft.com/office/drawing/2014/main" id="{8DA8F1A3-0CAE-42BE-8E29-FE75409D4D8F}"/>
               </a:ext>
             </a:extLst>
           </p:cNvPr>
@@ -15615,10 +15919,10 @@
       </p:sp>
       <p:sp>
         <p:nvSpPr>
-          <p:cNvPr id="35" name="Google Shape;200;p16">
+          <p:cNvPr id="89" name="Google Shape;200;p16">
             <a:extLst>
               <a:ext uri="{FF2B5EF4-FFF2-40B4-BE49-F238E27FC236}">
-                <a16:creationId xmlns:a16="http://schemas.microsoft.com/office/drawing/2014/main" id="{947AFBA7-3BF1-40A3-AEFC-5E609099B544}"/>
+                <a16:creationId xmlns:a16="http://schemas.microsoft.com/office/drawing/2014/main" id="{EE293576-DC00-440E-ACE8-C9BF4C32FFA6}"/>
               </a:ext>
             </a:extLst>
           </p:cNvPr>
@@ -15675,10 +15979,10 @@
       </p:sp>
       <p:sp>
         <p:nvSpPr>
-          <p:cNvPr id="26" name="Google Shape;535;p24">
+          <p:cNvPr id="90" name="Google Shape;535;p24">
             <a:extLst>
               <a:ext uri="{FF2B5EF4-FFF2-40B4-BE49-F238E27FC236}">
-                <a16:creationId xmlns:a16="http://schemas.microsoft.com/office/drawing/2014/main" id="{99CA0DCD-96B2-4680-87F4-BCE7E1CC6C3A}"/>
+                <a16:creationId xmlns:a16="http://schemas.microsoft.com/office/drawing/2014/main" id="{F0EA718C-49D6-49C0-9CB9-14F922E3C10C}"/>
               </a:ext>
             </a:extLst>
           </p:cNvPr>
@@ -15962,6 +16266,258 @@
           </a:p>
         </p:txBody>
       </p:sp>
+      <p:grpSp>
+        <p:nvGrpSpPr>
+          <p:cNvPr id="91" name="그룹 90">
+            <a:extLst>
+              <a:ext uri="{FF2B5EF4-FFF2-40B4-BE49-F238E27FC236}">
+                <a16:creationId xmlns:a16="http://schemas.microsoft.com/office/drawing/2014/main" id="{F5EEA236-6696-4D36-8FFB-057F1D3D338B}"/>
+              </a:ext>
+            </a:extLst>
+          </p:cNvPr>
+          <p:cNvGrpSpPr/>
+          <p:nvPr/>
+        </p:nvGrpSpPr>
+        <p:grpSpPr>
+          <a:xfrm>
+            <a:off x="3599446" y="4109556"/>
+            <a:ext cx="691087" cy="230792"/>
+            <a:chOff x="3695960" y="2673390"/>
+            <a:chExt cx="691087" cy="230792"/>
+          </a:xfrm>
+        </p:grpSpPr>
+        <p:sp>
+          <p:nvSpPr>
+            <p:cNvPr id="92" name="타원 91">
+              <a:extLst>
+                <a:ext uri="{FF2B5EF4-FFF2-40B4-BE49-F238E27FC236}">
+                  <a16:creationId xmlns:a16="http://schemas.microsoft.com/office/drawing/2014/main" id="{82C95FF2-82B9-43E8-A8E2-AC224A3A5CB1}"/>
+                </a:ext>
+              </a:extLst>
+            </p:cNvPr>
+            <p:cNvSpPr/>
+            <p:nvPr/>
+          </p:nvSpPr>
+          <p:spPr>
+            <a:xfrm>
+              <a:off x="3695960" y="2699615"/>
+              <a:ext cx="181572" cy="170908"/>
+            </a:xfrm>
+            <a:prstGeom prst="ellipse">
+              <a:avLst/>
+            </a:prstGeom>
+            <a:noFill/>
+            <a:ln w="12700">
+              <a:solidFill>
+                <a:schemeClr val="tx1"/>
+              </a:solidFill>
+            </a:ln>
+          </p:spPr>
+          <p:style>
+            <a:lnRef idx="2">
+              <a:schemeClr val="accent1">
+                <a:shade val="50000"/>
+              </a:schemeClr>
+            </a:lnRef>
+            <a:fillRef idx="1">
+              <a:schemeClr val="accent1"/>
+            </a:fillRef>
+            <a:effectRef idx="0">
+              <a:schemeClr val="accent1"/>
+            </a:effectRef>
+            <a:fontRef idx="minor">
+              <a:schemeClr val="lt1"/>
+            </a:fontRef>
+          </p:style>
+          <p:txBody>
+            <a:bodyPr rtlCol="0" anchor="ctr"/>
+            <a:lstStyle/>
+            <a:p>
+              <a:pPr algn="ctr"/>
+              <a:endParaRPr lang="ko-KR" altLang="en-US"/>
+            </a:p>
+          </p:txBody>
+        </p:sp>
+        <p:sp>
+          <p:nvSpPr>
+            <p:cNvPr id="93" name="Google Shape;199;p16">
+              <a:extLst>
+                <a:ext uri="{FF2B5EF4-FFF2-40B4-BE49-F238E27FC236}">
+                  <a16:creationId xmlns:a16="http://schemas.microsoft.com/office/drawing/2014/main" id="{5C67DA8B-DDB4-4D0D-97AF-88CA194A9AFE}"/>
+                </a:ext>
+              </a:extLst>
+            </p:cNvPr>
+            <p:cNvSpPr txBox="1"/>
+            <p:nvPr/>
+          </p:nvSpPr>
+          <p:spPr>
+            <a:xfrm>
+              <a:off x="3842042" y="2673390"/>
+              <a:ext cx="545005" cy="230792"/>
+            </a:xfrm>
+            <a:prstGeom prst="rect">
+              <a:avLst/>
+            </a:prstGeom>
+            <a:noFill/>
+            <a:ln>
+              <a:noFill/>
+            </a:ln>
+          </p:spPr>
+          <p:txBody>
+            <a:bodyPr spcFirstLastPara="1" wrap="square" lIns="91425" tIns="45700" rIns="91425" bIns="45700" anchor="t" anchorCtr="0">
+              <a:spAutoFit/>
+            </a:bodyPr>
+            <a:lstStyle/>
+            <a:p>
+              <a:pPr marL="0" marR="0" lvl="0" indent="0" algn="l" rtl="0">
+                <a:spcBef>
+                  <a:spcPts val="0"/>
+                </a:spcBef>
+                <a:spcAft>
+                  <a:spcPts val="0"/>
+                </a:spcAft>
+                <a:buNone/>
+              </a:pPr>
+              <a:r>
+                <a:rPr lang="ko-KR" altLang="en-US" sz="900" dirty="0">
+                  <a:solidFill>
+                    <a:schemeClr val="dk1"/>
+                  </a:solidFill>
+                  <a:latin typeface="Malgun Gothic"/>
+                  <a:ea typeface="Malgun Gothic"/>
+                </a:rPr>
+                <a:t>관리자</a:t>
+              </a:r>
+            </a:p>
+          </p:txBody>
+        </p:sp>
+      </p:grpSp>
+      <p:grpSp>
+        <p:nvGrpSpPr>
+          <p:cNvPr id="94" name="그룹 93">
+            <a:extLst>
+              <a:ext uri="{FF2B5EF4-FFF2-40B4-BE49-F238E27FC236}">
+                <a16:creationId xmlns:a16="http://schemas.microsoft.com/office/drawing/2014/main" id="{E2088ADE-96B7-4AAB-B4D8-E5080EED7B48}"/>
+              </a:ext>
+            </a:extLst>
+          </p:cNvPr>
+          <p:cNvGrpSpPr/>
+          <p:nvPr/>
+        </p:nvGrpSpPr>
+        <p:grpSpPr>
+          <a:xfrm>
+            <a:off x="4261913" y="4109556"/>
+            <a:ext cx="691087" cy="230792"/>
+            <a:chOff x="3695960" y="2673390"/>
+            <a:chExt cx="691087" cy="230792"/>
+          </a:xfrm>
+        </p:grpSpPr>
+        <p:sp>
+          <p:nvSpPr>
+            <p:cNvPr id="95" name="타원 94">
+              <a:extLst>
+                <a:ext uri="{FF2B5EF4-FFF2-40B4-BE49-F238E27FC236}">
+                  <a16:creationId xmlns:a16="http://schemas.microsoft.com/office/drawing/2014/main" id="{E25862F0-404A-41A7-939C-77FF962FCC46}"/>
+                </a:ext>
+              </a:extLst>
+            </p:cNvPr>
+            <p:cNvSpPr/>
+            <p:nvPr/>
+          </p:nvSpPr>
+          <p:spPr>
+            <a:xfrm>
+              <a:off x="3695960" y="2699615"/>
+              <a:ext cx="181572" cy="170908"/>
+            </a:xfrm>
+            <a:prstGeom prst="ellipse">
+              <a:avLst/>
+            </a:prstGeom>
+            <a:noFill/>
+            <a:ln w="12700">
+              <a:solidFill>
+                <a:schemeClr val="tx1"/>
+              </a:solidFill>
+            </a:ln>
+          </p:spPr>
+          <p:style>
+            <a:lnRef idx="2">
+              <a:schemeClr val="accent1">
+                <a:shade val="50000"/>
+              </a:schemeClr>
+            </a:lnRef>
+            <a:fillRef idx="1">
+              <a:schemeClr val="accent1"/>
+            </a:fillRef>
+            <a:effectRef idx="0">
+              <a:schemeClr val="accent1"/>
+            </a:effectRef>
+            <a:fontRef idx="minor">
+              <a:schemeClr val="lt1"/>
+            </a:fontRef>
+          </p:style>
+          <p:txBody>
+            <a:bodyPr rtlCol="0" anchor="ctr"/>
+            <a:lstStyle/>
+            <a:p>
+              <a:pPr algn="ctr"/>
+              <a:endParaRPr lang="ko-KR" altLang="en-US"/>
+            </a:p>
+          </p:txBody>
+        </p:sp>
+        <p:sp>
+          <p:nvSpPr>
+            <p:cNvPr id="96" name="Google Shape;199;p16">
+              <a:extLst>
+                <a:ext uri="{FF2B5EF4-FFF2-40B4-BE49-F238E27FC236}">
+                  <a16:creationId xmlns:a16="http://schemas.microsoft.com/office/drawing/2014/main" id="{958C82BB-DF7C-4D04-A20B-AA1B06BCAAFD}"/>
+                </a:ext>
+              </a:extLst>
+            </p:cNvPr>
+            <p:cNvSpPr txBox="1"/>
+            <p:nvPr/>
+          </p:nvSpPr>
+          <p:spPr>
+            <a:xfrm>
+              <a:off x="3842042" y="2673390"/>
+              <a:ext cx="545005" cy="230792"/>
+            </a:xfrm>
+            <a:prstGeom prst="rect">
+              <a:avLst/>
+            </a:prstGeom>
+            <a:noFill/>
+            <a:ln>
+              <a:noFill/>
+            </a:ln>
+          </p:spPr>
+          <p:txBody>
+            <a:bodyPr spcFirstLastPara="1" wrap="square" lIns="91425" tIns="45700" rIns="91425" bIns="45700" anchor="t" anchorCtr="0">
+              <a:spAutoFit/>
+            </a:bodyPr>
+            <a:lstStyle/>
+            <a:p>
+              <a:pPr marL="0" marR="0" lvl="0" indent="0" algn="l" rtl="0">
+                <a:spcBef>
+                  <a:spcPts val="0"/>
+                </a:spcBef>
+                <a:spcAft>
+                  <a:spcPts val="0"/>
+                </a:spcAft>
+                <a:buNone/>
+              </a:pPr>
+              <a:r>
+                <a:rPr lang="ko-KR" altLang="en-US" sz="900" dirty="0">
+                  <a:solidFill>
+                    <a:schemeClr val="dk1"/>
+                  </a:solidFill>
+                  <a:latin typeface="Malgun Gothic"/>
+                  <a:ea typeface="Malgun Gothic"/>
+                </a:rPr>
+                <a:t>학생</a:t>
+              </a:r>
+            </a:p>
+          </p:txBody>
+        </p:sp>
+      </p:grpSp>
     </p:spTree>
     <p:extLst>
       <p:ext uri="{BB962C8B-B14F-4D97-AF65-F5344CB8AC3E}">
@@ -16036,1765 +16592,6 @@
                 </a:solidFill>
                 <a:latin typeface="Malgun Gothic"/>
                 <a:ea typeface="Malgun Gothic"/>
-              </a:rPr>
-              <a:t>메뉴선택</a:t>
-            </a:r>
-          </a:p>
-        </p:txBody>
-      </p:sp>
-      <p:sp>
-        <p:nvSpPr>
-          <p:cNvPr id="75" name="Google Shape;75;p12"/>
-          <p:cNvSpPr/>
-          <p:nvPr/>
-        </p:nvSpPr>
-        <p:spPr>
-          <a:xfrm>
-            <a:off x="1517651" y="427038"/>
-            <a:ext cx="3221037" cy="211137"/>
-          </a:xfrm>
-          <a:prstGeom prst="rect">
-            <a:avLst/>
-          </a:prstGeom>
-          <a:noFill/>
-          <a:ln>
-            <a:noFill/>
-          </a:ln>
-        </p:spPr>
-        <p:txBody>
-          <a:bodyPr spcFirstLastPara="1" wrap="square" lIns="36000" tIns="45700" rIns="36000" bIns="45700" anchor="ctr" anchorCtr="0">
-            <a:noAutofit/>
-          </a:bodyPr>
-          <a:lstStyle/>
-          <a:p>
-            <a:pPr>
-              <a:lnSpc>
-                <a:spcPct val="90000"/>
-              </a:lnSpc>
-              <a:buClr>
-                <a:schemeClr val="dk1"/>
-              </a:buClr>
-              <a:buSzPts val="900"/>
-            </a:pPr>
-            <a:r>
-              <a:rPr lang="ko-KR" altLang="en-US" sz="900" dirty="0">
-                <a:solidFill>
-                  <a:schemeClr val="dk1"/>
-                </a:solidFill>
-                <a:latin typeface="Malgun Gothic"/>
-                <a:ea typeface="Malgun Gothic"/>
-              </a:rPr>
-              <a:t>메뉴선택 </a:t>
-            </a:r>
-            <a:r>
-              <a:rPr lang="ko-KR" altLang="en-US" sz="900" dirty="0">
-                <a:solidFill>
-                  <a:schemeClr val="dk1"/>
-                </a:solidFill>
-                <a:latin typeface="Malgun Gothic"/>
-                <a:ea typeface="Malgun Gothic"/>
-                <a:sym typeface="Malgun Gothic"/>
-              </a:rPr>
-              <a:t>화면</a:t>
-            </a:r>
-            <a:endParaRPr lang="ko-KR" altLang="en-US" sz="900" dirty="0">
-              <a:solidFill>
-                <a:schemeClr val="dk1"/>
-              </a:solidFill>
-            </a:endParaRPr>
-          </a:p>
-        </p:txBody>
-      </p:sp>
-      <p:sp>
-        <p:nvSpPr>
-          <p:cNvPr id="76" name="Google Shape;76;p12"/>
-          <p:cNvSpPr/>
-          <p:nvPr/>
-        </p:nvSpPr>
-        <p:spPr>
-          <a:xfrm>
-            <a:off x="5772151" y="427038"/>
-            <a:ext cx="3933825" cy="211137"/>
-          </a:xfrm>
-          <a:prstGeom prst="rect">
-            <a:avLst/>
-          </a:prstGeom>
-          <a:noFill/>
-          <a:ln>
-            <a:noFill/>
-          </a:ln>
-        </p:spPr>
-        <p:txBody>
-          <a:bodyPr spcFirstLastPara="1" wrap="square" lIns="36000" tIns="45700" rIns="36000" bIns="45700" anchor="ctr" anchorCtr="0">
-            <a:noAutofit/>
-          </a:bodyPr>
-          <a:lstStyle/>
-          <a:p>
-            <a:pPr marL="0" marR="0" lvl="0" indent="0" algn="l" rtl="0">
-              <a:lnSpc>
-                <a:spcPct val="90000"/>
-              </a:lnSpc>
-              <a:spcBef>
-                <a:spcPts val="0"/>
-              </a:spcBef>
-              <a:spcAft>
-                <a:spcPts val="0"/>
-              </a:spcAft>
-              <a:buClr>
-                <a:schemeClr val="dk1"/>
-              </a:buClr>
-              <a:buSzPts val="900"/>
-              <a:buFont typeface="Arial"/>
-              <a:buNone/>
-            </a:pPr>
-            <a:r>
-              <a:rPr lang="ko-KR" sz="900" b="0" i="0" u="none" strike="noStrike" cap="none">
-                <a:solidFill>
-                  <a:schemeClr val="dk1"/>
-                </a:solidFill>
-                <a:latin typeface="Malgun Gothic"/>
-                <a:ea typeface="Malgun Gothic"/>
-                <a:cs typeface="Malgun Gothic"/>
-                <a:sym typeface="Malgun Gothic"/>
-              </a:rPr>
-              <a:t>PCU-001-01</a:t>
-            </a:r>
-            <a:endParaRPr sz="900" b="0" i="0" u="none" strike="noStrike" cap="none">
-              <a:solidFill>
-                <a:schemeClr val="dk1"/>
-              </a:solidFill>
-              <a:latin typeface="Malgun Gothic"/>
-              <a:ea typeface="Malgun Gothic"/>
-              <a:cs typeface="Malgun Gothic"/>
-              <a:sym typeface="Malgun Gothic"/>
-            </a:endParaRPr>
-          </a:p>
-        </p:txBody>
-      </p:sp>
-      <p:sp>
-        <p:nvSpPr>
-          <p:cNvPr id="78" name="Google Shape;78;p12" descr="&lt;SmartSettings&gt;&lt;SmartResize anchorLeft=&quot;Absolute&quot; anchorTop=&quot;Absolute&quot; anchorRight=&quot;Absolute&quot; anchorBottom=&quot;Absolute&quot; /&gt;&lt;/SmartSettings&gt;"/>
-          <p:cNvSpPr/>
-          <p:nvPr/>
-        </p:nvSpPr>
-        <p:spPr>
-          <a:xfrm>
-            <a:off x="401638" y="722313"/>
-            <a:ext cx="7564438" cy="5340350"/>
-          </a:xfrm>
-          <a:prstGeom prst="rect">
-            <a:avLst/>
-          </a:prstGeom>
-          <a:noFill/>
-          <a:ln w="9525" cap="flat" cmpd="sng">
-            <a:solidFill>
-              <a:srgbClr val="BFBFBF"/>
-            </a:solidFill>
-            <a:prstDash val="solid"/>
-            <a:miter lim="800000"/>
-            <a:headEnd type="none" w="sm" len="sm"/>
-            <a:tailEnd type="none" w="sm" len="sm"/>
-          </a:ln>
-        </p:spPr>
-        <p:txBody>
-          <a:bodyPr spcFirstLastPara="1" wrap="square" lIns="91425" tIns="54850" rIns="91425" bIns="45700" anchor="t" anchorCtr="0">
-            <a:noAutofit/>
-          </a:bodyPr>
-          <a:lstStyle/>
-          <a:p>
-            <a:pPr marL="0" marR="0" lvl="0" indent="0" algn="l" rtl="0">
-              <a:spcBef>
-                <a:spcPts val="0"/>
-              </a:spcBef>
-              <a:spcAft>
-                <a:spcPts val="0"/>
-              </a:spcAft>
-              <a:buNone/>
-            </a:pPr>
-            <a:endParaRPr sz="680" b="0" i="0" u="none" strike="noStrike" cap="none">
-              <a:solidFill>
-                <a:srgbClr val="000000"/>
-              </a:solidFill>
-              <a:latin typeface="Quattrocento Sans"/>
-              <a:ea typeface="Quattrocento Sans"/>
-              <a:cs typeface="Quattrocento Sans"/>
-              <a:sym typeface="Quattrocento Sans"/>
-            </a:endParaRPr>
-          </a:p>
-        </p:txBody>
-      </p:sp>
-      <p:sp>
-        <p:nvSpPr>
-          <p:cNvPr id="2" name="Google Shape;111;p13">
-            <a:extLst>
-              <a:ext uri="{FF2B5EF4-FFF2-40B4-BE49-F238E27FC236}">
-                <a16:creationId xmlns:a16="http://schemas.microsoft.com/office/drawing/2014/main" id="{8DB8B214-B2C0-4F60-8ABB-05BD425FF6FD}"/>
-              </a:ext>
-            </a:extLst>
-          </p:cNvPr>
-          <p:cNvSpPr/>
-          <p:nvPr/>
-        </p:nvSpPr>
-        <p:spPr>
-          <a:xfrm>
-            <a:off x="4645815" y="2773034"/>
-            <a:ext cx="652582" cy="241995"/>
-          </a:xfrm>
-          <a:prstGeom prst="roundRect">
-            <a:avLst>
-              <a:gd name="adj" fmla="val 8776"/>
-            </a:avLst>
-          </a:prstGeom>
-          <a:solidFill>
-            <a:srgbClr val="F2F2F2"/>
-          </a:solidFill>
-          <a:ln w="9525" cap="flat" cmpd="sng">
-            <a:solidFill>
-              <a:srgbClr val="808080"/>
-            </a:solidFill>
-            <a:prstDash val="solid"/>
-            <a:round/>
-            <a:headEnd type="none" w="sm" len="sm"/>
-            <a:tailEnd type="none" w="sm" len="sm"/>
-          </a:ln>
-        </p:spPr>
-        <p:txBody>
-          <a:bodyPr spcFirstLastPara="1" wrap="square" lIns="91425" tIns="45700" rIns="91425" bIns="45700" anchor="ctr" anchorCtr="0">
-            <a:noAutofit/>
-          </a:bodyPr>
-          <a:lstStyle/>
-          <a:p>
-            <a:pPr marL="0" marR="0" lvl="0" indent="0" algn="l" rtl="0">
-              <a:spcBef>
-                <a:spcPts val="0"/>
-              </a:spcBef>
-              <a:spcAft>
-                <a:spcPts val="0"/>
-              </a:spcAft>
-              <a:buNone/>
-            </a:pPr>
-            <a:r>
-              <a:rPr lang="ko-KR" altLang="en-US" sz="900" dirty="0">
-                <a:solidFill>
-                  <a:srgbClr val="5F5F5F"/>
-                </a:solidFill>
-                <a:latin typeface="Quattrocento Sans"/>
-                <a:ea typeface="Quattrocento Sans"/>
-                <a:cs typeface="Quattrocento Sans"/>
-              </a:rPr>
-              <a:t>출석확인</a:t>
-            </a:r>
-            <a:endParaRPr lang="ko-KR" altLang="en-US" sz="900" b="0" i="0" u="none" strike="noStrike" cap="none" dirty="0">
-              <a:solidFill>
-                <a:srgbClr val="5F5F5F"/>
-              </a:solidFill>
-              <a:latin typeface="Quattrocento Sans"/>
-              <a:ea typeface="Quattrocento Sans"/>
-              <a:cs typeface="Quattrocento Sans"/>
-            </a:endParaRPr>
-          </a:p>
-        </p:txBody>
-      </p:sp>
-      <p:sp>
-        <p:nvSpPr>
-          <p:cNvPr id="3" name="Google Shape;111;p13">
-            <a:extLst>
-              <a:ext uri="{FF2B5EF4-FFF2-40B4-BE49-F238E27FC236}">
-                <a16:creationId xmlns:a16="http://schemas.microsoft.com/office/drawing/2014/main" id="{527B2B31-5479-4CAE-AB89-C5ECF52AABE4}"/>
-              </a:ext>
-            </a:extLst>
-          </p:cNvPr>
-          <p:cNvSpPr/>
-          <p:nvPr/>
-        </p:nvSpPr>
-        <p:spPr>
-          <a:xfrm>
-            <a:off x="4048932" y="2402513"/>
-            <a:ext cx="652581" cy="241995"/>
-          </a:xfrm>
-          <a:prstGeom prst="roundRect">
-            <a:avLst>
-              <a:gd name="adj" fmla="val 8776"/>
-            </a:avLst>
-          </a:prstGeom>
-          <a:solidFill>
-            <a:srgbClr val="F2F2F2"/>
-          </a:solidFill>
-          <a:ln w="9525" cap="flat" cmpd="sng">
-            <a:solidFill>
-              <a:srgbClr val="808080"/>
-            </a:solidFill>
-            <a:prstDash val="solid"/>
-            <a:round/>
-            <a:headEnd type="none" w="sm" len="sm"/>
-            <a:tailEnd type="none" w="sm" len="sm"/>
-          </a:ln>
-        </p:spPr>
-        <p:txBody>
-          <a:bodyPr spcFirstLastPara="1" wrap="square" lIns="91425" tIns="45700" rIns="91425" bIns="45700" anchor="ctr" anchorCtr="0">
-            <a:noAutofit/>
-          </a:bodyPr>
-          <a:lstStyle/>
-          <a:p>
-            <a:r>
-              <a:rPr lang="ko-KR" altLang="en-US" sz="900" dirty="0">
-                <a:solidFill>
-                  <a:srgbClr val="5F5F5F"/>
-                </a:solidFill>
-                <a:latin typeface="Quattrocento Sans"/>
-                <a:ea typeface="Quattrocento Sans"/>
-                <a:cs typeface="Quattrocento Sans"/>
-              </a:rPr>
-              <a:t>출석체크</a:t>
-            </a:r>
-            <a:endParaRPr lang="ko-KR" sz="900" dirty="0">
-              <a:solidFill>
-                <a:srgbClr val="5F5F5F"/>
-              </a:solidFill>
-              <a:latin typeface="Quattrocento Sans"/>
-              <a:ea typeface="Quattrocento Sans"/>
-              <a:cs typeface="Quattrocento Sans"/>
-            </a:endParaRPr>
-          </a:p>
-        </p:txBody>
-      </p:sp>
-      <p:pic>
-        <p:nvPicPr>
-          <p:cNvPr id="4" name="그림 4">
-            <a:extLst>
-              <a:ext uri="{FF2B5EF4-FFF2-40B4-BE49-F238E27FC236}">
-                <a16:creationId xmlns:a16="http://schemas.microsoft.com/office/drawing/2014/main" id="{36B1BCA9-0C6E-4832-A501-C7F53864F532}"/>
-              </a:ext>
-            </a:extLst>
-          </p:cNvPr>
-          <p:cNvPicPr>
-            <a:picLocks noChangeAspect="1"/>
-          </p:cNvPicPr>
-          <p:nvPr/>
-        </p:nvPicPr>
-        <p:blipFill>
-          <a:blip r:embed="rId3"/>
-          <a:stretch>
-            <a:fillRect/>
-          </a:stretch>
-        </p:blipFill>
-        <p:spPr>
-          <a:xfrm>
-            <a:off x="552169" y="857531"/>
-            <a:ext cx="1038225" cy="409575"/>
-          </a:xfrm>
-          <a:prstGeom prst="rect">
-            <a:avLst/>
-          </a:prstGeom>
-        </p:spPr>
-      </p:pic>
-      <p:sp>
-        <p:nvSpPr>
-          <p:cNvPr id="15" name="Google Shape;111;p13">
-            <a:extLst>
-              <a:ext uri="{FF2B5EF4-FFF2-40B4-BE49-F238E27FC236}">
-                <a16:creationId xmlns:a16="http://schemas.microsoft.com/office/drawing/2014/main" id="{BE00AD8F-7606-418B-BFFA-8F29D7DF354D}"/>
-              </a:ext>
-            </a:extLst>
-          </p:cNvPr>
-          <p:cNvSpPr/>
-          <p:nvPr/>
-        </p:nvSpPr>
-        <p:spPr>
-          <a:xfrm>
-            <a:off x="4093323" y="3128188"/>
-            <a:ext cx="545006" cy="205868"/>
-          </a:xfrm>
-          <a:prstGeom prst="roundRect">
-            <a:avLst>
-              <a:gd name="adj" fmla="val 8776"/>
-            </a:avLst>
-          </a:prstGeom>
-          <a:solidFill>
-            <a:srgbClr val="F2F2F2"/>
-          </a:solidFill>
-          <a:ln w="9525" cap="flat" cmpd="sng">
-            <a:solidFill>
-              <a:srgbClr val="808080"/>
-            </a:solidFill>
-            <a:prstDash val="solid"/>
-            <a:round/>
-            <a:headEnd type="none" w="sm" len="sm"/>
-            <a:tailEnd type="none" w="sm" len="sm"/>
-          </a:ln>
-        </p:spPr>
-        <p:txBody>
-          <a:bodyPr spcFirstLastPara="1" wrap="square" lIns="91425" tIns="45700" rIns="91425" bIns="45700" anchor="ctr" anchorCtr="0">
-            <a:noAutofit/>
-          </a:bodyPr>
-          <a:lstStyle/>
-          <a:p>
-            <a:pPr marL="0" marR="0" lvl="0" indent="0" algn="ctr" rtl="0">
-              <a:spcBef>
-                <a:spcPts val="0"/>
-              </a:spcBef>
-              <a:spcAft>
-                <a:spcPts val="0"/>
-              </a:spcAft>
-              <a:buNone/>
-            </a:pPr>
-            <a:r>
-              <a:rPr lang="ko-KR" altLang="en-US" sz="900" dirty="0">
-                <a:solidFill>
-                  <a:srgbClr val="5F5F5F"/>
-                </a:solidFill>
-                <a:latin typeface="Quattrocento Sans"/>
-                <a:ea typeface="Quattrocento Sans"/>
-                <a:cs typeface="Quattrocento Sans"/>
-              </a:rPr>
-              <a:t>취소</a:t>
-            </a:r>
-            <a:endParaRPr lang="ko-KR" altLang="en-US" sz="900" b="0" i="0" u="none" strike="noStrike" cap="none" dirty="0">
-              <a:solidFill>
-                <a:srgbClr val="5F5F5F"/>
-              </a:solidFill>
-              <a:latin typeface="Quattrocento Sans"/>
-              <a:ea typeface="Quattrocento Sans"/>
-              <a:cs typeface="Quattrocento Sans"/>
-            </a:endParaRPr>
-          </a:p>
-        </p:txBody>
-      </p:sp>
-      <p:sp>
-        <p:nvSpPr>
-          <p:cNvPr id="16" name="Google Shape;114;p13">
-            <a:extLst>
-              <a:ext uri="{FF2B5EF4-FFF2-40B4-BE49-F238E27FC236}">
-                <a16:creationId xmlns:a16="http://schemas.microsoft.com/office/drawing/2014/main" id="{2F8FE5C4-8B74-44E9-BCE8-E48E43B66B32}"/>
-              </a:ext>
-            </a:extLst>
-          </p:cNvPr>
-          <p:cNvSpPr/>
-          <p:nvPr/>
-        </p:nvSpPr>
-        <p:spPr>
-          <a:xfrm>
-            <a:off x="3981463" y="2333456"/>
-            <a:ext cx="134937" cy="138113"/>
-          </a:xfrm>
-          <a:prstGeom prst="ellipse">
-            <a:avLst/>
-          </a:prstGeom>
-          <a:solidFill>
-            <a:srgbClr val="D60C0C"/>
-          </a:solidFill>
-          <a:ln w="19050" cap="flat" cmpd="sng">
-            <a:solidFill>
-              <a:schemeClr val="lt1"/>
-            </a:solidFill>
-            <a:prstDash val="solid"/>
-            <a:miter lim="800000"/>
-            <a:headEnd type="none" w="sm" len="sm"/>
-            <a:tailEnd type="none" w="sm" len="sm"/>
-          </a:ln>
-          <a:effectLst>
-            <a:outerShdw blurRad="50800" dist="38100" dir="2700000" algn="tl" rotWithShape="0">
-              <a:srgbClr val="000000">
-                <a:alpha val="40000"/>
-              </a:srgbClr>
-            </a:outerShdw>
-          </a:effectLst>
-        </p:spPr>
-        <p:txBody>
-          <a:bodyPr spcFirstLastPara="1" wrap="square" lIns="91425" tIns="45700" rIns="91425" bIns="45700" anchor="ctr" anchorCtr="0">
-            <a:noAutofit/>
-          </a:bodyPr>
-          <a:lstStyle/>
-          <a:p>
-            <a:pPr marL="0" marR="0" lvl="0" indent="0" algn="ctr" rtl="0">
-              <a:spcBef>
-                <a:spcPts val="0"/>
-              </a:spcBef>
-              <a:spcAft>
-                <a:spcPts val="0"/>
-              </a:spcAft>
-              <a:buNone/>
-            </a:pPr>
-            <a:r>
-              <a:rPr lang="ko-KR" sz="1000" b="1" i="0" u="none" strike="noStrike" cap="none" dirty="0">
-                <a:solidFill>
-                  <a:schemeClr val="lt1"/>
-                </a:solidFill>
-                <a:latin typeface="Malgun Gothic"/>
-                <a:ea typeface="Malgun Gothic"/>
-                <a:cs typeface="Malgun Gothic"/>
-                <a:sym typeface="Malgun Gothic"/>
-              </a:rPr>
-              <a:t>1</a:t>
-            </a:r>
-            <a:endParaRPr sz="1000" b="1" i="0" u="none" strike="noStrike" cap="none" dirty="0">
-              <a:solidFill>
-                <a:schemeClr val="lt1"/>
-              </a:solidFill>
-              <a:latin typeface="Malgun Gothic"/>
-              <a:ea typeface="Malgun Gothic"/>
-              <a:cs typeface="Malgun Gothic"/>
-              <a:sym typeface="Malgun Gothic"/>
-            </a:endParaRPr>
-          </a:p>
-        </p:txBody>
-      </p:sp>
-      <p:sp>
-        <p:nvSpPr>
-          <p:cNvPr id="17" name="Google Shape;114;p13">
-            <a:extLst>
-              <a:ext uri="{FF2B5EF4-FFF2-40B4-BE49-F238E27FC236}">
-                <a16:creationId xmlns:a16="http://schemas.microsoft.com/office/drawing/2014/main" id="{F7D56FF0-423C-4C0B-A6E4-FBB0B3B6598B}"/>
-              </a:ext>
-            </a:extLst>
-          </p:cNvPr>
-          <p:cNvSpPr/>
-          <p:nvPr/>
-        </p:nvSpPr>
-        <p:spPr>
-          <a:xfrm>
-            <a:off x="4587743" y="2713563"/>
-            <a:ext cx="134937" cy="138113"/>
-          </a:xfrm>
-          <a:prstGeom prst="ellipse">
-            <a:avLst/>
-          </a:prstGeom>
-          <a:solidFill>
-            <a:srgbClr val="D60C0C"/>
-          </a:solidFill>
-          <a:ln w="19050" cap="flat" cmpd="sng">
-            <a:solidFill>
-              <a:schemeClr val="lt1"/>
-            </a:solidFill>
-            <a:prstDash val="solid"/>
-            <a:miter lim="800000"/>
-            <a:headEnd type="none" w="sm" len="sm"/>
-            <a:tailEnd type="none" w="sm" len="sm"/>
-          </a:ln>
-          <a:effectLst>
-            <a:outerShdw blurRad="50800" dist="38100" dir="2700000" algn="tl" rotWithShape="0">
-              <a:srgbClr val="000000">
-                <a:alpha val="40000"/>
-              </a:srgbClr>
-            </a:outerShdw>
-          </a:effectLst>
-        </p:spPr>
-        <p:txBody>
-          <a:bodyPr spcFirstLastPara="1" wrap="square" lIns="91425" tIns="45700" rIns="91425" bIns="45700" anchor="ctr" anchorCtr="0">
-            <a:noAutofit/>
-          </a:bodyPr>
-          <a:lstStyle/>
-          <a:p>
-            <a:pPr marL="0" marR="0" lvl="0" indent="0" algn="ctr" rtl="0">
-              <a:spcBef>
-                <a:spcPts val="0"/>
-              </a:spcBef>
-              <a:spcAft>
-                <a:spcPts val="0"/>
-              </a:spcAft>
-              <a:buNone/>
-            </a:pPr>
-            <a:r>
-              <a:rPr lang="en-US" altLang="ko-KR" sz="1000" b="1" i="0" u="none" strike="noStrike" cap="none" dirty="0">
-                <a:solidFill>
-                  <a:schemeClr val="lt1"/>
-                </a:solidFill>
-                <a:latin typeface="Malgun Gothic"/>
-                <a:ea typeface="Malgun Gothic"/>
-                <a:cs typeface="Malgun Gothic"/>
-                <a:sym typeface="Malgun Gothic"/>
-              </a:rPr>
-              <a:t>3</a:t>
-            </a:r>
-          </a:p>
-        </p:txBody>
-      </p:sp>
-      <p:sp>
-        <p:nvSpPr>
-          <p:cNvPr id="18" name="Google Shape;114;p13">
-            <a:extLst>
-              <a:ext uri="{FF2B5EF4-FFF2-40B4-BE49-F238E27FC236}">
-                <a16:creationId xmlns:a16="http://schemas.microsoft.com/office/drawing/2014/main" id="{8CE0EA5F-0D6A-4042-974E-E7FF1EFD722E}"/>
-              </a:ext>
-            </a:extLst>
-          </p:cNvPr>
-          <p:cNvSpPr/>
-          <p:nvPr/>
-        </p:nvSpPr>
-        <p:spPr>
-          <a:xfrm>
-            <a:off x="3981463" y="3074502"/>
-            <a:ext cx="134937" cy="138113"/>
-          </a:xfrm>
-          <a:prstGeom prst="ellipse">
-            <a:avLst/>
-          </a:prstGeom>
-          <a:solidFill>
-            <a:srgbClr val="D60C0C"/>
-          </a:solidFill>
-          <a:ln w="19050" cap="flat" cmpd="sng">
-            <a:solidFill>
-              <a:schemeClr val="lt1"/>
-            </a:solidFill>
-            <a:prstDash val="solid"/>
-            <a:miter lim="800000"/>
-            <a:headEnd type="none" w="sm" len="sm"/>
-            <a:tailEnd type="none" w="sm" len="sm"/>
-          </a:ln>
-          <a:effectLst>
-            <a:outerShdw blurRad="50800" dist="38100" dir="2700000" algn="tl" rotWithShape="0">
-              <a:srgbClr val="000000">
-                <a:alpha val="40000"/>
-              </a:srgbClr>
-            </a:outerShdw>
-          </a:effectLst>
-        </p:spPr>
-        <p:txBody>
-          <a:bodyPr spcFirstLastPara="1" wrap="square" lIns="91425" tIns="45700" rIns="91425" bIns="45700" anchor="ctr" anchorCtr="0">
-            <a:noAutofit/>
-          </a:bodyPr>
-          <a:lstStyle/>
-          <a:p>
-            <a:pPr marL="0" marR="0" lvl="0" indent="0" algn="ctr" rtl="0">
-              <a:spcBef>
-                <a:spcPts val="0"/>
-              </a:spcBef>
-              <a:spcAft>
-                <a:spcPts val="0"/>
-              </a:spcAft>
-              <a:buNone/>
-            </a:pPr>
-            <a:r>
-              <a:rPr lang="en-US" altLang="ko-KR" sz="1000" b="1" dirty="0">
-                <a:solidFill>
-                  <a:schemeClr val="lt1"/>
-                </a:solidFill>
-                <a:latin typeface="Malgun Gothic"/>
-                <a:ea typeface="Malgun Gothic"/>
-                <a:cs typeface="Malgun Gothic"/>
-                <a:sym typeface="Malgun Gothic"/>
-              </a:rPr>
-              <a:t>4</a:t>
-            </a:r>
-            <a:endParaRPr sz="1000" b="1" i="0" u="none" strike="noStrike" cap="none" dirty="0">
-              <a:solidFill>
-                <a:schemeClr val="lt1"/>
-              </a:solidFill>
-              <a:latin typeface="Malgun Gothic"/>
-              <a:ea typeface="Malgun Gothic"/>
-              <a:cs typeface="Malgun Gothic"/>
-              <a:sym typeface="Malgun Gothic"/>
-            </a:endParaRPr>
-          </a:p>
-        </p:txBody>
-      </p:sp>
-      <p:sp>
-        <p:nvSpPr>
-          <p:cNvPr id="20" name="Google Shape;77;p12">
-            <a:extLst>
-              <a:ext uri="{FF2B5EF4-FFF2-40B4-BE49-F238E27FC236}">
-                <a16:creationId xmlns:a16="http://schemas.microsoft.com/office/drawing/2014/main" id="{D4D5CCA4-9004-4922-ADD5-EF2526198216}"/>
-              </a:ext>
-            </a:extLst>
-          </p:cNvPr>
-          <p:cNvSpPr/>
-          <p:nvPr/>
-        </p:nvSpPr>
-        <p:spPr>
-          <a:xfrm>
-            <a:off x="8056563" y="652463"/>
-            <a:ext cx="1657350" cy="5507037"/>
-          </a:xfrm>
-          <a:prstGeom prst="rect">
-            <a:avLst/>
-          </a:prstGeom>
-          <a:noFill/>
-          <a:ln>
-            <a:noFill/>
-          </a:ln>
-        </p:spPr>
-        <p:txBody>
-          <a:bodyPr spcFirstLastPara="1" wrap="square" lIns="36000" tIns="45700" rIns="36000" bIns="45700" anchor="t" anchorCtr="0">
-            <a:noAutofit/>
-          </a:bodyPr>
-          <a:lstStyle/>
-          <a:p>
-            <a:pPr marL="0" marR="0" lvl="0" indent="0" algn="l" rtl="0">
-              <a:lnSpc>
-                <a:spcPct val="90000"/>
-              </a:lnSpc>
-              <a:spcBef>
-                <a:spcPts val="0"/>
-              </a:spcBef>
-              <a:spcAft>
-                <a:spcPts val="0"/>
-              </a:spcAft>
-              <a:buClr>
-                <a:schemeClr val="dk1"/>
-              </a:buClr>
-              <a:buSzPts val="900"/>
-              <a:buFont typeface="Malgun Gothic"/>
-              <a:buNone/>
-            </a:pPr>
-            <a:r>
-              <a:rPr lang="ko-KR" sz="900" b="0" i="0" u="none" strike="noStrike" cap="none" dirty="0">
-                <a:solidFill>
-                  <a:schemeClr val="dk1"/>
-                </a:solidFill>
-                <a:latin typeface="Malgun Gothic"/>
-                <a:ea typeface="Malgun Gothic"/>
-                <a:cs typeface="Malgun Gothic"/>
-                <a:sym typeface="Malgun Gothic"/>
-              </a:rPr>
-              <a:t>화면정의 : </a:t>
-            </a:r>
-            <a:endParaRPr dirty="0"/>
-          </a:p>
-          <a:p>
-            <a:pPr marL="0" marR="0" lvl="0" indent="0" algn="l" rtl="0">
-              <a:lnSpc>
-                <a:spcPct val="90000"/>
-              </a:lnSpc>
-              <a:spcBef>
-                <a:spcPts val="813"/>
-              </a:spcBef>
-              <a:spcAft>
-                <a:spcPts val="0"/>
-              </a:spcAft>
-              <a:buClr>
-                <a:schemeClr val="dk1"/>
-              </a:buClr>
-              <a:buSzPts val="900"/>
-              <a:buFont typeface="Malgun Gothic"/>
-              <a:buNone/>
-            </a:pPr>
-            <a:r>
-              <a:rPr lang="ko-KR" altLang="en-US" sz="900" b="0" i="0" u="none" strike="noStrike" cap="none" dirty="0">
-                <a:solidFill>
-                  <a:schemeClr val="dk1"/>
-                </a:solidFill>
-                <a:latin typeface="Malgun Gothic"/>
-                <a:ea typeface="Malgun Gothic"/>
-                <a:cs typeface="Malgun Gothic"/>
-                <a:sym typeface="Malgun Gothic"/>
-              </a:rPr>
-              <a:t>사용자가 현재 과목별 출석체크 화면과 전체과목을 출결 상태 및 재적상태를 확인하기 위해 선택하는 화면이다</a:t>
-            </a:r>
-            <a:r>
-              <a:rPr lang="en-US" altLang="ko-KR" sz="900" b="0" i="0" u="none" strike="noStrike" cap="none" dirty="0">
-                <a:solidFill>
-                  <a:schemeClr val="dk1"/>
-                </a:solidFill>
-                <a:latin typeface="Malgun Gothic"/>
-                <a:ea typeface="Malgun Gothic"/>
-                <a:cs typeface="Malgun Gothic"/>
-                <a:sym typeface="Malgun Gothic"/>
-              </a:rPr>
-              <a:t>.</a:t>
-            </a:r>
-          </a:p>
-          <a:p>
-            <a:pPr marL="0" marR="0" lvl="0" indent="0" algn="l" rtl="0">
-              <a:lnSpc>
-                <a:spcPct val="90000"/>
-              </a:lnSpc>
-              <a:spcBef>
-                <a:spcPts val="813"/>
-              </a:spcBef>
-              <a:spcAft>
-                <a:spcPts val="0"/>
-              </a:spcAft>
-              <a:buClr>
-                <a:schemeClr val="dk1"/>
-              </a:buClr>
-              <a:buSzPts val="900"/>
-              <a:buFont typeface="Malgun Gothic"/>
-              <a:buNone/>
-            </a:pPr>
-            <a:r>
-              <a:rPr lang="en-US" altLang="ko-KR" sz="900" b="0" i="0" u="none" strike="noStrike" cap="none" dirty="0">
-                <a:solidFill>
-                  <a:schemeClr val="dk1"/>
-                </a:solidFill>
-                <a:latin typeface="Malgun Gothic"/>
-                <a:ea typeface="Malgun Gothic"/>
-                <a:cs typeface="Malgun Gothic"/>
-                <a:sym typeface="Malgun Gothic"/>
-              </a:rPr>
-              <a:t>※ </a:t>
-            </a:r>
-            <a:r>
-              <a:rPr lang="ko-KR" altLang="en-US" sz="900" b="0" i="0" u="none" strike="noStrike" cap="none" dirty="0">
-                <a:solidFill>
-                  <a:schemeClr val="dk1"/>
-                </a:solidFill>
-                <a:latin typeface="Malgun Gothic"/>
-                <a:ea typeface="Malgun Gothic"/>
-                <a:cs typeface="Malgun Gothic"/>
-                <a:sym typeface="Malgun Gothic"/>
-              </a:rPr>
-              <a:t>컨텐츠 요구사항</a:t>
-            </a:r>
-          </a:p>
-          <a:p>
-            <a:pPr marL="177800" marR="0" lvl="0" indent="-177800" algn="l" rtl="0">
-              <a:lnSpc>
-                <a:spcPct val="90000"/>
-              </a:lnSpc>
-              <a:spcBef>
-                <a:spcPts val="813"/>
-              </a:spcBef>
-              <a:spcAft>
-                <a:spcPts val="0"/>
-              </a:spcAft>
-              <a:buClr>
-                <a:schemeClr val="dk1"/>
-              </a:buClr>
-              <a:buSzPts val="900"/>
-              <a:buFont typeface="Malgun Gothic"/>
-              <a:buAutoNum type="arabicParenR"/>
-            </a:pPr>
-            <a:r>
-              <a:rPr lang="ko-KR" altLang="en-US" sz="900" dirty="0">
-                <a:solidFill>
-                  <a:schemeClr val="dk1"/>
-                </a:solidFill>
-                <a:latin typeface="Malgun Gothic"/>
-                <a:ea typeface="Malgun Gothic"/>
-                <a:cs typeface="Malgun Gothic"/>
-                <a:sym typeface="Malgun Gothic"/>
-              </a:rPr>
-              <a:t>버튼 클릭 이벤트를 통해 </a:t>
-            </a:r>
-            <a:r>
-              <a:rPr lang="ko-KR" altLang="en-US" sz="900" dirty="0" err="1">
-                <a:solidFill>
-                  <a:schemeClr val="dk1"/>
-                </a:solidFill>
-                <a:latin typeface="Malgun Gothic"/>
-                <a:ea typeface="Malgun Gothic"/>
-                <a:cs typeface="Malgun Gothic"/>
-                <a:sym typeface="Malgun Gothic"/>
-              </a:rPr>
-              <a:t>로그인된</a:t>
-            </a:r>
-            <a:r>
-              <a:rPr lang="ko-KR" altLang="en-US" sz="900" dirty="0">
-                <a:solidFill>
-                  <a:schemeClr val="dk1"/>
-                </a:solidFill>
-                <a:latin typeface="Malgun Gothic"/>
-                <a:ea typeface="Malgun Gothic"/>
-                <a:cs typeface="Malgun Gothic"/>
-                <a:sym typeface="Malgun Gothic"/>
-              </a:rPr>
-              <a:t> 계정의 계정 정보를 가지고</a:t>
-            </a:r>
-            <a:r>
-              <a:rPr lang="en-US" altLang="ko-KR" sz="900" dirty="0">
-                <a:solidFill>
-                  <a:schemeClr val="dk1"/>
-                </a:solidFill>
-                <a:latin typeface="Malgun Gothic"/>
-                <a:ea typeface="Malgun Gothic"/>
-                <a:cs typeface="Malgun Gothic"/>
-                <a:sym typeface="Malgun Gothic"/>
-              </a:rPr>
-              <a:t> </a:t>
-            </a:r>
-            <a:r>
-              <a:rPr lang="ko-KR" altLang="en-US" sz="900" dirty="0">
-                <a:solidFill>
-                  <a:schemeClr val="dk1"/>
-                </a:solidFill>
-                <a:latin typeface="Malgun Gothic"/>
-                <a:ea typeface="Malgun Gothic"/>
-                <a:cs typeface="Malgun Gothic"/>
-                <a:sym typeface="Malgun Gothic"/>
-              </a:rPr>
-              <a:t> 출석확인 화면으로 이동 한다</a:t>
-            </a:r>
-            <a:r>
-              <a:rPr lang="en-US" altLang="ko-KR" sz="900" dirty="0">
-                <a:solidFill>
-                  <a:schemeClr val="dk1"/>
-                </a:solidFill>
-                <a:latin typeface="Malgun Gothic"/>
-                <a:ea typeface="Malgun Gothic"/>
-                <a:cs typeface="Malgun Gothic"/>
-                <a:sym typeface="Malgun Gothic"/>
-              </a:rPr>
-              <a:t>.</a:t>
-            </a:r>
-          </a:p>
-          <a:p>
-            <a:pPr marL="177800" marR="0" lvl="0" indent="-177800" algn="l" rtl="0">
-              <a:lnSpc>
-                <a:spcPct val="90000"/>
-              </a:lnSpc>
-              <a:spcBef>
-                <a:spcPts val="813"/>
-              </a:spcBef>
-              <a:spcAft>
-                <a:spcPts val="0"/>
-              </a:spcAft>
-              <a:buClr>
-                <a:schemeClr val="dk1"/>
-              </a:buClr>
-              <a:buSzPts val="900"/>
-              <a:buFont typeface="Malgun Gothic"/>
-              <a:buAutoNum type="arabicParenR"/>
-            </a:pPr>
-            <a:r>
-              <a:rPr lang="ko-KR" altLang="en-US" sz="900" dirty="0" err="1">
-                <a:solidFill>
-                  <a:schemeClr val="dk1"/>
-                </a:solidFill>
-                <a:latin typeface="Malgun Gothic"/>
-                <a:ea typeface="Malgun Gothic"/>
-                <a:cs typeface="Malgun Gothic"/>
-                <a:sym typeface="Malgun Gothic"/>
-              </a:rPr>
-              <a:t>로그인된</a:t>
-            </a:r>
-            <a:r>
-              <a:rPr lang="ko-KR" altLang="en-US" sz="900" dirty="0">
-                <a:solidFill>
-                  <a:schemeClr val="dk1"/>
-                </a:solidFill>
-                <a:latin typeface="Malgun Gothic"/>
-                <a:ea typeface="Malgun Gothic"/>
-                <a:cs typeface="Malgun Gothic"/>
-                <a:sym typeface="Malgun Gothic"/>
-              </a:rPr>
-              <a:t> 계정의 수강중인 과목의 목록이 자동으로 </a:t>
-            </a:r>
-            <a:r>
-              <a:rPr lang="ko-KR" altLang="en-US" sz="900" dirty="0" err="1">
-                <a:solidFill>
-                  <a:schemeClr val="dk1"/>
-                </a:solidFill>
-                <a:latin typeface="Malgun Gothic"/>
-                <a:ea typeface="Malgun Gothic"/>
-                <a:cs typeface="Malgun Gothic"/>
-                <a:sym typeface="Malgun Gothic"/>
-              </a:rPr>
-              <a:t>셋팅되며</a:t>
-            </a:r>
-            <a:r>
-              <a:rPr lang="en-US" altLang="ko-KR" sz="900" dirty="0">
-                <a:solidFill>
-                  <a:schemeClr val="dk1"/>
-                </a:solidFill>
-                <a:latin typeface="Malgun Gothic"/>
-                <a:ea typeface="Malgun Gothic"/>
-                <a:cs typeface="Malgun Gothic"/>
-                <a:sym typeface="Malgun Gothic"/>
-              </a:rPr>
-              <a:t>, </a:t>
-            </a:r>
-            <a:r>
-              <a:rPr lang="ko-KR" altLang="en-US" sz="900" dirty="0">
-                <a:solidFill>
-                  <a:schemeClr val="dk1"/>
-                </a:solidFill>
-                <a:latin typeface="Malgun Gothic"/>
-                <a:ea typeface="Malgun Gothic"/>
-                <a:cs typeface="Malgun Gothic"/>
-                <a:sym typeface="Malgun Gothic"/>
-              </a:rPr>
-              <a:t>모든 과목을 </a:t>
-            </a:r>
-            <a:r>
-              <a:rPr lang="ko-KR" altLang="en-US" sz="900" dirty="0" err="1">
-                <a:solidFill>
-                  <a:schemeClr val="dk1"/>
-                </a:solidFill>
-                <a:latin typeface="Malgun Gothic"/>
-                <a:ea typeface="Malgun Gothic"/>
-                <a:cs typeface="Malgun Gothic"/>
-                <a:sym typeface="Malgun Gothic"/>
-              </a:rPr>
-              <a:t>조회하기위해선</a:t>
-            </a:r>
-            <a:r>
-              <a:rPr lang="ko-KR" altLang="en-US" sz="900" dirty="0">
-                <a:solidFill>
-                  <a:schemeClr val="dk1"/>
-                </a:solidFill>
-                <a:latin typeface="Malgun Gothic"/>
-                <a:ea typeface="Malgun Gothic"/>
-                <a:cs typeface="Malgun Gothic"/>
-                <a:sym typeface="Malgun Gothic"/>
-              </a:rPr>
-              <a:t> </a:t>
-            </a:r>
-            <a:r>
-              <a:rPr lang="en-US" altLang="ko-KR" sz="900" dirty="0">
-                <a:solidFill>
-                  <a:schemeClr val="dk1"/>
-                </a:solidFill>
-                <a:latin typeface="Malgun Gothic"/>
-                <a:ea typeface="Malgun Gothic"/>
-                <a:cs typeface="Malgun Gothic"/>
-                <a:sym typeface="Malgun Gothic"/>
-              </a:rPr>
-              <a:t>‘</a:t>
-            </a:r>
-            <a:r>
-              <a:rPr lang="ko-KR" altLang="en-US" sz="900" dirty="0">
-                <a:solidFill>
-                  <a:schemeClr val="dk1"/>
-                </a:solidFill>
-                <a:latin typeface="Malgun Gothic"/>
-                <a:ea typeface="Malgun Gothic"/>
-                <a:cs typeface="Malgun Gothic"/>
-                <a:sym typeface="Malgun Gothic"/>
-              </a:rPr>
-              <a:t>전체</a:t>
-            </a:r>
-            <a:r>
-              <a:rPr lang="en-US" altLang="ko-KR" sz="900" dirty="0">
-                <a:solidFill>
-                  <a:schemeClr val="dk1"/>
-                </a:solidFill>
-                <a:latin typeface="Malgun Gothic"/>
-                <a:ea typeface="Malgun Gothic"/>
-                <a:cs typeface="Malgun Gothic"/>
-                <a:sym typeface="Malgun Gothic"/>
-              </a:rPr>
-              <a:t>’</a:t>
-            </a:r>
-            <a:r>
-              <a:rPr lang="ko-KR" altLang="en-US" sz="900" dirty="0">
-                <a:solidFill>
-                  <a:schemeClr val="dk1"/>
-                </a:solidFill>
-                <a:latin typeface="Malgun Gothic"/>
-                <a:ea typeface="Malgun Gothic"/>
-                <a:cs typeface="Malgun Gothic"/>
-                <a:sym typeface="Malgun Gothic"/>
-              </a:rPr>
-              <a:t>를 선택 한다</a:t>
-            </a:r>
-            <a:r>
-              <a:rPr lang="en-US" altLang="ko-KR" sz="900" dirty="0">
-                <a:solidFill>
-                  <a:schemeClr val="dk1"/>
-                </a:solidFill>
-                <a:latin typeface="Malgun Gothic"/>
-                <a:ea typeface="Malgun Gothic"/>
-                <a:cs typeface="Malgun Gothic"/>
-                <a:sym typeface="Malgun Gothic"/>
-              </a:rPr>
-              <a:t>.</a:t>
-            </a:r>
-          </a:p>
-          <a:p>
-            <a:pPr marL="177800" marR="0" lvl="0" indent="-177800" algn="l" rtl="0">
-              <a:lnSpc>
-                <a:spcPct val="90000"/>
-              </a:lnSpc>
-              <a:spcBef>
-                <a:spcPts val="813"/>
-              </a:spcBef>
-              <a:spcAft>
-                <a:spcPts val="0"/>
-              </a:spcAft>
-              <a:buClr>
-                <a:schemeClr val="dk1"/>
-              </a:buClr>
-              <a:buSzPts val="900"/>
-              <a:buFont typeface="Malgun Gothic"/>
-              <a:buAutoNum type="arabicParenR"/>
-            </a:pPr>
-            <a:r>
-              <a:rPr lang="ko-KR" altLang="en-US" sz="900" dirty="0" err="1">
-                <a:solidFill>
-                  <a:schemeClr val="dk1"/>
-                </a:solidFill>
-                <a:latin typeface="Malgun Gothic"/>
-                <a:ea typeface="Malgun Gothic"/>
-                <a:cs typeface="Malgun Gothic"/>
-                <a:sym typeface="Malgun Gothic"/>
-              </a:rPr>
-              <a:t>콤보박스에서</a:t>
-            </a:r>
-            <a:r>
-              <a:rPr lang="ko-KR" altLang="en-US" sz="900" dirty="0">
-                <a:solidFill>
-                  <a:schemeClr val="dk1"/>
-                </a:solidFill>
-                <a:latin typeface="Malgun Gothic"/>
-                <a:ea typeface="Malgun Gothic"/>
-                <a:cs typeface="Malgun Gothic"/>
-                <a:sym typeface="Malgun Gothic"/>
-              </a:rPr>
-              <a:t> 선택된 과목에 대한 출석현황을 조회할 수 있다</a:t>
-            </a:r>
-            <a:r>
-              <a:rPr lang="en-US" altLang="ko-KR" sz="900" dirty="0">
-                <a:solidFill>
-                  <a:schemeClr val="dk1"/>
-                </a:solidFill>
-                <a:latin typeface="Malgun Gothic"/>
-                <a:ea typeface="Malgun Gothic"/>
-                <a:cs typeface="Malgun Gothic"/>
-                <a:sym typeface="Malgun Gothic"/>
-              </a:rPr>
-              <a:t>. 2)</a:t>
-            </a:r>
-            <a:r>
-              <a:rPr lang="ko-KR" altLang="en-US" sz="900" dirty="0">
-                <a:solidFill>
-                  <a:schemeClr val="dk1"/>
-                </a:solidFill>
-                <a:latin typeface="Malgun Gothic"/>
-                <a:ea typeface="Malgun Gothic"/>
-                <a:cs typeface="Malgun Gothic"/>
-                <a:sym typeface="Malgun Gothic"/>
-              </a:rPr>
-              <a:t>의</a:t>
-            </a:r>
-            <a:r>
-              <a:rPr lang="en-US" altLang="ko-KR" sz="900" dirty="0">
-                <a:solidFill>
-                  <a:schemeClr val="dk1"/>
-                </a:solidFill>
-                <a:latin typeface="Malgun Gothic"/>
-                <a:ea typeface="Malgun Gothic"/>
-                <a:cs typeface="Malgun Gothic"/>
-                <a:sym typeface="Malgun Gothic"/>
-              </a:rPr>
-              <a:t> </a:t>
-            </a:r>
-            <a:r>
-              <a:rPr lang="ko-KR" altLang="en-US" sz="900" dirty="0">
-                <a:solidFill>
-                  <a:schemeClr val="dk1"/>
-                </a:solidFill>
-                <a:latin typeface="Malgun Gothic"/>
-                <a:ea typeface="Malgun Gothic"/>
-                <a:cs typeface="Malgun Gothic"/>
-                <a:sym typeface="Malgun Gothic"/>
-              </a:rPr>
-              <a:t>전체를 선택할 시 수강중인 모든 과목의 출석현황을 확인할 수 있다</a:t>
-            </a:r>
-            <a:r>
-              <a:rPr lang="en-US" altLang="ko-KR" sz="900" dirty="0">
-                <a:solidFill>
-                  <a:schemeClr val="dk1"/>
-                </a:solidFill>
-                <a:latin typeface="Malgun Gothic"/>
-                <a:ea typeface="Malgun Gothic"/>
-                <a:cs typeface="Malgun Gothic"/>
-                <a:sym typeface="Malgun Gothic"/>
-              </a:rPr>
-              <a:t>.</a:t>
-            </a:r>
-          </a:p>
-          <a:p>
-            <a:pPr marL="177800" marR="0" lvl="0" indent="-177800" algn="l" rtl="0">
-              <a:lnSpc>
-                <a:spcPct val="90000"/>
-              </a:lnSpc>
-              <a:spcBef>
-                <a:spcPts val="813"/>
-              </a:spcBef>
-              <a:spcAft>
-                <a:spcPts val="0"/>
-              </a:spcAft>
-              <a:buClr>
-                <a:schemeClr val="dk1"/>
-              </a:buClr>
-              <a:buSzPts val="900"/>
-              <a:buFont typeface="Malgun Gothic"/>
-              <a:buAutoNum type="arabicParenR"/>
-            </a:pPr>
-            <a:r>
-              <a:rPr lang="ko-KR" altLang="en-US" sz="900" dirty="0">
-                <a:solidFill>
-                  <a:schemeClr val="dk1"/>
-                </a:solidFill>
-                <a:latin typeface="Malgun Gothic"/>
-                <a:ea typeface="Malgun Gothic"/>
-                <a:cs typeface="Malgun Gothic"/>
-                <a:sym typeface="Malgun Gothic"/>
-              </a:rPr>
-              <a:t>로그아웃 후 로그인 페이지 이동한다</a:t>
-            </a:r>
-            <a:r>
-              <a:rPr lang="en-US" altLang="ko-KR" sz="900" dirty="0">
-                <a:solidFill>
-                  <a:schemeClr val="dk1"/>
-                </a:solidFill>
-                <a:latin typeface="Malgun Gothic"/>
-                <a:ea typeface="Malgun Gothic"/>
-                <a:cs typeface="Malgun Gothic"/>
-                <a:sym typeface="Malgun Gothic"/>
-              </a:rPr>
-              <a:t>.</a:t>
-            </a:r>
-          </a:p>
-          <a:p>
-            <a:pPr marL="177800" marR="0" lvl="0" indent="-177800" algn="l" rtl="0">
-              <a:lnSpc>
-                <a:spcPct val="90000"/>
-              </a:lnSpc>
-              <a:spcBef>
-                <a:spcPts val="813"/>
-              </a:spcBef>
-              <a:spcAft>
-                <a:spcPts val="0"/>
-              </a:spcAft>
-              <a:buClr>
-                <a:schemeClr val="dk1"/>
-              </a:buClr>
-              <a:buSzPts val="900"/>
-              <a:buFont typeface="Malgun Gothic"/>
-              <a:buAutoNum type="arabicParenR"/>
-            </a:pPr>
-            <a:endParaRPr lang="en-US" altLang="ko-KR" sz="900" dirty="0">
-              <a:solidFill>
-                <a:schemeClr val="dk1"/>
-              </a:solidFill>
-              <a:latin typeface="Malgun Gothic"/>
-              <a:ea typeface="Malgun Gothic"/>
-              <a:cs typeface="Malgun Gothic"/>
-              <a:sym typeface="Malgun Gothic"/>
-            </a:endParaRPr>
-          </a:p>
-          <a:p>
-            <a:pPr marL="177800" marR="0" lvl="0" indent="-177800" algn="l" rtl="0">
-              <a:lnSpc>
-                <a:spcPct val="90000"/>
-              </a:lnSpc>
-              <a:spcBef>
-                <a:spcPts val="813"/>
-              </a:spcBef>
-              <a:spcAft>
-                <a:spcPts val="0"/>
-              </a:spcAft>
-              <a:buClr>
-                <a:schemeClr val="dk1"/>
-              </a:buClr>
-              <a:buSzPts val="900"/>
-              <a:buFont typeface="Malgun Gothic"/>
-              <a:buAutoNum type="arabicParenR"/>
-            </a:pPr>
-            <a:endParaRPr lang="en-US" altLang="ko-KR" sz="900" dirty="0">
-              <a:solidFill>
-                <a:schemeClr val="dk1"/>
-              </a:solidFill>
-              <a:latin typeface="Malgun Gothic"/>
-              <a:ea typeface="Malgun Gothic"/>
-              <a:cs typeface="Malgun Gothic"/>
-              <a:sym typeface="Malgun Gothic"/>
-            </a:endParaRPr>
-          </a:p>
-          <a:p>
-            <a:pPr marL="177800" marR="0" lvl="0" indent="-177800" algn="l" rtl="0">
-              <a:lnSpc>
-                <a:spcPct val="90000"/>
-              </a:lnSpc>
-              <a:spcBef>
-                <a:spcPts val="813"/>
-              </a:spcBef>
-              <a:spcAft>
-                <a:spcPts val="0"/>
-              </a:spcAft>
-              <a:buClr>
-                <a:schemeClr val="dk1"/>
-              </a:buClr>
-              <a:buSzPts val="900"/>
-              <a:buFont typeface="Malgun Gothic"/>
-              <a:buAutoNum type="arabicParenR"/>
-            </a:pPr>
-            <a:endParaRPr lang="en-US" altLang="ko-KR" sz="900" dirty="0">
-              <a:solidFill>
-                <a:schemeClr val="dk1"/>
-              </a:solidFill>
-              <a:latin typeface="Malgun Gothic"/>
-              <a:ea typeface="Malgun Gothic"/>
-              <a:cs typeface="Malgun Gothic"/>
-              <a:sym typeface="Malgun Gothic"/>
-            </a:endParaRPr>
-          </a:p>
-          <a:p>
-            <a:pPr marL="177800" marR="0" lvl="0" indent="-177800" algn="l" rtl="0">
-              <a:lnSpc>
-                <a:spcPct val="90000"/>
-              </a:lnSpc>
-              <a:spcBef>
-                <a:spcPts val="813"/>
-              </a:spcBef>
-              <a:spcAft>
-                <a:spcPts val="0"/>
-              </a:spcAft>
-              <a:buClr>
-                <a:schemeClr val="dk1"/>
-              </a:buClr>
-              <a:buSzPts val="900"/>
-              <a:buFont typeface="Malgun Gothic"/>
-              <a:buAutoNum type="arabicParenR"/>
-            </a:pPr>
-            <a:endParaRPr lang="en-US" altLang="ko-KR" sz="900" dirty="0">
-              <a:solidFill>
-                <a:schemeClr val="dk1"/>
-              </a:solidFill>
-              <a:latin typeface="Malgun Gothic"/>
-              <a:ea typeface="Malgun Gothic"/>
-              <a:cs typeface="Malgun Gothic"/>
-              <a:sym typeface="Malgun Gothic"/>
-            </a:endParaRPr>
-          </a:p>
-          <a:p>
-            <a:pPr marL="177800" marR="0" lvl="0" indent="-177800" algn="l" rtl="0">
-              <a:lnSpc>
-                <a:spcPct val="90000"/>
-              </a:lnSpc>
-              <a:spcBef>
-                <a:spcPts val="813"/>
-              </a:spcBef>
-              <a:spcAft>
-                <a:spcPts val="0"/>
-              </a:spcAft>
-              <a:buClr>
-                <a:schemeClr val="dk1"/>
-              </a:buClr>
-              <a:buSzPts val="900"/>
-              <a:buFont typeface="Malgun Gothic"/>
-              <a:buAutoNum type="arabicParenR"/>
-            </a:pPr>
-            <a:endParaRPr lang="en-US" altLang="ko-KR" sz="900" dirty="0">
-              <a:solidFill>
-                <a:schemeClr val="dk1"/>
-              </a:solidFill>
-              <a:latin typeface="Malgun Gothic"/>
-              <a:ea typeface="Malgun Gothic"/>
-              <a:cs typeface="Malgun Gothic"/>
-              <a:sym typeface="Malgun Gothic"/>
-            </a:endParaRPr>
-          </a:p>
-          <a:p>
-            <a:pPr marL="177800" marR="0" lvl="0" indent="-177800" algn="l" rtl="0">
-              <a:lnSpc>
-                <a:spcPct val="90000"/>
-              </a:lnSpc>
-              <a:spcBef>
-                <a:spcPts val="813"/>
-              </a:spcBef>
-              <a:spcAft>
-                <a:spcPts val="0"/>
-              </a:spcAft>
-              <a:buClr>
-                <a:schemeClr val="dk1"/>
-              </a:buClr>
-              <a:buSzPts val="900"/>
-              <a:buFont typeface="Malgun Gothic"/>
-              <a:buAutoNum type="arabicParenR"/>
-            </a:pPr>
-            <a:endParaRPr lang="en-US" altLang="ko-KR" sz="900" dirty="0">
-              <a:solidFill>
-                <a:schemeClr val="dk1"/>
-              </a:solidFill>
-              <a:latin typeface="Malgun Gothic"/>
-              <a:ea typeface="Malgun Gothic"/>
-              <a:cs typeface="Malgun Gothic"/>
-              <a:sym typeface="Malgun Gothic"/>
-            </a:endParaRPr>
-          </a:p>
-          <a:p>
-            <a:pPr>
-              <a:lnSpc>
-                <a:spcPct val="90000"/>
-              </a:lnSpc>
-              <a:spcBef>
-                <a:spcPts val="813"/>
-              </a:spcBef>
-              <a:buClr>
-                <a:schemeClr val="dk1"/>
-              </a:buClr>
-              <a:buSzPts val="900"/>
-            </a:pPr>
-            <a:r>
-              <a:rPr lang="en-US" altLang="ko-KR" sz="900" dirty="0">
-                <a:solidFill>
-                  <a:schemeClr val="dk1"/>
-                </a:solidFill>
-                <a:latin typeface="Malgun Gothic"/>
-                <a:ea typeface="Malgun Gothic"/>
-                <a:cs typeface="Malgun Gothic"/>
-                <a:sym typeface="Malgun Gothic"/>
-              </a:rPr>
-              <a:t>Table : </a:t>
-            </a:r>
-            <a:r>
-              <a:rPr lang="en-US" altLang="ko-KR" sz="900" dirty="0" err="1">
-                <a:solidFill>
-                  <a:schemeClr val="dk1"/>
-                </a:solidFill>
-                <a:latin typeface="Malgun Gothic"/>
-                <a:ea typeface="Malgun Gothic"/>
-                <a:cs typeface="Malgun Gothic"/>
-                <a:sym typeface="Malgun Gothic"/>
-              </a:rPr>
-              <a:t>TakingSubject</a:t>
-            </a:r>
-            <a:r>
-              <a:rPr lang="en-US" altLang="ko-KR" sz="900" dirty="0">
-                <a:solidFill>
-                  <a:schemeClr val="dk1"/>
-                </a:solidFill>
-                <a:latin typeface="Malgun Gothic"/>
-                <a:ea typeface="Malgun Gothic"/>
-                <a:cs typeface="Malgun Gothic"/>
-                <a:sym typeface="Malgun Gothic"/>
-              </a:rPr>
-              <a:t> </a:t>
-            </a:r>
-          </a:p>
-          <a:p>
-            <a:pPr marR="0" lvl="0" algn="l" rtl="0">
-              <a:lnSpc>
-                <a:spcPct val="90000"/>
-              </a:lnSpc>
-              <a:spcBef>
-                <a:spcPts val="813"/>
-              </a:spcBef>
-              <a:spcAft>
-                <a:spcPts val="0"/>
-              </a:spcAft>
-              <a:buClr>
-                <a:schemeClr val="dk1"/>
-              </a:buClr>
-              <a:buSzPts val="900"/>
-            </a:pPr>
-            <a:endParaRPr lang="en-US" altLang="ko-KR" sz="900" dirty="0">
-              <a:solidFill>
-                <a:schemeClr val="dk1"/>
-              </a:solidFill>
-              <a:latin typeface="Malgun Gothic"/>
-              <a:ea typeface="Malgun Gothic"/>
-              <a:cs typeface="Malgun Gothic"/>
-              <a:sym typeface="Malgun Gothic"/>
-            </a:endParaRPr>
-          </a:p>
-        </p:txBody>
-      </p:sp>
-      <p:sp>
-        <p:nvSpPr>
-          <p:cNvPr id="5" name="TextBox 4"/>
-          <p:cNvSpPr txBox="1"/>
-          <p:nvPr/>
-        </p:nvSpPr>
-        <p:spPr>
-          <a:xfrm>
-            <a:off x="3226102" y="1463039"/>
-            <a:ext cx="2298239" cy="523220"/>
-          </a:xfrm>
-          <a:prstGeom prst="rect">
-            <a:avLst/>
-          </a:prstGeom>
-          <a:noFill/>
-        </p:spPr>
-        <p:txBody>
-          <a:bodyPr wrap="square" rtlCol="0">
-            <a:spAutoFit/>
-          </a:bodyPr>
-          <a:lstStyle/>
-          <a:p>
-            <a:pPr algn="ctr"/>
-            <a:r>
-              <a:rPr lang="ko-KR" altLang="en-US" dirty="0"/>
-              <a:t>출석체크 시스템</a:t>
-            </a:r>
-            <a:endParaRPr lang="en-US" altLang="ko-KR" dirty="0"/>
-          </a:p>
-          <a:p>
-            <a:pPr algn="ctr"/>
-            <a:r>
-              <a:rPr lang="en-US" altLang="ko-KR" dirty="0"/>
-              <a:t>OOO</a:t>
-            </a:r>
-            <a:r>
-              <a:rPr lang="ko-KR" altLang="en-US" dirty="0"/>
-              <a:t>님 안녕하세요</a:t>
-            </a:r>
-          </a:p>
-        </p:txBody>
-      </p:sp>
-      <p:grpSp>
-        <p:nvGrpSpPr>
-          <p:cNvPr id="9" name="그룹 8"/>
-          <p:cNvGrpSpPr/>
-          <p:nvPr/>
-        </p:nvGrpSpPr>
-        <p:grpSpPr>
-          <a:xfrm>
-            <a:off x="3308191" y="2700118"/>
-            <a:ext cx="1181620" cy="314910"/>
-            <a:chOff x="3079591" y="2700118"/>
-            <a:chExt cx="1181620" cy="314910"/>
-          </a:xfrm>
-        </p:grpSpPr>
-        <p:sp>
-          <p:nvSpPr>
-            <p:cNvPr id="6" name="직사각형 5"/>
-            <p:cNvSpPr/>
-            <p:nvPr/>
-          </p:nvSpPr>
-          <p:spPr>
-            <a:xfrm>
-              <a:off x="3147060" y="2773033"/>
-              <a:ext cx="1114151" cy="241995"/>
-            </a:xfrm>
-            <a:prstGeom prst="rect">
-              <a:avLst/>
-            </a:prstGeom>
-            <a:noFill/>
-            <a:ln>
-              <a:solidFill>
-                <a:schemeClr val="tx1"/>
-              </a:solidFill>
-            </a:ln>
-          </p:spPr>
-          <p:style>
-            <a:lnRef idx="2">
-              <a:schemeClr val="accent1">
-                <a:shade val="50000"/>
-              </a:schemeClr>
-            </a:lnRef>
-            <a:fillRef idx="1">
-              <a:schemeClr val="accent1"/>
-            </a:fillRef>
-            <a:effectRef idx="0">
-              <a:schemeClr val="accent1"/>
-            </a:effectRef>
-            <a:fontRef idx="minor">
-              <a:schemeClr val="lt1"/>
-            </a:fontRef>
-          </p:style>
-          <p:txBody>
-            <a:bodyPr rtlCol="0" anchor="ctr"/>
-            <a:lstStyle/>
-            <a:p>
-              <a:r>
-                <a:rPr lang="ko-KR" altLang="en-US" sz="900" dirty="0">
-                  <a:solidFill>
-                    <a:srgbClr val="5F5F5F"/>
-                  </a:solidFill>
-                  <a:latin typeface="Quattrocento Sans"/>
-                  <a:ea typeface="Quattrocento Sans"/>
-                  <a:cs typeface="Quattrocento Sans"/>
-                </a:rPr>
-                <a:t>수강과목 선택</a:t>
-              </a:r>
-            </a:p>
-          </p:txBody>
-        </p:sp>
-        <p:sp>
-          <p:nvSpPr>
-            <p:cNvPr id="19" name="Google Shape;114;p13">
-              <a:extLst>
-                <a:ext uri="{FF2B5EF4-FFF2-40B4-BE49-F238E27FC236}">
-                  <a16:creationId xmlns:a16="http://schemas.microsoft.com/office/drawing/2014/main" id="{F7D56FF0-423C-4C0B-A6E4-FBB0B3B6598B}"/>
-                </a:ext>
-              </a:extLst>
-            </p:cNvPr>
-            <p:cNvSpPr/>
-            <p:nvPr/>
-          </p:nvSpPr>
-          <p:spPr>
-            <a:xfrm>
-              <a:off x="3079591" y="2700118"/>
-              <a:ext cx="134937" cy="138113"/>
-            </a:xfrm>
-            <a:prstGeom prst="ellipse">
-              <a:avLst/>
-            </a:prstGeom>
-            <a:solidFill>
-              <a:srgbClr val="D60C0C"/>
-            </a:solidFill>
-            <a:ln w="19050" cap="flat" cmpd="sng">
-              <a:solidFill>
-                <a:schemeClr val="lt1"/>
-              </a:solidFill>
-              <a:prstDash val="solid"/>
-              <a:miter lim="800000"/>
-              <a:headEnd type="none" w="sm" len="sm"/>
-              <a:tailEnd type="none" w="sm" len="sm"/>
-            </a:ln>
-            <a:effectLst>
-              <a:outerShdw blurRad="50800" dist="38100" dir="2700000" algn="tl" rotWithShape="0">
-                <a:srgbClr val="000000">
-                  <a:alpha val="40000"/>
-                </a:srgbClr>
-              </a:outerShdw>
-            </a:effectLst>
-          </p:spPr>
-          <p:txBody>
-            <a:bodyPr spcFirstLastPara="1" wrap="square" lIns="91425" tIns="45700" rIns="91425" bIns="45700" anchor="ctr" anchorCtr="0">
-              <a:noAutofit/>
-            </a:bodyPr>
-            <a:lstStyle/>
-            <a:p>
-              <a:pPr marL="0" marR="0" lvl="0" indent="0" algn="ctr" rtl="0">
-                <a:spcBef>
-                  <a:spcPts val="0"/>
-                </a:spcBef>
-                <a:spcAft>
-                  <a:spcPts val="0"/>
-                </a:spcAft>
-                <a:buNone/>
-              </a:pPr>
-              <a:r>
-                <a:rPr lang="en-US" altLang="ko-KR" sz="1000" b="1" i="0" u="none" strike="noStrike" cap="none" dirty="0">
-                  <a:solidFill>
-                    <a:schemeClr val="lt1"/>
-                  </a:solidFill>
-                  <a:latin typeface="Malgun Gothic"/>
-                  <a:ea typeface="Malgun Gothic"/>
-                  <a:cs typeface="Malgun Gothic"/>
-                  <a:sym typeface="Malgun Gothic"/>
-                </a:rPr>
-                <a:t>2</a:t>
-              </a:r>
-              <a:endParaRPr sz="1000" b="1" i="0" u="none" strike="noStrike" cap="none" dirty="0">
-                <a:solidFill>
-                  <a:schemeClr val="lt1"/>
-                </a:solidFill>
-                <a:latin typeface="Malgun Gothic"/>
-                <a:ea typeface="Malgun Gothic"/>
-                <a:cs typeface="Malgun Gothic"/>
-                <a:sym typeface="Malgun Gothic"/>
-              </a:endParaRPr>
-            </a:p>
-          </p:txBody>
-        </p:sp>
-        <p:sp>
-          <p:nvSpPr>
-            <p:cNvPr id="7" name="이등변 삼각형 6"/>
-            <p:cNvSpPr/>
-            <p:nvPr/>
-          </p:nvSpPr>
-          <p:spPr>
-            <a:xfrm rot="10800000">
-              <a:off x="4017975" y="2804583"/>
-              <a:ext cx="222250" cy="191595"/>
-            </a:xfrm>
-            <a:prstGeom prst="triangle">
-              <a:avLst/>
-            </a:prstGeom>
-            <a:solidFill>
-              <a:schemeClr val="tx2">
-                <a:lumMod val="75000"/>
-              </a:schemeClr>
-            </a:solidFill>
-            <a:ln>
-              <a:noFill/>
-            </a:ln>
-          </p:spPr>
-          <p:style>
-            <a:lnRef idx="2">
-              <a:schemeClr val="accent1">
-                <a:shade val="50000"/>
-              </a:schemeClr>
-            </a:lnRef>
-            <a:fillRef idx="1">
-              <a:schemeClr val="accent1"/>
-            </a:fillRef>
-            <a:effectRef idx="0">
-              <a:schemeClr val="accent1"/>
-            </a:effectRef>
-            <a:fontRef idx="minor">
-              <a:schemeClr val="lt1"/>
-            </a:fontRef>
-          </p:style>
-          <p:txBody>
-            <a:bodyPr rtlCol="0" anchor="ctr"/>
-            <a:lstStyle/>
-            <a:p>
-              <a:pPr algn="ctr"/>
-              <a:endParaRPr lang="ko-KR" altLang="en-US"/>
-            </a:p>
-          </p:txBody>
-        </p:sp>
-      </p:grpSp>
-    </p:spTree>
-    <p:extLst>
-      <p:ext uri="{BB962C8B-B14F-4D97-AF65-F5344CB8AC3E}">
-        <p14:creationId xmlns:p14="http://schemas.microsoft.com/office/powerpoint/2010/main" val="3454687077"/>
-      </p:ext>
-    </p:extLst>
-  </p:cSld>
-  <p:clrMapOvr>
-    <a:masterClrMapping/>
-  </p:clrMapOvr>
-</p:sld>
-</file>
-
-<file path=ppt/slides/slide7.xml><?xml version="1.0" encoding="utf-8"?>
-<p:sld xmlns:a="http://schemas.openxmlformats.org/drawingml/2006/main" xmlns:r="http://schemas.openxmlformats.org/officeDocument/2006/relationships" xmlns:p="http://schemas.openxmlformats.org/presentationml/2006/main">
-  <p:cSld>
-    <p:spTree>
-      <p:nvGrpSpPr>
-        <p:cNvPr id="1" name="Shape 73"/>
-        <p:cNvGrpSpPr/>
-        <p:nvPr/>
-      </p:nvGrpSpPr>
-      <p:grpSpPr>
-        <a:xfrm>
-          <a:off x="0" y="0"/>
-          <a:ext cx="0" cy="0"/>
-          <a:chOff x="0" y="0"/>
-          <a:chExt cx="0" cy="0"/>
-        </a:xfrm>
-      </p:grpSpPr>
-      <p:sp>
-        <p:nvSpPr>
-          <p:cNvPr id="74" name="Google Shape;74;p12"/>
-          <p:cNvSpPr/>
-          <p:nvPr/>
-        </p:nvSpPr>
-        <p:spPr>
-          <a:xfrm>
-            <a:off x="1517651" y="184150"/>
-            <a:ext cx="8188325" cy="212725"/>
-          </a:xfrm>
-          <a:prstGeom prst="rect">
-            <a:avLst/>
-          </a:prstGeom>
-          <a:noFill/>
-          <a:ln>
-            <a:noFill/>
-          </a:ln>
-        </p:spPr>
-        <p:txBody>
-          <a:bodyPr spcFirstLastPara="1" wrap="square" lIns="36000" tIns="72000" rIns="36000" bIns="36000" anchor="ctr" anchorCtr="0">
-            <a:noAutofit/>
-          </a:bodyPr>
-          <a:lstStyle/>
-          <a:p>
-            <a:pPr marL="0" marR="0" lvl="0" indent="0" algn="l" rtl="0">
-              <a:lnSpc>
-                <a:spcPct val="90000"/>
-              </a:lnSpc>
-              <a:spcBef>
-                <a:spcPts val="0"/>
-              </a:spcBef>
-              <a:spcAft>
-                <a:spcPts val="0"/>
-              </a:spcAft>
-              <a:buNone/>
-            </a:pPr>
-            <a:r>
-              <a:rPr lang="ko-KR" altLang="en-US" sz="900" dirty="0">
-                <a:solidFill>
-                  <a:schemeClr val="dk1"/>
-                </a:solidFill>
-                <a:latin typeface="Malgun Gothic"/>
-                <a:ea typeface="Malgun Gothic"/>
                 <a:cs typeface="Malgun Gothic"/>
                 <a:sym typeface="Malgun Gothic"/>
               </a:rPr>
@@ -19003,6 +17800,18 @@
               <a:buAutoNum type="arabicParenR"/>
             </a:pPr>
             <a:r>
+              <a:rPr lang="ko-KR" altLang="en-US" sz="900" dirty="0" err="1">
+                <a:solidFill>
+                  <a:schemeClr val="dk1"/>
+                </a:solidFill>
+                <a:latin typeface="Malgun Gothic"/>
+                <a:ea typeface="Malgun Gothic"/>
+                <a:cs typeface="Malgun Gothic"/>
+                <a:sym typeface="Malgun Gothic"/>
+              </a:rPr>
+              <a:t>출결상태화면으로</a:t>
+            </a:r>
+            <a:r>
               <a:rPr lang="ko-KR" altLang="en-US" sz="900" dirty="0">
                 <a:solidFill>
                   <a:schemeClr val="dk1"/>
@@ -19012,7 +17821,7 @@
                 <a:cs typeface="Malgun Gothic"/>
                 <a:sym typeface="Malgun Gothic"/>
               </a:rPr>
-              <a:t>메뉴선택 화면으로 이동한다</a:t>
+              <a:t> 이동한다</a:t>
             </a:r>
             <a:r>
               <a:rPr lang="en-US" altLang="ko-KR" sz="900" dirty="0">
@@ -22143,7 +20952,7 @@
 </p:sld>
 </file>
 
-<file path=ppt/slides/slide8.xml><?xml version="1.0" encoding="utf-8"?>
+<file path=ppt/slides/slide7.xml><?xml version="1.0" encoding="utf-8"?>
 <p:sld xmlns:a="http://schemas.openxmlformats.org/drawingml/2006/main" xmlns:r="http://schemas.openxmlformats.org/officeDocument/2006/relationships" xmlns:p="http://schemas.openxmlformats.org/presentationml/2006/main">
   <p:cSld>
     <p:spTree>
@@ -22476,7 +21285,7 @@
                 <a:cs typeface="Malgun Gothic"/>
                 <a:sym typeface="Malgun Gothic"/>
               </a:rPr>
-              <a:t>출석체크 화면의 </a:t>
+              <a:t>현재 </a:t>
             </a:r>
             <a:r>
               <a:rPr lang="ko-KR" altLang="en-US" sz="900" dirty="0" err="1">
@@ -22488,7 +21297,7 @@
                 <a:cs typeface="Malgun Gothic"/>
                 <a:sym typeface="Malgun Gothic"/>
               </a:rPr>
-              <a:t>팝업창에서</a:t>
+              <a:t>로그인된</a:t>
             </a:r>
             <a:r>
               <a:rPr lang="ko-KR" altLang="en-US" sz="900" dirty="0">
@@ -22500,7 +21309,31 @@
                 <a:cs typeface="Malgun Gothic"/>
                 <a:sym typeface="Malgun Gothic"/>
               </a:rPr>
-              <a:t> 출석버튼을 클릭한 시간이 함께 저장되어 확인할 수 있다</a:t>
+              <a:t> 계정의 수강중인 과목을 </a:t>
+            </a:r>
+            <a:r>
+              <a:rPr lang="ko-KR" altLang="en-US" sz="900" dirty="0" err="1">
+                <a:solidFill>
+                  <a:schemeClr val="dk1"/>
+                </a:solidFill>
+                <a:latin typeface="Malgun Gothic"/>
+                <a:ea typeface="Malgun Gothic"/>
+                <a:cs typeface="Malgun Gothic"/>
+                <a:sym typeface="Malgun Gothic"/>
+              </a:rPr>
+              <a:t>콤보박스로</a:t>
+            </a:r>
+            <a:r>
+              <a:rPr lang="ko-KR" altLang="en-US" sz="900" dirty="0">
+                <a:solidFill>
+                  <a:schemeClr val="dk1"/>
+                </a:solidFill>
+                <a:latin typeface="Malgun Gothic"/>
+                <a:ea typeface="Malgun Gothic"/>
+                <a:cs typeface="Malgun Gothic"/>
+                <a:sym typeface="Malgun Gothic"/>
+              </a:rPr>
+              <a:t> 확인할 수 있다</a:t>
             </a:r>
             <a:r>
               <a:rPr lang="en-US" altLang="ko-KR" sz="900" dirty="0">
@@ -22531,6 +21364,18 @@
               <a:buAutoNum type="arabicParenR"/>
             </a:pPr>
             <a:r>
+              <a:rPr lang="ko-KR" altLang="en-US" sz="900" dirty="0" err="1">
+                <a:solidFill>
+                  <a:schemeClr val="dk1"/>
+                </a:solidFill>
+                <a:latin typeface="Malgun Gothic"/>
+                <a:ea typeface="Malgun Gothic"/>
+                <a:cs typeface="Malgun Gothic"/>
+                <a:sym typeface="Malgun Gothic"/>
+              </a:rPr>
+              <a:t>콤보박스에서</a:t>
+            </a:r>
+            <a:r>
               <a:rPr lang="ko-KR" altLang="en-US" sz="900" dirty="0">
                 <a:solidFill>
                   <a:schemeClr val="dk1"/>
@@ -22540,7 +21385,7 @@
                 <a:cs typeface="Malgun Gothic"/>
                 <a:sym typeface="Malgun Gothic"/>
               </a:rPr>
-              <a:t>메뉴확인 화면의 </a:t>
+              <a:t> 선택한 과목의 </a:t>
             </a:r>
             <a:r>
               <a:rPr lang="ko-KR" altLang="en-US" sz="900" dirty="0" err="1">
@@ -22552,7 +21397,7 @@
                 <a:cs typeface="Malgun Gothic"/>
                 <a:sym typeface="Malgun Gothic"/>
               </a:rPr>
-              <a:t>콤보박스를</a:t>
+              <a:t>출석체크한</a:t>
             </a:r>
             <a:r>
               <a:rPr lang="ko-KR" altLang="en-US" sz="900" dirty="0">
@@ -22564,7 +21409,31 @@
                 <a:cs typeface="Malgun Gothic"/>
                 <a:sym typeface="Malgun Gothic"/>
               </a:rPr>
-              <a:t> 통해 선택한 과목의 출석상태만 확인할 수 있다</a:t>
+              <a:t> 시간과 정보를 확인할 수 있다</a:t>
+            </a:r>
+            <a:r>
+              <a:rPr lang="en-US" altLang="ko-KR" sz="900" dirty="0">
+                <a:solidFill>
+                  <a:schemeClr val="dk1"/>
+                </a:solidFill>
+                <a:latin typeface="Malgun Gothic"/>
+                <a:ea typeface="Malgun Gothic"/>
+                <a:cs typeface="Malgun Gothic"/>
+                <a:sym typeface="Malgun Gothic"/>
+              </a:rPr>
+              <a:t>.</a:t>
+            </a:r>
+            <a:r>
+              <a:rPr lang="ko-KR" altLang="en-US" sz="900" dirty="0">
+                <a:solidFill>
+                  <a:schemeClr val="dk1"/>
+                </a:solidFill>
+                <a:latin typeface="Malgun Gothic"/>
+                <a:ea typeface="Malgun Gothic"/>
+                <a:cs typeface="Malgun Gothic"/>
+                <a:sym typeface="Malgun Gothic"/>
+              </a:rPr>
+              <a:t> </a:t>
             </a:r>
             <a:endParaRPr lang="en-US" altLang="ko-KR" sz="900" dirty="0">
               <a:solidFill>
@@ -22601,7 +21470,7 @@
                 <a:cs typeface="Malgun Gothic"/>
                 <a:sym typeface="Malgun Gothic"/>
               </a:rPr>
-              <a:t>메뉴선택화면으로 되돌아 간다</a:t>
+              <a:t>출석체크 화면으로 돌아간다</a:t>
             </a:r>
             <a:r>
               <a:rPr lang="en-US" altLang="ko-KR" sz="900" dirty="0">
@@ -22617,7 +21486,7 @@
             </a:r>
           </a:p>
           <a:p>
-            <a:pPr marL="177800" lvl="0" indent="-177800">
+            <a:pPr marL="285750" indent="-228600">
               <a:lnSpc>
                 <a:spcPct val="90000"/>
               </a:lnSpc>
@@ -22628,7 +21497,7 @@
                 <a:schemeClr val="dk1"/>
               </a:buClr>
               <a:buSzPts val="900"/>
-              <a:buFont typeface="Malgun Gothic"/>
+              <a:buFont typeface="Arial"/>
               <a:buAutoNum type="arabicParenR"/>
             </a:pPr>
             <a:r>
@@ -22641,7 +21510,31 @@
                 <a:cs typeface="Malgun Gothic"/>
                 <a:sym typeface="Malgun Gothic"/>
               </a:rPr>
-              <a:t>로그아웃을 한 뒤 로그인 화면으로 이동한다</a:t>
+              <a:t>로그아웃을 하고 </a:t>
+            </a:r>
+            <a:r>
+              <a:rPr lang="ko-KR" altLang="en-US" sz="900" dirty="0" err="1">
+                <a:solidFill>
+                  <a:schemeClr val="dk1"/>
+                </a:solidFill>
+                <a:latin typeface="Malgun Gothic"/>
+                <a:ea typeface="Malgun Gothic"/>
+                <a:cs typeface="Malgun Gothic"/>
+                <a:sym typeface="Malgun Gothic"/>
+              </a:rPr>
+              <a:t>로그인화면으로</a:t>
+            </a:r>
+            <a:r>
+              <a:rPr lang="ko-KR" altLang="en-US" sz="900" dirty="0">
+                <a:solidFill>
+                  <a:schemeClr val="dk1"/>
+                </a:solidFill>
+                <a:latin typeface="Malgun Gothic"/>
+                <a:ea typeface="Malgun Gothic"/>
+                <a:cs typeface="Malgun Gothic"/>
+                <a:sym typeface="Malgun Gothic"/>
+              </a:rPr>
+              <a:t> 돌아간다</a:t>
             </a:r>
             <a:r>
               <a:rPr lang="en-US" altLang="ko-KR" sz="900" dirty="0">
@@ -22657,7 +21550,7 @@
             </a:r>
           </a:p>
           <a:p>
-            <a:pPr marL="177800" lvl="0" indent="-177800">
+            <a:pPr marL="285750" indent="-228600">
               <a:lnSpc>
                 <a:spcPct val="90000"/>
               </a:lnSpc>
@@ -22668,9 +21561,133 @@
                 <a:schemeClr val="dk1"/>
               </a:buClr>
               <a:buSzPts val="900"/>
-              <a:buFont typeface="Malgun Gothic"/>
+              <a:buFont typeface="Arial"/>
               <a:buAutoNum type="arabicParenR"/>
             </a:pPr>
+            <a:r>
+              <a:rPr lang="ko-KR" altLang="en-US" sz="900" dirty="0">
+                <a:solidFill>
+                  <a:schemeClr val="dk1"/>
+                </a:solidFill>
+                <a:latin typeface="Malgun Gothic"/>
+                <a:ea typeface="Malgun Gothic"/>
+                <a:cs typeface="Malgun Gothic"/>
+                <a:sym typeface="Malgun Gothic"/>
+              </a:rPr>
+              <a:t>수업시작전 </a:t>
+            </a:r>
+            <a:r>
+              <a:rPr lang="en-US" altLang="ko-KR" sz="900" dirty="0">
+                <a:solidFill>
+                  <a:schemeClr val="dk1"/>
+                </a:solidFill>
+                <a:latin typeface="Malgun Gothic"/>
+                <a:ea typeface="Malgun Gothic"/>
+                <a:cs typeface="Malgun Gothic"/>
+                <a:sym typeface="Malgun Gothic"/>
+              </a:rPr>
+              <a:t>: </a:t>
+            </a:r>
+            <a:r>
+              <a:rPr lang="ko-KR" altLang="en-US" sz="900" dirty="0">
+                <a:solidFill>
+                  <a:schemeClr val="dk1"/>
+                </a:solidFill>
+                <a:latin typeface="Malgun Gothic"/>
+                <a:ea typeface="Malgun Gothic"/>
+                <a:cs typeface="Malgun Gothic"/>
+                <a:sym typeface="Malgun Gothic"/>
+              </a:rPr>
+              <a:t>수업시간이 아닙니다</a:t>
+            </a:r>
+            <a:r>
+              <a:rPr lang="en-US" altLang="ko-KR" sz="900" dirty="0">
+                <a:solidFill>
+                  <a:schemeClr val="dk1"/>
+                </a:solidFill>
+                <a:latin typeface="Malgun Gothic"/>
+                <a:ea typeface="Malgun Gothic"/>
+                <a:cs typeface="Malgun Gothic"/>
+                <a:sym typeface="Malgun Gothic"/>
+              </a:rPr>
+              <a:t>.</a:t>
+            </a:r>
+          </a:p>
+          <a:p>
+            <a:pPr marL="228600" lvl="3" indent="-171450">
+              <a:lnSpc>
+                <a:spcPct val="90000"/>
+              </a:lnSpc>
+              <a:spcBef>
+                <a:spcPts val="813"/>
+              </a:spcBef>
+              <a:buClr>
+                <a:schemeClr val="dk1"/>
+              </a:buClr>
+              <a:buSzPts val="900"/>
+              <a:buFontTx/>
+              <a:buChar char="-"/>
+            </a:pPr>
+            <a:r>
+              <a:rPr lang="ko-KR" altLang="en-US" sz="900" dirty="0">
+                <a:solidFill>
+                  <a:schemeClr val="dk1"/>
+                </a:solidFill>
+                <a:latin typeface="Malgun Gothic"/>
+                <a:ea typeface="Malgun Gothic"/>
+                <a:cs typeface="Malgun Gothic"/>
+                <a:sym typeface="Malgun Gothic"/>
+              </a:rPr>
+              <a:t>수업시작 </a:t>
+            </a:r>
+            <a:r>
+              <a:rPr lang="en-US" altLang="ko-KR" sz="900" dirty="0">
+                <a:solidFill>
+                  <a:schemeClr val="dk1"/>
+                </a:solidFill>
+                <a:latin typeface="Malgun Gothic"/>
+                <a:ea typeface="Malgun Gothic"/>
+                <a:cs typeface="Malgun Gothic"/>
+                <a:sym typeface="Malgun Gothic"/>
+              </a:rPr>
+              <a:t>20</a:t>
+            </a:r>
+            <a:r>
+              <a:rPr lang="ko-KR" altLang="en-US" sz="900" dirty="0">
+                <a:solidFill>
+                  <a:schemeClr val="dk1"/>
+                </a:solidFill>
+                <a:latin typeface="Malgun Gothic"/>
+                <a:ea typeface="Malgun Gothic"/>
+                <a:cs typeface="Malgun Gothic"/>
+                <a:sym typeface="Malgun Gothic"/>
+              </a:rPr>
+              <a:t>분전 </a:t>
+            </a:r>
+            <a:r>
+              <a:rPr lang="en-US" altLang="ko-KR" sz="900" dirty="0">
+                <a:solidFill>
+                  <a:schemeClr val="dk1"/>
+                </a:solidFill>
+                <a:latin typeface="Malgun Gothic"/>
+                <a:ea typeface="Malgun Gothic"/>
+                <a:cs typeface="Malgun Gothic"/>
+                <a:sym typeface="Malgun Gothic"/>
+              </a:rPr>
+              <a:t>: </a:t>
+            </a:r>
+            <a:r>
+              <a:rPr lang="ko-KR" altLang="en-US" sz="900" dirty="0">
+                <a:solidFill>
+                  <a:schemeClr val="dk1"/>
+                </a:solidFill>
+                <a:latin typeface="Malgun Gothic"/>
+                <a:ea typeface="Malgun Gothic"/>
+                <a:cs typeface="Malgun Gothic"/>
+                <a:sym typeface="Malgun Gothic"/>
+              </a:rPr>
+              <a:t>출석</a:t>
+            </a:r>
             <a:endParaRPr lang="en-US" altLang="ko-KR" sz="900" dirty="0">
               <a:solidFill>
                 <a:schemeClr val="dk1"/>
@@ -22682,7 +21699,7 @@
             </a:endParaRPr>
           </a:p>
           <a:p>
-            <a:pPr marL="177800" lvl="0" indent="-177800">
+            <a:pPr marL="228600" lvl="3" indent="-171450">
               <a:lnSpc>
                 <a:spcPct val="90000"/>
               </a:lnSpc>
@@ -22693,9 +21710,45 @@
                 <a:schemeClr val="dk1"/>
               </a:buClr>
               <a:buSzPts val="900"/>
-              <a:buFont typeface="Malgun Gothic"/>
-              <a:buAutoNum type="arabicParenR"/>
+              <a:buFontTx/>
+              <a:buChar char="-"/>
             </a:pPr>
+            <a:r>
+              <a:rPr lang="ko-KR" altLang="en-US" sz="900" dirty="0">
+                <a:solidFill>
+                  <a:schemeClr val="dk1"/>
+                </a:solidFill>
+                <a:latin typeface="Malgun Gothic"/>
+                <a:ea typeface="Malgun Gothic"/>
+                <a:cs typeface="Malgun Gothic"/>
+                <a:sym typeface="Malgun Gothic"/>
+              </a:rPr>
+              <a:t>수업시작 이후 </a:t>
+            </a:r>
+            <a:r>
+              <a:rPr lang="en-US" altLang="ko-KR" sz="900" dirty="0">
+                <a:solidFill>
+                  <a:schemeClr val="dk1"/>
+                </a:solidFill>
+                <a:latin typeface="Malgun Gothic"/>
+                <a:ea typeface="Malgun Gothic"/>
+                <a:cs typeface="Malgun Gothic"/>
+                <a:sym typeface="Malgun Gothic"/>
+              </a:rPr>
+              <a:t>: </a:t>
+            </a:r>
+            <a:r>
+              <a:rPr lang="ko-KR" altLang="en-US" sz="900" dirty="0">
+                <a:solidFill>
+                  <a:schemeClr val="dk1"/>
+                </a:solidFill>
+                <a:latin typeface="Malgun Gothic"/>
+                <a:ea typeface="Malgun Gothic"/>
+                <a:cs typeface="Malgun Gothic"/>
+                <a:sym typeface="Malgun Gothic"/>
+              </a:rPr>
+              <a:t>지각</a:t>
+            </a:r>
             <a:endParaRPr lang="en-US" altLang="ko-KR" sz="900" dirty="0">
               <a:solidFill>
                 <a:schemeClr val="dk1"/>
@@ -22707,7 +21760,7 @@
             </a:endParaRPr>
           </a:p>
           <a:p>
-            <a:pPr marL="177800" lvl="0" indent="-177800">
+            <a:pPr marL="228600" lvl="3" indent="-171450">
               <a:lnSpc>
                 <a:spcPct val="90000"/>
               </a:lnSpc>
@@ -22718,9 +21771,45 @@
                 <a:schemeClr val="dk1"/>
               </a:buClr>
               <a:buSzPts val="900"/>
-              <a:buFont typeface="Malgun Gothic"/>
-              <a:buAutoNum type="arabicParenR"/>
+              <a:buFontTx/>
+              <a:buChar char="-"/>
             </a:pPr>
+            <a:r>
+              <a:rPr lang="ko-KR" altLang="en-US" sz="900" dirty="0">
+                <a:solidFill>
+                  <a:schemeClr val="dk1"/>
+                </a:solidFill>
+                <a:latin typeface="Malgun Gothic"/>
+                <a:ea typeface="Malgun Gothic"/>
+                <a:cs typeface="Malgun Gothic"/>
+                <a:sym typeface="Malgun Gothic"/>
+              </a:rPr>
+              <a:t>수업종료 이후 </a:t>
+            </a:r>
+            <a:r>
+              <a:rPr lang="en-US" altLang="ko-KR" sz="900" dirty="0">
+                <a:solidFill>
+                  <a:schemeClr val="dk1"/>
+                </a:solidFill>
+                <a:latin typeface="Malgun Gothic"/>
+                <a:ea typeface="Malgun Gothic"/>
+                <a:cs typeface="Malgun Gothic"/>
+                <a:sym typeface="Malgun Gothic"/>
+              </a:rPr>
+              <a:t>: </a:t>
+            </a:r>
+            <a:r>
+              <a:rPr lang="ko-KR" altLang="en-US" sz="900" dirty="0">
+                <a:solidFill>
+                  <a:schemeClr val="dk1"/>
+                </a:solidFill>
+                <a:latin typeface="Malgun Gothic"/>
+                <a:ea typeface="Malgun Gothic"/>
+                <a:cs typeface="Malgun Gothic"/>
+                <a:sym typeface="Malgun Gothic"/>
+              </a:rPr>
+              <a:t>결석</a:t>
+            </a:r>
             <a:endParaRPr lang="en-US" altLang="ko-KR" sz="900" dirty="0">
               <a:solidFill>
                 <a:schemeClr val="dk1"/>
@@ -22732,7 +21821,7 @@
             </a:endParaRPr>
           </a:p>
           <a:p>
-            <a:pPr marL="177800" lvl="0" indent="-177800">
+            <a:pPr marL="57150" lvl="3">
               <a:lnSpc>
                 <a:spcPct val="90000"/>
               </a:lnSpc>
@@ -22743,58 +21832,6 @@
                 <a:schemeClr val="dk1"/>
               </a:buClr>
               <a:buSzPts val="900"/>
-              <a:buFont typeface="Malgun Gothic"/>
-              <a:buAutoNum type="arabicParenR"/>
-            </a:pPr>
-            <a:endParaRPr lang="en-US" altLang="ko-KR" sz="900" dirty="0">
-              <a:solidFill>
-                <a:schemeClr val="dk1"/>
-              </a:solidFill>
-              <a:latin typeface="Malgun Gothic"/>
-              <a:ea typeface="Malgun Gothic"/>
-              <a:cs typeface="Malgun Gothic"/>
-              <a:sym typeface="Malgun Gothic"/>
-            </a:endParaRPr>
-          </a:p>
-          <a:p>
-            <a:pPr marL="177800" lvl="0" indent="-177800">
-              <a:lnSpc>
-                <a:spcPct val="90000"/>
-              </a:lnSpc>
-              <a:spcBef>
-                <a:spcPts val="813"/>
-              </a:spcBef>
-              <a:buClr>
-                <a:schemeClr val="dk1"/>
-              </a:buClr>
-              <a:buSzPts val="900"/>
-              <a:buFont typeface="Malgun Gothic"/>
-              <a:buAutoNum type="arabicParenR"/>
-            </a:pPr>
-            <a:endParaRPr lang="en-US" altLang="ko-KR" sz="900" dirty="0">
-              <a:solidFill>
-                <a:schemeClr val="dk1"/>
-              </a:solidFill>
-              <a:latin typeface="Malgun Gothic"/>
-              <a:ea typeface="Malgun Gothic"/>
-              <a:cs typeface="Malgun Gothic"/>
-              <a:sym typeface="Malgun Gothic"/>
-            </a:endParaRPr>
-          </a:p>
-          <a:p>
-            <a:pPr marL="177800" lvl="0" indent="-177800">
-              <a:lnSpc>
-                <a:spcPct val="90000"/>
-              </a:lnSpc>
-              <a:spcBef>
-                <a:spcPts val="813"/>
-              </a:spcBef>
-              <a:buClr>
-                <a:schemeClr val="dk1"/>
-              </a:buClr>
-              <a:buSzPts val="900"/>
-              <a:buFont typeface="Malgun Gothic"/>
-              <a:buAutoNum type="arabicParenR"/>
             </a:pPr>
             <a:endParaRPr lang="en-US" altLang="ko-KR" sz="900" dirty="0">
               <a:solidFill>
@@ -23013,10 +22050,10 @@
       </p:sp>
       <p:pic>
         <p:nvPicPr>
-          <p:cNvPr id="4" name="그림 4">
+          <p:cNvPr id="16" name="그림 4">
             <a:extLst>
               <a:ext uri="{FF2B5EF4-FFF2-40B4-BE49-F238E27FC236}">
-                <a16:creationId xmlns:a16="http://schemas.microsoft.com/office/drawing/2014/main" id="{36B1BCA9-0C6E-4832-A501-C7F53864F532}"/>
+                <a16:creationId xmlns:a16="http://schemas.microsoft.com/office/drawing/2014/main" id="{83320D00-88F8-42DE-8BE2-7E0F3AAF58A9}"/>
               </a:ext>
             </a:extLst>
           </p:cNvPr>
@@ -23043,10 +22080,10 @@
       </p:pic>
       <p:graphicFrame>
         <p:nvGraphicFramePr>
-          <p:cNvPr id="23" name="표 22">
+          <p:cNvPr id="17" name="표 16">
             <a:extLst>
               <a:ext uri="{FF2B5EF4-FFF2-40B4-BE49-F238E27FC236}">
-                <a16:creationId xmlns:a16="http://schemas.microsoft.com/office/drawing/2014/main" id="{B992A8A8-D9F7-45B3-BB78-62151C112E58}"/>
+                <a16:creationId xmlns:a16="http://schemas.microsoft.com/office/drawing/2014/main" id="{6AD040B3-2799-4D91-854E-57683BA1CA86}"/>
               </a:ext>
             </a:extLst>
           </p:cNvPr>
@@ -23056,14 +22093,14 @@
           <p:nvPr>
             <p:extLst>
               <p:ext uri="{D42A27DB-BD31-4B8C-83A1-F6EECF244321}">
-                <p14:modId xmlns:p14="http://schemas.microsoft.com/office/powerpoint/2010/main" val="3887050449"/>
+                <p14:modId xmlns:p14="http://schemas.microsoft.com/office/powerpoint/2010/main" val="4095430253"/>
               </p:ext>
             </p:extLst>
           </p:nvPr>
         </p:nvGraphicFramePr>
         <p:xfrm>
-          <a:off x="763231" y="1518481"/>
-          <a:ext cx="7004729" cy="4147817"/>
+          <a:off x="763231" y="1901683"/>
+          <a:ext cx="7004729" cy="3764615"/>
         </p:xfrm>
         <a:graphic>
           <a:graphicData uri="http://schemas.openxmlformats.org/drawingml/2006/table">
@@ -23108,7 +22145,7 @@
                   </a:extLst>
                 </a:gridCol>
               </a:tblGrid>
-              <a:tr h="434438">
+              <a:tr h="394302">
                 <a:tc>
                   <a:txBody>
                     <a:bodyPr/>
@@ -23200,7 +22237,7 @@
                   </a:ext>
                 </a:extLst>
               </a:tr>
-              <a:tr h="950079">
+              <a:tr h="862304">
                 <a:tc>
                   <a:txBody>
                     <a:bodyPr/>
@@ -23332,7 +22369,7 @@
                   </a:ext>
                 </a:extLst>
               </a:tr>
-              <a:tr h="921100">
+              <a:tr h="836003">
                 <a:tc>
                   <a:txBody>
                     <a:bodyPr/>
@@ -23528,7 +22565,7 @@
                   </a:ext>
                 </a:extLst>
               </a:tr>
-              <a:tr h="921100">
+              <a:tr h="836003">
                 <a:tc>
                   <a:txBody>
                     <a:bodyPr/>
@@ -23699,7 +22736,7 @@
                   </a:ext>
                 </a:extLst>
               </a:tr>
-              <a:tr h="921100">
+              <a:tr h="836003">
                 <a:tc>
                   <a:txBody>
                     <a:bodyPr/>
@@ -23916,10 +22953,10 @@
       </p:graphicFrame>
       <p:sp>
         <p:nvSpPr>
-          <p:cNvPr id="24" name="Google Shape;199;p16">
+          <p:cNvPr id="18" name="Google Shape;199;p16">
             <a:extLst>
               <a:ext uri="{FF2B5EF4-FFF2-40B4-BE49-F238E27FC236}">
-                <a16:creationId xmlns:a16="http://schemas.microsoft.com/office/drawing/2014/main" id="{EE6D9A01-BDDD-40D4-AE3A-74E7947DA03D}"/>
+                <a16:creationId xmlns:a16="http://schemas.microsoft.com/office/drawing/2014/main" id="{EDBE0469-C42F-47AD-A395-71B50151FD3C}"/>
               </a:ext>
             </a:extLst>
           </p:cNvPr>
@@ -23979,10 +23016,10 @@
       </p:sp>
       <p:sp>
         <p:nvSpPr>
-          <p:cNvPr id="25" name="Google Shape;111;p13">
+          <p:cNvPr id="19" name="Google Shape;111;p13">
             <a:extLst>
               <a:ext uri="{FF2B5EF4-FFF2-40B4-BE49-F238E27FC236}">
-                <a16:creationId xmlns:a16="http://schemas.microsoft.com/office/drawing/2014/main" id="{F59D1251-EDE6-467C-85B7-D69A471BB44A}"/>
+                <a16:creationId xmlns:a16="http://schemas.microsoft.com/office/drawing/2014/main" id="{B35102B7-01F2-40BF-B9CC-AC4B951704A2}"/>
               </a:ext>
             </a:extLst>
           </p:cNvPr>
@@ -23991,7 +23028,7 @@
         </p:nvSpPr>
         <p:spPr>
           <a:xfrm>
-            <a:off x="6981869" y="1209966"/>
+            <a:off x="6970834" y="1538637"/>
             <a:ext cx="652582" cy="241995"/>
           </a:xfrm>
           <a:prstGeom prst="roundRect">
@@ -24051,10 +23088,10 @@
       </p:sp>
       <p:sp>
         <p:nvSpPr>
-          <p:cNvPr id="27" name="Google Shape;111;p13">
+          <p:cNvPr id="20" name="Google Shape;111;p13">
             <a:extLst>
               <a:ext uri="{FF2B5EF4-FFF2-40B4-BE49-F238E27FC236}">
-                <a16:creationId xmlns:a16="http://schemas.microsoft.com/office/drawing/2014/main" id="{B53B4D85-4D2F-45AD-B72C-F1128064E2E9}"/>
+                <a16:creationId xmlns:a16="http://schemas.microsoft.com/office/drawing/2014/main" id="{E76F87C7-E678-4E73-A10D-A121E843BA20}"/>
               </a:ext>
             </a:extLst>
           </p:cNvPr>
@@ -24063,7 +23100,7 @@
         </p:nvSpPr>
         <p:spPr>
           <a:xfrm>
-            <a:off x="6206062" y="1213045"/>
+            <a:off x="6195027" y="1541716"/>
             <a:ext cx="730564" cy="241995"/>
           </a:xfrm>
           <a:prstGeom prst="roundRect">
@@ -24092,7 +23129,7 @@
           <a:p>
             <a:pPr algn="ctr"/>
             <a:r>
-              <a:rPr lang="ko-KR" altLang="en-US" sz="900">
+              <a:rPr lang="ko-KR" altLang="en-US" sz="900" dirty="0">
                 <a:solidFill>
                   <a:srgbClr val="5F5F5F"/>
                 </a:solidFill>
@@ -24100,7 +23137,7 @@
                 <a:ea typeface="Quattrocento Sans"/>
                 <a:cs typeface="Quattrocento Sans"/>
               </a:rPr>
-              <a:t>출석확인</a:t>
+              <a:t>출석체크</a:t>
             </a:r>
             <a:endParaRPr lang="ko-KR" sz="900" dirty="0">
               <a:solidFill>
@@ -24115,10 +23152,10 @@
       </p:sp>
       <p:sp>
         <p:nvSpPr>
-          <p:cNvPr id="38" name="Google Shape;114;p13">
+          <p:cNvPr id="21" name="Google Shape;114;p13">
             <a:extLst>
               <a:ext uri="{FF2B5EF4-FFF2-40B4-BE49-F238E27FC236}">
-                <a16:creationId xmlns:a16="http://schemas.microsoft.com/office/drawing/2014/main" id="{478926E4-FBCC-4E24-851C-B6798F799F32}"/>
+                <a16:creationId xmlns:a16="http://schemas.microsoft.com/office/drawing/2014/main" id="{360BCAC7-E723-4655-BCA1-65988BAC2AB9}"/>
               </a:ext>
             </a:extLst>
           </p:cNvPr>
@@ -24127,7 +23164,7 @@
         </p:nvSpPr>
         <p:spPr>
           <a:xfrm>
-            <a:off x="6149072" y="1261906"/>
+            <a:off x="6130442" y="1492832"/>
             <a:ext cx="134937" cy="138113"/>
           </a:xfrm>
           <a:prstGeom prst="ellipse">
@@ -24194,10 +23231,10 @@
       </p:sp>
       <p:sp>
         <p:nvSpPr>
-          <p:cNvPr id="39" name="Google Shape;114;p13">
+          <p:cNvPr id="22" name="Google Shape;114;p13">
             <a:extLst>
               <a:ext uri="{FF2B5EF4-FFF2-40B4-BE49-F238E27FC236}">
-                <a16:creationId xmlns:a16="http://schemas.microsoft.com/office/drawing/2014/main" id="{6FAD8D35-1DBF-4FCF-9635-D4F5436D45D5}"/>
+                <a16:creationId xmlns:a16="http://schemas.microsoft.com/office/drawing/2014/main" id="{42E9CF5B-5534-42C2-A6B1-04439BF34AA9}"/>
               </a:ext>
             </a:extLst>
           </p:cNvPr>
@@ -24206,7 +23243,7 @@
         </p:nvSpPr>
         <p:spPr>
           <a:xfrm>
-            <a:off x="4116388" y="1908571"/>
+            <a:off x="6910885" y="1482078"/>
             <a:ext cx="134937" cy="138113"/>
           </a:xfrm>
           <a:prstGeom prst="ellipse">
@@ -24257,7 +23294,7 @@
                 <a:cs typeface="Malgun Gothic"/>
                 <a:sym typeface="Malgun Gothic"/>
               </a:rPr>
-              <a:t>1</a:t>
+              <a:t>4</a:t>
             </a:r>
             <a:endParaRPr sz="1000" b="1" i="0" u="none" strike="noStrike" cap="none" dirty="0">
               <a:solidFill>
@@ -24273,10 +23310,10 @@
       </p:sp>
       <p:sp>
         <p:nvSpPr>
-          <p:cNvPr id="40" name="Google Shape;114;p13">
+          <p:cNvPr id="26" name="Google Shape;111;p13">
             <a:extLst>
               <a:ext uri="{FF2B5EF4-FFF2-40B4-BE49-F238E27FC236}">
-                <a16:creationId xmlns:a16="http://schemas.microsoft.com/office/drawing/2014/main" id="{FC3EC677-D6F2-4E1F-8F8C-3EA6060B9CEB}"/>
+                <a16:creationId xmlns:a16="http://schemas.microsoft.com/office/drawing/2014/main" id="{E4038EF8-7647-4382-B122-80560C09392D}"/>
               </a:ext>
             </a:extLst>
           </p:cNvPr>
@@ -24285,7 +23322,294 @@
         </p:nvSpPr>
         <p:spPr>
           <a:xfrm>
-            <a:off x="5909129" y="1894036"/>
+            <a:off x="6970834" y="1208768"/>
+            <a:ext cx="652582" cy="241995"/>
+          </a:xfrm>
+          <a:prstGeom prst="roundRect">
+            <a:avLst>
+              <a:gd name="adj" fmla="val 8776"/>
+            </a:avLst>
+          </a:prstGeom>
+          <a:solidFill>
+            <a:srgbClr val="F2F2F2"/>
+          </a:solidFill>
+          <a:ln w="9525" cap="flat" cmpd="sng">
+            <a:solidFill>
+              <a:srgbClr val="808080"/>
+            </a:solidFill>
+            <a:prstDash val="solid"/>
+            <a:round/>
+            <a:headEnd type="none" w="sm" len="sm"/>
+            <a:tailEnd type="none" w="sm" len="sm"/>
+          </a:ln>
+        </p:spPr>
+        <p:txBody>
+          <a:bodyPr spcFirstLastPara="1" wrap="square" lIns="91425" tIns="45700" rIns="91425" bIns="45700" anchor="ctr" anchorCtr="0">
+            <a:noAutofit/>
+          </a:bodyPr>
+          <a:lstStyle/>
+          <a:p>
+            <a:pPr marL="0" marR="0" lvl="0" indent="0" algn="l" rtl="0">
+              <a:spcBef>
+                <a:spcPts val="0"/>
+              </a:spcBef>
+              <a:spcAft>
+                <a:spcPts val="0"/>
+              </a:spcAft>
+              <a:buNone/>
+            </a:pPr>
+            <a:r>
+              <a:rPr lang="ko-KR" altLang="en-US" sz="900" dirty="0">
+                <a:solidFill>
+                  <a:srgbClr val="5F5F5F"/>
+                </a:solidFill>
+                <a:latin typeface="Quattrocento Sans"/>
+                <a:ea typeface="Quattrocento Sans"/>
+                <a:cs typeface="Quattrocento Sans"/>
+              </a:rPr>
+              <a:t>출석확인</a:t>
+            </a:r>
+            <a:endParaRPr lang="ko-KR" altLang="en-US" sz="900" b="0" i="0" u="none" strike="noStrike" cap="none" dirty="0">
+              <a:solidFill>
+                <a:srgbClr val="5F5F5F"/>
+              </a:solidFill>
+              <a:latin typeface="Quattrocento Sans"/>
+              <a:ea typeface="Quattrocento Sans"/>
+              <a:cs typeface="Quattrocento Sans"/>
+            </a:endParaRPr>
+          </a:p>
+        </p:txBody>
+      </p:sp>
+      <p:grpSp>
+        <p:nvGrpSpPr>
+          <p:cNvPr id="28" name="그룹 27">
+            <a:extLst>
+              <a:ext uri="{FF2B5EF4-FFF2-40B4-BE49-F238E27FC236}">
+                <a16:creationId xmlns:a16="http://schemas.microsoft.com/office/drawing/2014/main" id="{A7AD5E89-4F66-4FDB-B5E1-560F64093165}"/>
+              </a:ext>
+            </a:extLst>
+          </p:cNvPr>
+          <p:cNvGrpSpPr/>
+          <p:nvPr/>
+        </p:nvGrpSpPr>
+        <p:grpSpPr>
+          <a:xfrm>
+            <a:off x="5743971" y="1135853"/>
+            <a:ext cx="1181620" cy="314910"/>
+            <a:chOff x="3079591" y="2700118"/>
+            <a:chExt cx="1181620" cy="314910"/>
+          </a:xfrm>
+        </p:grpSpPr>
+        <p:sp>
+          <p:nvSpPr>
+            <p:cNvPr id="29" name="직사각형 28">
+              <a:extLst>
+                <a:ext uri="{FF2B5EF4-FFF2-40B4-BE49-F238E27FC236}">
+                  <a16:creationId xmlns:a16="http://schemas.microsoft.com/office/drawing/2014/main" id="{A82BD4E2-6C00-4B49-9554-3E042AE2891F}"/>
+                </a:ext>
+              </a:extLst>
+            </p:cNvPr>
+            <p:cNvSpPr/>
+            <p:nvPr/>
+          </p:nvSpPr>
+          <p:spPr>
+            <a:xfrm>
+              <a:off x="3147060" y="2773033"/>
+              <a:ext cx="1114151" cy="241995"/>
+            </a:xfrm>
+            <a:prstGeom prst="rect">
+              <a:avLst/>
+            </a:prstGeom>
+            <a:noFill/>
+            <a:ln>
+              <a:solidFill>
+                <a:schemeClr val="tx1"/>
+              </a:solidFill>
+            </a:ln>
+          </p:spPr>
+          <p:style>
+            <a:lnRef idx="2">
+              <a:schemeClr val="accent1">
+                <a:shade val="50000"/>
+              </a:schemeClr>
+            </a:lnRef>
+            <a:fillRef idx="1">
+              <a:schemeClr val="accent1"/>
+            </a:fillRef>
+            <a:effectRef idx="0">
+              <a:schemeClr val="accent1"/>
+            </a:effectRef>
+            <a:fontRef idx="minor">
+              <a:schemeClr val="lt1"/>
+            </a:fontRef>
+          </p:style>
+          <p:txBody>
+            <a:bodyPr rtlCol="0" anchor="ctr"/>
+            <a:lstStyle/>
+            <a:p>
+              <a:r>
+                <a:rPr lang="ko-KR" altLang="en-US" sz="900" dirty="0">
+                  <a:solidFill>
+                    <a:srgbClr val="5F5F5F"/>
+                  </a:solidFill>
+                  <a:latin typeface="Quattrocento Sans"/>
+                  <a:ea typeface="Quattrocento Sans"/>
+                  <a:cs typeface="Quattrocento Sans"/>
+                </a:rPr>
+                <a:t>수강과목 선택</a:t>
+              </a:r>
+            </a:p>
+          </p:txBody>
+        </p:sp>
+        <p:sp>
+          <p:nvSpPr>
+            <p:cNvPr id="30" name="Google Shape;114;p13">
+              <a:extLst>
+                <a:ext uri="{FF2B5EF4-FFF2-40B4-BE49-F238E27FC236}">
+                  <a16:creationId xmlns:a16="http://schemas.microsoft.com/office/drawing/2014/main" id="{D6078370-6A1F-40F3-ACDB-9EAC81C4782E}"/>
+                </a:ext>
+              </a:extLst>
+            </p:cNvPr>
+            <p:cNvSpPr/>
+            <p:nvPr/>
+          </p:nvSpPr>
+          <p:spPr>
+            <a:xfrm>
+              <a:off x="3079591" y="2700118"/>
+              <a:ext cx="134937" cy="138113"/>
+            </a:xfrm>
+            <a:prstGeom prst="ellipse">
+              <a:avLst/>
+            </a:prstGeom>
+            <a:solidFill>
+              <a:srgbClr val="D60C0C"/>
+            </a:solidFill>
+            <a:ln w="19050" cap="flat" cmpd="sng">
+              <a:solidFill>
+                <a:schemeClr val="lt1"/>
+              </a:solidFill>
+              <a:prstDash val="solid"/>
+              <a:miter lim="800000"/>
+              <a:headEnd type="none" w="sm" len="sm"/>
+              <a:tailEnd type="none" w="sm" len="sm"/>
+            </a:ln>
+            <a:effectLst>
+              <a:outerShdw blurRad="50800" dist="38100" dir="2700000" algn="tl" rotWithShape="0">
+                <a:srgbClr val="000000">
+                  <a:alpha val="40000"/>
+                </a:srgbClr>
+              </a:outerShdw>
+            </a:effectLst>
+          </p:spPr>
+          <p:txBody>
+            <a:bodyPr spcFirstLastPara="1" wrap="square" lIns="91425" tIns="45700" rIns="91425" bIns="45700" anchor="ctr" anchorCtr="0">
+              <a:noAutofit/>
+            </a:bodyPr>
+            <a:lstStyle/>
+            <a:p>
+              <a:pPr marL="0" marR="0" lvl="0" indent="0" algn="ctr" rtl="0">
+                <a:spcBef>
+                  <a:spcPts val="0"/>
+                </a:spcBef>
+                <a:spcAft>
+                  <a:spcPts val="0"/>
+                </a:spcAft>
+                <a:buNone/>
+              </a:pPr>
+              <a:r>
+                <a:rPr lang="en-US" altLang="ko-KR" sz="1000" b="1" i="0" u="none" strike="noStrike" cap="none" dirty="0">
+                  <a:solidFill>
+                    <a:schemeClr val="lt1"/>
+                  </a:solidFill>
+                  <a:latin typeface="Malgun Gothic"/>
+                  <a:ea typeface="Malgun Gothic"/>
+                  <a:cs typeface="Malgun Gothic"/>
+                  <a:sym typeface="Malgun Gothic"/>
+                </a:rPr>
+                <a:t>1</a:t>
+              </a:r>
+              <a:endParaRPr sz="1000" b="1" i="0" u="none" strike="noStrike" cap="none" dirty="0">
+                <a:solidFill>
+                  <a:schemeClr val="lt1"/>
+                </a:solidFill>
+                <a:latin typeface="Malgun Gothic"/>
+                <a:ea typeface="Malgun Gothic"/>
+                <a:cs typeface="Malgun Gothic"/>
+                <a:sym typeface="Malgun Gothic"/>
+              </a:endParaRPr>
+            </a:p>
+          </p:txBody>
+        </p:sp>
+        <p:sp>
+          <p:nvSpPr>
+            <p:cNvPr id="31" name="이등변 삼각형 30">
+              <a:extLst>
+                <a:ext uri="{FF2B5EF4-FFF2-40B4-BE49-F238E27FC236}">
+                  <a16:creationId xmlns:a16="http://schemas.microsoft.com/office/drawing/2014/main" id="{CD715A6B-32AB-4209-8D39-B91DCF8D9315}"/>
+                </a:ext>
+              </a:extLst>
+            </p:cNvPr>
+            <p:cNvSpPr/>
+            <p:nvPr/>
+          </p:nvSpPr>
+          <p:spPr>
+            <a:xfrm rot="10800000">
+              <a:off x="4017975" y="2804583"/>
+              <a:ext cx="222250" cy="191595"/>
+            </a:xfrm>
+            <a:prstGeom prst="triangle">
+              <a:avLst/>
+            </a:prstGeom>
+            <a:solidFill>
+              <a:schemeClr val="tx2">
+                <a:lumMod val="75000"/>
+              </a:schemeClr>
+            </a:solidFill>
+            <a:ln>
+              <a:noFill/>
+            </a:ln>
+          </p:spPr>
+          <p:style>
+            <a:lnRef idx="2">
+              <a:schemeClr val="accent1">
+                <a:shade val="50000"/>
+              </a:schemeClr>
+            </a:lnRef>
+            <a:fillRef idx="1">
+              <a:schemeClr val="accent1"/>
+            </a:fillRef>
+            <a:effectRef idx="0">
+              <a:schemeClr val="accent1"/>
+            </a:effectRef>
+            <a:fontRef idx="minor">
+              <a:schemeClr val="lt1"/>
+            </a:fontRef>
+          </p:style>
+          <p:txBody>
+            <a:bodyPr rtlCol="0" anchor="ctr"/>
+            <a:lstStyle/>
+            <a:p>
+              <a:pPr algn="ctr"/>
+              <a:endParaRPr lang="ko-KR" altLang="en-US"/>
+            </a:p>
+          </p:txBody>
+        </p:sp>
+      </p:grpSp>
+      <p:sp>
+        <p:nvSpPr>
+          <p:cNvPr id="32" name="Google Shape;114;p13">
+            <a:extLst>
+              <a:ext uri="{FF2B5EF4-FFF2-40B4-BE49-F238E27FC236}">
+                <a16:creationId xmlns:a16="http://schemas.microsoft.com/office/drawing/2014/main" id="{4B94C470-F2CC-4A6C-A22D-366455A811CA}"/>
+              </a:ext>
+            </a:extLst>
+          </p:cNvPr>
+          <p:cNvSpPr/>
+          <p:nvPr/>
+        </p:nvSpPr>
+        <p:spPr>
+          <a:xfrm>
+            <a:off x="6910885" y="1141443"/>
             <a:ext cx="134937" cy="138113"/>
           </a:xfrm>
           <a:prstGeom prst="ellipse">
@@ -24352,10 +23676,10 @@
       </p:sp>
       <p:sp>
         <p:nvSpPr>
-          <p:cNvPr id="15" name="Google Shape;114;p13">
+          <p:cNvPr id="33" name="Google Shape;114;p13">
             <a:extLst>
               <a:ext uri="{FF2B5EF4-FFF2-40B4-BE49-F238E27FC236}">
-                <a16:creationId xmlns:a16="http://schemas.microsoft.com/office/drawing/2014/main" id="{478926E4-FBCC-4E24-851C-B6798F799F32}"/>
+                <a16:creationId xmlns:a16="http://schemas.microsoft.com/office/drawing/2014/main" id="{76B89B93-ED7B-48DC-98DD-6EB80B2C3DEF}"/>
               </a:ext>
             </a:extLst>
           </p:cNvPr>
@@ -24364,7 +23688,7 @@
         </p:nvSpPr>
         <p:spPr>
           <a:xfrm>
-            <a:off x="6936626" y="1276193"/>
+            <a:off x="6265379" y="2258662"/>
             <a:ext cx="134937" cy="138113"/>
           </a:xfrm>
           <a:prstGeom prst="ellipse">
@@ -24415,7 +23739,2466 @@
                 <a:cs typeface="Malgun Gothic"/>
                 <a:sym typeface="Malgun Gothic"/>
               </a:rPr>
-              <a:t>4</a:t>
+              <a:t>5</a:t>
+            </a:r>
+          </a:p>
+        </p:txBody>
+      </p:sp>
+    </p:spTree>
+    <p:extLst>
+      <p:ext uri="{BB962C8B-B14F-4D97-AF65-F5344CB8AC3E}">
+        <p14:creationId xmlns:p14="http://schemas.microsoft.com/office/powerpoint/2010/main" val="76227941"/>
+      </p:ext>
+    </p:extLst>
+  </p:cSld>
+  <p:clrMapOvr>
+    <a:masterClrMapping/>
+  </p:clrMapOvr>
+</p:sld>
+</file>
+
+<file path=ppt/slides/slide8.xml><?xml version="1.0" encoding="utf-8"?>
+<p:sld xmlns:a="http://schemas.openxmlformats.org/drawingml/2006/main" xmlns:r="http://schemas.openxmlformats.org/officeDocument/2006/relationships" xmlns:p="http://schemas.openxmlformats.org/presentationml/2006/main">
+  <p:cSld>
+    <p:spTree>
+      <p:nvGrpSpPr>
+        <p:cNvPr id="1" name="Shape 73"/>
+        <p:cNvGrpSpPr/>
+        <p:nvPr/>
+      </p:nvGrpSpPr>
+      <p:grpSpPr>
+        <a:xfrm>
+          <a:off x="0" y="0"/>
+          <a:ext cx="0" cy="0"/>
+          <a:chOff x="0" y="0"/>
+          <a:chExt cx="0" cy="0"/>
+        </a:xfrm>
+      </p:grpSpPr>
+      <p:sp>
+        <p:nvSpPr>
+          <p:cNvPr id="74" name="Google Shape;74;p12"/>
+          <p:cNvSpPr/>
+          <p:nvPr/>
+        </p:nvSpPr>
+        <p:spPr>
+          <a:xfrm>
+            <a:off x="1517651" y="184150"/>
+            <a:ext cx="8188325" cy="212725"/>
+          </a:xfrm>
+          <a:prstGeom prst="rect">
+            <a:avLst/>
+          </a:prstGeom>
+          <a:noFill/>
+          <a:ln>
+            <a:noFill/>
+          </a:ln>
+        </p:spPr>
+        <p:txBody>
+          <a:bodyPr spcFirstLastPara="1" wrap="square" lIns="36000" tIns="72000" rIns="36000" bIns="36000" anchor="ctr" anchorCtr="0">
+            <a:noAutofit/>
+          </a:bodyPr>
+          <a:lstStyle/>
+          <a:p>
+            <a:pPr>
+              <a:lnSpc>
+                <a:spcPct val="90000"/>
+              </a:lnSpc>
+            </a:pPr>
+            <a:r>
+              <a:rPr lang="ko-KR" altLang="en-US" sz="900" dirty="0">
+                <a:solidFill>
+                  <a:schemeClr val="dk1"/>
+                </a:solidFill>
+                <a:latin typeface="Malgun Gothic"/>
+                <a:ea typeface="Malgun Gothic"/>
+                <a:cs typeface="Malgun Gothic"/>
+                <a:sym typeface="Malgun Gothic"/>
+              </a:rPr>
+              <a:t>학생 회원가입</a:t>
+            </a:r>
+            <a:endParaRPr lang="ko-KR" altLang="en-US" sz="900" dirty="0">
+              <a:solidFill>
+                <a:schemeClr val="dk1"/>
+              </a:solidFill>
+              <a:latin typeface="Malgun Gothic"/>
+              <a:ea typeface="Malgun Gothic"/>
+            </a:endParaRPr>
+          </a:p>
+        </p:txBody>
+      </p:sp>
+      <p:sp>
+        <p:nvSpPr>
+          <p:cNvPr id="75" name="Google Shape;75;p12"/>
+          <p:cNvSpPr/>
+          <p:nvPr/>
+        </p:nvSpPr>
+        <p:spPr>
+          <a:xfrm>
+            <a:off x="1517651" y="427038"/>
+            <a:ext cx="3221037" cy="211137"/>
+          </a:xfrm>
+          <a:prstGeom prst="rect">
+            <a:avLst/>
+          </a:prstGeom>
+          <a:noFill/>
+          <a:ln>
+            <a:noFill/>
+          </a:ln>
+        </p:spPr>
+        <p:txBody>
+          <a:bodyPr spcFirstLastPara="1" wrap="square" lIns="36000" tIns="45700" rIns="36000" bIns="45700" anchor="ctr" anchorCtr="0">
+            <a:noAutofit/>
+          </a:bodyPr>
+          <a:lstStyle/>
+          <a:p>
+            <a:pPr>
+              <a:lnSpc>
+                <a:spcPct val="90000"/>
+              </a:lnSpc>
+              <a:buClr>
+                <a:schemeClr val="dk1"/>
+              </a:buClr>
+              <a:buSzPts val="900"/>
+            </a:pPr>
+            <a:r>
+              <a:rPr lang="ko-KR" altLang="en-US" sz="900" dirty="0">
+                <a:solidFill>
+                  <a:schemeClr val="dk1"/>
+                </a:solidFill>
+                <a:latin typeface="Malgun Gothic"/>
+                <a:ea typeface="Malgun Gothic"/>
+                <a:cs typeface="Malgun Gothic"/>
+                <a:sym typeface="Malgun Gothic"/>
+              </a:rPr>
+              <a:t>출결 확인 및 상태 </a:t>
+            </a:r>
+            <a:r>
+              <a:rPr lang="ko-KR" altLang="en-US" sz="900" dirty="0">
+                <a:solidFill>
+                  <a:schemeClr val="dk1"/>
+                </a:solidFill>
+                <a:latin typeface="Malgun Gothic"/>
+                <a:ea typeface="Malgun Gothic"/>
+                <a:sym typeface="Malgun Gothic"/>
+              </a:rPr>
+              <a:t>화면</a:t>
+            </a:r>
+            <a:endParaRPr dirty="0" err="1">
+              <a:solidFill>
+                <a:schemeClr val="dk1"/>
+              </a:solidFill>
+            </a:endParaRPr>
+          </a:p>
+        </p:txBody>
+      </p:sp>
+      <p:sp>
+        <p:nvSpPr>
+          <p:cNvPr id="76" name="Google Shape;76;p12"/>
+          <p:cNvSpPr/>
+          <p:nvPr/>
+        </p:nvSpPr>
+        <p:spPr>
+          <a:xfrm>
+            <a:off x="5772151" y="427038"/>
+            <a:ext cx="3933825" cy="211137"/>
+          </a:xfrm>
+          <a:prstGeom prst="rect">
+            <a:avLst/>
+          </a:prstGeom>
+          <a:noFill/>
+          <a:ln>
+            <a:noFill/>
+          </a:ln>
+        </p:spPr>
+        <p:txBody>
+          <a:bodyPr spcFirstLastPara="1" wrap="square" lIns="36000" tIns="45700" rIns="36000" bIns="45700" anchor="ctr" anchorCtr="0">
+            <a:noAutofit/>
+          </a:bodyPr>
+          <a:lstStyle/>
+          <a:p>
+            <a:pPr marL="0" marR="0" lvl="0" indent="0" algn="l" rtl="0">
+              <a:lnSpc>
+                <a:spcPct val="90000"/>
+              </a:lnSpc>
+              <a:spcBef>
+                <a:spcPts val="0"/>
+              </a:spcBef>
+              <a:spcAft>
+                <a:spcPts val="0"/>
+              </a:spcAft>
+              <a:buClr>
+                <a:schemeClr val="dk1"/>
+              </a:buClr>
+              <a:buSzPts val="900"/>
+              <a:buFont typeface="Arial"/>
+              <a:buNone/>
+            </a:pPr>
+            <a:r>
+              <a:rPr lang="ko-KR" sz="900" b="0" i="0" u="none" strike="noStrike" cap="none">
+                <a:solidFill>
+                  <a:schemeClr val="dk1"/>
+                </a:solidFill>
+                <a:latin typeface="Malgun Gothic"/>
+                <a:ea typeface="Malgun Gothic"/>
+                <a:cs typeface="Malgun Gothic"/>
+                <a:sym typeface="Malgun Gothic"/>
+              </a:rPr>
+              <a:t>PCU-001-01</a:t>
+            </a:r>
+            <a:endParaRPr sz="900" b="0" i="0" u="none" strike="noStrike" cap="none">
+              <a:solidFill>
+                <a:schemeClr val="dk1"/>
+              </a:solidFill>
+              <a:latin typeface="Malgun Gothic"/>
+              <a:ea typeface="Malgun Gothic"/>
+              <a:cs typeface="Malgun Gothic"/>
+              <a:sym typeface="Malgun Gothic"/>
+            </a:endParaRPr>
+          </a:p>
+        </p:txBody>
+      </p:sp>
+      <p:sp>
+        <p:nvSpPr>
+          <p:cNvPr id="77" name="Google Shape;77;p12"/>
+          <p:cNvSpPr/>
+          <p:nvPr/>
+        </p:nvSpPr>
+        <p:spPr>
+          <a:xfrm>
+            <a:off x="8056563" y="652463"/>
+            <a:ext cx="1657350" cy="5507037"/>
+          </a:xfrm>
+          <a:prstGeom prst="rect">
+            <a:avLst/>
+          </a:prstGeom>
+          <a:noFill/>
+          <a:ln>
+            <a:noFill/>
+          </a:ln>
+        </p:spPr>
+        <p:txBody>
+          <a:bodyPr spcFirstLastPara="1" wrap="square" lIns="36000" tIns="45700" rIns="36000" bIns="45700" anchor="t" anchorCtr="0">
+            <a:noAutofit/>
+          </a:bodyPr>
+          <a:lstStyle/>
+          <a:p>
+            <a:pPr marL="0" marR="0" lvl="0" indent="0" algn="l" rtl="0">
+              <a:lnSpc>
+                <a:spcPct val="90000"/>
+              </a:lnSpc>
+              <a:spcBef>
+                <a:spcPts val="0"/>
+              </a:spcBef>
+              <a:spcAft>
+                <a:spcPts val="0"/>
+              </a:spcAft>
+              <a:buClr>
+                <a:schemeClr val="dk1"/>
+              </a:buClr>
+              <a:buSzPts val="900"/>
+              <a:buFont typeface="Malgun Gothic"/>
+              <a:buNone/>
+            </a:pPr>
+            <a:r>
+              <a:rPr lang="ko-KR" sz="900" b="0" i="0" u="none" strike="noStrike" cap="none" dirty="0">
+                <a:solidFill>
+                  <a:schemeClr val="dk1"/>
+                </a:solidFill>
+                <a:latin typeface="Malgun Gothic"/>
+                <a:ea typeface="Malgun Gothic"/>
+                <a:cs typeface="Malgun Gothic"/>
+                <a:sym typeface="Malgun Gothic"/>
+              </a:rPr>
+              <a:t>화면정의 : </a:t>
+            </a:r>
+            <a:endParaRPr dirty="0"/>
+          </a:p>
+          <a:p>
+            <a:pPr marL="177800" marR="0" lvl="0" indent="-120650" rtl="0">
+              <a:lnSpc>
+                <a:spcPct val="90000"/>
+              </a:lnSpc>
+              <a:spcBef>
+                <a:spcPts val="813"/>
+              </a:spcBef>
+              <a:spcAft>
+                <a:spcPts val="0"/>
+              </a:spcAft>
+              <a:buClr>
+                <a:schemeClr val="dk1"/>
+              </a:buClr>
+              <a:buSzPts val="900"/>
+              <a:buFont typeface="Malgun Gothic"/>
+              <a:buNone/>
+            </a:pPr>
+            <a:r>
+              <a:rPr lang="ko-KR" altLang="en-US" sz="900" b="0" i="0" u="none" strike="noStrike" cap="none" dirty="0">
+                <a:solidFill>
+                  <a:schemeClr val="dk1"/>
+                </a:solidFill>
+                <a:latin typeface="Malgun Gothic"/>
+                <a:ea typeface="Malgun Gothic"/>
+                <a:cs typeface="Malgun Gothic"/>
+                <a:sym typeface="Malgun Gothic"/>
+              </a:rPr>
+              <a:t>관리자가 과목 별로 수강중인 학생과 학생 별 </a:t>
+            </a:r>
+            <a:r>
+              <a:rPr lang="ko-KR" altLang="en-US" sz="900" b="0" i="0" u="none" strike="noStrike" cap="none" dirty="0" err="1">
+                <a:solidFill>
+                  <a:schemeClr val="dk1"/>
+                </a:solidFill>
+                <a:latin typeface="Malgun Gothic"/>
+                <a:ea typeface="Malgun Gothic"/>
+                <a:cs typeface="Malgun Gothic"/>
+                <a:sym typeface="Malgun Gothic"/>
+              </a:rPr>
+              <a:t>출결상태를</a:t>
+            </a:r>
+            <a:r>
+              <a:rPr lang="ko-KR" altLang="en-US" sz="900" b="0" i="0" u="none" strike="noStrike" cap="none" dirty="0">
+                <a:solidFill>
+                  <a:schemeClr val="dk1"/>
+                </a:solidFill>
+                <a:latin typeface="Malgun Gothic"/>
+                <a:ea typeface="Malgun Gothic"/>
+                <a:cs typeface="Malgun Gothic"/>
+                <a:sym typeface="Malgun Gothic"/>
+              </a:rPr>
+              <a:t> 확인할 수 있다</a:t>
+            </a:r>
+            <a:r>
+              <a:rPr lang="en-US" altLang="ko-KR" sz="900" b="0" i="0" u="none" strike="noStrike" cap="none" dirty="0">
+                <a:solidFill>
+                  <a:schemeClr val="dk1"/>
+                </a:solidFill>
+                <a:latin typeface="Malgun Gothic"/>
+                <a:ea typeface="Malgun Gothic"/>
+                <a:cs typeface="Malgun Gothic"/>
+                <a:sym typeface="Malgun Gothic"/>
+              </a:rPr>
+              <a:t>.</a:t>
+            </a:r>
+          </a:p>
+          <a:p>
+            <a:pPr marL="285750" indent="-228600">
+              <a:lnSpc>
+                <a:spcPct val="90000"/>
+              </a:lnSpc>
+              <a:spcBef>
+                <a:spcPts val="813"/>
+              </a:spcBef>
+              <a:buClr>
+                <a:schemeClr val="dk1"/>
+              </a:buClr>
+              <a:buSzPts val="900"/>
+              <a:buAutoNum type="arabicParenR"/>
+            </a:pPr>
+            <a:r>
+              <a:rPr lang="ko-KR" altLang="en-US" sz="900" dirty="0" err="1">
+                <a:solidFill>
+                  <a:schemeClr val="dk1"/>
+                </a:solidFill>
+                <a:latin typeface="Malgun Gothic"/>
+                <a:ea typeface="Malgun Gothic"/>
+                <a:cs typeface="Malgun Gothic"/>
+                <a:sym typeface="Malgun Gothic"/>
+              </a:rPr>
+              <a:t>콤보박스에서</a:t>
+            </a:r>
+            <a:r>
+              <a:rPr lang="ko-KR" altLang="en-US" sz="900" dirty="0">
+                <a:solidFill>
+                  <a:schemeClr val="dk1"/>
+                </a:solidFill>
+                <a:latin typeface="Malgun Gothic"/>
+                <a:ea typeface="Malgun Gothic"/>
+                <a:cs typeface="Malgun Gothic"/>
+                <a:sym typeface="Malgun Gothic"/>
+              </a:rPr>
+              <a:t> 현재 등록되어 있는 모든 과목을 확인 할 수 있다</a:t>
+            </a:r>
+            <a:r>
+              <a:rPr lang="en-US" altLang="ko-KR" sz="900" dirty="0">
+                <a:solidFill>
+                  <a:schemeClr val="dk1"/>
+                </a:solidFill>
+                <a:latin typeface="Malgun Gothic"/>
+                <a:ea typeface="Malgun Gothic"/>
+                <a:cs typeface="Malgun Gothic"/>
+                <a:sym typeface="Malgun Gothic"/>
+              </a:rPr>
+              <a:t>.</a:t>
+            </a:r>
+          </a:p>
+          <a:p>
+            <a:pPr marL="285750" indent="-228600">
+              <a:lnSpc>
+                <a:spcPct val="90000"/>
+              </a:lnSpc>
+              <a:spcBef>
+                <a:spcPts val="813"/>
+              </a:spcBef>
+              <a:buClr>
+                <a:schemeClr val="dk1"/>
+              </a:buClr>
+              <a:buSzPts val="900"/>
+              <a:buAutoNum type="arabicParenR"/>
+            </a:pPr>
+            <a:r>
+              <a:rPr lang="ko-KR" altLang="en-US" sz="900" dirty="0" err="1">
+                <a:solidFill>
+                  <a:schemeClr val="dk1"/>
+                </a:solidFill>
+                <a:latin typeface="Malgun Gothic"/>
+                <a:ea typeface="Malgun Gothic"/>
+                <a:cs typeface="Malgun Gothic"/>
+                <a:sym typeface="Malgun Gothic"/>
+              </a:rPr>
+              <a:t>콤보박스를</a:t>
+            </a:r>
+            <a:r>
+              <a:rPr lang="ko-KR" altLang="en-US" sz="900" dirty="0">
+                <a:solidFill>
+                  <a:schemeClr val="dk1"/>
+                </a:solidFill>
+                <a:latin typeface="Malgun Gothic"/>
+                <a:ea typeface="Malgun Gothic"/>
+                <a:cs typeface="Malgun Gothic"/>
+                <a:sym typeface="Malgun Gothic"/>
+              </a:rPr>
+              <a:t> 통해 과목을 선택한 후 조회하여 해당과목의 수강중인 학생과 해당 학생의 </a:t>
+            </a:r>
+            <a:r>
+              <a:rPr lang="ko-KR" altLang="en-US" sz="900" dirty="0" err="1">
+                <a:solidFill>
+                  <a:schemeClr val="dk1"/>
+                </a:solidFill>
+                <a:latin typeface="Malgun Gothic"/>
+                <a:ea typeface="Malgun Gothic"/>
+                <a:cs typeface="Malgun Gothic"/>
+                <a:sym typeface="Malgun Gothic"/>
+              </a:rPr>
+              <a:t>출결상태를</a:t>
+            </a:r>
+            <a:r>
+              <a:rPr lang="ko-KR" altLang="en-US" sz="900" dirty="0">
+                <a:solidFill>
+                  <a:schemeClr val="dk1"/>
+                </a:solidFill>
+                <a:latin typeface="Malgun Gothic"/>
+                <a:ea typeface="Malgun Gothic"/>
+                <a:cs typeface="Malgun Gothic"/>
+                <a:sym typeface="Malgun Gothic"/>
+              </a:rPr>
+              <a:t> 확인 할 수 있다</a:t>
+            </a:r>
+            <a:r>
+              <a:rPr lang="en-US" altLang="ko-KR" sz="900" dirty="0">
+                <a:solidFill>
+                  <a:schemeClr val="dk1"/>
+                </a:solidFill>
+                <a:latin typeface="Malgun Gothic"/>
+                <a:ea typeface="Malgun Gothic"/>
+                <a:cs typeface="Malgun Gothic"/>
+                <a:sym typeface="Malgun Gothic"/>
+              </a:rPr>
+              <a:t>.</a:t>
+            </a:r>
+          </a:p>
+          <a:p>
+            <a:pPr marL="285750" indent="-228600">
+              <a:lnSpc>
+                <a:spcPct val="90000"/>
+              </a:lnSpc>
+              <a:spcBef>
+                <a:spcPts val="813"/>
+              </a:spcBef>
+              <a:buClr>
+                <a:schemeClr val="dk1"/>
+              </a:buClr>
+              <a:buSzPts val="900"/>
+              <a:buAutoNum type="arabicParenR"/>
+            </a:pPr>
+            <a:r>
+              <a:rPr lang="ko-KR" altLang="en-US" sz="900" dirty="0">
+                <a:solidFill>
+                  <a:schemeClr val="dk1"/>
+                </a:solidFill>
+                <a:latin typeface="Malgun Gothic"/>
+                <a:ea typeface="Malgun Gothic"/>
+                <a:cs typeface="Malgun Gothic"/>
+                <a:sym typeface="Malgun Gothic"/>
+              </a:rPr>
+              <a:t>로그아웃을 진행하고</a:t>
+            </a:r>
+            <a:r>
+              <a:rPr lang="en-US" altLang="ko-KR" sz="900" dirty="0">
+                <a:solidFill>
+                  <a:schemeClr val="dk1"/>
+                </a:solidFill>
+                <a:latin typeface="Malgun Gothic"/>
+                <a:ea typeface="Malgun Gothic"/>
+                <a:cs typeface="Malgun Gothic"/>
+                <a:sym typeface="Malgun Gothic"/>
+              </a:rPr>
+              <a:t>, </a:t>
+            </a:r>
+            <a:r>
+              <a:rPr lang="ko-KR" altLang="en-US" sz="900" dirty="0" err="1">
+                <a:solidFill>
+                  <a:schemeClr val="dk1"/>
+                </a:solidFill>
+                <a:latin typeface="Malgun Gothic"/>
+                <a:ea typeface="Malgun Gothic"/>
+                <a:cs typeface="Malgun Gothic"/>
+                <a:sym typeface="Malgun Gothic"/>
+              </a:rPr>
+              <a:t>로그인화면으로</a:t>
+            </a:r>
+            <a:r>
+              <a:rPr lang="ko-KR" altLang="en-US" sz="900" dirty="0">
+                <a:solidFill>
+                  <a:schemeClr val="dk1"/>
+                </a:solidFill>
+                <a:latin typeface="Malgun Gothic"/>
+                <a:ea typeface="Malgun Gothic"/>
+                <a:cs typeface="Malgun Gothic"/>
+                <a:sym typeface="Malgun Gothic"/>
+              </a:rPr>
+              <a:t> 이동한다</a:t>
+            </a:r>
+            <a:r>
+              <a:rPr lang="en-US" altLang="ko-KR" sz="900" dirty="0">
+                <a:solidFill>
+                  <a:schemeClr val="dk1"/>
+                </a:solidFill>
+                <a:latin typeface="Malgun Gothic"/>
+                <a:ea typeface="Malgun Gothic"/>
+                <a:cs typeface="Malgun Gothic"/>
+                <a:sym typeface="Malgun Gothic"/>
+              </a:rPr>
+              <a:t>.</a:t>
+            </a:r>
+          </a:p>
+          <a:p>
+            <a:pPr marL="285750" indent="-228600">
+              <a:lnSpc>
+                <a:spcPct val="90000"/>
+              </a:lnSpc>
+              <a:spcBef>
+                <a:spcPts val="813"/>
+              </a:spcBef>
+              <a:buClr>
+                <a:schemeClr val="dk1"/>
+              </a:buClr>
+              <a:buSzPts val="900"/>
+              <a:buAutoNum type="arabicParenR"/>
+            </a:pPr>
+            <a:r>
+              <a:rPr lang="ko-KR" altLang="en-US" sz="900" dirty="0">
+                <a:solidFill>
+                  <a:schemeClr val="dk1"/>
+                </a:solidFill>
+                <a:latin typeface="Malgun Gothic"/>
+                <a:ea typeface="Malgun Gothic"/>
+                <a:cs typeface="Malgun Gothic"/>
+                <a:sym typeface="Malgun Gothic"/>
+              </a:rPr>
+              <a:t>학생의 </a:t>
+            </a:r>
+            <a:r>
+              <a:rPr lang="ko-KR" altLang="en-US" sz="900" dirty="0" err="1">
+                <a:solidFill>
+                  <a:schemeClr val="dk1"/>
+                </a:solidFill>
+                <a:latin typeface="Malgun Gothic"/>
+                <a:ea typeface="Malgun Gothic"/>
+                <a:cs typeface="Malgun Gothic"/>
+                <a:sym typeface="Malgun Gothic"/>
+              </a:rPr>
+              <a:t>출결상태</a:t>
+            </a:r>
+            <a:r>
+              <a:rPr lang="en-US" altLang="ko-KR" sz="900" dirty="0">
+                <a:solidFill>
+                  <a:schemeClr val="dk1"/>
+                </a:solidFill>
+                <a:latin typeface="Malgun Gothic"/>
+                <a:ea typeface="Malgun Gothic"/>
+                <a:cs typeface="Malgun Gothic"/>
+                <a:sym typeface="Malgun Gothic"/>
+              </a:rPr>
+              <a:t>(</a:t>
+            </a:r>
+            <a:r>
+              <a:rPr lang="ko-KR" altLang="en-US" sz="900" dirty="0">
+                <a:solidFill>
+                  <a:schemeClr val="dk1"/>
+                </a:solidFill>
+                <a:latin typeface="Malgun Gothic"/>
+                <a:ea typeface="Malgun Gothic"/>
+                <a:cs typeface="Malgun Gothic"/>
+                <a:sym typeface="Malgun Gothic"/>
+              </a:rPr>
+              <a:t>출석</a:t>
+            </a:r>
+            <a:r>
+              <a:rPr lang="en-US" altLang="ko-KR" sz="900" dirty="0">
+                <a:solidFill>
+                  <a:schemeClr val="dk1"/>
+                </a:solidFill>
+                <a:latin typeface="Malgun Gothic"/>
+                <a:ea typeface="Malgun Gothic"/>
+                <a:cs typeface="Malgun Gothic"/>
+                <a:sym typeface="Malgun Gothic"/>
+              </a:rPr>
+              <a:t>,</a:t>
+            </a:r>
+            <a:r>
+              <a:rPr lang="ko-KR" altLang="en-US" sz="900" dirty="0">
+                <a:solidFill>
+                  <a:schemeClr val="dk1"/>
+                </a:solidFill>
+                <a:latin typeface="Malgun Gothic"/>
+                <a:ea typeface="Malgun Gothic"/>
+                <a:cs typeface="Malgun Gothic"/>
+                <a:sym typeface="Malgun Gothic"/>
+              </a:rPr>
+              <a:t>결석</a:t>
+            </a:r>
+            <a:r>
+              <a:rPr lang="en-US" altLang="ko-KR" sz="900" dirty="0">
+                <a:solidFill>
+                  <a:schemeClr val="dk1"/>
+                </a:solidFill>
+                <a:latin typeface="Malgun Gothic"/>
+                <a:ea typeface="Malgun Gothic"/>
+                <a:cs typeface="Malgun Gothic"/>
+                <a:sym typeface="Malgun Gothic"/>
+              </a:rPr>
+              <a:t>,</a:t>
+            </a:r>
+            <a:r>
+              <a:rPr lang="ko-KR" altLang="en-US" sz="900" dirty="0">
+                <a:solidFill>
+                  <a:schemeClr val="dk1"/>
+                </a:solidFill>
+                <a:latin typeface="Malgun Gothic"/>
+                <a:ea typeface="Malgun Gothic"/>
+                <a:cs typeface="Malgun Gothic"/>
+                <a:sym typeface="Malgun Gothic"/>
+              </a:rPr>
+              <a:t>지각</a:t>
+            </a:r>
+            <a:r>
+              <a:rPr lang="en-US" altLang="ko-KR" sz="900" dirty="0">
+                <a:solidFill>
+                  <a:schemeClr val="dk1"/>
+                </a:solidFill>
+                <a:latin typeface="Malgun Gothic"/>
+                <a:ea typeface="Malgun Gothic"/>
+                <a:cs typeface="Malgun Gothic"/>
+                <a:sym typeface="Malgun Gothic"/>
+              </a:rPr>
+              <a:t>)</a:t>
+            </a:r>
+            <a:r>
+              <a:rPr lang="ko-KR" altLang="en-US" sz="900" dirty="0">
+                <a:solidFill>
+                  <a:schemeClr val="dk1"/>
+                </a:solidFill>
+                <a:latin typeface="Malgun Gothic"/>
+                <a:ea typeface="Malgun Gothic"/>
+                <a:cs typeface="Malgun Gothic"/>
+                <a:sym typeface="Malgun Gothic"/>
+              </a:rPr>
+              <a:t>을 통해 데이터베이스의 각각의 컬럼에 </a:t>
+            </a:r>
+            <a:r>
+              <a:rPr lang="en-US" altLang="ko-KR" sz="900" dirty="0">
+                <a:solidFill>
+                  <a:schemeClr val="dk1"/>
+                </a:solidFill>
+                <a:latin typeface="Malgun Gothic"/>
+                <a:ea typeface="Malgun Gothic"/>
+                <a:cs typeface="Malgun Gothic"/>
+                <a:sym typeface="Malgun Gothic"/>
+              </a:rPr>
+              <a:t>1 </a:t>
+            </a:r>
+            <a:r>
+              <a:rPr lang="ko-KR" altLang="en-US" sz="900" dirty="0">
+                <a:solidFill>
+                  <a:schemeClr val="dk1"/>
+                </a:solidFill>
+                <a:latin typeface="Malgun Gothic"/>
+                <a:ea typeface="Malgun Gothic"/>
+                <a:cs typeface="Malgun Gothic"/>
+                <a:sym typeface="Malgun Gothic"/>
+              </a:rPr>
+              <a:t>또는</a:t>
+            </a:r>
+            <a:r>
+              <a:rPr lang="en-US" altLang="ko-KR" sz="900" dirty="0">
+                <a:solidFill>
+                  <a:schemeClr val="dk1"/>
+                </a:solidFill>
+                <a:latin typeface="Malgun Gothic"/>
+                <a:ea typeface="Malgun Gothic"/>
+                <a:cs typeface="Malgun Gothic"/>
+                <a:sym typeface="Malgun Gothic"/>
+              </a:rPr>
+              <a:t> 0</a:t>
+            </a:r>
+            <a:r>
+              <a:rPr lang="ko-KR" altLang="en-US" sz="900" dirty="0">
+                <a:solidFill>
+                  <a:schemeClr val="dk1"/>
+                </a:solidFill>
+                <a:latin typeface="Malgun Gothic"/>
+                <a:ea typeface="Malgun Gothic"/>
+                <a:cs typeface="Malgun Gothic"/>
+                <a:sym typeface="Malgun Gothic"/>
+              </a:rPr>
+              <a:t>을 저장하고</a:t>
+            </a:r>
+            <a:r>
+              <a:rPr lang="en-US" altLang="ko-KR" sz="900" dirty="0">
+                <a:solidFill>
+                  <a:schemeClr val="dk1"/>
+                </a:solidFill>
+                <a:latin typeface="Malgun Gothic"/>
+                <a:ea typeface="Malgun Gothic"/>
+                <a:cs typeface="Malgun Gothic"/>
+                <a:sym typeface="Malgun Gothic"/>
+              </a:rPr>
+              <a:t>, </a:t>
+            </a:r>
+            <a:r>
+              <a:rPr lang="ko-KR" altLang="en-US" sz="900" dirty="0">
+                <a:solidFill>
+                  <a:schemeClr val="dk1"/>
+                </a:solidFill>
+                <a:latin typeface="Malgun Gothic"/>
+                <a:ea typeface="Malgun Gothic"/>
+                <a:cs typeface="Malgun Gothic"/>
+                <a:sym typeface="Malgun Gothic"/>
+              </a:rPr>
+              <a:t>해당 학번과 과목을 중심으로 </a:t>
+            </a:r>
+            <a:r>
+              <a:rPr lang="en-US" altLang="ko-KR" sz="900" dirty="0">
+                <a:solidFill>
+                  <a:schemeClr val="dk1"/>
+                </a:solidFill>
+                <a:latin typeface="Malgun Gothic"/>
+                <a:ea typeface="Malgun Gothic"/>
+                <a:cs typeface="Malgun Gothic"/>
+                <a:sym typeface="Malgun Gothic"/>
+              </a:rPr>
+              <a:t>Manage </a:t>
+            </a:r>
+            <a:r>
+              <a:rPr lang="ko-KR" altLang="en-US" sz="900" dirty="0">
+                <a:solidFill>
+                  <a:schemeClr val="dk1"/>
+                </a:solidFill>
+                <a:latin typeface="Malgun Gothic"/>
+                <a:ea typeface="Malgun Gothic"/>
+                <a:cs typeface="Malgun Gothic"/>
+                <a:sym typeface="Malgun Gothic"/>
+              </a:rPr>
+              <a:t>테이블의 합계 데이터를 출력한다</a:t>
+            </a:r>
+            <a:r>
+              <a:rPr lang="en-US" altLang="ko-KR" sz="900" dirty="0">
+                <a:solidFill>
+                  <a:schemeClr val="dk1"/>
+                </a:solidFill>
+                <a:latin typeface="Malgun Gothic"/>
+                <a:ea typeface="Malgun Gothic"/>
+                <a:cs typeface="Malgun Gothic"/>
+                <a:sym typeface="Malgun Gothic"/>
+              </a:rPr>
+              <a:t>.</a:t>
+            </a:r>
+          </a:p>
+          <a:p>
+            <a:pPr marL="57150">
+              <a:lnSpc>
+                <a:spcPct val="90000"/>
+              </a:lnSpc>
+              <a:spcBef>
+                <a:spcPts val="813"/>
+              </a:spcBef>
+              <a:buClr>
+                <a:schemeClr val="dk1"/>
+              </a:buClr>
+              <a:buSzPts val="900"/>
+            </a:pPr>
+            <a:r>
+              <a:rPr lang="en-US" altLang="ko-KR" sz="900" dirty="0" err="1">
+                <a:solidFill>
+                  <a:schemeClr val="dk1"/>
+                </a:solidFill>
+                <a:latin typeface="Malgun Gothic"/>
+                <a:ea typeface="Malgun Gothic"/>
+              </a:rPr>
+              <a:t>m_attendance</a:t>
+            </a:r>
+            <a:r>
+              <a:rPr lang="en-US" altLang="ko-KR" sz="900" dirty="0">
+                <a:solidFill>
+                  <a:schemeClr val="dk1"/>
+                </a:solidFill>
+                <a:latin typeface="Malgun Gothic"/>
+                <a:ea typeface="Malgun Gothic"/>
+              </a:rPr>
+              <a:t> / </a:t>
+            </a:r>
+            <a:r>
+              <a:rPr lang="en-US" altLang="ko-KR" sz="900" dirty="0" err="1">
+                <a:solidFill>
+                  <a:schemeClr val="dk1"/>
+                </a:solidFill>
+                <a:latin typeface="Malgun Gothic"/>
+                <a:ea typeface="Malgun Gothic"/>
+              </a:rPr>
+              <a:t>m_lateness</a:t>
+            </a:r>
+            <a:r>
+              <a:rPr lang="en-US" altLang="ko-KR" sz="900" dirty="0">
+                <a:solidFill>
+                  <a:schemeClr val="dk1"/>
+                </a:solidFill>
+                <a:latin typeface="Malgun Gothic"/>
+                <a:ea typeface="Malgun Gothic"/>
+              </a:rPr>
+              <a:t> / </a:t>
+            </a:r>
+            <a:r>
+              <a:rPr lang="en-US" altLang="ko-KR" sz="900" dirty="0" err="1">
+                <a:solidFill>
+                  <a:schemeClr val="dk1"/>
+                </a:solidFill>
+                <a:latin typeface="Malgun Gothic"/>
+                <a:ea typeface="Malgun Gothic"/>
+              </a:rPr>
+              <a:t>m_absence</a:t>
+            </a:r>
+            <a:endParaRPr lang="en-US" altLang="ko-KR" sz="900" dirty="0">
+              <a:solidFill>
+                <a:schemeClr val="dk1"/>
+              </a:solidFill>
+              <a:latin typeface="Malgun Gothic"/>
+              <a:ea typeface="Malgun Gothic"/>
+            </a:endParaRPr>
+          </a:p>
+          <a:p>
+            <a:pPr marL="228600" indent="-171450">
+              <a:lnSpc>
+                <a:spcPct val="90000"/>
+              </a:lnSpc>
+              <a:spcBef>
+                <a:spcPts val="813"/>
+              </a:spcBef>
+              <a:buClr>
+                <a:schemeClr val="dk1"/>
+              </a:buClr>
+              <a:buSzPts val="900"/>
+              <a:buFontTx/>
+              <a:buChar char="-"/>
+            </a:pPr>
+            <a:r>
+              <a:rPr lang="ko-KR" altLang="en-US" sz="900" dirty="0">
+                <a:solidFill>
+                  <a:schemeClr val="dk1"/>
+                </a:solidFill>
+                <a:latin typeface="Malgun Gothic"/>
+                <a:ea typeface="Malgun Gothic"/>
+                <a:cs typeface="Malgun Gothic"/>
+                <a:sym typeface="Malgun Gothic"/>
+              </a:rPr>
+              <a:t>출석 </a:t>
+            </a:r>
+            <a:r>
+              <a:rPr lang="en-US" altLang="ko-KR" sz="900" dirty="0">
+                <a:solidFill>
+                  <a:schemeClr val="dk1"/>
+                </a:solidFill>
+                <a:latin typeface="Malgun Gothic"/>
+                <a:ea typeface="Malgun Gothic"/>
+                <a:cs typeface="Malgun Gothic"/>
+                <a:sym typeface="Malgun Gothic"/>
+              </a:rPr>
+              <a:t>: 1/0/0</a:t>
+            </a:r>
+          </a:p>
+          <a:p>
+            <a:pPr marL="228600" indent="-171450">
+              <a:lnSpc>
+                <a:spcPct val="90000"/>
+              </a:lnSpc>
+              <a:spcBef>
+                <a:spcPts val="813"/>
+              </a:spcBef>
+              <a:buClr>
+                <a:schemeClr val="dk1"/>
+              </a:buClr>
+              <a:buSzPts val="900"/>
+              <a:buFontTx/>
+              <a:buChar char="-"/>
+            </a:pPr>
+            <a:r>
+              <a:rPr lang="ko-KR" altLang="en-US" sz="900" dirty="0">
+                <a:solidFill>
+                  <a:schemeClr val="dk1"/>
+                </a:solidFill>
+                <a:latin typeface="Malgun Gothic"/>
+                <a:ea typeface="Malgun Gothic"/>
+                <a:cs typeface="Malgun Gothic"/>
+                <a:sym typeface="Malgun Gothic"/>
+              </a:rPr>
+              <a:t>지각 </a:t>
+            </a:r>
+            <a:r>
+              <a:rPr lang="en-US" altLang="ko-KR" sz="900" dirty="0">
+                <a:solidFill>
+                  <a:schemeClr val="dk1"/>
+                </a:solidFill>
+                <a:latin typeface="Malgun Gothic"/>
+                <a:ea typeface="Malgun Gothic"/>
+                <a:cs typeface="Malgun Gothic"/>
+                <a:sym typeface="Malgun Gothic"/>
+              </a:rPr>
+              <a:t>: 0/1/0</a:t>
+            </a:r>
+          </a:p>
+          <a:p>
+            <a:pPr marL="228600" indent="-171450">
+              <a:lnSpc>
+                <a:spcPct val="90000"/>
+              </a:lnSpc>
+              <a:spcBef>
+                <a:spcPts val="813"/>
+              </a:spcBef>
+              <a:buClr>
+                <a:schemeClr val="dk1"/>
+              </a:buClr>
+              <a:buSzPts val="900"/>
+              <a:buFontTx/>
+              <a:buChar char="-"/>
+            </a:pPr>
+            <a:r>
+              <a:rPr lang="ko-KR" altLang="en-US" sz="900" dirty="0">
+                <a:solidFill>
+                  <a:schemeClr val="dk1"/>
+                </a:solidFill>
+                <a:latin typeface="Malgun Gothic"/>
+                <a:ea typeface="Malgun Gothic"/>
+                <a:cs typeface="Malgun Gothic"/>
+                <a:sym typeface="Malgun Gothic"/>
+              </a:rPr>
+              <a:t>결석 </a:t>
+            </a:r>
+            <a:r>
+              <a:rPr lang="en-US" altLang="ko-KR" sz="900" dirty="0">
+                <a:solidFill>
+                  <a:schemeClr val="dk1"/>
+                </a:solidFill>
+                <a:latin typeface="Malgun Gothic"/>
+                <a:ea typeface="Malgun Gothic"/>
+                <a:cs typeface="Malgun Gothic"/>
+                <a:sym typeface="Malgun Gothic"/>
+              </a:rPr>
+              <a:t>: 0/0/1</a:t>
+            </a:r>
+          </a:p>
+          <a:p>
+            <a:pPr marL="228600" indent="-171450">
+              <a:lnSpc>
+                <a:spcPct val="90000"/>
+              </a:lnSpc>
+              <a:spcBef>
+                <a:spcPts val="813"/>
+              </a:spcBef>
+              <a:buClr>
+                <a:schemeClr val="dk1"/>
+              </a:buClr>
+              <a:buSzPts val="900"/>
+              <a:buFontTx/>
+              <a:buChar char="-"/>
+            </a:pPr>
+            <a:endParaRPr lang="en-US" altLang="ko-KR" sz="900" dirty="0">
+              <a:solidFill>
+                <a:schemeClr val="dk1"/>
+              </a:solidFill>
+              <a:latin typeface="Malgun Gothic"/>
+              <a:ea typeface="Malgun Gothic"/>
+              <a:cs typeface="Malgun Gothic"/>
+              <a:sym typeface="Malgun Gothic"/>
+            </a:endParaRPr>
+          </a:p>
+          <a:p>
+            <a:pPr>
+              <a:lnSpc>
+                <a:spcPct val="90000"/>
+              </a:lnSpc>
+              <a:spcBef>
+                <a:spcPts val="813"/>
+              </a:spcBef>
+              <a:buClr>
+                <a:schemeClr val="dk1"/>
+              </a:buClr>
+              <a:buSzPts val="900"/>
+            </a:pPr>
+            <a:r>
+              <a:rPr lang="en-US" altLang="ko-KR" sz="900" dirty="0">
+                <a:solidFill>
+                  <a:schemeClr val="dk1"/>
+                </a:solidFill>
+                <a:latin typeface="Malgun Gothic"/>
+                <a:ea typeface="Malgun Gothic"/>
+                <a:cs typeface="Malgun Gothic"/>
+                <a:sym typeface="Malgun Gothic"/>
+              </a:rPr>
+              <a:t>Table </a:t>
+            </a:r>
+            <a:r>
+              <a:rPr lang="en-US" altLang="ko-KR" sz="900">
+                <a:solidFill>
+                  <a:schemeClr val="dk1"/>
+                </a:solidFill>
+                <a:latin typeface="Malgun Gothic"/>
+                <a:ea typeface="Malgun Gothic"/>
+                <a:cs typeface="Malgun Gothic"/>
+                <a:sym typeface="Malgun Gothic"/>
+              </a:rPr>
+              <a:t>: Management</a:t>
+            </a:r>
+            <a:endParaRPr lang="en-US" altLang="ko-KR" sz="900" dirty="0">
+              <a:solidFill>
+                <a:schemeClr val="dk1"/>
+              </a:solidFill>
+              <a:latin typeface="Malgun Gothic"/>
+              <a:ea typeface="Malgun Gothic"/>
+              <a:cs typeface="Malgun Gothic"/>
+              <a:sym typeface="Malgun Gothic"/>
+            </a:endParaRPr>
+          </a:p>
+          <a:p>
+            <a:pPr marL="228600" indent="-171450">
+              <a:lnSpc>
+                <a:spcPct val="90000"/>
+              </a:lnSpc>
+              <a:spcBef>
+                <a:spcPts val="813"/>
+              </a:spcBef>
+              <a:buClr>
+                <a:schemeClr val="dk1"/>
+              </a:buClr>
+              <a:buSzPts val="900"/>
+              <a:buFontTx/>
+              <a:buChar char="-"/>
+            </a:pPr>
+            <a:endParaRPr lang="en-US" altLang="ko-KR" sz="900" dirty="0">
+              <a:solidFill>
+                <a:schemeClr val="dk1"/>
+              </a:solidFill>
+              <a:latin typeface="Malgun Gothic"/>
+              <a:ea typeface="Malgun Gothic"/>
+              <a:cs typeface="Malgun Gothic"/>
+              <a:sym typeface="Malgun Gothic"/>
+            </a:endParaRPr>
+          </a:p>
+          <a:p>
+            <a:pPr marL="228600" indent="-171450">
+              <a:lnSpc>
+                <a:spcPct val="90000"/>
+              </a:lnSpc>
+              <a:spcBef>
+                <a:spcPts val="813"/>
+              </a:spcBef>
+              <a:buClr>
+                <a:schemeClr val="dk1"/>
+              </a:buClr>
+              <a:buSzPts val="900"/>
+              <a:buFontTx/>
+              <a:buChar char="-"/>
+            </a:pPr>
+            <a:endParaRPr lang="en-US" altLang="ko-KR" sz="900" dirty="0">
+              <a:solidFill>
+                <a:schemeClr val="dk1"/>
+              </a:solidFill>
+              <a:latin typeface="Malgun Gothic"/>
+              <a:ea typeface="Malgun Gothic"/>
+              <a:cs typeface="Malgun Gothic"/>
+              <a:sym typeface="Malgun Gothic"/>
+            </a:endParaRPr>
+          </a:p>
+        </p:txBody>
+      </p:sp>
+      <p:sp>
+        <p:nvSpPr>
+          <p:cNvPr id="78" name="Google Shape;78;p12" descr="&lt;SmartSettings&gt;&lt;SmartResize anchorLeft=&quot;Absolute&quot; anchorTop=&quot;Absolute&quot; anchorRight=&quot;Absolute&quot; anchorBottom=&quot;Absolute&quot; /&gt;&lt;/SmartSettings&gt;"/>
+          <p:cNvSpPr/>
+          <p:nvPr/>
+        </p:nvSpPr>
+        <p:spPr>
+          <a:xfrm>
+            <a:off x="401638" y="722313"/>
+            <a:ext cx="7564438" cy="5340350"/>
+          </a:xfrm>
+          <a:prstGeom prst="rect">
+            <a:avLst/>
+          </a:prstGeom>
+          <a:noFill/>
+          <a:ln w="9525" cap="flat" cmpd="sng">
+            <a:solidFill>
+              <a:srgbClr val="BFBFBF"/>
+            </a:solidFill>
+            <a:prstDash val="solid"/>
+            <a:miter lim="800000"/>
+            <a:headEnd type="none" w="sm" len="sm"/>
+            <a:tailEnd type="none" w="sm" len="sm"/>
+          </a:ln>
+        </p:spPr>
+        <p:txBody>
+          <a:bodyPr spcFirstLastPara="1" wrap="square" lIns="91425" tIns="54850" rIns="91425" bIns="45700" anchor="t" anchorCtr="0">
+            <a:noAutofit/>
+          </a:bodyPr>
+          <a:lstStyle/>
+          <a:p>
+            <a:pPr marL="0" marR="0" lvl="0" indent="0" algn="l" rtl="0">
+              <a:spcBef>
+                <a:spcPts val="0"/>
+              </a:spcBef>
+              <a:spcAft>
+                <a:spcPts val="0"/>
+              </a:spcAft>
+              <a:buNone/>
+            </a:pPr>
+            <a:endParaRPr sz="680" b="0" i="0" u="none" strike="noStrike" cap="none">
+              <a:solidFill>
+                <a:srgbClr val="000000"/>
+              </a:solidFill>
+              <a:latin typeface="Quattrocento Sans"/>
+              <a:ea typeface="Quattrocento Sans"/>
+              <a:cs typeface="Quattrocento Sans"/>
+              <a:sym typeface="Quattrocento Sans"/>
+            </a:endParaRPr>
+          </a:p>
+        </p:txBody>
+      </p:sp>
+      <p:pic>
+        <p:nvPicPr>
+          <p:cNvPr id="4" name="그림 4">
+            <a:extLst>
+              <a:ext uri="{FF2B5EF4-FFF2-40B4-BE49-F238E27FC236}">
+                <a16:creationId xmlns:a16="http://schemas.microsoft.com/office/drawing/2014/main" id="{36B1BCA9-0C6E-4832-A501-C7F53864F532}"/>
+              </a:ext>
+            </a:extLst>
+          </p:cNvPr>
+          <p:cNvPicPr>
+            <a:picLocks noChangeAspect="1"/>
+          </p:cNvPicPr>
+          <p:nvPr/>
+        </p:nvPicPr>
+        <p:blipFill>
+          <a:blip r:embed="rId3"/>
+          <a:stretch>
+            <a:fillRect/>
+          </a:stretch>
+        </p:blipFill>
+        <p:spPr>
+          <a:xfrm>
+            <a:off x="552169" y="857531"/>
+            <a:ext cx="1038225" cy="409575"/>
+          </a:xfrm>
+          <a:prstGeom prst="rect">
+            <a:avLst/>
+          </a:prstGeom>
+        </p:spPr>
+      </p:pic>
+      <p:graphicFrame>
+        <p:nvGraphicFramePr>
+          <p:cNvPr id="23" name="표 22">
+            <a:extLst>
+              <a:ext uri="{FF2B5EF4-FFF2-40B4-BE49-F238E27FC236}">
+                <a16:creationId xmlns:a16="http://schemas.microsoft.com/office/drawing/2014/main" id="{B992A8A8-D9F7-45B3-BB78-62151C112E58}"/>
+              </a:ext>
+            </a:extLst>
+          </p:cNvPr>
+          <p:cNvGraphicFramePr>
+            <a:graphicFrameLocks noGrp="1"/>
+          </p:cNvGraphicFramePr>
+          <p:nvPr>
+            <p:extLst/>
+          </p:nvPr>
+        </p:nvGraphicFramePr>
+        <p:xfrm>
+          <a:off x="727720" y="1556500"/>
+          <a:ext cx="6827177" cy="4150248"/>
+        </p:xfrm>
+        <a:graphic>
+          <a:graphicData uri="http://schemas.openxmlformats.org/drawingml/2006/table">
+            <a:tbl>
+              <a:tblPr firstRow="1" bandRow="1">
+                <a:tableStyleId>{284E427A-3D55-4303-BF80-6455036E1DE7}</a:tableStyleId>
+              </a:tblPr>
+              <a:tblGrid>
+                <a:gridCol w="2272562">
+                  <a:extLst>
+                    <a:ext uri="{9D8B030D-6E8A-4147-A177-3AD203B41FA5}">
+                      <a16:colId xmlns:a16="http://schemas.microsoft.com/office/drawing/2014/main" val="1917094988"/>
+                    </a:ext>
+                  </a:extLst>
+                </a:gridCol>
+                <a:gridCol w="2215835">
+                  <a:extLst>
+                    <a:ext uri="{9D8B030D-6E8A-4147-A177-3AD203B41FA5}">
+                      <a16:colId xmlns:a16="http://schemas.microsoft.com/office/drawing/2014/main" val="2101375769"/>
+                    </a:ext>
+                  </a:extLst>
+                </a:gridCol>
+                <a:gridCol w="772693">
+                  <a:extLst>
+                    <a:ext uri="{9D8B030D-6E8A-4147-A177-3AD203B41FA5}">
+                      <a16:colId xmlns:a16="http://schemas.microsoft.com/office/drawing/2014/main" val="1455795655"/>
+                    </a:ext>
+                  </a:extLst>
+                </a:gridCol>
+                <a:gridCol w="772693">
+                  <a:extLst>
+                    <a:ext uri="{9D8B030D-6E8A-4147-A177-3AD203B41FA5}">
+                      <a16:colId xmlns:a16="http://schemas.microsoft.com/office/drawing/2014/main" val="20003"/>
+                    </a:ext>
+                  </a:extLst>
+                </a:gridCol>
+                <a:gridCol w="793394">
+                  <a:extLst>
+                    <a:ext uri="{9D8B030D-6E8A-4147-A177-3AD203B41FA5}">
+                      <a16:colId xmlns:a16="http://schemas.microsoft.com/office/drawing/2014/main" val="1049078234"/>
+                    </a:ext>
+                  </a:extLst>
+                </a:gridCol>
+              </a:tblGrid>
+              <a:tr h="434693">
+                <a:tc>
+                  <a:txBody>
+                    <a:bodyPr/>
+                    <a:lstStyle/>
+                    <a:p>
+                      <a:pPr algn="ctr" latinLnBrk="1"/>
+                      <a:r>
+                        <a:rPr lang="ko-KR" altLang="en-US" sz="900" b="0" dirty="0">
+                          <a:latin typeface="+mn-ea"/>
+                          <a:ea typeface="+mn-ea"/>
+                        </a:rPr>
+                        <a:t>학번</a:t>
+                      </a:r>
+                    </a:p>
+                  </a:txBody>
+                  <a:tcPr anchor="ctr"/>
+                </a:tc>
+                <a:tc>
+                  <a:txBody>
+                    <a:bodyPr/>
+                    <a:lstStyle/>
+                    <a:p>
+                      <a:pPr algn="ctr" latinLnBrk="1"/>
+                      <a:r>
+                        <a:rPr lang="ko-KR" altLang="en-US" sz="900" b="0" dirty="0">
+                          <a:latin typeface="+mn-ea"/>
+                          <a:ea typeface="+mn-ea"/>
+                        </a:rPr>
+                        <a:t>과목명</a:t>
+                      </a:r>
+                    </a:p>
+                  </a:txBody>
+                  <a:tcPr anchor="ctr"/>
+                </a:tc>
+                <a:tc>
+                  <a:txBody>
+                    <a:bodyPr/>
+                    <a:lstStyle/>
+                    <a:p>
+                      <a:pPr algn="ctr" latinLnBrk="1"/>
+                      <a:r>
+                        <a:rPr lang="ko-KR" altLang="en-US" sz="900" b="0" dirty="0">
+                          <a:latin typeface="+mn-ea"/>
+                          <a:ea typeface="+mn-ea"/>
+                        </a:rPr>
+                        <a:t>출석</a:t>
+                      </a:r>
+                    </a:p>
+                  </a:txBody>
+                  <a:tcPr anchor="ctr"/>
+                </a:tc>
+                <a:tc>
+                  <a:txBody>
+                    <a:bodyPr/>
+                    <a:lstStyle/>
+                    <a:p>
+                      <a:pPr algn="ctr" latinLnBrk="1"/>
+                      <a:r>
+                        <a:rPr lang="ko-KR" altLang="en-US" sz="900" b="0" dirty="0">
+                          <a:latin typeface="+mn-ea"/>
+                          <a:ea typeface="+mn-ea"/>
+                        </a:rPr>
+                        <a:t>지각</a:t>
+                      </a:r>
+                    </a:p>
+                  </a:txBody>
+                  <a:tcPr anchor="ctr"/>
+                </a:tc>
+                <a:tc>
+                  <a:txBody>
+                    <a:bodyPr/>
+                    <a:lstStyle/>
+                    <a:p>
+                      <a:pPr algn="ctr" latinLnBrk="1"/>
+                      <a:r>
+                        <a:rPr lang="ko-KR" altLang="en-US" sz="900" b="0" dirty="0">
+                          <a:latin typeface="+mn-ea"/>
+                          <a:ea typeface="+mn-ea"/>
+                        </a:rPr>
+                        <a:t>결석</a:t>
+                      </a:r>
+                    </a:p>
+                  </a:txBody>
+                  <a:tcPr anchor="ctr"/>
+                </a:tc>
+                <a:extLst>
+                  <a:ext uri="{0D108BD9-81ED-4DB2-BD59-A6C34878D82A}">
+                    <a16:rowId xmlns:a16="http://schemas.microsoft.com/office/drawing/2014/main" val="1516003395"/>
+                  </a:ext>
+                </a:extLst>
+              </a:tr>
+              <a:tr h="950635">
+                <a:tc>
+                  <a:txBody>
+                    <a:bodyPr/>
+                    <a:lstStyle/>
+                    <a:p>
+                      <a:pPr algn="ctr"/>
+                      <a:r>
+                        <a:rPr lang="en-US" altLang="ko-KR" sz="900" b="0" i="0" u="none" strike="noStrike" cap="none" dirty="0">
+                          <a:solidFill>
+                            <a:schemeClr val="dk1"/>
+                          </a:solidFill>
+                          <a:latin typeface="+mn-ea"/>
+                          <a:ea typeface="+mn-ea"/>
+                          <a:cs typeface="+mn-cs"/>
+                          <a:sym typeface="Arial"/>
+                        </a:rPr>
+                        <a:t>111</a:t>
+                      </a:r>
+                      <a:endParaRPr lang="ko-KR" altLang="en-US" sz="900" b="0" i="0" u="none" strike="noStrike" cap="none" dirty="0">
+                        <a:solidFill>
+                          <a:schemeClr val="dk1"/>
+                        </a:solidFill>
+                        <a:latin typeface="+mn-ea"/>
+                        <a:ea typeface="+mn-ea"/>
+                        <a:cs typeface="+mn-cs"/>
+                        <a:sym typeface="Arial"/>
+                      </a:endParaRPr>
+                    </a:p>
+                  </a:txBody>
+                  <a:tcPr anchor="ctr"/>
+                </a:tc>
+                <a:tc>
+                  <a:txBody>
+                    <a:bodyPr/>
+                    <a:lstStyle/>
+                    <a:p>
+                      <a:pPr algn="ctr" latinLnBrk="1"/>
+                      <a:r>
+                        <a:rPr lang="ko-KR" altLang="en-US" sz="900" b="0" dirty="0">
+                          <a:latin typeface="+mn-ea"/>
+                          <a:ea typeface="+mn-ea"/>
+                        </a:rPr>
+                        <a:t>객체지향프로그래밍</a:t>
+                      </a:r>
+                    </a:p>
+                  </a:txBody>
+                  <a:tcPr anchor="ctr"/>
+                </a:tc>
+                <a:tc>
+                  <a:txBody>
+                    <a:bodyPr/>
+                    <a:lstStyle/>
+                    <a:p>
+                      <a:pPr algn="ctr" latinLnBrk="1"/>
+                      <a:r>
+                        <a:rPr lang="en-US" altLang="ko-KR" sz="900" b="0" dirty="0">
+                          <a:latin typeface="+mn-ea"/>
+                          <a:ea typeface="+mn-ea"/>
+                        </a:rPr>
+                        <a:t>5</a:t>
+                      </a:r>
+                    </a:p>
+                  </a:txBody>
+                  <a:tcPr anchor="ctr"/>
+                </a:tc>
+                <a:tc>
+                  <a:txBody>
+                    <a:bodyPr/>
+                    <a:lstStyle/>
+                    <a:p>
+                      <a:pPr algn="ctr" latinLnBrk="1"/>
+                      <a:r>
+                        <a:rPr lang="en-US" altLang="ko-KR" sz="900" b="0" dirty="0">
+                          <a:latin typeface="+mn-ea"/>
+                          <a:ea typeface="+mn-ea"/>
+                        </a:rPr>
+                        <a:t>1</a:t>
+                      </a:r>
+                    </a:p>
+                  </a:txBody>
+                  <a:tcPr anchor="ctr"/>
+                </a:tc>
+                <a:tc>
+                  <a:txBody>
+                    <a:bodyPr/>
+                    <a:lstStyle/>
+                    <a:p>
+                      <a:pPr algn="ctr" latinLnBrk="1"/>
+                      <a:r>
+                        <a:rPr lang="en-US" altLang="ko-KR" sz="900" b="0" dirty="0">
+                          <a:latin typeface="+mn-ea"/>
+                          <a:ea typeface="+mn-ea"/>
+                        </a:rPr>
+                        <a:t>5</a:t>
+                      </a:r>
+                    </a:p>
+                  </a:txBody>
+                  <a:tcPr anchor="ctr"/>
+                </a:tc>
+                <a:extLst>
+                  <a:ext uri="{0D108BD9-81ED-4DB2-BD59-A6C34878D82A}">
+                    <a16:rowId xmlns:a16="http://schemas.microsoft.com/office/drawing/2014/main" val="2079454974"/>
+                  </a:ext>
+                </a:extLst>
+              </a:tr>
+              <a:tr h="921640">
+                <a:tc>
+                  <a:txBody>
+                    <a:bodyPr/>
+                    <a:lstStyle/>
+                    <a:p>
+                      <a:pPr algn="ctr"/>
+                      <a:r>
+                        <a:rPr lang="en-US" altLang="ko-KR" sz="900" b="0" i="0" u="none" strike="noStrike" cap="none" dirty="0">
+                          <a:solidFill>
+                            <a:schemeClr val="dk1"/>
+                          </a:solidFill>
+                          <a:latin typeface="+mn-ea"/>
+                          <a:ea typeface="+mn-ea"/>
+                          <a:cs typeface="+mn-cs"/>
+                          <a:sym typeface="Arial"/>
+                        </a:rPr>
+                        <a:t>111</a:t>
+                      </a:r>
+                      <a:endParaRPr lang="ko-KR" altLang="en-US" sz="900" b="0" i="0" u="none" strike="noStrike" cap="none" dirty="0">
+                        <a:solidFill>
+                          <a:schemeClr val="dk1"/>
+                        </a:solidFill>
+                        <a:latin typeface="+mn-ea"/>
+                        <a:ea typeface="+mn-ea"/>
+                        <a:cs typeface="+mn-cs"/>
+                        <a:sym typeface="Arial"/>
+                      </a:endParaRPr>
+                    </a:p>
+                  </a:txBody>
+                  <a:tcPr anchor="ctr"/>
+                </a:tc>
+                <a:tc>
+                  <a:txBody>
+                    <a:bodyPr/>
+                    <a:lstStyle/>
+                    <a:p>
+                      <a:pPr algn="ctr" latinLnBrk="1"/>
+                      <a:r>
+                        <a:rPr lang="ko-KR" altLang="en-US" sz="900" b="0" dirty="0">
+                          <a:latin typeface="+mn-ea"/>
+                          <a:ea typeface="+mn-ea"/>
+                        </a:rPr>
+                        <a:t>자료구조</a:t>
+                      </a:r>
+                    </a:p>
+                  </a:txBody>
+                  <a:tcPr anchor="ctr"/>
+                </a:tc>
+                <a:tc>
+                  <a:txBody>
+                    <a:bodyPr/>
+                    <a:lstStyle/>
+                    <a:p>
+                      <a:pPr algn="ctr" latinLnBrk="1"/>
+                      <a:r>
+                        <a:rPr lang="en-US" altLang="ko-KR" sz="900" b="0" dirty="0">
+                          <a:latin typeface="+mn-ea"/>
+                          <a:ea typeface="+mn-ea"/>
+                        </a:rPr>
+                        <a:t>0</a:t>
+                      </a:r>
+                      <a:endParaRPr lang="ko-KR" altLang="en-US" sz="900" b="0" dirty="0">
+                        <a:latin typeface="+mn-ea"/>
+                        <a:ea typeface="+mn-ea"/>
+                      </a:endParaRPr>
+                    </a:p>
+                  </a:txBody>
+                  <a:tcPr anchor="ctr"/>
+                </a:tc>
+                <a:tc>
+                  <a:txBody>
+                    <a:bodyPr/>
+                    <a:lstStyle/>
+                    <a:p>
+                      <a:pPr algn="ctr" latinLnBrk="1"/>
+                      <a:r>
+                        <a:rPr lang="en-US" altLang="ko-KR" sz="900" b="0" dirty="0">
+                          <a:latin typeface="+mn-ea"/>
+                          <a:ea typeface="+mn-ea"/>
+                        </a:rPr>
+                        <a:t>5</a:t>
+                      </a:r>
+                      <a:endParaRPr lang="ko-KR" altLang="en-US" sz="900" b="0" dirty="0">
+                        <a:latin typeface="+mn-ea"/>
+                        <a:ea typeface="+mn-ea"/>
+                      </a:endParaRPr>
+                    </a:p>
+                  </a:txBody>
+                  <a:tcPr anchor="ctr"/>
+                </a:tc>
+                <a:tc>
+                  <a:txBody>
+                    <a:bodyPr/>
+                    <a:lstStyle/>
+                    <a:p>
+                      <a:pPr marL="0" marR="0" lvl="0" indent="0" algn="ctr" defTabSz="914400" rtl="0" eaLnBrk="1" fontAlgn="auto" latinLnBrk="1" hangingPunct="1">
+                        <a:lnSpc>
+                          <a:spcPct val="100000"/>
+                        </a:lnSpc>
+                        <a:spcBef>
+                          <a:spcPts val="0"/>
+                        </a:spcBef>
+                        <a:spcAft>
+                          <a:spcPts val="0"/>
+                        </a:spcAft>
+                        <a:buClr>
+                          <a:srgbClr val="000000"/>
+                        </a:buClr>
+                        <a:buSzTx/>
+                        <a:buFont typeface="Arial"/>
+                        <a:buNone/>
+                        <a:tabLst/>
+                        <a:defRPr/>
+                      </a:pPr>
+                      <a:r>
+                        <a:rPr kumimoji="0" lang="en-US" altLang="ko-KR" sz="900" b="0" i="0" u="none" strike="noStrike" kern="0" cap="none" spc="0" normalizeH="0" baseline="0" noProof="0" dirty="0">
+                          <a:ln>
+                            <a:noFill/>
+                          </a:ln>
+                          <a:solidFill>
+                            <a:srgbClr val="000000"/>
+                          </a:solidFill>
+                          <a:effectLst/>
+                          <a:uLnTx/>
+                          <a:uFillTx/>
+                          <a:latin typeface="맑은 고딕" panose="020B0503020000020004" pitchFamily="50" charset="-127"/>
+                          <a:ea typeface="맑은 고딕" panose="020B0503020000020004" pitchFamily="50" charset="-127"/>
+                          <a:cs typeface="+mn-cs"/>
+                          <a:sym typeface="Arial"/>
+                        </a:rPr>
+                        <a:t>3</a:t>
+                      </a:r>
+                      <a:endParaRPr kumimoji="0" lang="ko-KR" altLang="en-US" sz="900" b="0" i="0" u="none" strike="noStrike" kern="0" cap="none" spc="0" normalizeH="0" baseline="0" noProof="0" dirty="0">
+                        <a:ln>
+                          <a:noFill/>
+                        </a:ln>
+                        <a:solidFill>
+                          <a:srgbClr val="000000"/>
+                        </a:solidFill>
+                        <a:effectLst/>
+                        <a:uLnTx/>
+                        <a:uFillTx/>
+                        <a:latin typeface="맑은 고딕" panose="020B0503020000020004" pitchFamily="50" charset="-127"/>
+                        <a:ea typeface="맑은 고딕" panose="020B0503020000020004" pitchFamily="50" charset="-127"/>
+                        <a:cs typeface="+mn-cs"/>
+                        <a:sym typeface="Arial"/>
+                      </a:endParaRPr>
+                    </a:p>
+                  </a:txBody>
+                  <a:tcPr anchor="ctr"/>
+                </a:tc>
+                <a:extLst>
+                  <a:ext uri="{0D108BD9-81ED-4DB2-BD59-A6C34878D82A}">
+                    <a16:rowId xmlns:a16="http://schemas.microsoft.com/office/drawing/2014/main" val="407609434"/>
+                  </a:ext>
+                </a:extLst>
+              </a:tr>
+              <a:tr h="921640">
+                <a:tc>
+                  <a:txBody>
+                    <a:bodyPr/>
+                    <a:lstStyle/>
+                    <a:p>
+                      <a:pPr algn="ctr"/>
+                      <a:r>
+                        <a:rPr lang="en-US" altLang="ko-KR" sz="900" b="0" i="0" u="none" strike="noStrike" cap="none" dirty="0">
+                          <a:solidFill>
+                            <a:schemeClr val="dk1"/>
+                          </a:solidFill>
+                          <a:latin typeface="+mn-ea"/>
+                          <a:ea typeface="+mn-ea"/>
+                          <a:cs typeface="+mn-cs"/>
+                          <a:sym typeface="Arial"/>
+                        </a:rPr>
+                        <a:t>222</a:t>
+                      </a:r>
+                      <a:endParaRPr lang="ko-KR" altLang="en-US" sz="900" b="0" i="0" u="none" strike="noStrike" cap="none" dirty="0">
+                        <a:solidFill>
+                          <a:schemeClr val="dk1"/>
+                        </a:solidFill>
+                        <a:latin typeface="+mn-ea"/>
+                        <a:ea typeface="+mn-ea"/>
+                        <a:cs typeface="+mn-cs"/>
+                        <a:sym typeface="Arial"/>
+                      </a:endParaRPr>
+                    </a:p>
+                  </a:txBody>
+                  <a:tcPr anchor="ctr"/>
+                </a:tc>
+                <a:tc>
+                  <a:txBody>
+                    <a:bodyPr/>
+                    <a:lstStyle/>
+                    <a:p>
+                      <a:pPr algn="ctr" latinLnBrk="1"/>
+                      <a:r>
+                        <a:rPr lang="ko-KR" altLang="en-US" sz="900" b="0" dirty="0">
+                          <a:latin typeface="+mn-ea"/>
+                          <a:ea typeface="+mn-ea"/>
+                        </a:rPr>
+                        <a:t>컴퓨터구조</a:t>
+                      </a:r>
+                    </a:p>
+                  </a:txBody>
+                  <a:tcPr anchor="ctr"/>
+                </a:tc>
+                <a:tc>
+                  <a:txBody>
+                    <a:bodyPr/>
+                    <a:lstStyle/>
+                    <a:p>
+                      <a:pPr algn="ctr" latinLnBrk="1"/>
+                      <a:r>
+                        <a:rPr lang="en-US" altLang="ko-KR" sz="900" b="0" dirty="0">
+                          <a:latin typeface="+mn-ea"/>
+                          <a:ea typeface="+mn-ea"/>
+                        </a:rPr>
+                        <a:t>2</a:t>
+                      </a:r>
+                      <a:endParaRPr lang="ko-KR" altLang="en-US" sz="900" b="0" dirty="0">
+                        <a:latin typeface="+mn-ea"/>
+                        <a:ea typeface="+mn-ea"/>
+                      </a:endParaRPr>
+                    </a:p>
+                  </a:txBody>
+                  <a:tcPr anchor="ctr"/>
+                </a:tc>
+                <a:tc>
+                  <a:txBody>
+                    <a:bodyPr/>
+                    <a:lstStyle/>
+                    <a:p>
+                      <a:pPr algn="ctr" latinLnBrk="1"/>
+                      <a:r>
+                        <a:rPr lang="en-US" altLang="ko-KR" sz="900" b="0" dirty="0">
+                          <a:latin typeface="+mn-ea"/>
+                          <a:ea typeface="+mn-ea"/>
+                        </a:rPr>
+                        <a:t>3</a:t>
+                      </a:r>
+                    </a:p>
+                  </a:txBody>
+                  <a:tcPr anchor="ctr"/>
+                </a:tc>
+                <a:tc>
+                  <a:txBody>
+                    <a:bodyPr/>
+                    <a:lstStyle/>
+                    <a:p>
+                      <a:pPr marL="0" marR="0" lvl="0" indent="0" algn="ctr" defTabSz="914400" rtl="0" eaLnBrk="1" fontAlgn="auto" latinLnBrk="1" hangingPunct="1">
+                        <a:lnSpc>
+                          <a:spcPct val="100000"/>
+                        </a:lnSpc>
+                        <a:spcBef>
+                          <a:spcPts val="0"/>
+                        </a:spcBef>
+                        <a:spcAft>
+                          <a:spcPts val="0"/>
+                        </a:spcAft>
+                        <a:buClr>
+                          <a:srgbClr val="000000"/>
+                        </a:buClr>
+                        <a:buSzTx/>
+                        <a:buFont typeface="Arial"/>
+                        <a:buNone/>
+                        <a:tabLst/>
+                        <a:defRPr/>
+                      </a:pPr>
+                      <a:r>
+                        <a:rPr kumimoji="0" lang="en-US" altLang="ko-KR" sz="900" b="0" i="0" u="none" strike="noStrike" kern="0" cap="none" spc="0" normalizeH="0" baseline="0" noProof="0" dirty="0">
+                          <a:ln>
+                            <a:noFill/>
+                          </a:ln>
+                          <a:solidFill>
+                            <a:srgbClr val="000000"/>
+                          </a:solidFill>
+                          <a:effectLst/>
+                          <a:uLnTx/>
+                          <a:uFillTx/>
+                          <a:latin typeface="맑은 고딕" panose="020B0503020000020004" pitchFamily="50" charset="-127"/>
+                          <a:ea typeface="맑은 고딕" panose="020B0503020000020004" pitchFamily="50" charset="-127"/>
+                          <a:cs typeface="+mn-cs"/>
+                          <a:sym typeface="Arial"/>
+                        </a:rPr>
+                        <a:t>8</a:t>
+                      </a:r>
+                      <a:endParaRPr kumimoji="0" lang="ko-KR" altLang="en-US" sz="900" b="0" i="0" u="none" strike="noStrike" kern="0" cap="none" spc="0" normalizeH="0" baseline="0" noProof="0" dirty="0">
+                        <a:ln>
+                          <a:noFill/>
+                        </a:ln>
+                        <a:solidFill>
+                          <a:srgbClr val="000000"/>
+                        </a:solidFill>
+                        <a:effectLst/>
+                        <a:uLnTx/>
+                        <a:uFillTx/>
+                        <a:latin typeface="맑은 고딕" panose="020B0503020000020004" pitchFamily="50" charset="-127"/>
+                        <a:ea typeface="맑은 고딕" panose="020B0503020000020004" pitchFamily="50" charset="-127"/>
+                        <a:cs typeface="+mn-cs"/>
+                        <a:sym typeface="Arial"/>
+                      </a:endParaRPr>
+                    </a:p>
+                  </a:txBody>
+                  <a:tcPr anchor="ctr"/>
+                </a:tc>
+                <a:extLst>
+                  <a:ext uri="{0D108BD9-81ED-4DB2-BD59-A6C34878D82A}">
+                    <a16:rowId xmlns:a16="http://schemas.microsoft.com/office/drawing/2014/main" val="3143395347"/>
+                  </a:ext>
+                </a:extLst>
+              </a:tr>
+              <a:tr h="921640">
+                <a:tc>
+                  <a:txBody>
+                    <a:bodyPr/>
+                    <a:lstStyle/>
+                    <a:p>
+                      <a:pPr algn="ctr"/>
+                      <a:r>
+                        <a:rPr lang="en-US" altLang="ko-KR" sz="900" b="0" i="0" u="none" strike="noStrike" cap="none" dirty="0">
+                          <a:solidFill>
+                            <a:schemeClr val="dk1"/>
+                          </a:solidFill>
+                          <a:latin typeface="+mn-ea"/>
+                          <a:ea typeface="+mn-ea"/>
+                          <a:cs typeface="+mn-cs"/>
+                          <a:sym typeface="Arial"/>
+                        </a:rPr>
+                        <a:t>333</a:t>
+                      </a:r>
+                      <a:endParaRPr lang="ko-KR" altLang="en-US" sz="900" b="0" i="0" u="none" strike="noStrike" cap="none" dirty="0">
+                        <a:solidFill>
+                          <a:schemeClr val="dk1"/>
+                        </a:solidFill>
+                        <a:latin typeface="+mn-ea"/>
+                        <a:ea typeface="+mn-ea"/>
+                        <a:cs typeface="+mn-cs"/>
+                        <a:sym typeface="Arial"/>
+                      </a:endParaRPr>
+                    </a:p>
+                  </a:txBody>
+                  <a:tcPr anchor="ctr"/>
+                </a:tc>
+                <a:tc>
+                  <a:txBody>
+                    <a:bodyPr/>
+                    <a:lstStyle/>
+                    <a:p>
+                      <a:pPr algn="ctr" latinLnBrk="1"/>
+                      <a:r>
+                        <a:rPr lang="ko-KR" altLang="en-US" sz="900" b="0" dirty="0">
+                          <a:latin typeface="+mn-ea"/>
+                          <a:ea typeface="+mn-ea"/>
+                        </a:rPr>
+                        <a:t>운영체제</a:t>
+                      </a:r>
+                    </a:p>
+                  </a:txBody>
+                  <a:tcPr anchor="ctr"/>
+                </a:tc>
+                <a:tc>
+                  <a:txBody>
+                    <a:bodyPr/>
+                    <a:lstStyle/>
+                    <a:p>
+                      <a:pPr algn="ctr" latinLnBrk="1"/>
+                      <a:r>
+                        <a:rPr lang="en-US" altLang="ko-KR" sz="900" b="0" dirty="0">
+                          <a:latin typeface="+mn-ea"/>
+                          <a:ea typeface="+mn-ea"/>
+                        </a:rPr>
+                        <a:t>4</a:t>
+                      </a:r>
+                      <a:endParaRPr lang="ko-KR" altLang="en-US" sz="900" b="0" dirty="0">
+                        <a:latin typeface="+mn-ea"/>
+                        <a:ea typeface="+mn-ea"/>
+                      </a:endParaRPr>
+                    </a:p>
+                  </a:txBody>
+                  <a:tcPr anchor="ctr"/>
+                </a:tc>
+                <a:tc>
+                  <a:txBody>
+                    <a:bodyPr/>
+                    <a:lstStyle/>
+                    <a:p>
+                      <a:pPr algn="ctr" latinLnBrk="1"/>
+                      <a:r>
+                        <a:rPr lang="en-US" altLang="ko-KR" sz="900" b="0" dirty="0">
+                          <a:latin typeface="+mn-ea"/>
+                          <a:ea typeface="+mn-ea"/>
+                        </a:rPr>
+                        <a:t>5</a:t>
+                      </a:r>
+                      <a:endParaRPr lang="ko-KR" altLang="en-US" sz="900" b="0" dirty="0">
+                        <a:latin typeface="+mn-ea"/>
+                        <a:ea typeface="+mn-ea"/>
+                      </a:endParaRPr>
+                    </a:p>
+                  </a:txBody>
+                  <a:tcPr anchor="ctr"/>
+                </a:tc>
+                <a:tc>
+                  <a:txBody>
+                    <a:bodyPr/>
+                    <a:lstStyle/>
+                    <a:p>
+                      <a:pPr marL="0" marR="0" lvl="0" indent="0" algn="ctr" defTabSz="914400" rtl="0" eaLnBrk="1" fontAlgn="auto" latinLnBrk="1" hangingPunct="1">
+                        <a:lnSpc>
+                          <a:spcPct val="100000"/>
+                        </a:lnSpc>
+                        <a:spcBef>
+                          <a:spcPts val="0"/>
+                        </a:spcBef>
+                        <a:spcAft>
+                          <a:spcPts val="0"/>
+                        </a:spcAft>
+                        <a:buClr>
+                          <a:srgbClr val="000000"/>
+                        </a:buClr>
+                        <a:buSzTx/>
+                        <a:buFont typeface="Arial"/>
+                        <a:buNone/>
+                        <a:tabLst/>
+                        <a:defRPr/>
+                      </a:pPr>
+                      <a:r>
+                        <a:rPr kumimoji="0" lang="en-US" altLang="ko-KR" sz="900" b="0" i="0" u="none" strike="noStrike" kern="0" cap="none" spc="0" normalizeH="0" baseline="0" noProof="0" dirty="0">
+                          <a:ln>
+                            <a:noFill/>
+                          </a:ln>
+                          <a:solidFill>
+                            <a:srgbClr val="000000"/>
+                          </a:solidFill>
+                          <a:effectLst/>
+                          <a:uLnTx/>
+                          <a:uFillTx/>
+                          <a:latin typeface="맑은 고딕" panose="020B0503020000020004" pitchFamily="50" charset="-127"/>
+                          <a:ea typeface="맑은 고딕" panose="020B0503020000020004" pitchFamily="50" charset="-127"/>
+                          <a:cs typeface="+mn-cs"/>
+                          <a:sym typeface="Arial"/>
+                        </a:rPr>
+                        <a:t>3</a:t>
+                      </a:r>
+                    </a:p>
+                  </a:txBody>
+                  <a:tcPr anchor="ctr"/>
+                </a:tc>
+                <a:extLst>
+                  <a:ext uri="{0D108BD9-81ED-4DB2-BD59-A6C34878D82A}">
+                    <a16:rowId xmlns:a16="http://schemas.microsoft.com/office/drawing/2014/main" val="3980106186"/>
+                  </a:ext>
+                </a:extLst>
+              </a:tr>
+            </a:tbl>
+          </a:graphicData>
+        </a:graphic>
+      </p:graphicFrame>
+      <p:sp>
+        <p:nvSpPr>
+          <p:cNvPr id="24" name="Google Shape;199;p16">
+            <a:extLst>
+              <a:ext uri="{FF2B5EF4-FFF2-40B4-BE49-F238E27FC236}">
+                <a16:creationId xmlns:a16="http://schemas.microsoft.com/office/drawing/2014/main" id="{EE6D9A01-BDDD-40D4-AE3A-74E7947DA03D}"/>
+              </a:ext>
+            </a:extLst>
+          </p:cNvPr>
+          <p:cNvSpPr txBox="1"/>
+          <p:nvPr/>
+        </p:nvSpPr>
+        <p:spPr>
+          <a:xfrm>
+            <a:off x="6469808" y="831295"/>
+            <a:ext cx="1164643" cy="369291"/>
+          </a:xfrm>
+          <a:prstGeom prst="rect">
+            <a:avLst/>
+          </a:prstGeom>
+          <a:noFill/>
+          <a:ln>
+            <a:noFill/>
+          </a:ln>
+        </p:spPr>
+        <p:txBody>
+          <a:bodyPr spcFirstLastPara="1" wrap="square" lIns="91425" tIns="45700" rIns="91425" bIns="45700" anchor="t" anchorCtr="0">
+            <a:spAutoFit/>
+          </a:bodyPr>
+          <a:lstStyle/>
+          <a:p>
+            <a:pPr marL="0" marR="0" lvl="0" indent="0" algn="l" rtl="0">
+              <a:spcBef>
+                <a:spcPts val="0"/>
+              </a:spcBef>
+              <a:spcAft>
+                <a:spcPts val="0"/>
+              </a:spcAft>
+              <a:buNone/>
+            </a:pPr>
+            <a:r>
+              <a:rPr lang="en-US" altLang="ko-KR" sz="900" dirty="0">
+                <a:solidFill>
+                  <a:schemeClr val="dk1"/>
+                </a:solidFill>
+                <a:latin typeface="Malgun Gothic"/>
+                <a:ea typeface="Malgun Gothic"/>
+              </a:rPr>
+              <a:t>OOO</a:t>
+            </a:r>
+            <a:r>
+              <a:rPr lang="ko-KR" altLang="en-US" sz="900" dirty="0">
+                <a:solidFill>
+                  <a:schemeClr val="dk1"/>
+                </a:solidFill>
+                <a:latin typeface="Malgun Gothic"/>
+                <a:ea typeface="Malgun Gothic"/>
+              </a:rPr>
+              <a:t>님 안녕하세요</a:t>
+            </a:r>
+          </a:p>
+        </p:txBody>
+      </p:sp>
+      <p:sp>
+        <p:nvSpPr>
+          <p:cNvPr id="25" name="Google Shape;111;p13">
+            <a:extLst>
+              <a:ext uri="{FF2B5EF4-FFF2-40B4-BE49-F238E27FC236}">
+                <a16:creationId xmlns:a16="http://schemas.microsoft.com/office/drawing/2014/main" id="{F59D1251-EDE6-467C-85B7-D69A471BB44A}"/>
+              </a:ext>
+            </a:extLst>
+          </p:cNvPr>
+          <p:cNvSpPr/>
+          <p:nvPr/>
+        </p:nvSpPr>
+        <p:spPr>
+          <a:xfrm>
+            <a:off x="6970834" y="1210160"/>
+            <a:ext cx="652582" cy="241995"/>
+          </a:xfrm>
+          <a:prstGeom prst="roundRect">
+            <a:avLst>
+              <a:gd name="adj" fmla="val 8776"/>
+            </a:avLst>
+          </a:prstGeom>
+          <a:solidFill>
+            <a:srgbClr val="F2F2F2"/>
+          </a:solidFill>
+          <a:ln w="9525" cap="flat" cmpd="sng">
+            <a:solidFill>
+              <a:srgbClr val="808080"/>
+            </a:solidFill>
+            <a:prstDash val="solid"/>
+            <a:round/>
+            <a:headEnd type="none" w="sm" len="sm"/>
+            <a:tailEnd type="none" w="sm" len="sm"/>
+          </a:ln>
+        </p:spPr>
+        <p:txBody>
+          <a:bodyPr spcFirstLastPara="1" wrap="square" lIns="91425" tIns="45700" rIns="91425" bIns="45700" anchor="ctr" anchorCtr="0">
+            <a:noAutofit/>
+          </a:bodyPr>
+          <a:lstStyle/>
+          <a:p>
+            <a:pPr marL="0" marR="0" lvl="0" indent="0" algn="l" rtl="0">
+              <a:spcBef>
+                <a:spcPts val="0"/>
+              </a:spcBef>
+              <a:spcAft>
+                <a:spcPts val="0"/>
+              </a:spcAft>
+              <a:buNone/>
+            </a:pPr>
+            <a:r>
+              <a:rPr lang="ko-KR" altLang="en-US" sz="900" dirty="0">
+                <a:solidFill>
+                  <a:srgbClr val="5F5F5F"/>
+                </a:solidFill>
+                <a:latin typeface="Quattrocento Sans"/>
+                <a:ea typeface="Quattrocento Sans"/>
+                <a:cs typeface="Quattrocento Sans"/>
+              </a:rPr>
+              <a:t>로그아웃</a:t>
+            </a:r>
+            <a:endParaRPr lang="ko-KR" altLang="en-US" sz="900" b="0" i="0" u="none" strike="noStrike" cap="none" dirty="0">
+              <a:solidFill>
+                <a:srgbClr val="5F5F5F"/>
+              </a:solidFill>
+              <a:latin typeface="Quattrocento Sans"/>
+              <a:ea typeface="Quattrocento Sans"/>
+              <a:cs typeface="Quattrocento Sans"/>
+            </a:endParaRPr>
+          </a:p>
+        </p:txBody>
+      </p:sp>
+      <p:sp>
+        <p:nvSpPr>
+          <p:cNvPr id="14" name="Google Shape;111;p13">
+            <a:extLst>
+              <a:ext uri="{FF2B5EF4-FFF2-40B4-BE49-F238E27FC236}">
+                <a16:creationId xmlns:a16="http://schemas.microsoft.com/office/drawing/2014/main" id="{9850DD4D-D8DB-411F-B335-6BB815532BEC}"/>
+              </a:ext>
+            </a:extLst>
+          </p:cNvPr>
+          <p:cNvSpPr/>
+          <p:nvPr/>
+        </p:nvSpPr>
+        <p:spPr>
+          <a:xfrm>
+            <a:off x="6189600" y="1208768"/>
+            <a:ext cx="652582" cy="241995"/>
+          </a:xfrm>
+          <a:prstGeom prst="roundRect">
+            <a:avLst>
+              <a:gd name="adj" fmla="val 8776"/>
+            </a:avLst>
+          </a:prstGeom>
+          <a:solidFill>
+            <a:srgbClr val="F2F2F2"/>
+          </a:solidFill>
+          <a:ln w="9525" cap="flat" cmpd="sng">
+            <a:solidFill>
+              <a:srgbClr val="808080"/>
+            </a:solidFill>
+            <a:prstDash val="solid"/>
+            <a:round/>
+            <a:headEnd type="none" w="sm" len="sm"/>
+            <a:tailEnd type="none" w="sm" len="sm"/>
+          </a:ln>
+        </p:spPr>
+        <p:txBody>
+          <a:bodyPr spcFirstLastPara="1" wrap="square" lIns="91425" tIns="45700" rIns="91425" bIns="45700" anchor="ctr" anchorCtr="0">
+            <a:noAutofit/>
+          </a:bodyPr>
+          <a:lstStyle/>
+          <a:p>
+            <a:pPr marL="0" marR="0" lvl="0" indent="0" algn="l" rtl="0">
+              <a:spcBef>
+                <a:spcPts val="0"/>
+              </a:spcBef>
+              <a:spcAft>
+                <a:spcPts val="0"/>
+              </a:spcAft>
+              <a:buNone/>
+            </a:pPr>
+            <a:r>
+              <a:rPr lang="ko-KR" altLang="en-US" sz="900" dirty="0">
+                <a:solidFill>
+                  <a:srgbClr val="5F5F5F"/>
+                </a:solidFill>
+                <a:latin typeface="Quattrocento Sans"/>
+                <a:ea typeface="Quattrocento Sans"/>
+                <a:cs typeface="Quattrocento Sans"/>
+              </a:rPr>
+              <a:t>출석확인</a:t>
+            </a:r>
+            <a:endParaRPr lang="ko-KR" altLang="en-US" sz="900" b="0" i="0" u="none" strike="noStrike" cap="none" dirty="0">
+              <a:solidFill>
+                <a:srgbClr val="5F5F5F"/>
+              </a:solidFill>
+              <a:latin typeface="Quattrocento Sans"/>
+              <a:ea typeface="Quattrocento Sans"/>
+              <a:cs typeface="Quattrocento Sans"/>
+            </a:endParaRPr>
+          </a:p>
+        </p:txBody>
+      </p:sp>
+      <p:grpSp>
+        <p:nvGrpSpPr>
+          <p:cNvPr id="16" name="그룹 15">
+            <a:extLst>
+              <a:ext uri="{FF2B5EF4-FFF2-40B4-BE49-F238E27FC236}">
+                <a16:creationId xmlns:a16="http://schemas.microsoft.com/office/drawing/2014/main" id="{0082972C-0D0F-4738-8D8A-E89B1DF58DD2}"/>
+              </a:ext>
+            </a:extLst>
+          </p:cNvPr>
+          <p:cNvGrpSpPr/>
+          <p:nvPr/>
+        </p:nvGrpSpPr>
+        <p:grpSpPr>
+          <a:xfrm>
+            <a:off x="4962737" y="1135853"/>
+            <a:ext cx="1181620" cy="314910"/>
+            <a:chOff x="3079591" y="2700118"/>
+            <a:chExt cx="1181620" cy="314910"/>
+          </a:xfrm>
+        </p:grpSpPr>
+        <p:sp>
+          <p:nvSpPr>
+            <p:cNvPr id="17" name="직사각형 16">
+              <a:extLst>
+                <a:ext uri="{FF2B5EF4-FFF2-40B4-BE49-F238E27FC236}">
+                  <a16:creationId xmlns:a16="http://schemas.microsoft.com/office/drawing/2014/main" id="{4AA3AF9E-C1EF-445B-8FB8-FF210AAD4A82}"/>
+                </a:ext>
+              </a:extLst>
+            </p:cNvPr>
+            <p:cNvSpPr/>
+            <p:nvPr/>
+          </p:nvSpPr>
+          <p:spPr>
+            <a:xfrm>
+              <a:off x="3147060" y="2773033"/>
+              <a:ext cx="1114151" cy="241995"/>
+            </a:xfrm>
+            <a:prstGeom prst="rect">
+              <a:avLst/>
+            </a:prstGeom>
+            <a:noFill/>
+            <a:ln>
+              <a:solidFill>
+                <a:schemeClr val="tx1"/>
+              </a:solidFill>
+            </a:ln>
+          </p:spPr>
+          <p:style>
+            <a:lnRef idx="2">
+              <a:schemeClr val="accent1">
+                <a:shade val="50000"/>
+              </a:schemeClr>
+            </a:lnRef>
+            <a:fillRef idx="1">
+              <a:schemeClr val="accent1"/>
+            </a:fillRef>
+            <a:effectRef idx="0">
+              <a:schemeClr val="accent1"/>
+            </a:effectRef>
+            <a:fontRef idx="minor">
+              <a:schemeClr val="lt1"/>
+            </a:fontRef>
+          </p:style>
+          <p:txBody>
+            <a:bodyPr rtlCol="0" anchor="ctr"/>
+            <a:lstStyle/>
+            <a:p>
+              <a:r>
+                <a:rPr lang="ko-KR" altLang="en-US" sz="900" dirty="0">
+                  <a:solidFill>
+                    <a:srgbClr val="5F5F5F"/>
+                  </a:solidFill>
+                  <a:latin typeface="Quattrocento Sans"/>
+                  <a:ea typeface="Quattrocento Sans"/>
+                  <a:cs typeface="Quattrocento Sans"/>
+                </a:rPr>
+                <a:t>수강과목 선택</a:t>
+              </a:r>
+            </a:p>
+          </p:txBody>
+        </p:sp>
+        <p:sp>
+          <p:nvSpPr>
+            <p:cNvPr id="18" name="Google Shape;114;p13">
+              <a:extLst>
+                <a:ext uri="{FF2B5EF4-FFF2-40B4-BE49-F238E27FC236}">
+                  <a16:creationId xmlns:a16="http://schemas.microsoft.com/office/drawing/2014/main" id="{BB3378EF-7C7C-402F-ADEB-DA16CA39C7BF}"/>
+                </a:ext>
+              </a:extLst>
+            </p:cNvPr>
+            <p:cNvSpPr/>
+            <p:nvPr/>
+          </p:nvSpPr>
+          <p:spPr>
+            <a:xfrm>
+              <a:off x="3079591" y="2700118"/>
+              <a:ext cx="134937" cy="138113"/>
+            </a:xfrm>
+            <a:prstGeom prst="ellipse">
+              <a:avLst/>
+            </a:prstGeom>
+            <a:solidFill>
+              <a:srgbClr val="D60C0C"/>
+            </a:solidFill>
+            <a:ln w="19050" cap="flat" cmpd="sng">
+              <a:solidFill>
+                <a:schemeClr val="lt1"/>
+              </a:solidFill>
+              <a:prstDash val="solid"/>
+              <a:miter lim="800000"/>
+              <a:headEnd type="none" w="sm" len="sm"/>
+              <a:tailEnd type="none" w="sm" len="sm"/>
+            </a:ln>
+            <a:effectLst>
+              <a:outerShdw blurRad="50800" dist="38100" dir="2700000" algn="tl" rotWithShape="0">
+                <a:srgbClr val="000000">
+                  <a:alpha val="40000"/>
+                </a:srgbClr>
+              </a:outerShdw>
+            </a:effectLst>
+          </p:spPr>
+          <p:txBody>
+            <a:bodyPr spcFirstLastPara="1" wrap="square" lIns="91425" tIns="45700" rIns="91425" bIns="45700" anchor="ctr" anchorCtr="0">
+              <a:noAutofit/>
+            </a:bodyPr>
+            <a:lstStyle/>
+            <a:p>
+              <a:pPr marL="0" marR="0" lvl="0" indent="0" algn="ctr" rtl="0">
+                <a:spcBef>
+                  <a:spcPts val="0"/>
+                </a:spcBef>
+                <a:spcAft>
+                  <a:spcPts val="0"/>
+                </a:spcAft>
+                <a:buNone/>
+              </a:pPr>
+              <a:r>
+                <a:rPr lang="en-US" altLang="ko-KR" sz="1000" b="1" i="0" u="none" strike="noStrike" cap="none" dirty="0">
+                  <a:solidFill>
+                    <a:schemeClr val="lt1"/>
+                  </a:solidFill>
+                  <a:latin typeface="Malgun Gothic"/>
+                  <a:ea typeface="Malgun Gothic"/>
+                  <a:cs typeface="Malgun Gothic"/>
+                  <a:sym typeface="Malgun Gothic"/>
+                </a:rPr>
+                <a:t>1</a:t>
+              </a:r>
+            </a:p>
+          </p:txBody>
+        </p:sp>
+        <p:sp>
+          <p:nvSpPr>
+            <p:cNvPr id="19" name="이등변 삼각형 18">
+              <a:extLst>
+                <a:ext uri="{FF2B5EF4-FFF2-40B4-BE49-F238E27FC236}">
+                  <a16:creationId xmlns:a16="http://schemas.microsoft.com/office/drawing/2014/main" id="{9889F381-8745-4413-810E-66862D980412}"/>
+                </a:ext>
+              </a:extLst>
+            </p:cNvPr>
+            <p:cNvSpPr/>
+            <p:nvPr/>
+          </p:nvSpPr>
+          <p:spPr>
+            <a:xfrm rot="10800000">
+              <a:off x="4017975" y="2804583"/>
+              <a:ext cx="222250" cy="191595"/>
+            </a:xfrm>
+            <a:prstGeom prst="triangle">
+              <a:avLst/>
+            </a:prstGeom>
+            <a:solidFill>
+              <a:schemeClr val="tx2">
+                <a:lumMod val="75000"/>
+              </a:schemeClr>
+            </a:solidFill>
+            <a:ln>
+              <a:noFill/>
+            </a:ln>
+          </p:spPr>
+          <p:style>
+            <a:lnRef idx="2">
+              <a:schemeClr val="accent1">
+                <a:shade val="50000"/>
+              </a:schemeClr>
+            </a:lnRef>
+            <a:fillRef idx="1">
+              <a:schemeClr val="accent1"/>
+            </a:fillRef>
+            <a:effectRef idx="0">
+              <a:schemeClr val="accent1"/>
+            </a:effectRef>
+            <a:fontRef idx="minor">
+              <a:schemeClr val="lt1"/>
+            </a:fontRef>
+          </p:style>
+          <p:txBody>
+            <a:bodyPr rtlCol="0" anchor="ctr"/>
+            <a:lstStyle/>
+            <a:p>
+              <a:pPr algn="ctr"/>
+              <a:endParaRPr lang="ko-KR" altLang="en-US"/>
+            </a:p>
+          </p:txBody>
+        </p:sp>
+      </p:grpSp>
+      <p:sp>
+        <p:nvSpPr>
+          <p:cNvPr id="15" name="Google Shape;114;p13">
+            <a:extLst>
+              <a:ext uri="{FF2B5EF4-FFF2-40B4-BE49-F238E27FC236}">
+                <a16:creationId xmlns:a16="http://schemas.microsoft.com/office/drawing/2014/main" id="{478926E4-FBCC-4E24-851C-B6798F799F32}"/>
+              </a:ext>
+            </a:extLst>
+          </p:cNvPr>
+          <p:cNvSpPr/>
+          <p:nvPr/>
+        </p:nvSpPr>
+        <p:spPr>
+          <a:xfrm>
+            <a:off x="6159763" y="1124630"/>
+            <a:ext cx="134937" cy="138113"/>
+          </a:xfrm>
+          <a:prstGeom prst="ellipse">
+            <a:avLst/>
+          </a:prstGeom>
+          <a:solidFill>
+            <a:srgbClr val="D60C0C"/>
+          </a:solidFill>
+          <a:ln w="19050" cap="flat" cmpd="sng">
+            <a:solidFill>
+              <a:schemeClr val="lt1"/>
+            </a:solidFill>
+            <a:prstDash val="solid"/>
+            <a:miter lim="800000"/>
+            <a:headEnd type="none" w="sm" len="sm"/>
+            <a:tailEnd type="none" w="sm" len="sm"/>
+          </a:ln>
+          <a:effectLst>
+            <a:outerShdw blurRad="50800" dist="38100" dir="2700000" algn="tl" rotWithShape="0">
+              <a:srgbClr val="000000">
+                <a:alpha val="40000"/>
+              </a:srgbClr>
+            </a:outerShdw>
+          </a:effectLst>
+        </p:spPr>
+        <p:txBody>
+          <a:bodyPr spcFirstLastPara="1" wrap="square" lIns="91425" tIns="45700" rIns="91425" bIns="45700" anchor="ctr" anchorCtr="0">
+            <a:noAutofit/>
+          </a:bodyPr>
+          <a:lstStyle/>
+          <a:p>
+            <a:pPr marL="0" marR="0" lvl="0" indent="0" algn="ctr" rtl="0">
+              <a:spcBef>
+                <a:spcPts val="0"/>
+              </a:spcBef>
+              <a:spcAft>
+                <a:spcPts val="0"/>
+              </a:spcAft>
+              <a:buNone/>
+            </a:pPr>
+            <a:r>
+              <a:rPr lang="en-US" sz="1000" b="1" dirty="0">
+                <a:solidFill>
+                  <a:schemeClr val="lt1"/>
+                </a:solidFill>
+                <a:latin typeface="Malgun Gothic"/>
+                <a:ea typeface="Malgun Gothic"/>
+                <a:cs typeface="Malgun Gothic"/>
+                <a:sym typeface="Malgun Gothic"/>
+              </a:rPr>
+              <a:t>2</a:t>
+            </a:r>
+            <a:endParaRPr sz="1000" b="1" i="0" u="none" strike="noStrike" cap="none" dirty="0">
+              <a:solidFill>
+                <a:schemeClr val="lt1"/>
+              </a:solidFill>
+              <a:latin typeface="Malgun Gothic"/>
+              <a:ea typeface="Malgun Gothic"/>
+              <a:cs typeface="Malgun Gothic"/>
+              <a:sym typeface="Malgun Gothic"/>
+            </a:endParaRPr>
+          </a:p>
+        </p:txBody>
+      </p:sp>
+      <p:sp>
+        <p:nvSpPr>
+          <p:cNvPr id="20" name="Google Shape;114;p13">
+            <a:extLst>
+              <a:ext uri="{FF2B5EF4-FFF2-40B4-BE49-F238E27FC236}">
+                <a16:creationId xmlns:a16="http://schemas.microsoft.com/office/drawing/2014/main" id="{B22B192A-CEAC-4942-A812-A2590F971BA5}"/>
+              </a:ext>
+            </a:extLst>
+          </p:cNvPr>
+          <p:cNvSpPr/>
+          <p:nvPr/>
+        </p:nvSpPr>
+        <p:spPr>
+          <a:xfrm>
+            <a:off x="6926817" y="1135621"/>
+            <a:ext cx="134937" cy="138113"/>
+          </a:xfrm>
+          <a:prstGeom prst="ellipse">
+            <a:avLst/>
+          </a:prstGeom>
+          <a:solidFill>
+            <a:srgbClr val="D60C0C"/>
+          </a:solidFill>
+          <a:ln w="19050" cap="flat" cmpd="sng">
+            <a:solidFill>
+              <a:schemeClr val="lt1"/>
+            </a:solidFill>
+            <a:prstDash val="solid"/>
+            <a:miter lim="800000"/>
+            <a:headEnd type="none" w="sm" len="sm"/>
+            <a:tailEnd type="none" w="sm" len="sm"/>
+          </a:ln>
+          <a:effectLst>
+            <a:outerShdw blurRad="50800" dist="38100" dir="2700000" algn="tl" rotWithShape="0">
+              <a:srgbClr val="000000">
+                <a:alpha val="40000"/>
+              </a:srgbClr>
+            </a:outerShdw>
+          </a:effectLst>
+        </p:spPr>
+        <p:txBody>
+          <a:bodyPr spcFirstLastPara="1" wrap="square" lIns="91425" tIns="45700" rIns="91425" bIns="45700" anchor="ctr" anchorCtr="0">
+            <a:noAutofit/>
+          </a:bodyPr>
+          <a:lstStyle/>
+          <a:p>
+            <a:pPr marL="0" marR="0" lvl="0" indent="0" algn="ctr" rtl="0">
+              <a:spcBef>
+                <a:spcPts val="0"/>
+              </a:spcBef>
+              <a:spcAft>
+                <a:spcPts val="0"/>
+              </a:spcAft>
+              <a:buNone/>
+            </a:pPr>
+            <a:r>
+              <a:rPr lang="en-US" sz="1000" b="1" dirty="0">
+                <a:solidFill>
+                  <a:schemeClr val="lt1"/>
+                </a:solidFill>
+                <a:latin typeface="Malgun Gothic"/>
+                <a:ea typeface="Malgun Gothic"/>
+                <a:cs typeface="Malgun Gothic"/>
+                <a:sym typeface="Malgun Gothic"/>
+              </a:rPr>
+              <a:t>3</a:t>
             </a:r>
             <a:endParaRPr sz="1000" b="1" i="0" u="none" strike="noStrike" cap="none" dirty="0">
               <a:solidFill>
@@ -24432,7 +26215,7 @@
     </p:spTree>
     <p:extLst>
       <p:ext uri="{BB962C8B-B14F-4D97-AF65-F5344CB8AC3E}">
-        <p14:creationId xmlns:p14="http://schemas.microsoft.com/office/powerpoint/2010/main" val="76227941"/>
+        <p14:creationId xmlns:p14="http://schemas.microsoft.com/office/powerpoint/2010/main" val="3354625088"/>
       </p:ext>
     </p:extLst>
   </p:cSld>

--- a/6.프로그램명세서(기능설명위주)_v1.0.pptx
+++ b/6.프로그램명세서(기능설명위주)_v1.0.pptx
@@ -24320,6 +24320,18 @@
               <a:t>출결상태</a:t>
             </a:r>
             <a:r>
+              <a:rPr lang="ko-KR" altLang="en-US" sz="900" dirty="0">
+                <a:solidFill>
+                  <a:schemeClr val="dk1"/>
+                </a:solidFill>
+                <a:latin typeface="Malgun Gothic"/>
+                <a:ea typeface="Malgun Gothic"/>
+                <a:cs typeface="Malgun Gothic"/>
+                <a:sym typeface="Malgun Gothic"/>
+              </a:rPr>
+              <a:t> </a:t>
+            </a:r>
+            <a:r>
               <a:rPr lang="en-US" altLang="ko-KR" sz="900" dirty="0">
                 <a:solidFill>
                   <a:schemeClr val="dk1"/>
@@ -24380,6 +24392,42 @@
               <a:t>,</a:t>
             </a:r>
             <a:r>
+              <a:rPr lang="ko-KR" altLang="en-US" sz="900">
+                <a:solidFill>
+                  <a:schemeClr val="dk1"/>
+                </a:solidFill>
+                <a:latin typeface="Malgun Gothic"/>
+                <a:ea typeface="Malgun Gothic"/>
+                <a:cs typeface="Malgun Gothic"/>
+                <a:sym typeface="Malgun Gothic"/>
+              </a:rPr>
+              <a:t>지각</a:t>
+            </a:r>
+            <a:r>
+              <a:rPr lang="en-US" altLang="ko-KR" sz="900">
+                <a:solidFill>
+                  <a:schemeClr val="dk1"/>
+                </a:solidFill>
+                <a:latin typeface="Malgun Gothic"/>
+                <a:ea typeface="Malgun Gothic"/>
+                <a:cs typeface="Malgun Gothic"/>
+                <a:sym typeface="Malgun Gothic"/>
+              </a:rPr>
+              <a:t>)</a:t>
+            </a:r>
+            <a:r>
+              <a:rPr lang="ko-KR" altLang="en-US" sz="900">
+                <a:solidFill>
+                  <a:schemeClr val="dk1"/>
+                </a:solidFill>
+                <a:latin typeface="Malgun Gothic"/>
+                <a:ea typeface="Malgun Gothic"/>
+                <a:cs typeface="Malgun Gothic"/>
+                <a:sym typeface="Malgun Gothic"/>
+              </a:rPr>
+              <a:t>를 </a:t>
+            </a:r>
+            <a:r>
               <a:rPr lang="ko-KR" altLang="en-US" sz="900" dirty="0">
                 <a:solidFill>
                   <a:schemeClr val="dk1"/>
@@ -24389,31 +24437,7 @@
                 <a:cs typeface="Malgun Gothic"/>
                 <a:sym typeface="Malgun Gothic"/>
               </a:rPr>
-              <a:t>지각</a:t>
-            </a:r>
-            <a:r>
-              <a:rPr lang="en-US" altLang="ko-KR" sz="900" dirty="0">
-                <a:solidFill>
-                  <a:schemeClr val="dk1"/>
-                </a:solidFill>
-                <a:latin typeface="Malgun Gothic"/>
-                <a:ea typeface="Malgun Gothic"/>
-                <a:cs typeface="Malgun Gothic"/>
-                <a:sym typeface="Malgun Gothic"/>
-              </a:rPr>
-              <a:t>)</a:t>
-            </a:r>
-            <a:r>
-              <a:rPr lang="ko-KR" altLang="en-US" sz="900" dirty="0">
-                <a:solidFill>
-                  <a:schemeClr val="dk1"/>
-                </a:solidFill>
-                <a:latin typeface="Malgun Gothic"/>
-                <a:ea typeface="Malgun Gothic"/>
-                <a:cs typeface="Malgun Gothic"/>
-                <a:sym typeface="Malgun Gothic"/>
-              </a:rPr>
-              <a:t>을 통해 데이터베이스의 각각의 컬럼에 </a:t>
+              <a:t>통해 데이터베이스의 각각의 컬럼에 </a:t>
             </a:r>
             <a:r>
               <a:rPr lang="en-US" altLang="ko-KR" sz="900" dirty="0">
@@ -24763,29 +24787,8 @@
                 <a:cs typeface="Malgun Gothic"/>
                 <a:sym typeface="Malgun Gothic"/>
               </a:rPr>
-              <a:t>Table </a:t>
-            </a:r>
-            <a:r>
-              <a:rPr lang="en-US" altLang="ko-KR" sz="900">
-                <a:solidFill>
-                  <a:schemeClr val="dk1"/>
-                </a:solidFill>
-                <a:latin typeface="Malgun Gothic"/>
-                <a:ea typeface="Malgun Gothic"/>
-                <a:cs typeface="Malgun Gothic"/>
-                <a:sym typeface="Malgun Gothic"/>
-              </a:rPr>
-              <a:t>: Management</a:t>
-            </a:r>
-            <a:endParaRPr lang="en-US" altLang="ko-KR" sz="900" dirty="0">
-              <a:solidFill>
-                <a:schemeClr val="dk1"/>
-              </a:solidFill>
-              <a:latin typeface="Malgun Gothic"/>
-              <a:ea typeface="Malgun Gothic"/>
-              <a:cs typeface="Malgun Gothic"/>
-              <a:sym typeface="Malgun Gothic"/>
-            </a:endParaRPr>
+              <a:t>Table : Management</a:t>
+            </a:r>
           </a:p>
           <a:p>
             <a:pPr marL="228600" indent="-171450">
